--- a/text/Mitrakov.pptx
+++ b/text/Mitrakov.pptx
@@ -25,11 +25,11 @@
     <p:sldId id="269" r:id="rId16"/>
     <p:sldId id="282" r:id="rId17"/>
     <p:sldId id="279" r:id="rId18"/>
-    <p:sldId id="280" r:id="rId19"/>
-    <p:sldId id="271" r:id="rId20"/>
-    <p:sldId id="285" r:id="rId21"/>
-    <p:sldId id="273" r:id="rId22"/>
-    <p:sldId id="281" r:id="rId23"/>
+    <p:sldId id="271" r:id="rId19"/>
+    <p:sldId id="285" r:id="rId20"/>
+    <p:sldId id="273" r:id="rId21"/>
+    <p:sldId id="281" r:id="rId22"/>
+    <p:sldId id="286" r:id="rId23"/>
     <p:sldId id="274" r:id="rId24"/>
     <p:sldId id="276" r:id="rId25"/>
     <p:sldId id="275" r:id="rId26"/>
@@ -164,6 +164,431 @@
 </p:presentation>
 </file>
 
+<file path=ppt/charts/chart1.xml><?xml version="1.0" encoding="utf-8"?>
+<c:chartSpace xmlns:c="http://schemas.openxmlformats.org/drawingml/2006/chart" xmlns:a="http://schemas.openxmlformats.org/drawingml/2006/main" xmlns:r="http://schemas.openxmlformats.org/officeDocument/2006/relationships">
+  <c:date1904 val="0"/>
+  <c:lang val="ru-RU"/>
+  <c:roundedCorners val="0"/>
+  <mc:AlternateContent xmlns:mc="http://schemas.openxmlformats.org/markup-compatibility/2006">
+    <mc:Choice xmlns:c14="http://schemas.microsoft.com/office/drawing/2007/8/2/chart" Requires="c14">
+      <c14:style val="102"/>
+    </mc:Choice>
+    <mc:Fallback>
+      <c:style val="2"/>
+    </mc:Fallback>
+  </mc:AlternateContent>
+  <c:chart>
+    <c:title>
+      <c:tx>
+        <c:rich>
+          <a:bodyPr/>
+          <a:lstStyle/>
+          <a:p>
+            <a:pPr>
+              <a:defRPr/>
+            </a:pPr>
+            <a:r>
+              <a:rPr lang="ru-RU"/>
+              <a:t>Количество откатов</a:t>
+            </a:r>
+          </a:p>
+        </c:rich>
+      </c:tx>
+      <c:layout/>
+      <c:overlay val="1"/>
+    </c:title>
+    <c:autoTitleDeleted val="0"/>
+    <c:plotArea>
+      <c:layout/>
+      <c:lineChart>
+        <c:grouping val="standard"/>
+        <c:varyColors val="0"/>
+        <c:ser>
+          <c:idx val="0"/>
+          <c:order val="0"/>
+          <c:tx>
+            <c:v>Time Warp</c:v>
+          </c:tx>
+          <c:marker>
+            <c:symbol val="none"/>
+          </c:marker>
+          <c:val>
+            <c:numRef>
+              <c:f>Лист6!$B$6:$K$6</c:f>
+              <c:numCache>
+                <c:formatCode>General</c:formatCode>
+                <c:ptCount val="10"/>
+                <c:pt idx="0">
+                  <c:v>61</c:v>
+                </c:pt>
+                <c:pt idx="1">
+                  <c:v>67</c:v>
+                </c:pt>
+                <c:pt idx="2">
+                  <c:v>77</c:v>
+                </c:pt>
+                <c:pt idx="3">
+                  <c:v>73</c:v>
+                </c:pt>
+                <c:pt idx="4">
+                  <c:v>74</c:v>
+                </c:pt>
+                <c:pt idx="5">
+                  <c:v>70</c:v>
+                </c:pt>
+                <c:pt idx="6">
+                  <c:v>74</c:v>
+                </c:pt>
+                <c:pt idx="7">
+                  <c:v>69</c:v>
+                </c:pt>
+                <c:pt idx="8">
+                  <c:v>74</c:v>
+                </c:pt>
+                <c:pt idx="9">
+                  <c:v>73</c:v>
+                </c:pt>
+              </c:numCache>
+            </c:numRef>
+          </c:val>
+          <c:smooth val="0"/>
+        </c:ser>
+        <c:ser>
+          <c:idx val="1"/>
+          <c:order val="1"/>
+          <c:tx>
+            <c:v>KBASA</c:v>
+          </c:tx>
+          <c:marker>
+            <c:symbol val="none"/>
+          </c:marker>
+          <c:val>
+            <c:numRef>
+              <c:f>Лист6!$B$7:$K$7</c:f>
+              <c:numCache>
+                <c:formatCode>General</c:formatCode>
+                <c:ptCount val="10"/>
+                <c:pt idx="0">
+                  <c:v>1</c:v>
+                </c:pt>
+                <c:pt idx="1">
+                  <c:v>3</c:v>
+                </c:pt>
+                <c:pt idx="2">
+                  <c:v>5</c:v>
+                </c:pt>
+                <c:pt idx="3">
+                  <c:v>4</c:v>
+                </c:pt>
+                <c:pt idx="4">
+                  <c:v>5</c:v>
+                </c:pt>
+                <c:pt idx="5">
+                  <c:v>2</c:v>
+                </c:pt>
+                <c:pt idx="6">
+                  <c:v>7</c:v>
+                </c:pt>
+                <c:pt idx="7">
+                  <c:v>4</c:v>
+                </c:pt>
+                <c:pt idx="8">
+                  <c:v>1</c:v>
+                </c:pt>
+                <c:pt idx="9">
+                  <c:v>6</c:v>
+                </c:pt>
+              </c:numCache>
+            </c:numRef>
+          </c:val>
+          <c:smooth val="0"/>
+        </c:ser>
+        <c:dLbls>
+          <c:showLegendKey val="0"/>
+          <c:showVal val="0"/>
+          <c:showCatName val="0"/>
+          <c:showSerName val="0"/>
+          <c:showPercent val="0"/>
+          <c:showBubbleSize val="0"/>
+        </c:dLbls>
+        <c:marker val="1"/>
+        <c:smooth val="0"/>
+        <c:axId val="47553152"/>
+        <c:axId val="47673728"/>
+      </c:lineChart>
+      <c:catAx>
+        <c:axId val="47553152"/>
+        <c:scaling>
+          <c:orientation val="minMax"/>
+        </c:scaling>
+        <c:delete val="0"/>
+        <c:axPos val="b"/>
+        <c:majorTickMark val="out"/>
+        <c:minorTickMark val="none"/>
+        <c:tickLblPos val="nextTo"/>
+        <c:crossAx val="47673728"/>
+        <c:crosses val="autoZero"/>
+        <c:auto val="1"/>
+        <c:lblAlgn val="ctr"/>
+        <c:lblOffset val="100"/>
+        <c:noMultiLvlLbl val="0"/>
+      </c:catAx>
+      <c:valAx>
+        <c:axId val="47673728"/>
+        <c:scaling>
+          <c:orientation val="minMax"/>
+        </c:scaling>
+        <c:delete val="0"/>
+        <c:axPos val="l"/>
+        <c:majorGridlines/>
+        <c:numFmt formatCode="General" sourceLinked="1"/>
+        <c:majorTickMark val="out"/>
+        <c:minorTickMark val="none"/>
+        <c:tickLblPos val="nextTo"/>
+        <c:crossAx val="47553152"/>
+        <c:crosses val="autoZero"/>
+        <c:crossBetween val="between"/>
+      </c:valAx>
+    </c:plotArea>
+    <c:legend>
+      <c:legendPos val="r"/>
+      <c:layout>
+        <c:manualLayout>
+          <c:xMode val="edge"/>
+          <c:yMode val="edge"/>
+          <c:x val="0.51234711286089241"/>
+          <c:y val="0.51813466025080201"/>
+          <c:w val="0.20783398950131235"/>
+          <c:h val="0.16743438320209975"/>
+        </c:manualLayout>
+      </c:layout>
+      <c:overlay val="0"/>
+    </c:legend>
+    <c:plotVisOnly val="1"/>
+    <c:dispBlanksAs val="gap"/>
+    <c:showDLblsOverMax val="0"/>
+  </c:chart>
+  <c:externalData r:id="rId1">
+    <c:autoUpdate val="0"/>
+  </c:externalData>
+</c:chartSpace>
+</file>
+
+<file path=ppt/charts/chart2.xml><?xml version="1.0" encoding="utf-8"?>
+<c:chartSpace xmlns:c="http://schemas.openxmlformats.org/drawingml/2006/chart" xmlns:a="http://schemas.openxmlformats.org/drawingml/2006/main" xmlns:r="http://schemas.openxmlformats.org/officeDocument/2006/relationships">
+  <c:date1904 val="0"/>
+  <c:lang val="ru-RU"/>
+  <c:roundedCorners val="0"/>
+  <mc:AlternateContent xmlns:mc="http://schemas.openxmlformats.org/markup-compatibility/2006">
+    <mc:Choice xmlns:c14="http://schemas.microsoft.com/office/drawing/2007/8/2/chart" Requires="c14">
+      <c14:style val="102"/>
+    </mc:Choice>
+    <mc:Fallback>
+      <c:style val="2"/>
+    </mc:Fallback>
+  </mc:AlternateContent>
+  <c:chart>
+    <c:title>
+      <c:tx>
+        <c:rich>
+          <a:bodyPr/>
+          <a:lstStyle/>
+          <a:p>
+            <a:pPr>
+              <a:defRPr/>
+            </a:pPr>
+            <a:r>
+              <a:rPr lang="ru-RU"/>
+              <a:t>Количество</a:t>
+            </a:r>
+            <a:r>
+              <a:rPr lang="ru-RU" baseline="0"/>
+              <a:t> антисообщений</a:t>
+            </a:r>
+            <a:endParaRPr lang="ru-RU"/>
+          </a:p>
+        </c:rich>
+      </c:tx>
+      <c:layout/>
+      <c:overlay val="1"/>
+    </c:title>
+    <c:autoTitleDeleted val="0"/>
+    <c:plotArea>
+      <c:layout/>
+      <c:lineChart>
+        <c:grouping val="standard"/>
+        <c:varyColors val="0"/>
+        <c:ser>
+          <c:idx val="0"/>
+          <c:order val="0"/>
+          <c:tx>
+            <c:v>Time Warp</c:v>
+          </c:tx>
+          <c:marker>
+            <c:symbol val="none"/>
+          </c:marker>
+          <c:val>
+            <c:numRef>
+              <c:f>Лист6!$B$16:$K$16</c:f>
+              <c:numCache>
+                <c:formatCode>General</c:formatCode>
+                <c:ptCount val="10"/>
+                <c:pt idx="0">
+                  <c:v>103</c:v>
+                </c:pt>
+                <c:pt idx="1">
+                  <c:v>79</c:v>
+                </c:pt>
+                <c:pt idx="2">
+                  <c:v>115</c:v>
+                </c:pt>
+                <c:pt idx="3">
+                  <c:v>110</c:v>
+                </c:pt>
+                <c:pt idx="4">
+                  <c:v>116</c:v>
+                </c:pt>
+                <c:pt idx="5">
+                  <c:v>105</c:v>
+                </c:pt>
+                <c:pt idx="6">
+                  <c:v>139</c:v>
+                </c:pt>
+                <c:pt idx="7">
+                  <c:v>101</c:v>
+                </c:pt>
+                <c:pt idx="8">
+                  <c:v>122</c:v>
+                </c:pt>
+                <c:pt idx="9">
+                  <c:v>94</c:v>
+                </c:pt>
+              </c:numCache>
+            </c:numRef>
+          </c:val>
+          <c:smooth val="0"/>
+        </c:ser>
+        <c:ser>
+          <c:idx val="1"/>
+          <c:order val="1"/>
+          <c:tx>
+            <c:v>KBASA</c:v>
+          </c:tx>
+          <c:marker>
+            <c:symbol val="none"/>
+          </c:marker>
+          <c:val>
+            <c:numRef>
+              <c:f>Лист6!$B$17:$K$17</c:f>
+              <c:numCache>
+                <c:formatCode>General</c:formatCode>
+                <c:ptCount val="10"/>
+                <c:pt idx="0">
+                  <c:v>1</c:v>
+                </c:pt>
+                <c:pt idx="1">
+                  <c:v>4</c:v>
+                </c:pt>
+                <c:pt idx="2">
+                  <c:v>17</c:v>
+                </c:pt>
+                <c:pt idx="3">
+                  <c:v>16</c:v>
+                </c:pt>
+                <c:pt idx="4">
+                  <c:v>20</c:v>
+                </c:pt>
+                <c:pt idx="5">
+                  <c:v>8</c:v>
+                </c:pt>
+                <c:pt idx="6">
+                  <c:v>30</c:v>
+                </c:pt>
+                <c:pt idx="7">
+                  <c:v>11</c:v>
+                </c:pt>
+                <c:pt idx="8">
+                  <c:v>2</c:v>
+                </c:pt>
+                <c:pt idx="9">
+                  <c:v>19</c:v>
+                </c:pt>
+              </c:numCache>
+            </c:numRef>
+          </c:val>
+          <c:smooth val="0"/>
+        </c:ser>
+        <c:dLbls>
+          <c:showLegendKey val="0"/>
+          <c:showVal val="0"/>
+          <c:showCatName val="0"/>
+          <c:showSerName val="0"/>
+          <c:showPercent val="0"/>
+          <c:showBubbleSize val="0"/>
+        </c:dLbls>
+        <c:marker val="1"/>
+        <c:smooth val="0"/>
+        <c:axId val="48324992"/>
+        <c:axId val="48326528"/>
+      </c:lineChart>
+      <c:catAx>
+        <c:axId val="48324992"/>
+        <c:scaling>
+          <c:orientation val="minMax"/>
+        </c:scaling>
+        <c:delete val="0"/>
+        <c:axPos val="b"/>
+        <c:majorTickMark val="out"/>
+        <c:minorTickMark val="none"/>
+        <c:tickLblPos val="nextTo"/>
+        <c:crossAx val="48326528"/>
+        <c:crosses val="autoZero"/>
+        <c:auto val="1"/>
+        <c:lblAlgn val="ctr"/>
+        <c:lblOffset val="100"/>
+        <c:noMultiLvlLbl val="0"/>
+      </c:catAx>
+      <c:valAx>
+        <c:axId val="48326528"/>
+        <c:scaling>
+          <c:orientation val="minMax"/>
+        </c:scaling>
+        <c:delete val="0"/>
+        <c:axPos val="l"/>
+        <c:majorGridlines/>
+        <c:numFmt formatCode="General" sourceLinked="1"/>
+        <c:majorTickMark val="out"/>
+        <c:minorTickMark val="none"/>
+        <c:tickLblPos val="nextTo"/>
+        <c:crossAx val="48324992"/>
+        <c:crosses val="autoZero"/>
+        <c:crossBetween val="between"/>
+      </c:valAx>
+    </c:plotArea>
+    <c:legend>
+      <c:legendPos val="r"/>
+      <c:layout>
+        <c:manualLayout>
+          <c:xMode val="edge"/>
+          <c:yMode val="edge"/>
+          <c:x val="0.48383267716535433"/>
+          <c:y val="0.48572725284339457"/>
+          <c:w val="0.20783398950131235"/>
+          <c:h val="0.16743438320209975"/>
+        </c:manualLayout>
+      </c:layout>
+      <c:overlay val="0"/>
+    </c:legend>
+    <c:plotVisOnly val="1"/>
+    <c:dispBlanksAs val="gap"/>
+    <c:showDLblsOverMax val="0"/>
+  </c:chart>
+  <c:externalData r:id="rId1">
+    <c:autoUpdate val="0"/>
+  </c:externalData>
+</c:chartSpace>
+</file>
+
 <file path=ppt/notesMasters/notesMaster1.xml><?xml version="1.0" encoding="utf-8"?>
 <p:notesMaster xmlns:a="http://schemas.openxmlformats.org/drawingml/2006/main" xmlns:r="http://schemas.openxmlformats.org/officeDocument/2006/relationships" xmlns:p="http://schemas.openxmlformats.org/presentationml/2006/main">
   <p:cSld>
@@ -273,7 +698,7 @@
               <a:pPr>
                 <a:defRPr/>
               </a:pPr>
-              <a:t>28.05.2013</a:t>
+              <a:t>29.05.2013</a:t>
             </a:fld>
             <a:endParaRPr lang="ru-RU"/>
           </a:p>
@@ -2753,7 +3178,7 @@
       </p:grpSpPr>
       <p:sp>
         <p:nvSpPr>
-          <p:cNvPr id="45058" name="Образ слайда 1"/>
+          <p:cNvPr id="46082" name="Образ слайда 1"/>
           <p:cNvSpPr>
             <a:spLocks noGrp="1" noRot="1" noChangeAspect="1" noTextEdit="1"/>
           </p:cNvSpPr>
@@ -2784,7 +3209,7 @@
       </p:sp>
       <p:sp>
         <p:nvSpPr>
-          <p:cNvPr id="45059" name="Заметки 2"/>
+          <p:cNvPr id="46083" name="Заметки 2"/>
           <p:cNvSpPr>
             <a:spLocks noGrp="1"/>
           </p:cNvSpPr>
@@ -2833,7 +3258,7 @@
       </p:sp>
       <p:sp>
         <p:nvSpPr>
-          <p:cNvPr id="37892" name="Номер слайда 3"/>
+          <p:cNvPr id="38916" name="Номер слайда 3"/>
           <p:cNvSpPr>
             <a:spLocks noGrp="1"/>
           </p:cNvSpPr>
@@ -2976,7 +3401,7 @@
               </a:spcAft>
               <a:defRPr/>
             </a:pPr>
-            <a:fld id="{6587EEE4-54C2-42FD-B737-5A511C40C51E}" type="slidenum">
+            <a:fld id="{00B54453-F271-4299-9739-3B6BA76641F8}" type="slidenum">
               <a:rPr lang="ru-RU" smtClean="0"/>
               <a:pPr fontAlgn="base">
                 <a:spcBef>
@@ -3020,7 +3445,7 @@
       </p:grpSpPr>
       <p:sp>
         <p:nvSpPr>
-          <p:cNvPr id="46082" name="Образ слайда 1"/>
+          <p:cNvPr id="47106" name="Образ слайда 1"/>
           <p:cNvSpPr>
             <a:spLocks noGrp="1" noRot="1" noChangeAspect="1" noTextEdit="1"/>
           </p:cNvSpPr>
@@ -3051,7 +3476,7 @@
       </p:sp>
       <p:sp>
         <p:nvSpPr>
-          <p:cNvPr id="46083" name="Заметки 2"/>
+          <p:cNvPr id="47107" name="Заметки 2"/>
           <p:cNvSpPr>
             <a:spLocks noGrp="1"/>
           </p:cNvSpPr>
@@ -3100,7 +3525,7 @@
       </p:sp>
       <p:sp>
         <p:nvSpPr>
-          <p:cNvPr id="38916" name="Номер слайда 3"/>
+          <p:cNvPr id="39940" name="Номер слайда 3"/>
           <p:cNvSpPr>
             <a:spLocks noGrp="1"/>
           </p:cNvSpPr>
@@ -3243,7 +3668,7 @@
               </a:spcAft>
               <a:defRPr/>
             </a:pPr>
-            <a:fld id="{00B54453-F271-4299-9739-3B6BA76641F8}" type="slidenum">
+            <a:fld id="{BEFC8FC7-56C3-472C-801B-AC63816CEBC3}" type="slidenum">
               <a:rPr lang="ru-RU" smtClean="0"/>
               <a:pPr fontAlgn="base">
                 <a:spcBef>
@@ -3287,7 +3712,7 @@
       </p:grpSpPr>
       <p:sp>
         <p:nvSpPr>
-          <p:cNvPr id="47106" name="Образ слайда 1"/>
+          <p:cNvPr id="48130" name="Образ слайда 1"/>
           <p:cNvSpPr>
             <a:spLocks noGrp="1" noRot="1" noChangeAspect="1" noTextEdit="1"/>
           </p:cNvSpPr>
@@ -3318,7 +3743,7 @@
       </p:sp>
       <p:sp>
         <p:nvSpPr>
-          <p:cNvPr id="47107" name="Заметки 2"/>
+          <p:cNvPr id="48131" name="Заметки 2"/>
           <p:cNvSpPr>
             <a:spLocks noGrp="1"/>
           </p:cNvSpPr>
@@ -3367,7 +3792,7 @@
       </p:sp>
       <p:sp>
         <p:nvSpPr>
-          <p:cNvPr id="39940" name="Номер слайда 3"/>
+          <p:cNvPr id="40964" name="Номер слайда 3"/>
           <p:cNvSpPr>
             <a:spLocks noGrp="1"/>
           </p:cNvSpPr>
@@ -3510,7 +3935,7 @@
               </a:spcAft>
               <a:defRPr/>
             </a:pPr>
-            <a:fld id="{BEFC8FC7-56C3-472C-801B-AC63816CEBC3}" type="slidenum">
+            <a:fld id="{AB2CC531-0E66-4916-8ABB-B2503FF3913F}" type="slidenum">
               <a:rPr lang="ru-RU" smtClean="0"/>
               <a:pPr fontAlgn="base">
                 <a:spcBef>
@@ -3821,7 +4246,7 @@
       </p:grpSpPr>
       <p:sp>
         <p:nvSpPr>
-          <p:cNvPr id="48130" name="Образ слайда 1"/>
+          <p:cNvPr id="49154" name="Образ слайда 1"/>
           <p:cNvSpPr>
             <a:spLocks noGrp="1" noRot="1" noChangeAspect="1" noTextEdit="1"/>
           </p:cNvSpPr>
@@ -3852,7 +4277,7 @@
       </p:sp>
       <p:sp>
         <p:nvSpPr>
-          <p:cNvPr id="48131" name="Заметки 2"/>
+          <p:cNvPr id="49155" name="Заметки 2"/>
           <p:cNvSpPr>
             <a:spLocks noGrp="1"/>
           </p:cNvSpPr>
@@ -4044,7 +4469,7 @@
               </a:spcAft>
               <a:defRPr/>
             </a:pPr>
-            <a:fld id="{AB2CC531-0E66-4916-8ABB-B2503FF3913F}" type="slidenum">
+            <a:fld id="{740972A0-D9CC-4102-AC4E-BFB109932989}" type="slidenum">
               <a:rPr lang="ru-RU" smtClean="0"/>
               <a:pPr fontAlgn="base">
                 <a:spcBef>
@@ -7197,7 +7622,7 @@
               <a:pPr>
                 <a:defRPr/>
               </a:pPr>
-              <a:t>28.05.2013</a:t>
+              <a:t>29.05.2013</a:t>
             </a:fld>
             <a:endParaRPr lang="ru-RU"/>
           </a:p>
@@ -7394,7 +7819,7 @@
               <a:pPr>
                 <a:defRPr/>
               </a:pPr>
-              <a:t>28.05.2013</a:t>
+              <a:t>29.05.2013</a:t>
             </a:fld>
             <a:endParaRPr lang="ru-RU"/>
           </a:p>
@@ -7601,7 +8026,7 @@
               <a:pPr>
                 <a:defRPr/>
               </a:pPr>
-              <a:t>28.05.2013</a:t>
+              <a:t>29.05.2013</a:t>
             </a:fld>
             <a:endParaRPr lang="ru-RU"/>
           </a:p>
@@ -7798,7 +8223,7 @@
               <a:pPr>
                 <a:defRPr/>
               </a:pPr>
-              <a:t>28.05.2013</a:t>
+              <a:t>29.05.2013</a:t>
             </a:fld>
             <a:endParaRPr lang="ru-RU"/>
           </a:p>
@@ -8071,7 +8496,7 @@
               <a:pPr>
                 <a:defRPr/>
               </a:pPr>
-              <a:t>28.05.2013</a:t>
+              <a:t>29.05.2013</a:t>
             </a:fld>
             <a:endParaRPr lang="ru-RU"/>
           </a:p>
@@ -8386,7 +8811,7 @@
               <a:pPr>
                 <a:defRPr/>
               </a:pPr>
-              <a:t>28.05.2013</a:t>
+              <a:t>29.05.2013</a:t>
             </a:fld>
             <a:endParaRPr lang="ru-RU"/>
           </a:p>
@@ -8835,7 +9260,7 @@
               <a:pPr>
                 <a:defRPr/>
               </a:pPr>
-              <a:t>28.05.2013</a:t>
+              <a:t>29.05.2013</a:t>
             </a:fld>
             <a:endParaRPr lang="ru-RU"/>
           </a:p>
@@ -8980,7 +9405,7 @@
               <a:pPr>
                 <a:defRPr/>
               </a:pPr>
-              <a:t>28.05.2013</a:t>
+              <a:t>29.05.2013</a:t>
             </a:fld>
             <a:endParaRPr lang="ru-RU"/>
           </a:p>
@@ -9102,7 +9527,7 @@
               <a:pPr>
                 <a:defRPr/>
               </a:pPr>
-              <a:t>28.05.2013</a:t>
+              <a:t>29.05.2013</a:t>
             </a:fld>
             <a:endParaRPr lang="ru-RU"/>
           </a:p>
@@ -9406,7 +9831,7 @@
               <a:pPr>
                 <a:defRPr/>
               </a:pPr>
-              <a:t>28.05.2013</a:t>
+              <a:t>29.05.2013</a:t>
             </a:fld>
             <a:endParaRPr lang="ru-RU"/>
           </a:p>
@@ -9689,7 +10114,7 @@
               <a:pPr>
                 <a:defRPr/>
               </a:pPr>
-              <a:t>28.05.2013</a:t>
+              <a:t>29.05.2013</a:t>
             </a:fld>
             <a:endParaRPr lang="ru-RU"/>
           </a:p>
@@ -9991,7 +10416,7 @@
               <a:pPr>
                 <a:defRPr/>
               </a:pPr>
-              <a:t>28.05.2013</a:t>
+              <a:t>29.05.2013</a:t>
             </a:fld>
             <a:endParaRPr lang="ru-RU"/>
           </a:p>
@@ -11523,8 +11948,8 @@
           </p:style>
         </p:cxnSp>
       </p:grpSp>
-      <mc:AlternateContent xmlns:mc="http://schemas.openxmlformats.org/markup-compatibility/2006">
-        <mc:Choice xmlns:a14="http://schemas.microsoft.com/office/drawing/2010/main" Requires="a14">
+      <mc:AlternateContent xmlns:mc="http://schemas.openxmlformats.org/markup-compatibility/2006" xmlns:a14="http://schemas.microsoft.com/office/drawing/2010/main">
+        <mc:Choice Requires="a14">
           <p:sp>
             <p:nvSpPr>
               <p:cNvPr id="2" name="Подзаголовок 1"/>
@@ -11634,6 +12059,7 @@
                           <a:solidFill>
                             <a:schemeClr val="tx1"/>
                           </a:solidFill>
+                          <a:latin typeface="Cambria Math"/>
                         </a:rPr>
                         <m:t>∀</m:t>
                       </m:r>
@@ -11642,6 +12068,7 @@
                           <a:solidFill>
                             <a:schemeClr val="tx1"/>
                           </a:solidFill>
+                          <a:latin typeface="Cambria Math"/>
                         </a:rPr>
                         <m:t>𝑒</m:t>
                       </m:r>
@@ -11650,6 +12077,7 @@
                           <a:solidFill>
                             <a:schemeClr val="tx1"/>
                           </a:solidFill>
+                          <a:latin typeface="Cambria Math"/>
                         </a:rPr>
                         <m:t>:   </m:t>
                       </m:r>
@@ -11658,6 +12086,7 @@
                           <a:solidFill>
                             <a:schemeClr val="tx1"/>
                           </a:solidFill>
+                          <a:latin typeface="Cambria Math"/>
                         </a:rPr>
                         <m:t>𝑒</m:t>
                       </m:r>
@@ -11666,6 +12095,7 @@
                           <a:solidFill>
                             <a:schemeClr val="tx1"/>
                           </a:solidFill>
+                          <a:latin typeface="Cambria Math"/>
                         </a:rPr>
                         <m:t>=</m:t>
                       </m:r>
@@ -11674,6 +12104,7 @@
                           <a:solidFill>
                             <a:schemeClr val="tx1"/>
                           </a:solidFill>
+                          <a:latin typeface="Cambria Math"/>
                         </a:rPr>
                         <m:t>𝑒</m:t>
                       </m:r>
@@ -11682,6 +12113,7 @@
                           <a:solidFill>
                             <a:schemeClr val="tx1"/>
                           </a:solidFill>
+                          <a:latin typeface="Cambria Math"/>
                         </a:rPr>
                         <m:t>(</m:t>
                       </m:r>
@@ -11690,6 +12122,7 @@
                           <a:solidFill>
                             <a:schemeClr val="tx1"/>
                           </a:solidFill>
+                          <a:latin typeface="Cambria Math"/>
                         </a:rPr>
                         <m:t>𝑎𝑔𝑒𝑛𝑠</m:t>
                       </m:r>
@@ -11698,6 +12131,7 @@
                           <a:solidFill>
                             <a:schemeClr val="tx1"/>
                           </a:solidFill>
+                          <a:latin typeface="Cambria Math"/>
                         </a:rPr>
                         <m:t>, </m:t>
                       </m:r>
@@ -11706,31 +12140,16 @@
                           <a:solidFill>
                             <a:schemeClr val="tx1"/>
                           </a:solidFill>
-                        </a:rPr>
-                        <m:t>𝑝𝑎𝑡𝑖𝑒𝑛</m:t>
-                      </m:r>
-                      <m:r>
-                        <a:rPr lang="en-US" sz="3000" b="0" i="1" smtClean="0">
-                          <a:solidFill>
-                            <a:schemeClr val="tx1"/>
-                          </a:solidFill>
                           <a:latin typeface="Cambria Math"/>
                         </a:rPr>
-                        <m:t>𝑡</m:t>
+                        <m:t>𝑝𝑎𝑡𝑖𝑒𝑛𝑡𝑠</m:t>
                       </m:r>
                       <m:r>
                         <a:rPr lang="en-US" sz="3000" i="1">
                           <a:solidFill>
                             <a:schemeClr val="tx1"/>
                           </a:solidFill>
-                        </a:rPr>
-                        <m:t>𝑠</m:t>
-                      </m:r>
-                      <m:r>
-                        <a:rPr lang="en-US" sz="3000" i="1">
-                          <a:solidFill>
-                            <a:schemeClr val="tx1"/>
-                          </a:solidFill>
+                          <a:latin typeface="Cambria Math"/>
                         </a:rPr>
                         <m:t>, </m:t>
                       </m:r>
@@ -11748,6 +12167,7 @@
                           <a:solidFill>
                             <a:schemeClr val="tx1"/>
                           </a:solidFill>
+                          <a:latin typeface="Cambria Math"/>
                         </a:rPr>
                         <m:t>:</m:t>
                       </m:r>
@@ -11756,6 +12176,7 @@
                           <a:solidFill>
                             <a:schemeClr val="tx1"/>
                           </a:solidFill>
+                          <a:latin typeface="Cambria Math"/>
                         </a:rPr>
                         <m:t>𝑆</m:t>
                       </m:r>
@@ -11764,6 +12185,7 @@
                           <a:solidFill>
                             <a:schemeClr val="tx1"/>
                           </a:solidFill>
+                          <a:latin typeface="Cambria Math"/>
                         </a:rPr>
                         <m:t>→</m:t>
                       </m:r>
@@ -11772,6 +12194,7 @@
                           <a:solidFill>
                             <a:schemeClr val="tx1"/>
                           </a:solidFill>
+                          <a:latin typeface="Cambria Math"/>
                         </a:rPr>
                         <m:t>𝑆</m:t>
                       </m:r>
@@ -11780,6 +12203,7 @@
                           <a:solidFill>
                             <a:schemeClr val="tx1"/>
                           </a:solidFill>
+                          <a:latin typeface="Cambria Math"/>
                         </a:rPr>
                         <m:t>)</m:t>
                       </m:r>
@@ -11890,7 +12314,7 @@
             </p:txBody>
           </p:sp>
         </mc:Choice>
-        <mc:Fallback>
+        <mc:Fallback xmlns="">
           <p:sp>
             <p:nvSpPr>
               <p:cNvPr id="2" name="Подзаголовок 1"/>
@@ -12502,11 +12926,6 @@
               </a:rPr>
               <a:t>:</a:t>
             </a:r>
-            <a:endParaRPr lang="ru-RU" sz="2600" dirty="0" smtClean="0">
-              <a:solidFill>
-                <a:schemeClr val="tx1"/>
-              </a:solidFill>
-            </a:endParaRPr>
           </a:p>
           <a:p>
             <a:pPr marL="457200" indent="-457200" algn="l" eaLnBrk="1" hangingPunct="1">
@@ -13979,8 +14398,8 @@
           </a:p>
         </p:txBody>
       </p:sp>
-      <mc:AlternateContent xmlns:mc="http://schemas.openxmlformats.org/markup-compatibility/2006">
-        <mc:Choice xmlns:a14="http://schemas.microsoft.com/office/drawing/2010/main" Requires="a14">
+      <mc:AlternateContent xmlns:mc="http://schemas.openxmlformats.org/markup-compatibility/2006" xmlns:a14="http://schemas.microsoft.com/office/drawing/2010/main">
+        <mc:Choice Requires="a14">
           <p:sp>
             <p:nvSpPr>
               <p:cNvPr id="6" name="Подзаголовок 1"/>
@@ -14210,15 +14629,7 @@
                       <a:schemeClr val="tx1"/>
                     </a:solidFill>
                   </a:rPr>
-                  <a:t> </a:t>
-                </a:r>
-                <a:r>
-                  <a:rPr lang="ru-RU" sz="2600" dirty="0" smtClean="0">
-                    <a:solidFill>
-                      <a:schemeClr val="tx1"/>
-                    </a:solidFill>
-                  </a:rPr>
-                  <a:t>(</a:t>
+                  <a:t> (</a:t>
                 </a:r>
                 <a:r>
                   <a:rPr lang="ru-RU" sz="2600" i="1" dirty="0" smtClean="0">
@@ -14234,15 +14645,7 @@
                       <a:schemeClr val="tx1"/>
                     </a:solidFill>
                   </a:rPr>
-                  <a:t>). </a:t>
-                </a:r>
-                <a:r>
-                  <a:rPr lang="ru-RU" sz="2600" dirty="0" smtClean="0">
-                    <a:solidFill>
-                      <a:schemeClr val="tx1"/>
-                    </a:solidFill>
-                  </a:rPr>
-                  <a:t>Для того, чтобы события </a:t>
+                  <a:t>). Для того, чтобы события </a:t>
                 </a:r>
                 <a14:m>
                   <m:oMath xmlns:m="http://schemas.openxmlformats.org/officeDocument/2006/math">
@@ -14251,6 +14654,7 @@
                         <a:solidFill>
                           <a:schemeClr val="tx1"/>
                         </a:solidFill>
+                        <a:latin typeface="Cambria Math"/>
                       </a:rPr>
                       <m:t>𝐴</m:t>
                     </m:r>
@@ -14259,6 +14663,7 @@
                         <a:solidFill>
                           <a:schemeClr val="tx1"/>
                         </a:solidFill>
+                        <a:latin typeface="Cambria Math"/>
                       </a:rPr>
                       <m:t>={</m:t>
                     </m:r>
@@ -14269,6 +14674,7 @@
                             <a:solidFill>
                               <a:schemeClr val="tx1"/>
                             </a:solidFill>
+                            <a:latin typeface="Cambria Math"/>
                           </a:rPr>
                         </m:ctrlPr>
                       </m:sSubPr>
@@ -14278,6 +14684,7 @@
                             <a:solidFill>
                               <a:schemeClr val="tx1"/>
                             </a:solidFill>
+                            <a:latin typeface="Cambria Math"/>
                           </a:rPr>
                           <m:t>𝑎𝑔𝑒𝑛𝑠</m:t>
                         </m:r>
@@ -14288,6 +14695,7 @@
                             <a:solidFill>
                               <a:schemeClr val="tx1"/>
                             </a:solidFill>
+                            <a:latin typeface="Cambria Math"/>
                           </a:rPr>
                           <m:t>𝐴</m:t>
                         </m:r>
@@ -14298,6 +14706,7 @@
                         <a:solidFill>
                           <a:schemeClr val="tx1"/>
                         </a:solidFill>
+                        <a:latin typeface="Cambria Math"/>
                       </a:rPr>
                       <m:t>,</m:t>
                     </m:r>
@@ -14308,6 +14717,7 @@
                             <a:solidFill>
                               <a:schemeClr val="tx1"/>
                             </a:solidFill>
+                            <a:latin typeface="Cambria Math"/>
                           </a:rPr>
                         </m:ctrlPr>
                       </m:sSubPr>
@@ -14317,6 +14727,7 @@
                             <a:solidFill>
                               <a:schemeClr val="tx1"/>
                             </a:solidFill>
+                            <a:latin typeface="Cambria Math"/>
                           </a:rPr>
                           <m:t>𝑝𝑎𝑡𝑖𝑒𝑛𝑠</m:t>
                         </m:r>
@@ -14327,6 +14738,7 @@
                             <a:solidFill>
                               <a:schemeClr val="tx1"/>
                             </a:solidFill>
+                            <a:latin typeface="Cambria Math"/>
                           </a:rPr>
                           <m:t>𝐴</m:t>
                         </m:r>
@@ -14337,6 +14749,7 @@
                         <a:solidFill>
                           <a:schemeClr val="tx1"/>
                         </a:solidFill>
+                        <a:latin typeface="Cambria Math"/>
                       </a:rPr>
                       <m:t>,</m:t>
                     </m:r>
@@ -14347,6 +14760,7 @@
                             <a:solidFill>
                               <a:schemeClr val="tx1"/>
                             </a:solidFill>
+                            <a:latin typeface="Cambria Math"/>
                           </a:rPr>
                         </m:ctrlPr>
                       </m:sSubPr>
@@ -14356,6 +14770,7 @@
                             <a:solidFill>
                               <a:schemeClr val="tx1"/>
                             </a:solidFill>
+                            <a:latin typeface="Cambria Math"/>
                           </a:rPr>
                           <m:t>𝑓</m:t>
                         </m:r>
@@ -14366,6 +14781,7 @@
                             <a:solidFill>
                               <a:schemeClr val="tx1"/>
                             </a:solidFill>
+                            <a:latin typeface="Cambria Math"/>
                           </a:rPr>
                           <m:t>𝐴</m:t>
                         </m:r>
@@ -14376,6 +14792,7 @@
                         <a:solidFill>
                           <a:schemeClr val="tx1"/>
                         </a:solidFill>
+                        <a:latin typeface="Cambria Math"/>
                       </a:rPr>
                       <m:t>}</m:t>
                     </m:r>
@@ -14396,6 +14813,7 @@
                         <a:solidFill>
                           <a:schemeClr val="tx1"/>
                         </a:solidFill>
+                        <a:latin typeface="Cambria Math"/>
                       </a:rPr>
                       <m:t>𝐵</m:t>
                     </m:r>
@@ -14404,6 +14822,7 @@
                         <a:solidFill>
                           <a:schemeClr val="tx1"/>
                         </a:solidFill>
+                        <a:latin typeface="Cambria Math"/>
                       </a:rPr>
                       <m:t>={</m:t>
                     </m:r>
@@ -14414,6 +14833,7 @@
                             <a:solidFill>
                               <a:schemeClr val="tx1"/>
                             </a:solidFill>
+                            <a:latin typeface="Cambria Math"/>
                           </a:rPr>
                         </m:ctrlPr>
                       </m:sSubPr>
@@ -14423,6 +14843,7 @@
                             <a:solidFill>
                               <a:schemeClr val="tx1"/>
                             </a:solidFill>
+                            <a:latin typeface="Cambria Math"/>
                           </a:rPr>
                           <m:t>𝑎𝑔𝑒𝑛𝑠</m:t>
                         </m:r>
@@ -14433,6 +14854,7 @@
                             <a:solidFill>
                               <a:schemeClr val="tx1"/>
                             </a:solidFill>
+                            <a:latin typeface="Cambria Math"/>
                           </a:rPr>
                           <m:t>𝐵</m:t>
                         </m:r>
@@ -14445,6 +14867,7 @@
                             <a:solidFill>
                               <a:schemeClr val="tx1"/>
                             </a:solidFill>
+                            <a:latin typeface="Cambria Math"/>
                           </a:rPr>
                         </m:ctrlPr>
                       </m:sSubPr>
@@ -14454,6 +14877,7 @@
                             <a:solidFill>
                               <a:schemeClr val="tx1"/>
                             </a:solidFill>
+                            <a:latin typeface="Cambria Math"/>
                           </a:rPr>
                           <m:t>,</m:t>
                         </m:r>
@@ -14462,6 +14886,7 @@
                             <a:solidFill>
                               <a:schemeClr val="tx1"/>
                             </a:solidFill>
+                            <a:latin typeface="Cambria Math"/>
                           </a:rPr>
                           <m:t>𝑝𝑎𝑡𝑖𝑒𝑛𝑠</m:t>
                         </m:r>
@@ -14472,6 +14897,7 @@
                             <a:solidFill>
                               <a:schemeClr val="tx1"/>
                             </a:solidFill>
+                            <a:latin typeface="Cambria Math"/>
                           </a:rPr>
                           <m:t>𝐵</m:t>
                         </m:r>
@@ -14482,6 +14908,7 @@
                         <a:solidFill>
                           <a:schemeClr val="tx1"/>
                         </a:solidFill>
+                        <a:latin typeface="Cambria Math"/>
                       </a:rPr>
                       <m:t>,</m:t>
                     </m:r>
@@ -14492,6 +14919,7 @@
                             <a:solidFill>
                               <a:schemeClr val="tx1"/>
                             </a:solidFill>
+                            <a:latin typeface="Cambria Math"/>
                           </a:rPr>
                         </m:ctrlPr>
                       </m:sSubPr>
@@ -14501,6 +14929,7 @@
                             <a:solidFill>
                               <a:schemeClr val="tx1"/>
                             </a:solidFill>
+                            <a:latin typeface="Cambria Math"/>
                           </a:rPr>
                           <m:t>𝑓</m:t>
                         </m:r>
@@ -14511,6 +14940,7 @@
                             <a:solidFill>
                               <a:schemeClr val="tx1"/>
                             </a:solidFill>
+                            <a:latin typeface="Cambria Math"/>
                           </a:rPr>
                           <m:t>𝐵</m:t>
                         </m:r>
@@ -14521,6 +14951,7 @@
                         <a:solidFill>
                           <a:schemeClr val="tx1"/>
                         </a:solidFill>
+                        <a:latin typeface="Cambria Math"/>
                       </a:rPr>
                       <m:t>}</m:t>
                     </m:r>
@@ -14591,7 +15022,7 @@
             </p:txBody>
           </p:sp>
         </mc:Choice>
-        <mc:Fallback>
+        <mc:Fallback xmlns="">
           <p:sp>
             <p:nvSpPr>
               <p:cNvPr id="6" name="Подзаголовок 1"/>
@@ -14848,8 +15279,8 @@
         </p:nvSpPr>
         <p:spPr>
           <a:xfrm>
-            <a:off x="547688" y="333375"/>
-            <a:ext cx="8201025" cy="1295400"/>
+            <a:off x="541586" y="188640"/>
+            <a:ext cx="8201025" cy="1007393"/>
           </a:xfrm>
         </p:spPr>
         <p:txBody>
@@ -14858,18 +15289,18 @@
           <a:p>
             <a:pPr eaLnBrk="1" hangingPunct="1"/>
             <a:r>
-              <a:rPr lang="ru-RU" sz="4000" b="1" i="1" smtClean="0">
+              <a:rPr lang="ru-RU" sz="4000" b="1" i="1" dirty="0" smtClean="0">
                 <a:latin typeface="Georgia" pitchFamily="18" charset="0"/>
               </a:rPr>
               <a:t>Алгоритм</a:t>
             </a:r>
             <a:r>
-              <a:rPr lang="en-US" sz="4000" b="1" i="1" smtClean="0">
+              <a:rPr lang="en-US" sz="4000" b="1" i="1" dirty="0" smtClean="0">
                 <a:latin typeface="Georgia" pitchFamily="18" charset="0"/>
               </a:rPr>
               <a:t>#3</a:t>
             </a:r>
-            <a:endParaRPr lang="ru-RU" sz="4000" b="1" i="1" smtClean="0">
+            <a:endParaRPr lang="ru-RU" sz="4000" b="1" i="1" dirty="0" smtClean="0">
               <a:latin typeface="Georgia" pitchFamily="18" charset="0"/>
             </a:endParaRPr>
           </a:p>
@@ -14925,8 +15356,8 @@
         </p:nvSpPr>
         <p:spPr>
           <a:xfrm>
-            <a:off x="539750" y="1462088"/>
-            <a:ext cx="8135938" cy="5207000"/>
+            <a:off x="542443" y="1185540"/>
+            <a:ext cx="8135938" cy="1235348"/>
           </a:xfrm>
         </p:spPr>
         <p:txBody>
@@ -14934,351 +15365,18 @@
           <a:lstStyle/>
           <a:p>
             <a:r>
-              <a:rPr lang="ru-RU" sz="2500" dirty="0" smtClean="0">
+              <a:rPr lang="ru-RU" sz="2400" dirty="0" smtClean="0">
                 <a:solidFill>
                   <a:schemeClr val="tx1"/>
                 </a:solidFill>
               </a:rPr>
-              <a:t>Хотелось бы найти такое эффективное решение, которое без наличия специального алгоритма отслеживания сообщений «из прошлого» не создавало бы нежелательные откаты, но при этом устраняло проблему временных парадоксов</a:t>
-            </a:r>
-            <a:endParaRPr lang="en-US" sz="2500" dirty="0" smtClean="0">
-              <a:solidFill>
-                <a:schemeClr val="tx1"/>
-              </a:solidFill>
-            </a:endParaRPr>
-          </a:p>
-          <a:p>
-            <a:pPr algn="l"/>
-            <a:r>
-              <a:rPr lang="ru-RU" sz="2000" b="1" u="sng" dirty="0" smtClean="0">
-                <a:solidFill>
-                  <a:schemeClr val="tx1"/>
-                </a:solidFill>
-              </a:rPr>
-              <a:t>Пример</a:t>
-            </a:r>
-            <a:r>
-              <a:rPr lang="ru-RU" sz="2000" b="1" dirty="0" smtClean="0">
-                <a:solidFill>
-                  <a:schemeClr val="tx1"/>
-                </a:solidFill>
-              </a:rPr>
-              <a:t>:</a:t>
-            </a:r>
-          </a:p>
-          <a:p>
-            <a:pPr algn="l"/>
-            <a:r>
-              <a:rPr lang="en-US" sz="2400" dirty="0" smtClean="0">
-                <a:solidFill>
-                  <a:schemeClr val="tx1"/>
-                </a:solidFill>
-              </a:rPr>
-              <a:t>LP</a:t>
-            </a:r>
-            <a:r>
-              <a:rPr lang="en-US" sz="2400" baseline="-25000" dirty="0" smtClean="0">
-                <a:solidFill>
-                  <a:schemeClr val="tx1"/>
-                </a:solidFill>
-              </a:rPr>
-              <a:t>1</a:t>
-            </a:r>
-            <a:r>
-              <a:rPr lang="en-US" sz="2400" dirty="0" smtClean="0">
-                <a:solidFill>
-                  <a:schemeClr val="tx1"/>
-                </a:solidFill>
-              </a:rPr>
-              <a:t>: </a:t>
-            </a:r>
-            <a:r>
-              <a:rPr lang="ru-RU" sz="2400" dirty="0" smtClean="0">
-                <a:solidFill>
-                  <a:schemeClr val="tx1"/>
-                </a:solidFill>
-              </a:rPr>
-              <a:t>обработал события</a:t>
-            </a:r>
-          </a:p>
-          <a:p>
-            <a:pPr algn="l"/>
-            <a:r>
-              <a:rPr lang="en-US" sz="2400" dirty="0" smtClean="0">
-                <a:solidFill>
-                  <a:schemeClr val="tx1"/>
-                </a:solidFill>
-              </a:rPr>
-              <a:t>LP</a:t>
-            </a:r>
-            <a:r>
-              <a:rPr lang="en-US" sz="2400" baseline="-25000" dirty="0" smtClean="0">
-                <a:solidFill>
-                  <a:schemeClr val="tx1"/>
-                </a:solidFill>
-              </a:rPr>
-              <a:t>2</a:t>
-            </a:r>
-            <a:r>
-              <a:rPr lang="en-US" sz="2400" dirty="0" smtClean="0">
-                <a:solidFill>
-                  <a:schemeClr val="tx1"/>
-                </a:solidFill>
-              </a:rPr>
-              <a:t>: </a:t>
-            </a:r>
-            <a:r>
-              <a:rPr lang="ru-RU" sz="2400" dirty="0" smtClean="0">
-                <a:solidFill>
-                  <a:schemeClr val="tx1"/>
-                </a:solidFill>
-              </a:rPr>
-              <a:t>высылает на </a:t>
-            </a:r>
-            <a:r>
-              <a:rPr lang="en-US" sz="2400" dirty="0" smtClean="0">
-                <a:solidFill>
-                  <a:schemeClr val="tx1"/>
-                </a:solidFill>
-              </a:rPr>
-              <a:t>LP</a:t>
-            </a:r>
-            <a:r>
-              <a:rPr lang="en-US" sz="2400" baseline="-25000" dirty="0" smtClean="0">
-                <a:solidFill>
-                  <a:schemeClr val="tx1"/>
-                </a:solidFill>
-              </a:rPr>
-              <a:t>2</a:t>
-            </a:r>
-            <a:r>
-              <a:rPr lang="en-US" sz="2400" dirty="0" smtClean="0">
-                <a:solidFill>
-                  <a:schemeClr val="tx1"/>
-                </a:solidFill>
-              </a:rPr>
-              <a:t> </a:t>
-            </a:r>
-            <a:r>
-              <a:rPr lang="ru-RU" sz="2400" dirty="0" smtClean="0">
-                <a:solidFill>
-                  <a:schemeClr val="tx1"/>
-                </a:solidFill>
-              </a:rPr>
-              <a:t>событие  </a:t>
+              <a:t>Вместо непосредственного отката алгоритм проверяет сообщение «из прошлого» и события из цепочки отката на предмет каузальной зависимости</a:t>
             </a:r>
             <a:endParaRPr lang="en-US" sz="2400" dirty="0" smtClean="0">
               <a:solidFill>
                 <a:schemeClr val="tx1"/>
               </a:solidFill>
             </a:endParaRPr>
-          </a:p>
-          <a:p>
-            <a:pPr algn="l"/>
-            <a:r>
-              <a:rPr lang="ru-RU" sz="2400" dirty="0" smtClean="0">
-                <a:solidFill>
-                  <a:schemeClr val="tx1"/>
-                </a:solidFill>
-              </a:rPr>
-              <a:t>В случае </a:t>
-            </a:r>
-            <a:r>
-              <a:rPr lang="en-US" sz="2400" dirty="0" smtClean="0">
-                <a:solidFill>
-                  <a:schemeClr val="tx1"/>
-                </a:solidFill>
-              </a:rPr>
-              <a:t>Time Warp </a:t>
-            </a:r>
-            <a:r>
-              <a:rPr lang="ru-RU" sz="2400" dirty="0" smtClean="0">
-                <a:solidFill>
-                  <a:schemeClr val="tx1"/>
-                </a:solidFill>
-              </a:rPr>
-              <a:t>получаем цепочку откатов:</a:t>
-            </a:r>
-            <a:endParaRPr lang="en-US" sz="2400" dirty="0" smtClean="0">
-              <a:solidFill>
-                <a:schemeClr val="tx1"/>
-              </a:solidFill>
-            </a:endParaRPr>
-          </a:p>
-          <a:p>
-            <a:pPr algn="l"/>
-            <a:endParaRPr lang="ru-RU" sz="2400" dirty="0" smtClean="0">
-              <a:solidFill>
-                <a:schemeClr val="tx1"/>
-              </a:solidFill>
-            </a:endParaRPr>
-          </a:p>
-          <a:p>
-            <a:pPr algn="l"/>
-            <a:r>
-              <a:rPr lang="ru-RU" sz="2400" dirty="0" smtClean="0">
-                <a:solidFill>
-                  <a:schemeClr val="tx1"/>
-                </a:solidFill>
-              </a:rPr>
-              <a:t>Наш алгоритм выполняет анализ каузальной зависимости события            и всех событий из цепочки отката</a:t>
-            </a:r>
-          </a:p>
-        </p:txBody>
-      </p:sp>
-      <p:sp>
-        <p:nvSpPr>
-          <p:cNvPr id="3" name="Прямоугольник 2"/>
-          <p:cNvSpPr>
-            <a:spLocks noRot="1" noChangeAspect="1" noMove="1" noResize="1" noEditPoints="1" noAdjustHandles="1" noChangeArrowheads="1" noChangeShapeType="1" noTextEdit="1"/>
-          </p:cNvSpPr>
-          <p:nvPr/>
-        </p:nvSpPr>
-        <p:spPr>
-          <a:xfrm>
-            <a:off x="3907880" y="3789038"/>
-            <a:ext cx="4292329" cy="461665"/>
-          </a:xfrm>
-          <a:prstGeom prst="rect">
-            <a:avLst/>
-          </a:prstGeom>
-          <a:blipFill rotWithShape="1">
-            <a:blip r:embed="rId3"/>
-            <a:stretch>
-              <a:fillRect b="-2667"/>
-            </a:stretch>
-          </a:blipFill>
-        </p:spPr>
-        <p:txBody>
-          <a:bodyPr/>
-          <a:lstStyle/>
-          <a:p>
-            <a:pPr>
-              <a:defRPr/>
-            </a:pPr>
-            <a:r>
-              <a:rPr lang="ru-RU">
-                <a:noFill/>
-              </a:rPr>
-              <a:t> </a:t>
-            </a:r>
-          </a:p>
-        </p:txBody>
-      </p:sp>
-      <p:sp>
-        <p:nvSpPr>
-          <p:cNvPr id="5" name="Прямоугольник 4"/>
-          <p:cNvSpPr>
-            <a:spLocks noRot="1" noChangeAspect="1" noMove="1" noResize="1" noEditPoints="1" noAdjustHandles="1" noChangeArrowheads="1" noChangeShapeType="1" noTextEdit="1"/>
-          </p:cNvSpPr>
-          <p:nvPr/>
-        </p:nvSpPr>
-        <p:spPr>
-          <a:xfrm>
-            <a:off x="4390568" y="4250703"/>
-            <a:ext cx="832216" cy="461665"/>
-          </a:xfrm>
-          <a:prstGeom prst="rect">
-            <a:avLst/>
-          </a:prstGeom>
-          <a:blipFill rotWithShape="1">
-            <a:blip r:embed="rId4"/>
-            <a:stretch>
-              <a:fillRect b="-2632"/>
-            </a:stretch>
-          </a:blipFill>
-        </p:spPr>
-        <p:txBody>
-          <a:bodyPr/>
-          <a:lstStyle/>
-          <a:p>
-            <a:pPr>
-              <a:defRPr/>
-            </a:pPr>
-            <a:r>
-              <a:rPr lang="ru-RU">
-                <a:noFill/>
-              </a:rPr>
-              <a:t> </a:t>
-            </a:r>
-          </a:p>
-        </p:txBody>
-      </p:sp>
-      <p:sp>
-        <p:nvSpPr>
-          <p:cNvPr id="6" name="Прямоугольник 5"/>
-          <p:cNvSpPr>
-            <a:spLocks noRot="1" noChangeAspect="1" noMove="1" noResize="1" noEditPoints="1" noAdjustHandles="1" noChangeArrowheads="1" noChangeShapeType="1" noTextEdit="1"/>
-          </p:cNvSpPr>
-          <p:nvPr/>
-        </p:nvSpPr>
-        <p:spPr>
-          <a:xfrm>
-            <a:off x="3253559" y="5126420"/>
-            <a:ext cx="3106235" cy="461665"/>
-          </a:xfrm>
-          <a:prstGeom prst="rect">
-            <a:avLst/>
-          </a:prstGeom>
-          <a:blipFill rotWithShape="1">
-            <a:blip r:embed="rId5"/>
-            <a:stretch>
-              <a:fillRect b="-1316"/>
-            </a:stretch>
-          </a:blipFill>
-        </p:spPr>
-        <p:txBody>
-          <a:bodyPr/>
-          <a:lstStyle/>
-          <a:p>
-            <a:pPr>
-              <a:defRPr/>
-            </a:pPr>
-            <a:r>
-              <a:rPr lang="ru-RU">
-                <a:noFill/>
-              </a:rPr>
-              <a:t> </a:t>
-            </a:r>
-          </a:p>
-        </p:txBody>
-      </p:sp>
-      <p:sp>
-        <p:nvSpPr>
-          <p:cNvPr id="12" name="Прямоугольник 11"/>
-          <p:cNvSpPr>
-            <a:spLocks noRot="1" noChangeAspect="1" noMove="1" noResize="1" noEditPoints="1" noAdjustHandles="1" noChangeArrowheads="1" noChangeShapeType="1" noTextEdit="1"/>
-          </p:cNvSpPr>
-          <p:nvPr/>
-        </p:nvSpPr>
-        <p:spPr>
-          <a:xfrm>
-            <a:off x="1691680" y="5949280"/>
-            <a:ext cx="832216" cy="461665"/>
-          </a:xfrm>
-          <a:prstGeom prst="rect">
-            <a:avLst/>
-          </a:prstGeom>
-          <a:blipFill rotWithShape="1">
-            <a:blip r:embed="rId6"/>
-            <a:stretch>
-              <a:fillRect b="-2632"/>
-            </a:stretch>
-          </a:blipFill>
-        </p:spPr>
-        <p:txBody>
-          <a:bodyPr/>
-          <a:lstStyle/>
-          <a:p>
-            <a:pPr>
-              <a:defRPr/>
-            </a:pPr>
-            <a:r>
-              <a:rPr lang="ru-RU">
-                <a:noFill/>
-              </a:rPr>
-              <a:t> </a:t>
-            </a:r>
           </a:p>
         </p:txBody>
       </p:sp>
@@ -15432,6 +15530,378 @@
           </p:style>
         </p:cxnSp>
       </p:grpSp>
+      <p:pic>
+        <p:nvPicPr>
+          <p:cNvPr id="2050" name="Picture 2" descr="D:\Buffer\Alg3_1.png"/>
+          <p:cNvPicPr>
+            <a:picLocks noChangeAspect="1" noChangeArrowheads="1"/>
+          </p:cNvPicPr>
+          <p:nvPr/>
+        </p:nvPicPr>
+        <p:blipFill>
+          <a:blip r:embed="rId3">
+            <a:extLst>
+              <a:ext uri="{28A0092B-C50C-407E-A947-70E740481C1C}">
+                <a14:useLocalDpi xmlns:a14="http://schemas.microsoft.com/office/drawing/2010/main" val="0"/>
+              </a:ext>
+            </a:extLst>
+          </a:blip>
+          <a:srcRect/>
+          <a:stretch>
+            <a:fillRect/>
+          </a:stretch>
+        </p:blipFill>
+        <p:spPr bwMode="auto">
+          <a:xfrm>
+            <a:off x="2267744" y="2789402"/>
+            <a:ext cx="4734332" cy="3591926"/>
+          </a:xfrm>
+          <a:prstGeom prst="rect">
+            <a:avLst/>
+          </a:prstGeom>
+          <a:noFill/>
+          <a:extLst>
+            <a:ext uri="{909E8E84-426E-40DD-AFC4-6F175D3DCCD1}">
+              <a14:hiddenFill xmlns:a14="http://schemas.microsoft.com/office/drawing/2010/main">
+                <a:solidFill>
+                  <a:srgbClr val="FFFFFF"/>
+                </a:solidFill>
+              </a14:hiddenFill>
+            </a:ext>
+          </a:extLst>
+        </p:spPr>
+      </p:pic>
+      <p:pic>
+        <p:nvPicPr>
+          <p:cNvPr id="2051" name="Picture 3" descr="D:\Buffer\Alg3_2.png"/>
+          <p:cNvPicPr>
+            <a:picLocks noChangeAspect="1" noChangeArrowheads="1"/>
+          </p:cNvPicPr>
+          <p:nvPr/>
+        </p:nvPicPr>
+        <p:blipFill>
+          <a:blip r:embed="rId4">
+            <a:extLst>
+              <a:ext uri="{28A0092B-C50C-407E-A947-70E740481C1C}">
+                <a14:useLocalDpi xmlns:a14="http://schemas.microsoft.com/office/drawing/2010/main" val="0"/>
+              </a:ext>
+            </a:extLst>
+          </a:blip>
+          <a:srcRect/>
+          <a:stretch>
+            <a:fillRect/>
+          </a:stretch>
+        </p:blipFill>
+        <p:spPr bwMode="auto">
+          <a:xfrm>
+            <a:off x="1661026" y="2771850"/>
+            <a:ext cx="6192588" cy="3609478"/>
+          </a:xfrm>
+          <a:prstGeom prst="rect">
+            <a:avLst/>
+          </a:prstGeom>
+          <a:noFill/>
+          <a:extLst>
+            <a:ext uri="{909E8E84-426E-40DD-AFC4-6F175D3DCCD1}">
+              <a14:hiddenFill xmlns:a14="http://schemas.microsoft.com/office/drawing/2010/main">
+                <a:solidFill>
+                  <a:srgbClr val="FFFFFF"/>
+                </a:solidFill>
+              </a14:hiddenFill>
+            </a:ext>
+          </a:extLst>
+        </p:spPr>
+      </p:pic>
+      <p:pic>
+        <p:nvPicPr>
+          <p:cNvPr id="2052" name="Picture 4" descr="D:\Buffer\Alg3_3.png"/>
+          <p:cNvPicPr>
+            <a:picLocks noChangeAspect="1" noChangeArrowheads="1"/>
+          </p:cNvPicPr>
+          <p:nvPr/>
+        </p:nvPicPr>
+        <p:blipFill>
+          <a:blip r:embed="rId5">
+            <a:extLst>
+              <a:ext uri="{28A0092B-C50C-407E-A947-70E740481C1C}">
+                <a14:useLocalDpi xmlns:a14="http://schemas.microsoft.com/office/drawing/2010/main" val="0"/>
+              </a:ext>
+            </a:extLst>
+          </a:blip>
+          <a:srcRect/>
+          <a:stretch>
+            <a:fillRect/>
+          </a:stretch>
+        </p:blipFill>
+        <p:spPr bwMode="auto">
+          <a:xfrm>
+            <a:off x="929635" y="2789403"/>
+            <a:ext cx="7632848" cy="3591925"/>
+          </a:xfrm>
+          <a:prstGeom prst="rect">
+            <a:avLst/>
+          </a:prstGeom>
+          <a:noFill/>
+          <a:extLst>
+            <a:ext uri="{909E8E84-426E-40DD-AFC4-6F175D3DCCD1}">
+              <a14:hiddenFill xmlns:a14="http://schemas.microsoft.com/office/drawing/2010/main">
+                <a:solidFill>
+                  <a:srgbClr val="FFFFFF"/>
+                </a:solidFill>
+              </a14:hiddenFill>
+            </a:ext>
+          </a:extLst>
+        </p:spPr>
+      </p:pic>
+      <p:sp>
+        <p:nvSpPr>
+          <p:cNvPr id="18" name="Подзаголовок 1"/>
+          <p:cNvSpPr txBox="1">
+            <a:spLocks/>
+          </p:cNvSpPr>
+          <p:nvPr/>
+        </p:nvSpPr>
+        <p:spPr bwMode="auto">
+          <a:xfrm>
+            <a:off x="826298" y="2277948"/>
+            <a:ext cx="7617223" cy="600212"/>
+          </a:xfrm>
+          <a:prstGeom prst="rect">
+            <a:avLst/>
+          </a:prstGeom>
+          <a:noFill/>
+          <a:ln>
+            <a:noFill/>
+          </a:ln>
+          <a:extLst>
+            <a:ext uri="{909E8E84-426E-40DD-AFC4-6F175D3DCCD1}">
+              <a14:hiddenFill xmlns:a14="http://schemas.microsoft.com/office/drawing/2010/main">
+                <a:solidFill>
+                  <a:srgbClr val="FFFFFF"/>
+                </a:solidFill>
+              </a14:hiddenFill>
+            </a:ext>
+            <a:ext uri="{91240B29-F687-4F45-9708-019B960494DF}">
+              <a14:hiddenLine xmlns:a14="http://schemas.microsoft.com/office/drawing/2010/main" w="9525">
+                <a:solidFill>
+                  <a:srgbClr val="000000"/>
+                </a:solidFill>
+                <a:miter lim="800000"/>
+                <a:headEnd/>
+                <a:tailEnd/>
+              </a14:hiddenLine>
+            </a:ext>
+          </a:extLst>
+        </p:spPr>
+        <p:txBody>
+          <a:bodyPr vert="horz" wrap="square" lIns="91440" tIns="45720" rIns="91440" bIns="45720" numCol="1" anchor="t" anchorCtr="0" compatLnSpc="1">
+            <a:prstTxWarp prst="textNoShape">
+              <a:avLst/>
+            </a:prstTxWarp>
+          </a:bodyPr>
+          <a:lstStyle>
+            <a:lvl1pPr marL="0" indent="0" algn="ctr" rtl="0" eaLnBrk="0" fontAlgn="base" hangingPunct="0">
+              <a:spcBef>
+                <a:spcPct val="20000"/>
+              </a:spcBef>
+              <a:spcAft>
+                <a:spcPct val="0"/>
+              </a:spcAft>
+              <a:buFont typeface="Arial" charset="0"/>
+              <a:buNone/>
+              <a:defRPr sz="3200" kern="1200">
+                <a:solidFill>
+                  <a:schemeClr val="tx1">
+                    <a:tint val="75000"/>
+                  </a:schemeClr>
+                </a:solidFill>
+                <a:latin typeface="+mn-lt"/>
+                <a:ea typeface="+mn-ea"/>
+                <a:cs typeface="+mn-cs"/>
+              </a:defRPr>
+            </a:lvl1pPr>
+            <a:lvl2pPr marL="457200" indent="0" algn="ctr" rtl="0" eaLnBrk="0" fontAlgn="base" hangingPunct="0">
+              <a:spcBef>
+                <a:spcPct val="20000"/>
+              </a:spcBef>
+              <a:spcAft>
+                <a:spcPct val="0"/>
+              </a:spcAft>
+              <a:buFont typeface="Arial" charset="0"/>
+              <a:buNone/>
+              <a:defRPr sz="2800" kern="1200">
+                <a:solidFill>
+                  <a:schemeClr val="tx1">
+                    <a:tint val="75000"/>
+                  </a:schemeClr>
+                </a:solidFill>
+                <a:latin typeface="+mn-lt"/>
+                <a:ea typeface="+mn-ea"/>
+                <a:cs typeface="+mn-cs"/>
+              </a:defRPr>
+            </a:lvl2pPr>
+            <a:lvl3pPr marL="914400" indent="0" algn="ctr" rtl="0" eaLnBrk="0" fontAlgn="base" hangingPunct="0">
+              <a:spcBef>
+                <a:spcPct val="20000"/>
+              </a:spcBef>
+              <a:spcAft>
+                <a:spcPct val="0"/>
+              </a:spcAft>
+              <a:buFont typeface="Arial" charset="0"/>
+              <a:buNone/>
+              <a:defRPr sz="2400" kern="1200">
+                <a:solidFill>
+                  <a:schemeClr val="tx1">
+                    <a:tint val="75000"/>
+                  </a:schemeClr>
+                </a:solidFill>
+                <a:latin typeface="+mn-lt"/>
+                <a:ea typeface="+mn-ea"/>
+                <a:cs typeface="+mn-cs"/>
+              </a:defRPr>
+            </a:lvl3pPr>
+            <a:lvl4pPr marL="1371600" indent="0" algn="ctr" rtl="0" eaLnBrk="0" fontAlgn="base" hangingPunct="0">
+              <a:spcBef>
+                <a:spcPct val="20000"/>
+              </a:spcBef>
+              <a:spcAft>
+                <a:spcPct val="0"/>
+              </a:spcAft>
+              <a:buFont typeface="Arial" charset="0"/>
+              <a:buNone/>
+              <a:defRPr sz="2000" kern="1200">
+                <a:solidFill>
+                  <a:schemeClr val="tx1">
+                    <a:tint val="75000"/>
+                  </a:schemeClr>
+                </a:solidFill>
+                <a:latin typeface="+mn-lt"/>
+                <a:ea typeface="+mn-ea"/>
+                <a:cs typeface="+mn-cs"/>
+              </a:defRPr>
+            </a:lvl4pPr>
+            <a:lvl5pPr marL="1828800" indent="0" algn="ctr" rtl="0" eaLnBrk="0" fontAlgn="base" hangingPunct="0">
+              <a:spcBef>
+                <a:spcPct val="20000"/>
+              </a:spcBef>
+              <a:spcAft>
+                <a:spcPct val="0"/>
+              </a:spcAft>
+              <a:buFont typeface="Arial" charset="0"/>
+              <a:buNone/>
+              <a:defRPr sz="2000" kern="1200">
+                <a:solidFill>
+                  <a:schemeClr val="tx1">
+                    <a:tint val="75000"/>
+                  </a:schemeClr>
+                </a:solidFill>
+                <a:latin typeface="+mn-lt"/>
+                <a:ea typeface="+mn-ea"/>
+                <a:cs typeface="+mn-cs"/>
+              </a:defRPr>
+            </a:lvl5pPr>
+            <a:lvl6pPr marL="2286000" indent="0" algn="ctr" defTabSz="914400" rtl="0" eaLnBrk="1" latinLnBrk="0" hangingPunct="1">
+              <a:spcBef>
+                <a:spcPct val="20000"/>
+              </a:spcBef>
+              <a:buFont typeface="Arial" pitchFamily="34" charset="0"/>
+              <a:buNone/>
+              <a:defRPr sz="2000" kern="1200">
+                <a:solidFill>
+                  <a:schemeClr val="tx1">
+                    <a:tint val="75000"/>
+                  </a:schemeClr>
+                </a:solidFill>
+                <a:latin typeface="+mn-lt"/>
+                <a:ea typeface="+mn-ea"/>
+                <a:cs typeface="+mn-cs"/>
+              </a:defRPr>
+            </a:lvl6pPr>
+            <a:lvl7pPr marL="2743200" indent="0" algn="ctr" defTabSz="914400" rtl="0" eaLnBrk="1" latinLnBrk="0" hangingPunct="1">
+              <a:spcBef>
+                <a:spcPct val="20000"/>
+              </a:spcBef>
+              <a:buFont typeface="Arial" pitchFamily="34" charset="0"/>
+              <a:buNone/>
+              <a:defRPr sz="2000" kern="1200">
+                <a:solidFill>
+                  <a:schemeClr val="tx1">
+                    <a:tint val="75000"/>
+                  </a:schemeClr>
+                </a:solidFill>
+                <a:latin typeface="+mn-lt"/>
+                <a:ea typeface="+mn-ea"/>
+                <a:cs typeface="+mn-cs"/>
+              </a:defRPr>
+            </a:lvl7pPr>
+            <a:lvl8pPr marL="3200400" indent="0" algn="ctr" defTabSz="914400" rtl="0" eaLnBrk="1" latinLnBrk="0" hangingPunct="1">
+              <a:spcBef>
+                <a:spcPct val="20000"/>
+              </a:spcBef>
+              <a:buFont typeface="Arial" pitchFamily="34" charset="0"/>
+              <a:buNone/>
+              <a:defRPr sz="2000" kern="1200">
+                <a:solidFill>
+                  <a:schemeClr val="tx1">
+                    <a:tint val="75000"/>
+                  </a:schemeClr>
+                </a:solidFill>
+                <a:latin typeface="+mn-lt"/>
+                <a:ea typeface="+mn-ea"/>
+                <a:cs typeface="+mn-cs"/>
+              </a:defRPr>
+            </a:lvl8pPr>
+            <a:lvl9pPr marL="3657600" indent="0" algn="ctr" defTabSz="914400" rtl="0" eaLnBrk="1" latinLnBrk="0" hangingPunct="1">
+              <a:spcBef>
+                <a:spcPct val="20000"/>
+              </a:spcBef>
+              <a:buFont typeface="Arial" pitchFamily="34" charset="0"/>
+              <a:buNone/>
+              <a:defRPr sz="2000" kern="1200">
+                <a:solidFill>
+                  <a:schemeClr val="tx1">
+                    <a:tint val="75000"/>
+                  </a:schemeClr>
+                </a:solidFill>
+                <a:latin typeface="+mn-lt"/>
+                <a:ea typeface="+mn-ea"/>
+                <a:cs typeface="+mn-cs"/>
+              </a:defRPr>
+            </a:lvl9pPr>
+          </a:lstStyle>
+          <a:p>
+            <a:r>
+              <a:rPr lang="ru-RU" sz="2400" dirty="0" smtClean="0">
+                <a:solidFill>
+                  <a:schemeClr val="tx1"/>
+                </a:solidFill>
+              </a:rPr>
+              <a:t>Обработка выполняется </a:t>
+            </a:r>
+            <a:r>
+              <a:rPr lang="ru-RU" sz="2400" u="sng" dirty="0" smtClean="0">
+                <a:solidFill>
+                  <a:schemeClr val="tx1"/>
+                </a:solidFill>
+              </a:rPr>
+              <a:t>рекурсивно</a:t>
+            </a:r>
+            <a:r>
+              <a:rPr lang="ru-RU" sz="2400" dirty="0" smtClean="0">
+                <a:solidFill>
+                  <a:schemeClr val="tx1"/>
+                </a:solidFill>
+              </a:rPr>
+              <a:t> для всех потомков</a:t>
+            </a:r>
+            <a:endParaRPr lang="en-US" sz="2400" dirty="0" smtClean="0">
+              <a:solidFill>
+                <a:schemeClr val="tx1"/>
+              </a:solidFill>
+            </a:endParaRPr>
+          </a:p>
+        </p:txBody>
+      </p:sp>
     </p:spTree>
   </p:cSld>
   <p:clrMapOvr>
@@ -15440,349 +15910,348 @@
   <p:timing>
     <p:tnLst>
       <p:par>
-        <p:cTn id="1" dur="indefinite" restart="never" nodeType="tmRoot"/>
+        <p:cTn id="1" dur="indefinite" restart="never" nodeType="tmRoot">
+          <p:childTnLst>
+            <p:seq concurrent="1" nextAc="seek">
+              <p:cTn id="2" dur="indefinite" nodeType="mainSeq">
+                <p:childTnLst>
+                  <p:par>
+                    <p:cTn id="3" fill="hold">
+                      <p:stCondLst>
+                        <p:cond delay="indefinite"/>
+                      </p:stCondLst>
+                      <p:childTnLst>
+                        <p:par>
+                          <p:cTn id="4" fill="hold">
+                            <p:stCondLst>
+                              <p:cond delay="0"/>
+                            </p:stCondLst>
+                            <p:childTnLst>
+                              <p:par>
+                                <p:cTn id="5" presetID="2" presetClass="entr" presetSubtype="2" fill="hold" nodeType="clickEffect">
+                                  <p:stCondLst>
+                                    <p:cond delay="0"/>
+                                  </p:stCondLst>
+                                  <p:childTnLst>
+                                    <p:set>
+                                      <p:cBhvr>
+                                        <p:cTn id="6" dur="1" fill="hold">
+                                          <p:stCondLst>
+                                            <p:cond delay="0"/>
+                                          </p:stCondLst>
+                                        </p:cTn>
+                                        <p:tgtEl>
+                                          <p:spTgt spid="2050"/>
+                                        </p:tgtEl>
+                                        <p:attrNameLst>
+                                          <p:attrName>style.visibility</p:attrName>
+                                        </p:attrNameLst>
+                                      </p:cBhvr>
+                                      <p:to>
+                                        <p:strVal val="visible"/>
+                                      </p:to>
+                                    </p:set>
+                                    <p:anim calcmode="lin" valueType="num">
+                                      <p:cBhvr additive="base">
+                                        <p:cTn id="7" dur="200" fill="hold"/>
+                                        <p:tgtEl>
+                                          <p:spTgt spid="2050"/>
+                                        </p:tgtEl>
+                                        <p:attrNameLst>
+                                          <p:attrName>ppt_x</p:attrName>
+                                        </p:attrNameLst>
+                                      </p:cBhvr>
+                                      <p:tavLst>
+                                        <p:tav tm="0">
+                                          <p:val>
+                                            <p:strVal val="1+#ppt_w/2"/>
+                                          </p:val>
+                                        </p:tav>
+                                        <p:tav tm="100000">
+                                          <p:val>
+                                            <p:strVal val="#ppt_x"/>
+                                          </p:val>
+                                        </p:tav>
+                                      </p:tavLst>
+                                    </p:anim>
+                                    <p:anim calcmode="lin" valueType="num">
+                                      <p:cBhvr additive="base">
+                                        <p:cTn id="8" dur="200" fill="hold"/>
+                                        <p:tgtEl>
+                                          <p:spTgt spid="2050"/>
+                                        </p:tgtEl>
+                                        <p:attrNameLst>
+                                          <p:attrName>ppt_y</p:attrName>
+                                        </p:attrNameLst>
+                                      </p:cBhvr>
+                                      <p:tavLst>
+                                        <p:tav tm="0">
+                                          <p:val>
+                                            <p:strVal val="#ppt_y"/>
+                                          </p:val>
+                                        </p:tav>
+                                        <p:tav tm="100000">
+                                          <p:val>
+                                            <p:strVal val="#ppt_y"/>
+                                          </p:val>
+                                        </p:tav>
+                                      </p:tavLst>
+                                    </p:anim>
+                                  </p:childTnLst>
+                                </p:cTn>
+                              </p:par>
+                            </p:childTnLst>
+                          </p:cTn>
+                        </p:par>
+                      </p:childTnLst>
+                    </p:cTn>
+                  </p:par>
+                  <p:par>
+                    <p:cTn id="9" fill="hold">
+                      <p:stCondLst>
+                        <p:cond delay="indefinite"/>
+                      </p:stCondLst>
+                      <p:childTnLst>
+                        <p:par>
+                          <p:cTn id="10" fill="hold">
+                            <p:stCondLst>
+                              <p:cond delay="0"/>
+                            </p:stCondLst>
+                            <p:childTnLst>
+                              <p:par>
+                                <p:cTn id="11" presetID="2" presetClass="entr" presetSubtype="2" fill="hold" nodeType="clickEffect">
+                                  <p:stCondLst>
+                                    <p:cond delay="0"/>
+                                  </p:stCondLst>
+                                  <p:childTnLst>
+                                    <p:set>
+                                      <p:cBhvr>
+                                        <p:cTn id="12" dur="1" fill="hold">
+                                          <p:stCondLst>
+                                            <p:cond delay="0"/>
+                                          </p:stCondLst>
+                                        </p:cTn>
+                                        <p:tgtEl>
+                                          <p:spTgt spid="2051"/>
+                                        </p:tgtEl>
+                                        <p:attrNameLst>
+                                          <p:attrName>style.visibility</p:attrName>
+                                        </p:attrNameLst>
+                                      </p:cBhvr>
+                                      <p:to>
+                                        <p:strVal val="visible"/>
+                                      </p:to>
+                                    </p:set>
+                                    <p:anim calcmode="lin" valueType="num">
+                                      <p:cBhvr additive="base">
+                                        <p:cTn id="13" dur="200" fill="hold"/>
+                                        <p:tgtEl>
+                                          <p:spTgt spid="2051"/>
+                                        </p:tgtEl>
+                                        <p:attrNameLst>
+                                          <p:attrName>ppt_x</p:attrName>
+                                        </p:attrNameLst>
+                                      </p:cBhvr>
+                                      <p:tavLst>
+                                        <p:tav tm="0">
+                                          <p:val>
+                                            <p:strVal val="1+#ppt_w/2"/>
+                                          </p:val>
+                                        </p:tav>
+                                        <p:tav tm="100000">
+                                          <p:val>
+                                            <p:strVal val="#ppt_x"/>
+                                          </p:val>
+                                        </p:tav>
+                                      </p:tavLst>
+                                    </p:anim>
+                                    <p:anim calcmode="lin" valueType="num">
+                                      <p:cBhvr additive="base">
+                                        <p:cTn id="14" dur="200" fill="hold"/>
+                                        <p:tgtEl>
+                                          <p:spTgt spid="2051"/>
+                                        </p:tgtEl>
+                                        <p:attrNameLst>
+                                          <p:attrName>ppt_y</p:attrName>
+                                        </p:attrNameLst>
+                                      </p:cBhvr>
+                                      <p:tavLst>
+                                        <p:tav tm="0">
+                                          <p:val>
+                                            <p:strVal val="#ppt_y"/>
+                                          </p:val>
+                                        </p:tav>
+                                        <p:tav tm="100000">
+                                          <p:val>
+                                            <p:strVal val="#ppt_y"/>
+                                          </p:val>
+                                        </p:tav>
+                                      </p:tavLst>
+                                    </p:anim>
+                                  </p:childTnLst>
+                                </p:cTn>
+                              </p:par>
+                            </p:childTnLst>
+                          </p:cTn>
+                        </p:par>
+                      </p:childTnLst>
+                    </p:cTn>
+                  </p:par>
+                  <p:par>
+                    <p:cTn id="15" fill="hold">
+                      <p:stCondLst>
+                        <p:cond delay="indefinite"/>
+                      </p:stCondLst>
+                      <p:childTnLst>
+                        <p:par>
+                          <p:cTn id="16" fill="hold">
+                            <p:stCondLst>
+                              <p:cond delay="0"/>
+                            </p:stCondLst>
+                            <p:childTnLst>
+                              <p:par>
+                                <p:cTn id="17" presetID="2" presetClass="entr" presetSubtype="2" fill="hold" nodeType="clickEffect">
+                                  <p:stCondLst>
+                                    <p:cond delay="0"/>
+                                  </p:stCondLst>
+                                  <p:childTnLst>
+                                    <p:set>
+                                      <p:cBhvr>
+                                        <p:cTn id="18" dur="1" fill="hold">
+                                          <p:stCondLst>
+                                            <p:cond delay="0"/>
+                                          </p:stCondLst>
+                                        </p:cTn>
+                                        <p:tgtEl>
+                                          <p:spTgt spid="2052"/>
+                                        </p:tgtEl>
+                                        <p:attrNameLst>
+                                          <p:attrName>style.visibility</p:attrName>
+                                        </p:attrNameLst>
+                                      </p:cBhvr>
+                                      <p:to>
+                                        <p:strVal val="visible"/>
+                                      </p:to>
+                                    </p:set>
+                                    <p:anim calcmode="lin" valueType="num">
+                                      <p:cBhvr additive="base">
+                                        <p:cTn id="19" dur="200" fill="hold"/>
+                                        <p:tgtEl>
+                                          <p:spTgt spid="2052"/>
+                                        </p:tgtEl>
+                                        <p:attrNameLst>
+                                          <p:attrName>ppt_x</p:attrName>
+                                        </p:attrNameLst>
+                                      </p:cBhvr>
+                                      <p:tavLst>
+                                        <p:tav tm="0">
+                                          <p:val>
+                                            <p:strVal val="1+#ppt_w/2"/>
+                                          </p:val>
+                                        </p:tav>
+                                        <p:tav tm="100000">
+                                          <p:val>
+                                            <p:strVal val="#ppt_x"/>
+                                          </p:val>
+                                        </p:tav>
+                                      </p:tavLst>
+                                    </p:anim>
+                                    <p:anim calcmode="lin" valueType="num">
+                                      <p:cBhvr additive="base">
+                                        <p:cTn id="20" dur="200" fill="hold"/>
+                                        <p:tgtEl>
+                                          <p:spTgt spid="2052"/>
+                                        </p:tgtEl>
+                                        <p:attrNameLst>
+                                          <p:attrName>ppt_y</p:attrName>
+                                        </p:attrNameLst>
+                                      </p:cBhvr>
+                                      <p:tavLst>
+                                        <p:tav tm="0">
+                                          <p:val>
+                                            <p:strVal val="#ppt_y"/>
+                                          </p:val>
+                                        </p:tav>
+                                        <p:tav tm="100000">
+                                          <p:val>
+                                            <p:strVal val="#ppt_y"/>
+                                          </p:val>
+                                        </p:tav>
+                                      </p:tavLst>
+                                    </p:anim>
+                                  </p:childTnLst>
+                                </p:cTn>
+                              </p:par>
+                              <p:par>
+                                <p:cTn id="21" presetID="10" presetClass="entr" presetSubtype="0" fill="hold" grpId="0" nodeType="withEffect">
+                                  <p:stCondLst>
+                                    <p:cond delay="2000"/>
+                                  </p:stCondLst>
+                                  <p:childTnLst>
+                                    <p:set>
+                                      <p:cBhvr>
+                                        <p:cTn id="22" dur="1" fill="hold">
+                                          <p:stCondLst>
+                                            <p:cond delay="0"/>
+                                          </p:stCondLst>
+                                        </p:cTn>
+                                        <p:tgtEl>
+                                          <p:spTgt spid="18"/>
+                                        </p:tgtEl>
+                                        <p:attrNameLst>
+                                          <p:attrName>style.visibility</p:attrName>
+                                        </p:attrNameLst>
+                                      </p:cBhvr>
+                                      <p:to>
+                                        <p:strVal val="visible"/>
+                                      </p:to>
+                                    </p:set>
+                                    <p:animEffect transition="in" filter="fade">
+                                      <p:cBhvr>
+                                        <p:cTn id="23" dur="1000"/>
+                                        <p:tgtEl>
+                                          <p:spTgt spid="18"/>
+                                        </p:tgtEl>
+                                      </p:cBhvr>
+                                    </p:animEffect>
+                                  </p:childTnLst>
+                                </p:cTn>
+                              </p:par>
+                            </p:childTnLst>
+                          </p:cTn>
+                        </p:par>
+                      </p:childTnLst>
+                    </p:cTn>
+                  </p:par>
+                </p:childTnLst>
+              </p:cTn>
+              <p:prevCondLst>
+                <p:cond evt="onPrev" delay="0">
+                  <p:tgtEl>
+                    <p:sldTgt/>
+                  </p:tgtEl>
+                </p:cond>
+              </p:prevCondLst>
+              <p:nextCondLst>
+                <p:cond evt="onNext" delay="0">
+                  <p:tgtEl>
+                    <p:sldTgt/>
+                  </p:tgtEl>
+                </p:cond>
+              </p:nextCondLst>
+            </p:seq>
+          </p:childTnLst>
+        </p:cTn>
       </p:par>
     </p:tnLst>
+    <p:bldLst>
+      <p:bldP spid="18" grpId="0"/>
+    </p:bldLst>
   </p:timing>
 </p:sld>
 </file>
 
 <file path=ppt/slides/slide18.xml><?xml version="1.0" encoding="utf-8"?>
-<p:sld xmlns:a="http://schemas.openxmlformats.org/drawingml/2006/main" xmlns:r="http://schemas.openxmlformats.org/officeDocument/2006/relationships" xmlns:p="http://schemas.openxmlformats.org/presentationml/2006/main">
-  <p:cSld>
-    <p:spTree>
-      <p:nvGrpSpPr>
-        <p:cNvPr id="1" name=""/>
-        <p:cNvGrpSpPr/>
-        <p:nvPr/>
-      </p:nvGrpSpPr>
-      <p:grpSpPr>
-        <a:xfrm>
-          <a:off x="0" y="0"/>
-          <a:ext cx="0" cy="0"/>
-          <a:chOff x="0" y="0"/>
-          <a:chExt cx="0" cy="0"/>
-        </a:xfrm>
-      </p:grpSpPr>
-      <p:sp>
-        <p:nvSpPr>
-          <p:cNvPr id="19458" name="Заголовок 1"/>
-          <p:cNvSpPr>
-            <a:spLocks noGrp="1"/>
-          </p:cNvSpPr>
-          <p:nvPr>
-            <p:ph type="ctrTitle"/>
-          </p:nvPr>
-        </p:nvSpPr>
-        <p:spPr>
-          <a:xfrm>
-            <a:off x="547688" y="333375"/>
-            <a:ext cx="8201025" cy="1295400"/>
-          </a:xfrm>
-        </p:spPr>
-        <p:txBody>
-          <a:bodyPr/>
-          <a:lstStyle/>
-          <a:p>
-            <a:pPr eaLnBrk="1" hangingPunct="1"/>
-            <a:r>
-              <a:rPr lang="ru-RU" sz="4000" b="1" i="1" smtClean="0">
-                <a:latin typeface="Georgia" pitchFamily="18" charset="0"/>
-              </a:rPr>
-              <a:t>Рекурсивная обработка</a:t>
-            </a:r>
-          </a:p>
-        </p:txBody>
-      </p:sp>
-      <p:sp>
-        <p:nvSpPr>
-          <p:cNvPr id="16387" name="Подзаголовок 2"/>
-          <p:cNvSpPr>
-            <a:spLocks noGrp="1" noRot="1" noChangeAspect="1" noMove="1" noResize="1" noEditPoints="1" noAdjustHandles="1" noChangeArrowheads="1" noChangeShapeType="1" noTextEdit="1"/>
-          </p:cNvSpPr>
-          <p:nvPr>
-            <p:ph type="subTitle" idx="1"/>
-          </p:nvPr>
-        </p:nvSpPr>
-        <p:spPr>
-          <a:xfrm>
-            <a:off x="539552" y="1361994"/>
-            <a:ext cx="8136136" cy="4875318"/>
-          </a:xfrm>
-          <a:blipFill rotWithShape="1">
-            <a:blip r:embed="rId3"/>
-            <a:stretch>
-              <a:fillRect l="-1274" t="-875" r="-1874" b="-250"/>
-            </a:stretch>
-          </a:blipFill>
-          <a:extLst/>
-        </p:spPr>
-        <p:txBody>
-          <a:bodyPr/>
-          <a:lstStyle/>
-          <a:p>
-            <a:pPr>
-              <a:defRPr/>
-            </a:pPr>
-            <a:r>
-              <a:rPr lang="ru-RU">
-                <a:noFill/>
-              </a:rPr>
-              <a:t> </a:t>
-            </a:r>
-          </a:p>
-        </p:txBody>
-      </p:sp>
-      <p:sp>
-        <p:nvSpPr>
-          <p:cNvPr id="4" name="Номер слайда 3"/>
-          <p:cNvSpPr>
-            <a:spLocks noGrp="1"/>
-          </p:cNvSpPr>
-          <p:nvPr>
-            <p:ph type="sldNum" sz="quarter" idx="12"/>
-          </p:nvPr>
-        </p:nvSpPr>
-        <p:spPr>
-          <a:xfrm>
-            <a:off x="6553200" y="6356350"/>
-            <a:ext cx="2339975" cy="365125"/>
-          </a:xfrm>
-        </p:spPr>
-        <p:txBody>
-          <a:bodyPr/>
-          <a:lstStyle/>
-          <a:p>
-            <a:pPr>
-              <a:defRPr/>
-            </a:pPr>
-            <a:fld id="{B972AFC1-7331-4036-9EB7-99535A67D935}" type="slidenum">
-              <a:rPr lang="ru-RU" sz="2800" smtClean="0"/>
-              <a:pPr>
-                <a:defRPr/>
-              </a:pPr>
-              <a:t>18</a:t>
-            </a:fld>
-            <a:r>
-              <a:rPr lang="en-US" sz="2800" dirty="0" smtClean="0"/>
-              <a:t>/25</a:t>
-            </a:r>
-            <a:endParaRPr lang="ru-RU" sz="2800" dirty="0"/>
-          </a:p>
-        </p:txBody>
-      </p:sp>
-      <p:sp>
-        <p:nvSpPr>
-          <p:cNvPr id="2" name="Прямоугольник 1"/>
-          <p:cNvSpPr>
-            <a:spLocks noRot="1" noChangeAspect="1" noMove="1" noResize="1" noEditPoints="1" noAdjustHandles="1" noChangeArrowheads="1" noChangeShapeType="1" noTextEdit="1"/>
-          </p:cNvSpPr>
-          <p:nvPr/>
-        </p:nvSpPr>
-        <p:spPr>
-          <a:xfrm>
-            <a:off x="384079" y="6340678"/>
-            <a:ext cx="3277885" cy="369332"/>
-          </a:xfrm>
-          <a:prstGeom prst="rect">
-            <a:avLst/>
-          </a:prstGeom>
-          <a:blipFill rotWithShape="1">
-            <a:blip r:embed="rId4"/>
-            <a:stretch>
-              <a:fillRect/>
-            </a:stretch>
-          </a:blipFill>
-          <a:ln w="38100" cmpd="thickThin">
-            <a:solidFill>
-              <a:schemeClr val="bg1">
-                <a:lumMod val="50000"/>
-              </a:schemeClr>
-            </a:solidFill>
-          </a:ln>
-        </p:spPr>
-        <p:txBody>
-          <a:bodyPr/>
-          <a:lstStyle/>
-          <a:p>
-            <a:pPr>
-              <a:defRPr/>
-            </a:pPr>
-            <a:r>
-              <a:rPr lang="ru-RU">
-                <a:noFill/>
-              </a:rPr>
-              <a:t> </a:t>
-            </a:r>
-          </a:p>
-        </p:txBody>
-      </p:sp>
-      <p:grpSp>
-        <p:nvGrpSpPr>
-          <p:cNvPr id="9" name="Группа 8"/>
-          <p:cNvGrpSpPr/>
-          <p:nvPr/>
-        </p:nvGrpSpPr>
-        <p:grpSpPr>
-          <a:xfrm>
-            <a:off x="395536" y="1052736"/>
-            <a:ext cx="298450" cy="5472608"/>
-            <a:chOff x="395536" y="1052736"/>
-            <a:chExt cx="298450" cy="5472608"/>
-          </a:xfrm>
-        </p:grpSpPr>
-        <p:cxnSp>
-          <p:nvCxnSpPr>
-            <p:cNvPr id="10" name="Прямая соединительная линия 9"/>
-            <p:cNvCxnSpPr/>
-            <p:nvPr/>
-          </p:nvCxnSpPr>
-          <p:spPr>
-            <a:xfrm>
-              <a:off x="541586" y="1340768"/>
-              <a:ext cx="0" cy="5184576"/>
-            </a:xfrm>
-            <a:prstGeom prst="line">
-              <a:avLst/>
-            </a:prstGeom>
-            <a:ln>
-              <a:solidFill>
-                <a:schemeClr val="bg1">
-                  <a:lumMod val="65000"/>
-                </a:schemeClr>
-              </a:solidFill>
-            </a:ln>
-            <a:effectLst>
-              <a:glow rad="101600">
-                <a:schemeClr val="bg1">
-                  <a:lumMod val="65000"/>
-                  <a:alpha val="60000"/>
-                </a:schemeClr>
-              </a:glow>
-            </a:effectLst>
-          </p:spPr>
-          <p:style>
-            <a:lnRef idx="1">
-              <a:schemeClr val="accent1"/>
-            </a:lnRef>
-            <a:fillRef idx="0">
-              <a:schemeClr val="accent1"/>
-            </a:fillRef>
-            <a:effectRef idx="0">
-              <a:schemeClr val="accent1"/>
-            </a:effectRef>
-            <a:fontRef idx="minor">
-              <a:schemeClr val="tx1"/>
-            </a:fontRef>
-          </p:style>
-        </p:cxnSp>
-        <p:cxnSp>
-          <p:nvCxnSpPr>
-            <p:cNvPr id="12" name="Прямая соединительная линия 11"/>
-            <p:cNvCxnSpPr/>
-            <p:nvPr/>
-          </p:nvCxnSpPr>
-          <p:spPr>
-            <a:xfrm>
-              <a:off x="693986" y="1628800"/>
-              <a:ext cx="0" cy="4896544"/>
-            </a:xfrm>
-            <a:prstGeom prst="line">
-              <a:avLst/>
-            </a:prstGeom>
-            <a:ln>
-              <a:solidFill>
-                <a:schemeClr val="bg1">
-                  <a:lumMod val="65000"/>
-                </a:schemeClr>
-              </a:solidFill>
-            </a:ln>
-            <a:effectLst>
-              <a:glow rad="101600">
-                <a:schemeClr val="bg1">
-                  <a:lumMod val="65000"/>
-                  <a:alpha val="60000"/>
-                </a:schemeClr>
-              </a:glow>
-            </a:effectLst>
-          </p:spPr>
-          <p:style>
-            <a:lnRef idx="1">
-              <a:schemeClr val="accent1"/>
-            </a:lnRef>
-            <a:fillRef idx="0">
-              <a:schemeClr val="accent1"/>
-            </a:fillRef>
-            <a:effectRef idx="0">
-              <a:schemeClr val="accent1"/>
-            </a:effectRef>
-            <a:fontRef idx="minor">
-              <a:schemeClr val="tx1"/>
-            </a:fontRef>
-          </p:style>
-        </p:cxnSp>
-        <p:cxnSp>
-          <p:nvCxnSpPr>
-            <p:cNvPr id="13" name="Прямая соединительная линия 12"/>
-            <p:cNvCxnSpPr/>
-            <p:nvPr/>
-          </p:nvCxnSpPr>
-          <p:spPr>
-            <a:xfrm>
-              <a:off x="395536" y="1052736"/>
-              <a:ext cx="0" cy="5472608"/>
-            </a:xfrm>
-            <a:prstGeom prst="line">
-              <a:avLst/>
-            </a:prstGeom>
-            <a:ln>
-              <a:solidFill>
-                <a:schemeClr val="bg1">
-                  <a:lumMod val="65000"/>
-                </a:schemeClr>
-              </a:solidFill>
-            </a:ln>
-            <a:effectLst>
-              <a:glow rad="101600">
-                <a:schemeClr val="bg1">
-                  <a:lumMod val="65000"/>
-                  <a:alpha val="60000"/>
-                </a:schemeClr>
-              </a:glow>
-            </a:effectLst>
-          </p:spPr>
-          <p:style>
-            <a:lnRef idx="1">
-              <a:schemeClr val="accent1"/>
-            </a:lnRef>
-            <a:fillRef idx="0">
-              <a:schemeClr val="accent1"/>
-            </a:fillRef>
-            <a:effectRef idx="0">
-              <a:schemeClr val="accent1"/>
-            </a:effectRef>
-            <a:fontRef idx="minor">
-              <a:schemeClr val="tx1"/>
-            </a:fontRef>
-          </p:style>
-        </p:cxnSp>
-      </p:grpSp>
-    </p:spTree>
-  </p:cSld>
-  <p:clrMapOvr>
-    <a:masterClrMapping/>
-  </p:clrMapOvr>
-  <p:timing>
-    <p:tnLst>
-      <p:par>
-        <p:cTn id="1" dur="indefinite" restart="never" nodeType="tmRoot"/>
-      </p:par>
-    </p:tnLst>
-  </p:timing>
-</p:sld>
-</file>
-
-<file path=ppt/slides/slide19.xml><?xml version="1.0" encoding="utf-8"?>
 <p:sld xmlns:a="http://schemas.openxmlformats.org/drawingml/2006/main" xmlns:r="http://schemas.openxmlformats.org/officeDocument/2006/relationships" xmlns:p="http://schemas.openxmlformats.org/presentationml/2006/main">
   <p:cSld>
     <p:spTree>
@@ -15858,23 +16327,7 @@
                   <a:schemeClr val="tx1"/>
                 </a:solidFill>
               </a:rPr>
-              <a:t>При реализации алгоритма нужно учесть </a:t>
-            </a:r>
-            <a:r>
-              <a:rPr lang="ru-RU" sz="2800" dirty="0" smtClean="0">
-                <a:solidFill>
-                  <a:schemeClr val="tx1"/>
-                </a:solidFill>
-              </a:rPr>
-              <a:t>2 особенности</a:t>
-            </a:r>
-            <a:r>
-              <a:rPr lang="ru-RU" sz="2800" dirty="0" smtClean="0">
-                <a:solidFill>
-                  <a:schemeClr val="tx1"/>
-                </a:solidFill>
-              </a:rPr>
-              <a:t>:</a:t>
+              <a:t>При реализации алгоритма нужно учесть 2 особенности:</a:t>
             </a:r>
           </a:p>
           <a:p>
@@ -15889,15 +16342,7 @@
                   <a:schemeClr val="tx1"/>
                 </a:solidFill>
               </a:rPr>
-              <a:t>При интеграции с </a:t>
-            </a:r>
-            <a:r>
-              <a:rPr lang="ru-RU" sz="2800" dirty="0" smtClean="0">
-                <a:solidFill>
-                  <a:schemeClr val="tx1"/>
-                </a:solidFill>
-              </a:rPr>
-              <a:t>алгоритмом</a:t>
+              <a:t>При интеграции с алгоритмом</a:t>
             </a:r>
             <a:r>
               <a:rPr lang="en-US" sz="2800" dirty="0" smtClean="0">
@@ -16008,7 +16453,7 @@
               <a:pPr>
                 <a:defRPr/>
               </a:pPr>
-              <a:t>19</a:t>
+              <a:t>18</a:t>
             </a:fld>
             <a:r>
               <a:rPr lang="en-US" sz="2800" dirty="0" smtClean="0"/>
@@ -16183,386 +16628,7 @@
 </p:sld>
 </file>
 
-<file path=ppt/slides/slide2.xml><?xml version="1.0" encoding="utf-8"?>
-<p:sld xmlns:a="http://schemas.openxmlformats.org/drawingml/2006/main" xmlns:r="http://schemas.openxmlformats.org/officeDocument/2006/relationships" xmlns:p="http://schemas.openxmlformats.org/presentationml/2006/main">
-  <p:cSld>
-    <p:spTree>
-      <p:nvGrpSpPr>
-        <p:cNvPr id="1" name=""/>
-        <p:cNvGrpSpPr/>
-        <p:nvPr/>
-      </p:nvGrpSpPr>
-      <p:grpSpPr>
-        <a:xfrm>
-          <a:off x="0" y="0"/>
-          <a:ext cx="0" cy="0"/>
-          <a:chOff x="0" y="0"/>
-          <a:chExt cx="0" cy="0"/>
-        </a:xfrm>
-      </p:grpSpPr>
-      <p:sp>
-        <p:nvSpPr>
-          <p:cNvPr id="3074" name="Заголовок 1"/>
-          <p:cNvSpPr>
-            <a:spLocks noGrp="1"/>
-          </p:cNvSpPr>
-          <p:nvPr>
-            <p:ph type="ctrTitle"/>
-          </p:nvPr>
-        </p:nvSpPr>
-        <p:spPr>
-          <a:xfrm>
-            <a:off x="684213" y="333375"/>
-            <a:ext cx="7772400" cy="935038"/>
-          </a:xfrm>
-        </p:spPr>
-        <p:txBody>
-          <a:bodyPr/>
-          <a:lstStyle/>
-          <a:p>
-            <a:pPr eaLnBrk="1" hangingPunct="1"/>
-            <a:r>
-              <a:rPr lang="ru-RU" sz="4000" b="1" i="1" dirty="0" smtClean="0">
-                <a:latin typeface="Georgia" pitchFamily="18" charset="0"/>
-              </a:rPr>
-              <a:t>Постановка задачи</a:t>
-            </a:r>
-            <a:endParaRPr lang="ru-RU" sz="4000" b="1" i="1" dirty="0" smtClean="0">
-              <a:latin typeface="Georgia" pitchFamily="18" charset="0"/>
-            </a:endParaRPr>
-          </a:p>
-        </p:txBody>
-      </p:sp>
-      <p:sp>
-        <p:nvSpPr>
-          <p:cNvPr id="3075" name="Подзаголовок 2"/>
-          <p:cNvSpPr>
-            <a:spLocks noGrp="1"/>
-          </p:cNvSpPr>
-          <p:nvPr>
-            <p:ph type="subTitle" idx="1"/>
-          </p:nvPr>
-        </p:nvSpPr>
-        <p:spPr>
-          <a:xfrm>
-            <a:off x="900113" y="1341438"/>
-            <a:ext cx="7848351" cy="5183187"/>
-          </a:xfrm>
-        </p:spPr>
-        <p:txBody>
-          <a:bodyPr/>
-          <a:lstStyle/>
-          <a:p>
-            <a:pPr marL="633413" indent="-544513" algn="l" eaLnBrk="1" hangingPunct="1"/>
-            <a:r>
-              <a:rPr lang="ru-RU" sz="2800" u="sng" dirty="0" smtClean="0">
-                <a:solidFill>
-                  <a:schemeClr val="tx1"/>
-                </a:solidFill>
-              </a:rPr>
-              <a:t>Исследуемая область</a:t>
-            </a:r>
-            <a:r>
-              <a:rPr lang="ru-RU" sz="2800" dirty="0" smtClean="0">
-                <a:solidFill>
-                  <a:schemeClr val="tx1"/>
-                </a:solidFill>
-              </a:rPr>
-              <a:t>: распределённые системы агентного имитационного моделирования</a:t>
-            </a:r>
-          </a:p>
-          <a:p>
-            <a:pPr marL="633413" indent="-544513" algn="l" eaLnBrk="1" hangingPunct="1"/>
-            <a:r>
-              <a:rPr lang="ru-RU" sz="2800" u="sng" dirty="0" smtClean="0">
-                <a:solidFill>
-                  <a:schemeClr val="tx1"/>
-                </a:solidFill>
-              </a:rPr>
-              <a:t>Предмет исследования</a:t>
-            </a:r>
-            <a:r>
-              <a:rPr lang="ru-RU" sz="2800" dirty="0" smtClean="0">
-                <a:solidFill>
-                  <a:schemeClr val="tx1"/>
-                </a:solidFill>
-              </a:rPr>
-              <a:t>: оптимистические алгоритмы синхронизации агентов</a:t>
-            </a:r>
-          </a:p>
-          <a:p>
-            <a:pPr marL="633413" indent="-544513" algn="l" eaLnBrk="1" hangingPunct="1"/>
-            <a:r>
-              <a:rPr lang="ru-RU" sz="2800" u="sng" dirty="0" smtClean="0">
-                <a:solidFill>
-                  <a:schemeClr val="tx1"/>
-                </a:solidFill>
-              </a:rPr>
-              <a:t>Проблема</a:t>
-            </a:r>
-            <a:r>
-              <a:rPr lang="ru-RU" sz="2800" dirty="0" smtClean="0">
-                <a:solidFill>
-                  <a:schemeClr val="tx1"/>
-                </a:solidFill>
-              </a:rPr>
-              <a:t>: классические оптимистические алгоритмы обладают рядом недостатков, снижающих эффективность </a:t>
-            </a:r>
-            <a:r>
-              <a:rPr lang="ru-RU" sz="2800" dirty="0" smtClean="0">
-                <a:solidFill>
-                  <a:schemeClr val="tx1"/>
-                </a:solidFill>
-              </a:rPr>
-              <a:t>моделирования</a:t>
-            </a:r>
-            <a:endParaRPr lang="ru-RU" sz="2800" dirty="0" smtClean="0">
-              <a:solidFill>
-                <a:schemeClr val="tx1"/>
-              </a:solidFill>
-            </a:endParaRPr>
-          </a:p>
-          <a:p>
-            <a:pPr marL="633413" indent="-544513" algn="l" eaLnBrk="1" hangingPunct="1"/>
-            <a:r>
-              <a:rPr lang="ru-RU" sz="2800" u="sng" dirty="0" smtClean="0">
-                <a:solidFill>
-                  <a:schemeClr val="tx1"/>
-                </a:solidFill>
-              </a:rPr>
-              <a:t>Цель</a:t>
-            </a:r>
-            <a:r>
-              <a:rPr lang="ru-RU" sz="2800" dirty="0" smtClean="0">
-                <a:solidFill>
-                  <a:schemeClr val="tx1"/>
-                </a:solidFill>
-              </a:rPr>
-              <a:t>: разработать </a:t>
-            </a:r>
-            <a:r>
-              <a:rPr lang="ru-RU" sz="2800" dirty="0" smtClean="0">
-                <a:solidFill>
-                  <a:schemeClr val="tx1"/>
-                </a:solidFill>
-              </a:rPr>
-              <a:t>алгоритм синхронизации, </a:t>
-            </a:r>
-            <a:r>
-              <a:rPr lang="ru-RU" sz="2800" dirty="0" smtClean="0">
-                <a:solidFill>
-                  <a:schemeClr val="tx1"/>
-                </a:solidFill>
-              </a:rPr>
-              <a:t>основанный на знаниях о модели, который бы оказался эффективнее своих аналогов</a:t>
-            </a:r>
-          </a:p>
-        </p:txBody>
-      </p:sp>
-      <p:sp>
-        <p:nvSpPr>
-          <p:cNvPr id="4" name="Номер слайда 3"/>
-          <p:cNvSpPr>
-            <a:spLocks noGrp="1"/>
-          </p:cNvSpPr>
-          <p:nvPr>
-            <p:ph type="sldNum" sz="quarter" idx="12"/>
-          </p:nvPr>
-        </p:nvSpPr>
-        <p:spPr>
-          <a:xfrm>
-            <a:off x="6553200" y="6356350"/>
-            <a:ext cx="2339975" cy="365125"/>
-          </a:xfrm>
-        </p:spPr>
-        <p:txBody>
-          <a:bodyPr/>
-          <a:lstStyle/>
-          <a:p>
-            <a:pPr>
-              <a:defRPr/>
-            </a:pPr>
-            <a:fld id="{E99575A2-6CF0-4743-B982-63163FE59FFF}" type="slidenum">
-              <a:rPr lang="ru-RU" sz="2800" smtClean="0"/>
-              <a:pPr>
-                <a:defRPr/>
-              </a:pPr>
-              <a:t>2</a:t>
-            </a:fld>
-            <a:r>
-              <a:rPr lang="en-US" sz="2800" dirty="0" smtClean="0"/>
-              <a:t>/25</a:t>
-            </a:r>
-            <a:endParaRPr lang="ru-RU" sz="2800" dirty="0"/>
-          </a:p>
-        </p:txBody>
-      </p:sp>
-      <p:grpSp>
-        <p:nvGrpSpPr>
-          <p:cNvPr id="2" name="Группа 1"/>
-          <p:cNvGrpSpPr/>
-          <p:nvPr/>
-        </p:nvGrpSpPr>
-        <p:grpSpPr>
-          <a:xfrm>
-            <a:off x="395536" y="1052736"/>
-            <a:ext cx="298450" cy="5472608"/>
-            <a:chOff x="395536" y="1052736"/>
-            <a:chExt cx="298450" cy="5472608"/>
-          </a:xfrm>
-        </p:grpSpPr>
-        <p:cxnSp>
-          <p:nvCxnSpPr>
-            <p:cNvPr id="7" name="Прямая соединительная линия 6"/>
-            <p:cNvCxnSpPr/>
-            <p:nvPr/>
-          </p:nvCxnSpPr>
-          <p:spPr>
-            <a:xfrm>
-              <a:off x="541586" y="1340768"/>
-              <a:ext cx="0" cy="5184576"/>
-            </a:xfrm>
-            <a:prstGeom prst="line">
-              <a:avLst/>
-            </a:prstGeom>
-            <a:ln>
-              <a:solidFill>
-                <a:schemeClr val="bg1">
-                  <a:lumMod val="65000"/>
-                </a:schemeClr>
-              </a:solidFill>
-            </a:ln>
-            <a:effectLst>
-              <a:glow rad="101600">
-                <a:schemeClr val="bg1">
-                  <a:lumMod val="65000"/>
-                  <a:alpha val="60000"/>
-                </a:schemeClr>
-              </a:glow>
-            </a:effectLst>
-          </p:spPr>
-          <p:style>
-            <a:lnRef idx="1">
-              <a:schemeClr val="accent1"/>
-            </a:lnRef>
-            <a:fillRef idx="0">
-              <a:schemeClr val="accent1"/>
-            </a:fillRef>
-            <a:effectRef idx="0">
-              <a:schemeClr val="accent1"/>
-            </a:effectRef>
-            <a:fontRef idx="minor">
-              <a:schemeClr val="tx1"/>
-            </a:fontRef>
-          </p:style>
-        </p:cxnSp>
-        <p:cxnSp>
-          <p:nvCxnSpPr>
-            <p:cNvPr id="11" name="Прямая соединительная линия 10"/>
-            <p:cNvCxnSpPr/>
-            <p:nvPr/>
-          </p:nvCxnSpPr>
-          <p:spPr>
-            <a:xfrm>
-              <a:off x="693986" y="1628800"/>
-              <a:ext cx="0" cy="4896544"/>
-            </a:xfrm>
-            <a:prstGeom prst="line">
-              <a:avLst/>
-            </a:prstGeom>
-            <a:ln>
-              <a:solidFill>
-                <a:schemeClr val="bg1">
-                  <a:lumMod val="65000"/>
-                </a:schemeClr>
-              </a:solidFill>
-            </a:ln>
-            <a:effectLst>
-              <a:glow rad="101600">
-                <a:schemeClr val="bg1">
-                  <a:lumMod val="65000"/>
-                  <a:alpha val="60000"/>
-                </a:schemeClr>
-              </a:glow>
-            </a:effectLst>
-          </p:spPr>
-          <p:style>
-            <a:lnRef idx="1">
-              <a:schemeClr val="accent1"/>
-            </a:lnRef>
-            <a:fillRef idx="0">
-              <a:schemeClr val="accent1"/>
-            </a:fillRef>
-            <a:effectRef idx="0">
-              <a:schemeClr val="accent1"/>
-            </a:effectRef>
-            <a:fontRef idx="minor">
-              <a:schemeClr val="tx1"/>
-            </a:fontRef>
-          </p:style>
-        </p:cxnSp>
-        <p:cxnSp>
-          <p:nvCxnSpPr>
-            <p:cNvPr id="15" name="Прямая соединительная линия 14"/>
-            <p:cNvCxnSpPr/>
-            <p:nvPr/>
-          </p:nvCxnSpPr>
-          <p:spPr>
-            <a:xfrm>
-              <a:off x="395536" y="1052736"/>
-              <a:ext cx="0" cy="5472608"/>
-            </a:xfrm>
-            <a:prstGeom prst="line">
-              <a:avLst/>
-            </a:prstGeom>
-            <a:ln>
-              <a:solidFill>
-                <a:schemeClr val="bg1">
-                  <a:lumMod val="65000"/>
-                </a:schemeClr>
-              </a:solidFill>
-            </a:ln>
-            <a:effectLst>
-              <a:glow rad="101600">
-                <a:schemeClr val="bg1">
-                  <a:lumMod val="65000"/>
-                  <a:alpha val="60000"/>
-                </a:schemeClr>
-              </a:glow>
-            </a:effectLst>
-          </p:spPr>
-          <p:style>
-            <a:lnRef idx="1">
-              <a:schemeClr val="accent1"/>
-            </a:lnRef>
-            <a:fillRef idx="0">
-              <a:schemeClr val="accent1"/>
-            </a:fillRef>
-            <a:effectRef idx="0">
-              <a:schemeClr val="accent1"/>
-            </a:effectRef>
-            <a:fontRef idx="minor">
-              <a:schemeClr val="tx1"/>
-            </a:fontRef>
-          </p:style>
-        </p:cxnSp>
-      </p:grpSp>
-    </p:spTree>
-  </p:cSld>
-  <p:clrMapOvr>
-    <a:masterClrMapping/>
-  </p:clrMapOvr>
-  <p:timing>
-    <p:tnLst>
-      <p:par>
-        <p:cTn id="1" dur="indefinite" restart="never" nodeType="tmRoot"/>
-      </p:par>
-    </p:tnLst>
-  </p:timing>
-</p:sld>
-</file>
-
-<file path=ppt/slides/slide20.xml><?xml version="1.0" encoding="utf-8"?>
+<file path=ppt/slides/slide19.xml><?xml version="1.0" encoding="utf-8"?>
 <p:sld xmlns:a="http://schemas.openxmlformats.org/drawingml/2006/main" xmlns:r="http://schemas.openxmlformats.org/officeDocument/2006/relationships" xmlns:p="http://schemas.openxmlformats.org/presentationml/2006/main">
   <p:cSld>
     <p:spTree>
@@ -16669,7 +16735,7 @@
               <a:pPr>
                 <a:defRPr/>
               </a:pPr>
-              <a:t>20</a:t>
+              <a:t>19</a:t>
             </a:fld>
             <a:r>
               <a:rPr lang="en-US" sz="2800" dirty="0" smtClean="0"/>
@@ -17784,7 +17850,354 @@
 </p:sld>
 </file>
 
-<file path=ppt/slides/slide21.xml><?xml version="1.0" encoding="utf-8"?>
+<file path=ppt/slides/slide2.xml><?xml version="1.0" encoding="utf-8"?>
+<p:sld xmlns:a="http://schemas.openxmlformats.org/drawingml/2006/main" xmlns:r="http://schemas.openxmlformats.org/officeDocument/2006/relationships" xmlns:p="http://schemas.openxmlformats.org/presentationml/2006/main">
+  <p:cSld>
+    <p:spTree>
+      <p:nvGrpSpPr>
+        <p:cNvPr id="1" name=""/>
+        <p:cNvGrpSpPr/>
+        <p:nvPr/>
+      </p:nvGrpSpPr>
+      <p:grpSpPr>
+        <a:xfrm>
+          <a:off x="0" y="0"/>
+          <a:ext cx="0" cy="0"/>
+          <a:chOff x="0" y="0"/>
+          <a:chExt cx="0" cy="0"/>
+        </a:xfrm>
+      </p:grpSpPr>
+      <p:sp>
+        <p:nvSpPr>
+          <p:cNvPr id="3074" name="Заголовок 1"/>
+          <p:cNvSpPr>
+            <a:spLocks noGrp="1"/>
+          </p:cNvSpPr>
+          <p:nvPr>
+            <p:ph type="ctrTitle"/>
+          </p:nvPr>
+        </p:nvSpPr>
+        <p:spPr>
+          <a:xfrm>
+            <a:off x="684213" y="333375"/>
+            <a:ext cx="7772400" cy="935038"/>
+          </a:xfrm>
+        </p:spPr>
+        <p:txBody>
+          <a:bodyPr/>
+          <a:lstStyle/>
+          <a:p>
+            <a:pPr eaLnBrk="1" hangingPunct="1"/>
+            <a:r>
+              <a:rPr lang="ru-RU" sz="4000" b="1" i="1" dirty="0" smtClean="0">
+                <a:latin typeface="Georgia" pitchFamily="18" charset="0"/>
+              </a:rPr>
+              <a:t>Постановка задачи</a:t>
+            </a:r>
+          </a:p>
+        </p:txBody>
+      </p:sp>
+      <p:sp>
+        <p:nvSpPr>
+          <p:cNvPr id="3075" name="Подзаголовок 2"/>
+          <p:cNvSpPr>
+            <a:spLocks noGrp="1"/>
+          </p:cNvSpPr>
+          <p:nvPr>
+            <p:ph type="subTitle" idx="1"/>
+          </p:nvPr>
+        </p:nvSpPr>
+        <p:spPr>
+          <a:xfrm>
+            <a:off x="900113" y="1341438"/>
+            <a:ext cx="7848351" cy="5183187"/>
+          </a:xfrm>
+        </p:spPr>
+        <p:txBody>
+          <a:bodyPr/>
+          <a:lstStyle/>
+          <a:p>
+            <a:pPr marL="633413" indent="-544513" algn="l" eaLnBrk="1" hangingPunct="1"/>
+            <a:r>
+              <a:rPr lang="ru-RU" sz="2800" u="sng" dirty="0" smtClean="0">
+                <a:solidFill>
+                  <a:schemeClr val="tx1"/>
+                </a:solidFill>
+              </a:rPr>
+              <a:t>Исследуемая область</a:t>
+            </a:r>
+            <a:r>
+              <a:rPr lang="ru-RU" sz="2800" dirty="0" smtClean="0">
+                <a:solidFill>
+                  <a:schemeClr val="tx1"/>
+                </a:solidFill>
+              </a:rPr>
+              <a:t>: распределённые системы агентного имитационного моделирования</a:t>
+            </a:r>
+          </a:p>
+          <a:p>
+            <a:pPr marL="633413" indent="-544513" algn="l" eaLnBrk="1" hangingPunct="1"/>
+            <a:r>
+              <a:rPr lang="ru-RU" sz="2800" u="sng" dirty="0" smtClean="0">
+                <a:solidFill>
+                  <a:schemeClr val="tx1"/>
+                </a:solidFill>
+              </a:rPr>
+              <a:t>Предмет исследования</a:t>
+            </a:r>
+            <a:r>
+              <a:rPr lang="ru-RU" sz="2800" dirty="0" smtClean="0">
+                <a:solidFill>
+                  <a:schemeClr val="tx1"/>
+                </a:solidFill>
+              </a:rPr>
+              <a:t>: оптимистические алгоритмы синхронизации агентов</a:t>
+            </a:r>
+          </a:p>
+          <a:p>
+            <a:pPr marL="633413" indent="-544513" algn="l" eaLnBrk="1" hangingPunct="1"/>
+            <a:r>
+              <a:rPr lang="ru-RU" sz="2800" u="sng" dirty="0" smtClean="0">
+                <a:solidFill>
+                  <a:schemeClr val="tx1"/>
+                </a:solidFill>
+              </a:rPr>
+              <a:t>Проблема</a:t>
+            </a:r>
+            <a:r>
+              <a:rPr lang="ru-RU" sz="2800" dirty="0" smtClean="0">
+                <a:solidFill>
+                  <a:schemeClr val="tx1"/>
+                </a:solidFill>
+              </a:rPr>
+              <a:t>: классические оптимистические алгоритмы обладают рядом недостатков, снижающих эффективность моделирования</a:t>
+            </a:r>
+          </a:p>
+          <a:p>
+            <a:pPr marL="633413" indent="-544513" algn="l" eaLnBrk="1" hangingPunct="1"/>
+            <a:r>
+              <a:rPr lang="ru-RU" sz="2800" u="sng" dirty="0" smtClean="0">
+                <a:solidFill>
+                  <a:schemeClr val="tx1"/>
+                </a:solidFill>
+              </a:rPr>
+              <a:t>Цель</a:t>
+            </a:r>
+            <a:r>
+              <a:rPr lang="ru-RU" sz="2800" dirty="0" smtClean="0">
+                <a:solidFill>
+                  <a:schemeClr val="tx1"/>
+                </a:solidFill>
+              </a:rPr>
+              <a:t>: разработать алгоритм синхронизации, основанный на знаниях о модели, который бы оказался эффективнее своих аналогов</a:t>
+            </a:r>
+          </a:p>
+        </p:txBody>
+      </p:sp>
+      <p:sp>
+        <p:nvSpPr>
+          <p:cNvPr id="4" name="Номер слайда 3"/>
+          <p:cNvSpPr>
+            <a:spLocks noGrp="1"/>
+          </p:cNvSpPr>
+          <p:nvPr>
+            <p:ph type="sldNum" sz="quarter" idx="12"/>
+          </p:nvPr>
+        </p:nvSpPr>
+        <p:spPr>
+          <a:xfrm>
+            <a:off x="6553200" y="6356350"/>
+            <a:ext cx="2339975" cy="365125"/>
+          </a:xfrm>
+        </p:spPr>
+        <p:txBody>
+          <a:bodyPr/>
+          <a:lstStyle/>
+          <a:p>
+            <a:pPr>
+              <a:defRPr/>
+            </a:pPr>
+            <a:fld id="{E99575A2-6CF0-4743-B982-63163FE59FFF}" type="slidenum">
+              <a:rPr lang="ru-RU" sz="2800" smtClean="0"/>
+              <a:pPr>
+                <a:defRPr/>
+              </a:pPr>
+              <a:t>2</a:t>
+            </a:fld>
+            <a:r>
+              <a:rPr lang="en-US" sz="2800" dirty="0" smtClean="0"/>
+              <a:t>/25</a:t>
+            </a:r>
+            <a:endParaRPr lang="ru-RU" sz="2800" dirty="0"/>
+          </a:p>
+        </p:txBody>
+      </p:sp>
+      <p:grpSp>
+        <p:nvGrpSpPr>
+          <p:cNvPr id="2" name="Группа 1"/>
+          <p:cNvGrpSpPr/>
+          <p:nvPr/>
+        </p:nvGrpSpPr>
+        <p:grpSpPr>
+          <a:xfrm>
+            <a:off x="395536" y="1052736"/>
+            <a:ext cx="298450" cy="5472608"/>
+            <a:chOff x="395536" y="1052736"/>
+            <a:chExt cx="298450" cy="5472608"/>
+          </a:xfrm>
+        </p:grpSpPr>
+        <p:cxnSp>
+          <p:nvCxnSpPr>
+            <p:cNvPr id="7" name="Прямая соединительная линия 6"/>
+            <p:cNvCxnSpPr/>
+            <p:nvPr/>
+          </p:nvCxnSpPr>
+          <p:spPr>
+            <a:xfrm>
+              <a:off x="541586" y="1340768"/>
+              <a:ext cx="0" cy="5184576"/>
+            </a:xfrm>
+            <a:prstGeom prst="line">
+              <a:avLst/>
+            </a:prstGeom>
+            <a:ln>
+              <a:solidFill>
+                <a:schemeClr val="bg1">
+                  <a:lumMod val="65000"/>
+                </a:schemeClr>
+              </a:solidFill>
+            </a:ln>
+            <a:effectLst>
+              <a:glow rad="101600">
+                <a:schemeClr val="bg1">
+                  <a:lumMod val="65000"/>
+                  <a:alpha val="60000"/>
+                </a:schemeClr>
+              </a:glow>
+            </a:effectLst>
+          </p:spPr>
+          <p:style>
+            <a:lnRef idx="1">
+              <a:schemeClr val="accent1"/>
+            </a:lnRef>
+            <a:fillRef idx="0">
+              <a:schemeClr val="accent1"/>
+            </a:fillRef>
+            <a:effectRef idx="0">
+              <a:schemeClr val="accent1"/>
+            </a:effectRef>
+            <a:fontRef idx="minor">
+              <a:schemeClr val="tx1"/>
+            </a:fontRef>
+          </p:style>
+        </p:cxnSp>
+        <p:cxnSp>
+          <p:nvCxnSpPr>
+            <p:cNvPr id="11" name="Прямая соединительная линия 10"/>
+            <p:cNvCxnSpPr/>
+            <p:nvPr/>
+          </p:nvCxnSpPr>
+          <p:spPr>
+            <a:xfrm>
+              <a:off x="693986" y="1628800"/>
+              <a:ext cx="0" cy="4896544"/>
+            </a:xfrm>
+            <a:prstGeom prst="line">
+              <a:avLst/>
+            </a:prstGeom>
+            <a:ln>
+              <a:solidFill>
+                <a:schemeClr val="bg1">
+                  <a:lumMod val="65000"/>
+                </a:schemeClr>
+              </a:solidFill>
+            </a:ln>
+            <a:effectLst>
+              <a:glow rad="101600">
+                <a:schemeClr val="bg1">
+                  <a:lumMod val="65000"/>
+                  <a:alpha val="60000"/>
+                </a:schemeClr>
+              </a:glow>
+            </a:effectLst>
+          </p:spPr>
+          <p:style>
+            <a:lnRef idx="1">
+              <a:schemeClr val="accent1"/>
+            </a:lnRef>
+            <a:fillRef idx="0">
+              <a:schemeClr val="accent1"/>
+            </a:fillRef>
+            <a:effectRef idx="0">
+              <a:schemeClr val="accent1"/>
+            </a:effectRef>
+            <a:fontRef idx="minor">
+              <a:schemeClr val="tx1"/>
+            </a:fontRef>
+          </p:style>
+        </p:cxnSp>
+        <p:cxnSp>
+          <p:nvCxnSpPr>
+            <p:cNvPr id="15" name="Прямая соединительная линия 14"/>
+            <p:cNvCxnSpPr/>
+            <p:nvPr/>
+          </p:nvCxnSpPr>
+          <p:spPr>
+            <a:xfrm>
+              <a:off x="395536" y="1052736"/>
+              <a:ext cx="0" cy="5472608"/>
+            </a:xfrm>
+            <a:prstGeom prst="line">
+              <a:avLst/>
+            </a:prstGeom>
+            <a:ln>
+              <a:solidFill>
+                <a:schemeClr val="bg1">
+                  <a:lumMod val="65000"/>
+                </a:schemeClr>
+              </a:solidFill>
+            </a:ln>
+            <a:effectLst>
+              <a:glow rad="101600">
+                <a:schemeClr val="bg1">
+                  <a:lumMod val="65000"/>
+                  <a:alpha val="60000"/>
+                </a:schemeClr>
+              </a:glow>
+            </a:effectLst>
+          </p:spPr>
+          <p:style>
+            <a:lnRef idx="1">
+              <a:schemeClr val="accent1"/>
+            </a:lnRef>
+            <a:fillRef idx="0">
+              <a:schemeClr val="accent1"/>
+            </a:fillRef>
+            <a:effectRef idx="0">
+              <a:schemeClr val="accent1"/>
+            </a:effectRef>
+            <a:fontRef idx="minor">
+              <a:schemeClr val="tx1"/>
+            </a:fontRef>
+          </p:style>
+        </p:cxnSp>
+      </p:grpSp>
+    </p:spTree>
+  </p:cSld>
+  <p:clrMapOvr>
+    <a:masterClrMapping/>
+  </p:clrMapOvr>
+  <p:timing>
+    <p:tnLst>
+      <p:par>
+        <p:cTn id="1" dur="indefinite" restart="never" nodeType="tmRoot"/>
+      </p:par>
+    </p:tnLst>
+  </p:timing>
+</p:sld>
+</file>
+
+<file path=ppt/slides/slide20.xml><?xml version="1.0" encoding="utf-8"?>
 <p:sld xmlns:a="http://schemas.openxmlformats.org/drawingml/2006/main" xmlns:r="http://schemas.openxmlformats.org/officeDocument/2006/relationships" xmlns:p="http://schemas.openxmlformats.org/presentationml/2006/main">
   <p:cSld>
     <p:spTree>
@@ -17868,7 +18281,7 @@
               <a:pPr>
                 <a:defRPr/>
               </a:pPr>
-              <a:t>21</a:t>
+              <a:t>20</a:t>
             </a:fld>
             <a:r>
               <a:rPr lang="en-US" sz="2800" dirty="0" smtClean="0"/>
@@ -28421,7 +28834,7 @@
 </p:sld>
 </file>
 
-<file path=ppt/slides/slide22.xml><?xml version="1.0" encoding="utf-8"?>
+<file path=ppt/slides/slide21.xml><?xml version="1.0" encoding="utf-8"?>
 <p:sld xmlns:a="http://schemas.openxmlformats.org/drawingml/2006/main" xmlns:r="http://schemas.openxmlformats.org/officeDocument/2006/relationships" xmlns:p="http://schemas.openxmlformats.org/presentationml/2006/main">
   <p:cSld>
     <p:spTree>
@@ -28465,9 +28878,6 @@
               </a:rPr>
               <a:t>Результаты нового алгоритма</a:t>
             </a:r>
-            <a:endParaRPr lang="ru-RU" sz="3200" b="1" i="1" dirty="0" smtClean="0">
-              <a:latin typeface="Georgia" pitchFamily="18" charset="0"/>
-            </a:endParaRPr>
           </a:p>
         </p:txBody>
       </p:sp>
@@ -28499,7 +28909,7 @@
               <a:pPr>
                 <a:defRPr/>
               </a:pPr>
-              <a:t>22</a:t>
+              <a:t>21</a:t>
             </a:fld>
             <a:r>
               <a:rPr lang="en-US" sz="2800" dirty="0" smtClean="0"/>
@@ -39108,6 +39518,1553 @@
 </p:sld>
 </file>
 
+<file path=ppt/slides/slide22.xml><?xml version="1.0" encoding="utf-8"?>
+<p:sld xmlns:a="http://schemas.openxmlformats.org/drawingml/2006/main" xmlns:r="http://schemas.openxmlformats.org/officeDocument/2006/relationships" xmlns:p="http://schemas.openxmlformats.org/presentationml/2006/main">
+  <p:cSld>
+    <p:spTree>
+      <p:nvGrpSpPr>
+        <p:cNvPr id="1" name=""/>
+        <p:cNvGrpSpPr/>
+        <p:nvPr/>
+      </p:nvGrpSpPr>
+      <p:grpSpPr>
+        <a:xfrm>
+          <a:off x="0" y="0"/>
+          <a:ext cx="0" cy="0"/>
+          <a:chOff x="0" y="0"/>
+          <a:chExt cx="0" cy="0"/>
+        </a:xfrm>
+      </p:grpSpPr>
+      <p:sp>
+        <p:nvSpPr>
+          <p:cNvPr id="23554" name="Заголовок 1"/>
+          <p:cNvSpPr>
+            <a:spLocks noGrp="1"/>
+          </p:cNvSpPr>
+          <p:nvPr>
+            <p:ph type="ctrTitle"/>
+          </p:nvPr>
+        </p:nvSpPr>
+        <p:spPr>
+          <a:xfrm>
+            <a:off x="539750" y="188913"/>
+            <a:ext cx="8201025" cy="1006475"/>
+          </a:xfrm>
+        </p:spPr>
+        <p:txBody>
+          <a:bodyPr/>
+          <a:lstStyle/>
+          <a:p>
+            <a:pPr eaLnBrk="1" hangingPunct="1"/>
+            <a:r>
+              <a:rPr lang="ru-RU" sz="3200" b="1" i="1" dirty="0" smtClean="0">
+                <a:latin typeface="Georgia" pitchFamily="18" charset="0"/>
+              </a:rPr>
+              <a:t>Сравнение алгоритмов</a:t>
+            </a:r>
+            <a:endParaRPr lang="ru-RU" sz="3200" b="1" i="1" dirty="0" smtClean="0">
+              <a:latin typeface="Georgia" pitchFamily="18" charset="0"/>
+            </a:endParaRPr>
+          </a:p>
+        </p:txBody>
+      </p:sp>
+      <p:sp>
+        <p:nvSpPr>
+          <p:cNvPr id="4" name="Номер слайда 3"/>
+          <p:cNvSpPr>
+            <a:spLocks noGrp="1"/>
+          </p:cNvSpPr>
+          <p:nvPr>
+            <p:ph type="sldNum" sz="quarter" idx="12"/>
+          </p:nvPr>
+        </p:nvSpPr>
+        <p:spPr>
+          <a:xfrm>
+            <a:off x="6553200" y="6356350"/>
+            <a:ext cx="2339975" cy="365125"/>
+          </a:xfrm>
+        </p:spPr>
+        <p:txBody>
+          <a:bodyPr/>
+          <a:lstStyle/>
+          <a:p>
+            <a:pPr>
+              <a:defRPr/>
+            </a:pPr>
+            <a:fld id="{8C8F5D12-1030-4609-B9F0-EC570A96214D}" type="slidenum">
+              <a:rPr lang="ru-RU" sz="2800" smtClean="0"/>
+              <a:pPr>
+                <a:defRPr/>
+              </a:pPr>
+              <a:t>22</a:t>
+            </a:fld>
+            <a:r>
+              <a:rPr lang="en-US" sz="2800" dirty="0" smtClean="0"/>
+              <a:t>/25</a:t>
+            </a:r>
+            <a:endParaRPr lang="ru-RU" sz="2800" dirty="0"/>
+          </a:p>
+        </p:txBody>
+      </p:sp>
+      <p:graphicFrame>
+        <p:nvGraphicFramePr>
+          <p:cNvPr id="3" name="Таблица 2"/>
+          <p:cNvGraphicFramePr>
+            <a:graphicFrameLocks noGrp="1"/>
+          </p:cNvGraphicFramePr>
+          <p:nvPr>
+            <p:extLst>
+              <p:ext uri="{D42A27DB-BD31-4B8C-83A1-F6EECF244321}">
+                <p14:modId xmlns:p14="http://schemas.microsoft.com/office/powerpoint/2010/main" val="2067855295"/>
+              </p:ext>
+            </p:extLst>
+          </p:nvPr>
+        </p:nvGraphicFramePr>
+        <p:xfrm>
+          <a:off x="323528" y="1052736"/>
+          <a:ext cx="3816424" cy="5545341"/>
+        </p:xfrm>
+        <a:graphic>
+          <a:graphicData uri="http://schemas.openxmlformats.org/drawingml/2006/table">
+            <a:tbl>
+              <a:tblPr>
+                <a:tableStyleId>{5C22544A-7EE6-4342-B048-85BDC9FD1C3A}</a:tableStyleId>
+              </a:tblPr>
+              <a:tblGrid>
+                <a:gridCol w="2376264"/>
+                <a:gridCol w="648072"/>
+                <a:gridCol w="792088"/>
+              </a:tblGrid>
+              <a:tr h="280452">
+                <a:tc>
+                  <a:txBody>
+                    <a:bodyPr/>
+                    <a:lstStyle/>
+                    <a:p>
+                      <a:pPr algn="l" fontAlgn="b"/>
+                      <a:endParaRPr lang="ru-RU" sz="1500" b="0" i="0" u="none" strike="noStrike" dirty="0">
+                        <a:solidFill>
+                          <a:srgbClr val="000000"/>
+                        </a:solidFill>
+                        <a:effectLst/>
+                        <a:latin typeface="Calibri"/>
+                      </a:endParaRPr>
+                    </a:p>
+                  </a:txBody>
+                  <a:tcPr marL="9525" marR="9525" marT="9525" marB="0" anchor="b"/>
+                </a:tc>
+                <a:tc>
+                  <a:txBody>
+                    <a:bodyPr/>
+                    <a:lstStyle/>
+                    <a:p>
+                      <a:pPr algn="ctr" fontAlgn="b"/>
+                      <a:r>
+                        <a:rPr lang="en-US" sz="1600" u="none" strike="noStrike">
+                          <a:effectLst/>
+                        </a:rPr>
+                        <a:t>Time Warp</a:t>
+                      </a:r>
+                      <a:endParaRPr lang="en-US" sz="1600" b="0" i="0" u="none" strike="noStrike">
+                        <a:solidFill>
+                          <a:srgbClr val="000000"/>
+                        </a:solidFill>
+                        <a:effectLst/>
+                        <a:latin typeface="Calibri"/>
+                      </a:endParaRPr>
+                    </a:p>
+                  </a:txBody>
+                  <a:tcPr marL="9525" marR="9525" marT="9525" marB="0" anchor="b"/>
+                </a:tc>
+                <a:tc>
+                  <a:txBody>
+                    <a:bodyPr/>
+                    <a:lstStyle/>
+                    <a:p>
+                      <a:pPr algn="ctr" fontAlgn="b"/>
+                      <a:r>
+                        <a:rPr lang="en-US" sz="1600" u="none" strike="noStrike" dirty="0" smtClean="0">
+                          <a:effectLst/>
+                        </a:rPr>
+                        <a:t>KBASA</a:t>
+                      </a:r>
+                      <a:endParaRPr lang="en-US" sz="1600" b="0" i="0" u="none" strike="noStrike" dirty="0">
+                        <a:solidFill>
+                          <a:srgbClr val="000000"/>
+                        </a:solidFill>
+                        <a:effectLst/>
+                        <a:latin typeface="Calibri"/>
+                      </a:endParaRPr>
+                    </a:p>
+                  </a:txBody>
+                  <a:tcPr marL="9525" marR="9525" marT="9525" marB="0" anchor="b"/>
+                </a:tc>
+              </a:tr>
+              <a:tr h="280452">
+                <a:tc>
+                  <a:txBody>
+                    <a:bodyPr/>
+                    <a:lstStyle/>
+                    <a:p>
+                      <a:pPr algn="l" fontAlgn="b"/>
+                      <a:r>
+                        <a:rPr lang="en-US" sz="1500" u="none" strike="noStrike" dirty="0">
+                          <a:effectLst/>
+                        </a:rPr>
+                        <a:t>EVENTS_HANDLED:</a:t>
+                      </a:r>
+                      <a:endParaRPr lang="en-US" sz="1500" b="0" i="0" u="none" strike="noStrike" dirty="0">
+                        <a:solidFill>
+                          <a:srgbClr val="000000"/>
+                        </a:solidFill>
+                        <a:effectLst/>
+                        <a:latin typeface="Calibri"/>
+                      </a:endParaRPr>
+                    </a:p>
+                  </a:txBody>
+                  <a:tcPr marL="9525" marR="9525" marT="9525" marB="0" anchor="b"/>
+                </a:tc>
+                <a:tc>
+                  <a:txBody>
+                    <a:bodyPr/>
+                    <a:lstStyle/>
+                    <a:p>
+                      <a:pPr algn="ctr" fontAlgn="b"/>
+                      <a:r>
+                        <a:rPr lang="ru-RU" sz="1600" u="none" strike="noStrike">
+                          <a:effectLst/>
+                        </a:rPr>
+                        <a:t>1231,6</a:t>
+                      </a:r>
+                      <a:endParaRPr lang="ru-RU" sz="1600" b="0" i="0" u="none" strike="noStrike">
+                        <a:solidFill>
+                          <a:srgbClr val="000000"/>
+                        </a:solidFill>
+                        <a:effectLst/>
+                        <a:latin typeface="Calibri"/>
+                      </a:endParaRPr>
+                    </a:p>
+                  </a:txBody>
+                  <a:tcPr marL="9525" marR="9525" marT="9525" marB="0" anchor="b"/>
+                </a:tc>
+                <a:tc>
+                  <a:txBody>
+                    <a:bodyPr/>
+                    <a:lstStyle/>
+                    <a:p>
+                      <a:pPr algn="ctr" fontAlgn="b"/>
+                      <a:r>
+                        <a:rPr lang="ru-RU" sz="1600" u="none" strike="noStrike">
+                          <a:effectLst/>
+                        </a:rPr>
+                        <a:t>875,7</a:t>
+                      </a:r>
+                      <a:endParaRPr lang="ru-RU" sz="1600" b="0" i="0" u="none" strike="noStrike">
+                        <a:solidFill>
+                          <a:srgbClr val="000000"/>
+                        </a:solidFill>
+                        <a:effectLst/>
+                        <a:latin typeface="Calibri"/>
+                      </a:endParaRPr>
+                    </a:p>
+                  </a:txBody>
+                  <a:tcPr marL="9525" marR="9525" marT="9525" marB="0" anchor="b"/>
+                </a:tc>
+              </a:tr>
+              <a:tr h="280452">
+                <a:tc>
+                  <a:txBody>
+                    <a:bodyPr/>
+                    <a:lstStyle/>
+                    <a:p>
+                      <a:pPr algn="l" fontAlgn="b"/>
+                      <a:r>
+                        <a:rPr lang="en-US" sz="1500" u="none" strike="noStrike" dirty="0">
+                          <a:effectLst/>
+                        </a:rPr>
+                        <a:t>MAX_TIME_WINDOW:</a:t>
+                      </a:r>
+                      <a:endParaRPr lang="en-US" sz="1500" b="0" i="0" u="none" strike="noStrike" dirty="0">
+                        <a:solidFill>
+                          <a:srgbClr val="000000"/>
+                        </a:solidFill>
+                        <a:effectLst/>
+                        <a:latin typeface="Calibri"/>
+                      </a:endParaRPr>
+                    </a:p>
+                  </a:txBody>
+                  <a:tcPr marL="9525" marR="9525" marT="9525" marB="0" anchor="b"/>
+                </a:tc>
+                <a:tc>
+                  <a:txBody>
+                    <a:bodyPr/>
+                    <a:lstStyle/>
+                    <a:p>
+                      <a:pPr algn="ctr" fontAlgn="b"/>
+                      <a:r>
+                        <a:rPr lang="ru-RU" sz="1600" u="none" strike="noStrike">
+                          <a:effectLst/>
+                        </a:rPr>
+                        <a:t>11,9</a:t>
+                      </a:r>
+                      <a:endParaRPr lang="ru-RU" sz="1600" b="0" i="0" u="none" strike="noStrike">
+                        <a:solidFill>
+                          <a:srgbClr val="000000"/>
+                        </a:solidFill>
+                        <a:effectLst/>
+                        <a:latin typeface="Calibri"/>
+                      </a:endParaRPr>
+                    </a:p>
+                  </a:txBody>
+                  <a:tcPr marL="9525" marR="9525" marT="9525" marB="0" anchor="b"/>
+                </a:tc>
+                <a:tc>
+                  <a:txBody>
+                    <a:bodyPr/>
+                    <a:lstStyle/>
+                    <a:p>
+                      <a:pPr algn="ctr" fontAlgn="b"/>
+                      <a:r>
+                        <a:rPr lang="ru-RU" sz="1600" u="none" strike="noStrike">
+                          <a:effectLst/>
+                        </a:rPr>
+                        <a:t>6,8</a:t>
+                      </a:r>
+                      <a:endParaRPr lang="ru-RU" sz="1600" b="0" i="0" u="none" strike="noStrike">
+                        <a:solidFill>
+                          <a:srgbClr val="000000"/>
+                        </a:solidFill>
+                        <a:effectLst/>
+                        <a:latin typeface="Calibri"/>
+                      </a:endParaRPr>
+                    </a:p>
+                  </a:txBody>
+                  <a:tcPr marL="9525" marR="9525" marT="9525" marB="0" anchor="b"/>
+                </a:tc>
+              </a:tr>
+              <a:tr h="280452">
+                <a:tc>
+                  <a:txBody>
+                    <a:bodyPr/>
+                    <a:lstStyle/>
+                    <a:p>
+                      <a:pPr algn="l" fontAlgn="b"/>
+                      <a:r>
+                        <a:rPr lang="en-US" sz="1500" u="none" strike="noStrike" dirty="0">
+                          <a:effectLst/>
+                        </a:rPr>
+                        <a:t>RECEIVED_ANTI_MESSAGES:</a:t>
+                      </a:r>
+                      <a:endParaRPr lang="en-US" sz="1500" b="0" i="0" u="none" strike="noStrike" dirty="0">
+                        <a:solidFill>
+                          <a:srgbClr val="000000"/>
+                        </a:solidFill>
+                        <a:effectLst/>
+                        <a:latin typeface="Calibri"/>
+                      </a:endParaRPr>
+                    </a:p>
+                  </a:txBody>
+                  <a:tcPr marL="9525" marR="9525" marT="9525" marB="0" anchor="b"/>
+                </a:tc>
+                <a:tc>
+                  <a:txBody>
+                    <a:bodyPr/>
+                    <a:lstStyle/>
+                    <a:p>
+                      <a:pPr algn="ctr" fontAlgn="b"/>
+                      <a:r>
+                        <a:rPr lang="ru-RU" sz="1600" u="none" strike="noStrike" dirty="0">
+                          <a:effectLst/>
+                        </a:rPr>
+                        <a:t>8,4</a:t>
+                      </a:r>
+                      <a:endParaRPr lang="ru-RU" sz="1600" b="0" i="0" u="none" strike="noStrike" dirty="0">
+                        <a:solidFill>
+                          <a:srgbClr val="000000"/>
+                        </a:solidFill>
+                        <a:effectLst/>
+                        <a:latin typeface="Calibri"/>
+                      </a:endParaRPr>
+                    </a:p>
+                  </a:txBody>
+                  <a:tcPr marL="9525" marR="9525" marT="9525" marB="0" anchor="b"/>
+                </a:tc>
+                <a:tc>
+                  <a:txBody>
+                    <a:bodyPr/>
+                    <a:lstStyle/>
+                    <a:p>
+                      <a:pPr algn="ctr" fontAlgn="b"/>
+                      <a:r>
+                        <a:rPr lang="ru-RU" sz="1600" u="none" strike="noStrike">
+                          <a:effectLst/>
+                        </a:rPr>
+                        <a:t>1,1</a:t>
+                      </a:r>
+                      <a:endParaRPr lang="ru-RU" sz="1600" b="0" i="0" u="none" strike="noStrike">
+                        <a:solidFill>
+                          <a:srgbClr val="000000"/>
+                        </a:solidFill>
+                        <a:effectLst/>
+                        <a:latin typeface="Calibri"/>
+                      </a:endParaRPr>
+                    </a:p>
+                  </a:txBody>
+                  <a:tcPr marL="9525" marR="9525" marT="9525" marB="0" anchor="b"/>
+                </a:tc>
+              </a:tr>
+              <a:tr h="280452">
+                <a:tc>
+                  <a:txBody>
+                    <a:bodyPr/>
+                    <a:lstStyle/>
+                    <a:p>
+                      <a:pPr algn="l" fontAlgn="b"/>
+                      <a:r>
+                        <a:rPr lang="en-US" sz="1500" u="none" strike="noStrike" dirty="0">
+                          <a:effectLst/>
+                        </a:rPr>
+                        <a:t>RECEIVED_EVENT_MESSAGES:</a:t>
+                      </a:r>
+                      <a:endParaRPr lang="en-US" sz="1500" b="0" i="0" u="none" strike="noStrike" dirty="0">
+                        <a:solidFill>
+                          <a:srgbClr val="000000"/>
+                        </a:solidFill>
+                        <a:effectLst/>
+                        <a:latin typeface="Calibri"/>
+                      </a:endParaRPr>
+                    </a:p>
+                  </a:txBody>
+                  <a:tcPr marL="9525" marR="9525" marT="9525" marB="0" anchor="b"/>
+                </a:tc>
+                <a:tc>
+                  <a:txBody>
+                    <a:bodyPr/>
+                    <a:lstStyle/>
+                    <a:p>
+                      <a:pPr algn="ctr" fontAlgn="b"/>
+                      <a:r>
+                        <a:rPr lang="ru-RU" sz="1600" u="none" strike="noStrike">
+                          <a:effectLst/>
+                        </a:rPr>
+                        <a:t>85,9</a:t>
+                      </a:r>
+                      <a:endParaRPr lang="ru-RU" sz="1600" b="0" i="0" u="none" strike="noStrike">
+                        <a:solidFill>
+                          <a:srgbClr val="000000"/>
+                        </a:solidFill>
+                        <a:effectLst/>
+                        <a:latin typeface="Calibri"/>
+                      </a:endParaRPr>
+                    </a:p>
+                  </a:txBody>
+                  <a:tcPr marL="9525" marR="9525" marT="9525" marB="0" anchor="b"/>
+                </a:tc>
+                <a:tc>
+                  <a:txBody>
+                    <a:bodyPr/>
+                    <a:lstStyle/>
+                    <a:p>
+                      <a:pPr algn="ctr" fontAlgn="b"/>
+                      <a:r>
+                        <a:rPr lang="ru-RU" sz="1600" u="none" strike="noStrike">
+                          <a:effectLst/>
+                        </a:rPr>
+                        <a:t>78,7</a:t>
+                      </a:r>
+                      <a:endParaRPr lang="ru-RU" sz="1600" b="0" i="0" u="none" strike="noStrike">
+                        <a:solidFill>
+                          <a:srgbClr val="000000"/>
+                        </a:solidFill>
+                        <a:effectLst/>
+                        <a:latin typeface="Calibri"/>
+                      </a:endParaRPr>
+                    </a:p>
+                  </a:txBody>
+                  <a:tcPr marL="9525" marR="9525" marT="9525" marB="0" anchor="b"/>
+                </a:tc>
+              </a:tr>
+              <a:tr h="280452">
+                <a:tc>
+                  <a:txBody>
+                    <a:bodyPr/>
+                    <a:lstStyle/>
+                    <a:p>
+                      <a:pPr algn="l" fontAlgn="b"/>
+                      <a:r>
+                        <a:rPr lang="en-US" sz="1500" u="none" strike="noStrike" dirty="0">
+                          <a:effectLst/>
+                        </a:rPr>
+                        <a:t>RECEIVED_MESSAGES:</a:t>
+                      </a:r>
+                      <a:endParaRPr lang="en-US" sz="1500" b="0" i="0" u="none" strike="noStrike" dirty="0">
+                        <a:solidFill>
+                          <a:srgbClr val="000000"/>
+                        </a:solidFill>
+                        <a:effectLst/>
+                        <a:latin typeface="Calibri"/>
+                      </a:endParaRPr>
+                    </a:p>
+                  </a:txBody>
+                  <a:tcPr marL="9525" marR="9525" marT="9525" marB="0" anchor="b"/>
+                </a:tc>
+                <a:tc>
+                  <a:txBody>
+                    <a:bodyPr/>
+                    <a:lstStyle/>
+                    <a:p>
+                      <a:pPr algn="ctr" fontAlgn="b"/>
+                      <a:r>
+                        <a:rPr lang="ru-RU" sz="1600" u="none" strike="noStrike">
+                          <a:effectLst/>
+                        </a:rPr>
+                        <a:t>94,3</a:t>
+                      </a:r>
+                      <a:endParaRPr lang="ru-RU" sz="1600" b="0" i="0" u="none" strike="noStrike">
+                        <a:solidFill>
+                          <a:srgbClr val="000000"/>
+                        </a:solidFill>
+                        <a:effectLst/>
+                        <a:latin typeface="Calibri"/>
+                      </a:endParaRPr>
+                    </a:p>
+                  </a:txBody>
+                  <a:tcPr marL="9525" marR="9525" marT="9525" marB="0" anchor="b"/>
+                </a:tc>
+                <a:tc>
+                  <a:txBody>
+                    <a:bodyPr/>
+                    <a:lstStyle/>
+                    <a:p>
+                      <a:pPr algn="ctr" fontAlgn="b"/>
+                      <a:r>
+                        <a:rPr lang="ru-RU" sz="1600" u="none" strike="noStrike">
+                          <a:effectLst/>
+                        </a:rPr>
+                        <a:t>79,8</a:t>
+                      </a:r>
+                      <a:endParaRPr lang="ru-RU" sz="1600" b="0" i="0" u="none" strike="noStrike">
+                        <a:solidFill>
+                          <a:srgbClr val="000000"/>
+                        </a:solidFill>
+                        <a:effectLst/>
+                        <a:latin typeface="Calibri"/>
+                      </a:endParaRPr>
+                    </a:p>
+                  </a:txBody>
+                  <a:tcPr marL="9525" marR="9525" marT="9525" marB="0" anchor="b"/>
+                </a:tc>
+              </a:tr>
+              <a:tr h="280452">
+                <a:tc>
+                  <a:txBody>
+                    <a:bodyPr/>
+                    <a:lstStyle/>
+                    <a:p>
+                      <a:pPr algn="l" fontAlgn="b"/>
+                      <a:r>
+                        <a:rPr lang="en-US" sz="1500" u="none" strike="noStrike" dirty="0">
+                          <a:effectLst/>
+                        </a:rPr>
+                        <a:t>ROLLBACKS:</a:t>
+                      </a:r>
+                      <a:endParaRPr lang="en-US" sz="1500" b="0" i="0" u="none" strike="noStrike" dirty="0">
+                        <a:solidFill>
+                          <a:srgbClr val="000000"/>
+                        </a:solidFill>
+                        <a:effectLst/>
+                        <a:latin typeface="Calibri"/>
+                      </a:endParaRPr>
+                    </a:p>
+                  </a:txBody>
+                  <a:tcPr marL="9525" marR="9525" marT="9525" marB="0" anchor="b"/>
+                </a:tc>
+                <a:tc>
+                  <a:txBody>
+                    <a:bodyPr/>
+                    <a:lstStyle/>
+                    <a:p>
+                      <a:pPr algn="ctr" fontAlgn="b"/>
+                      <a:r>
+                        <a:rPr lang="ru-RU" sz="1600" u="none" strike="noStrike">
+                          <a:effectLst/>
+                        </a:rPr>
+                        <a:t>71,2</a:t>
+                      </a:r>
+                      <a:endParaRPr lang="ru-RU" sz="1600" b="0" i="0" u="none" strike="noStrike">
+                        <a:solidFill>
+                          <a:srgbClr val="000000"/>
+                        </a:solidFill>
+                        <a:effectLst/>
+                        <a:latin typeface="Calibri"/>
+                      </a:endParaRPr>
+                    </a:p>
+                  </a:txBody>
+                  <a:tcPr marL="9525" marR="9525" marT="9525" marB="0" anchor="b"/>
+                </a:tc>
+                <a:tc>
+                  <a:txBody>
+                    <a:bodyPr/>
+                    <a:lstStyle/>
+                    <a:p>
+                      <a:pPr algn="ctr" fontAlgn="b"/>
+                      <a:r>
+                        <a:rPr lang="ru-RU" sz="1600" u="none" strike="noStrike">
+                          <a:effectLst/>
+                        </a:rPr>
+                        <a:t>3,8</a:t>
+                      </a:r>
+                      <a:endParaRPr lang="ru-RU" sz="1600" b="0" i="0" u="none" strike="noStrike">
+                        <a:solidFill>
+                          <a:srgbClr val="000000"/>
+                        </a:solidFill>
+                        <a:effectLst/>
+                        <a:latin typeface="Calibri"/>
+                      </a:endParaRPr>
+                    </a:p>
+                  </a:txBody>
+                  <a:tcPr marL="9525" marR="9525" marT="9525" marB="0" anchor="b"/>
+                </a:tc>
+              </a:tr>
+              <a:tr h="280452">
+                <a:tc>
+                  <a:txBody>
+                    <a:bodyPr/>
+                    <a:lstStyle/>
+                    <a:p>
+                      <a:pPr algn="l" fontAlgn="b"/>
+                      <a:r>
+                        <a:rPr lang="en-US" sz="1500" u="none" strike="noStrike" dirty="0">
+                          <a:effectLst/>
+                        </a:rPr>
+                        <a:t>ROLLBACKS_DEPTH_1:</a:t>
+                      </a:r>
+                      <a:endParaRPr lang="en-US" sz="1500" b="0" i="0" u="none" strike="noStrike" dirty="0">
+                        <a:solidFill>
+                          <a:srgbClr val="000000"/>
+                        </a:solidFill>
+                        <a:effectLst/>
+                        <a:latin typeface="Calibri"/>
+                      </a:endParaRPr>
+                    </a:p>
+                  </a:txBody>
+                  <a:tcPr marL="9525" marR="9525" marT="9525" marB="0" anchor="b"/>
+                </a:tc>
+                <a:tc>
+                  <a:txBody>
+                    <a:bodyPr/>
+                    <a:lstStyle/>
+                    <a:p>
+                      <a:pPr algn="ctr" fontAlgn="b"/>
+                      <a:r>
+                        <a:rPr lang="ru-RU" sz="1600" u="none" strike="noStrike" dirty="0">
+                          <a:effectLst/>
+                        </a:rPr>
+                        <a:t>0</a:t>
+                      </a:r>
+                      <a:endParaRPr lang="ru-RU" sz="1600" b="0" i="0" u="none" strike="noStrike" dirty="0">
+                        <a:solidFill>
+                          <a:srgbClr val="000000"/>
+                        </a:solidFill>
+                        <a:effectLst/>
+                        <a:latin typeface="Calibri"/>
+                      </a:endParaRPr>
+                    </a:p>
+                  </a:txBody>
+                  <a:tcPr marL="9525" marR="9525" marT="9525" marB="0" anchor="b"/>
+                </a:tc>
+                <a:tc>
+                  <a:txBody>
+                    <a:bodyPr/>
+                    <a:lstStyle/>
+                    <a:p>
+                      <a:pPr algn="ctr" fontAlgn="b"/>
+                      <a:r>
+                        <a:rPr lang="ru-RU" sz="1600" u="none" strike="noStrike">
+                          <a:effectLst/>
+                        </a:rPr>
+                        <a:t>0</a:t>
+                      </a:r>
+                      <a:endParaRPr lang="ru-RU" sz="1600" b="0" i="0" u="none" strike="noStrike">
+                        <a:solidFill>
+                          <a:srgbClr val="000000"/>
+                        </a:solidFill>
+                        <a:effectLst/>
+                        <a:latin typeface="Calibri"/>
+                      </a:endParaRPr>
+                    </a:p>
+                  </a:txBody>
+                  <a:tcPr marL="9525" marR="9525" marT="9525" marB="0" anchor="b"/>
+                </a:tc>
+              </a:tr>
+              <a:tr h="280452">
+                <a:tc>
+                  <a:txBody>
+                    <a:bodyPr/>
+                    <a:lstStyle/>
+                    <a:p>
+                      <a:pPr algn="l" fontAlgn="b"/>
+                      <a:r>
+                        <a:rPr lang="en-US" sz="1500" u="none" strike="noStrike" dirty="0">
+                          <a:effectLst/>
+                        </a:rPr>
+                        <a:t>ROLLBACKS_DEPTH_2:</a:t>
+                      </a:r>
+                      <a:endParaRPr lang="en-US" sz="1500" b="0" i="0" u="none" strike="noStrike" dirty="0">
+                        <a:solidFill>
+                          <a:srgbClr val="000000"/>
+                        </a:solidFill>
+                        <a:effectLst/>
+                        <a:latin typeface="Calibri"/>
+                      </a:endParaRPr>
+                    </a:p>
+                  </a:txBody>
+                  <a:tcPr marL="9525" marR="9525" marT="9525" marB="0" anchor="b"/>
+                </a:tc>
+                <a:tc>
+                  <a:txBody>
+                    <a:bodyPr/>
+                    <a:lstStyle/>
+                    <a:p>
+                      <a:pPr algn="ctr" fontAlgn="b"/>
+                      <a:r>
+                        <a:rPr lang="ru-RU" sz="1600" u="none" strike="noStrike">
+                          <a:effectLst/>
+                        </a:rPr>
+                        <a:t>10,7</a:t>
+                      </a:r>
+                      <a:endParaRPr lang="ru-RU" sz="1600" b="0" i="0" u="none" strike="noStrike">
+                        <a:solidFill>
+                          <a:srgbClr val="000000"/>
+                        </a:solidFill>
+                        <a:effectLst/>
+                        <a:latin typeface="Calibri"/>
+                      </a:endParaRPr>
+                    </a:p>
+                  </a:txBody>
+                  <a:tcPr marL="9525" marR="9525" marT="9525" marB="0" anchor="b"/>
+                </a:tc>
+                <a:tc>
+                  <a:txBody>
+                    <a:bodyPr/>
+                    <a:lstStyle/>
+                    <a:p>
+                      <a:pPr algn="ctr" fontAlgn="b"/>
+                      <a:r>
+                        <a:rPr lang="ru-RU" sz="1600" u="none" strike="noStrike">
+                          <a:effectLst/>
+                        </a:rPr>
+                        <a:t>0</a:t>
+                      </a:r>
+                      <a:endParaRPr lang="ru-RU" sz="1600" b="0" i="0" u="none" strike="noStrike">
+                        <a:solidFill>
+                          <a:srgbClr val="000000"/>
+                        </a:solidFill>
+                        <a:effectLst/>
+                        <a:latin typeface="Calibri"/>
+                      </a:endParaRPr>
+                    </a:p>
+                  </a:txBody>
+                  <a:tcPr marL="9525" marR="9525" marT="9525" marB="0" anchor="b"/>
+                </a:tc>
+              </a:tr>
+              <a:tr h="280452">
+                <a:tc>
+                  <a:txBody>
+                    <a:bodyPr/>
+                    <a:lstStyle/>
+                    <a:p>
+                      <a:pPr algn="l" fontAlgn="b"/>
+                      <a:r>
+                        <a:rPr lang="en-US" sz="1500" u="none" strike="noStrike" dirty="0">
+                          <a:effectLst/>
+                        </a:rPr>
+                        <a:t>ROLLBACKS_DEPTH_3:</a:t>
+                      </a:r>
+                      <a:endParaRPr lang="en-US" sz="1500" b="0" i="0" u="none" strike="noStrike" dirty="0">
+                        <a:solidFill>
+                          <a:srgbClr val="000000"/>
+                        </a:solidFill>
+                        <a:effectLst/>
+                        <a:latin typeface="Calibri"/>
+                      </a:endParaRPr>
+                    </a:p>
+                  </a:txBody>
+                  <a:tcPr marL="9525" marR="9525" marT="9525" marB="0" anchor="b"/>
+                </a:tc>
+                <a:tc>
+                  <a:txBody>
+                    <a:bodyPr/>
+                    <a:lstStyle/>
+                    <a:p>
+                      <a:pPr algn="ctr" fontAlgn="b"/>
+                      <a:r>
+                        <a:rPr lang="ru-RU" sz="1600" u="none" strike="noStrike">
+                          <a:effectLst/>
+                        </a:rPr>
+                        <a:t>10,9</a:t>
+                      </a:r>
+                      <a:endParaRPr lang="ru-RU" sz="1600" b="0" i="0" u="none" strike="noStrike">
+                        <a:solidFill>
+                          <a:srgbClr val="000000"/>
+                        </a:solidFill>
+                        <a:effectLst/>
+                        <a:latin typeface="Calibri"/>
+                      </a:endParaRPr>
+                    </a:p>
+                  </a:txBody>
+                  <a:tcPr marL="9525" marR="9525" marT="9525" marB="0" anchor="b"/>
+                </a:tc>
+                <a:tc>
+                  <a:txBody>
+                    <a:bodyPr/>
+                    <a:lstStyle/>
+                    <a:p>
+                      <a:pPr algn="ctr" fontAlgn="b"/>
+                      <a:r>
+                        <a:rPr lang="ru-RU" sz="1600" u="none" strike="noStrike">
+                          <a:effectLst/>
+                        </a:rPr>
+                        <a:t>0,1</a:t>
+                      </a:r>
+                      <a:endParaRPr lang="ru-RU" sz="1600" b="0" i="0" u="none" strike="noStrike">
+                        <a:solidFill>
+                          <a:srgbClr val="000000"/>
+                        </a:solidFill>
+                        <a:effectLst/>
+                        <a:latin typeface="Calibri"/>
+                      </a:endParaRPr>
+                    </a:p>
+                  </a:txBody>
+                  <a:tcPr marL="9525" marR="9525" marT="9525" marB="0" anchor="b"/>
+                </a:tc>
+              </a:tr>
+              <a:tr h="280452">
+                <a:tc>
+                  <a:txBody>
+                    <a:bodyPr/>
+                    <a:lstStyle/>
+                    <a:p>
+                      <a:pPr algn="l" fontAlgn="b"/>
+                      <a:r>
+                        <a:rPr lang="en-US" sz="1500" u="none" strike="noStrike">
+                          <a:effectLst/>
+                        </a:rPr>
+                        <a:t>ROLLBACKS_DEPTH_4:</a:t>
+                      </a:r>
+                      <a:endParaRPr lang="en-US" sz="1500" b="0" i="0" u="none" strike="noStrike">
+                        <a:solidFill>
+                          <a:srgbClr val="000000"/>
+                        </a:solidFill>
+                        <a:effectLst/>
+                        <a:latin typeface="Calibri"/>
+                      </a:endParaRPr>
+                    </a:p>
+                  </a:txBody>
+                  <a:tcPr marL="9525" marR="9525" marT="9525" marB="0" anchor="b"/>
+                </a:tc>
+                <a:tc>
+                  <a:txBody>
+                    <a:bodyPr/>
+                    <a:lstStyle/>
+                    <a:p>
+                      <a:pPr algn="ctr" fontAlgn="b"/>
+                      <a:r>
+                        <a:rPr lang="ru-RU" sz="1600" u="none" strike="noStrike">
+                          <a:effectLst/>
+                        </a:rPr>
+                        <a:t>10,2</a:t>
+                      </a:r>
+                      <a:endParaRPr lang="ru-RU" sz="1600" b="0" i="0" u="none" strike="noStrike">
+                        <a:solidFill>
+                          <a:srgbClr val="000000"/>
+                        </a:solidFill>
+                        <a:effectLst/>
+                        <a:latin typeface="Calibri"/>
+                      </a:endParaRPr>
+                    </a:p>
+                  </a:txBody>
+                  <a:tcPr marL="9525" marR="9525" marT="9525" marB="0" anchor="b"/>
+                </a:tc>
+                <a:tc>
+                  <a:txBody>
+                    <a:bodyPr/>
+                    <a:lstStyle/>
+                    <a:p>
+                      <a:pPr algn="ctr" fontAlgn="b"/>
+                      <a:r>
+                        <a:rPr lang="ru-RU" sz="1600" u="none" strike="noStrike">
+                          <a:effectLst/>
+                        </a:rPr>
+                        <a:t>0</a:t>
+                      </a:r>
+                      <a:endParaRPr lang="ru-RU" sz="1600" b="0" i="0" u="none" strike="noStrike">
+                        <a:solidFill>
+                          <a:srgbClr val="000000"/>
+                        </a:solidFill>
+                        <a:effectLst/>
+                        <a:latin typeface="Calibri"/>
+                      </a:endParaRPr>
+                    </a:p>
+                  </a:txBody>
+                  <a:tcPr marL="9525" marR="9525" marT="9525" marB="0" anchor="b"/>
+                </a:tc>
+              </a:tr>
+              <a:tr h="280452">
+                <a:tc>
+                  <a:txBody>
+                    <a:bodyPr/>
+                    <a:lstStyle/>
+                    <a:p>
+                      <a:pPr algn="l" fontAlgn="b"/>
+                      <a:r>
+                        <a:rPr lang="en-US" sz="1500" u="none" strike="noStrike" dirty="0">
+                          <a:effectLst/>
+                        </a:rPr>
+                        <a:t>ROLLBACKS_DEPTH_5:</a:t>
+                      </a:r>
+                      <a:endParaRPr lang="en-US" sz="1500" b="0" i="0" u="none" strike="noStrike" dirty="0">
+                        <a:solidFill>
+                          <a:srgbClr val="000000"/>
+                        </a:solidFill>
+                        <a:effectLst/>
+                        <a:latin typeface="Calibri"/>
+                      </a:endParaRPr>
+                    </a:p>
+                  </a:txBody>
+                  <a:tcPr marL="9525" marR="9525" marT="9525" marB="0" anchor="b"/>
+                </a:tc>
+                <a:tc>
+                  <a:txBody>
+                    <a:bodyPr/>
+                    <a:lstStyle/>
+                    <a:p>
+                      <a:pPr algn="ctr" fontAlgn="b"/>
+                      <a:r>
+                        <a:rPr lang="ru-RU" sz="1600" u="none" strike="noStrike">
+                          <a:effectLst/>
+                        </a:rPr>
+                        <a:t>8</a:t>
+                      </a:r>
+                      <a:endParaRPr lang="ru-RU" sz="1600" b="0" i="0" u="none" strike="noStrike">
+                        <a:solidFill>
+                          <a:srgbClr val="000000"/>
+                        </a:solidFill>
+                        <a:effectLst/>
+                        <a:latin typeface="Calibri"/>
+                      </a:endParaRPr>
+                    </a:p>
+                  </a:txBody>
+                  <a:tcPr marL="9525" marR="9525" marT="9525" marB="0" anchor="b"/>
+                </a:tc>
+                <a:tc>
+                  <a:txBody>
+                    <a:bodyPr/>
+                    <a:lstStyle/>
+                    <a:p>
+                      <a:pPr algn="ctr" fontAlgn="b"/>
+                      <a:r>
+                        <a:rPr lang="ru-RU" sz="1600" u="none" strike="noStrike">
+                          <a:effectLst/>
+                        </a:rPr>
+                        <a:t>0,1</a:t>
+                      </a:r>
+                      <a:endParaRPr lang="ru-RU" sz="1600" b="0" i="0" u="none" strike="noStrike">
+                        <a:solidFill>
+                          <a:srgbClr val="000000"/>
+                        </a:solidFill>
+                        <a:effectLst/>
+                        <a:latin typeface="Calibri"/>
+                      </a:endParaRPr>
+                    </a:p>
+                  </a:txBody>
+                  <a:tcPr marL="9525" marR="9525" marT="9525" marB="0" anchor="b"/>
+                </a:tc>
+              </a:tr>
+              <a:tr h="280452">
+                <a:tc>
+                  <a:txBody>
+                    <a:bodyPr/>
+                    <a:lstStyle/>
+                    <a:p>
+                      <a:pPr algn="l" fontAlgn="b"/>
+                      <a:r>
+                        <a:rPr lang="en-US" sz="1500" u="none" strike="noStrike" dirty="0">
+                          <a:effectLst/>
+                        </a:rPr>
+                        <a:t>ROLLBACKS_DEPTH_6:</a:t>
+                      </a:r>
+                      <a:endParaRPr lang="en-US" sz="1500" b="0" i="0" u="none" strike="noStrike" dirty="0">
+                        <a:solidFill>
+                          <a:srgbClr val="000000"/>
+                        </a:solidFill>
+                        <a:effectLst/>
+                        <a:latin typeface="Calibri"/>
+                      </a:endParaRPr>
+                    </a:p>
+                  </a:txBody>
+                  <a:tcPr marL="9525" marR="9525" marT="9525" marB="0" anchor="b"/>
+                </a:tc>
+                <a:tc>
+                  <a:txBody>
+                    <a:bodyPr/>
+                    <a:lstStyle/>
+                    <a:p>
+                      <a:pPr algn="ctr" fontAlgn="b"/>
+                      <a:r>
+                        <a:rPr lang="ru-RU" sz="1600" u="none" strike="noStrike">
+                          <a:effectLst/>
+                        </a:rPr>
+                        <a:t>7,2</a:t>
+                      </a:r>
+                      <a:endParaRPr lang="ru-RU" sz="1600" b="0" i="0" u="none" strike="noStrike">
+                        <a:solidFill>
+                          <a:srgbClr val="000000"/>
+                        </a:solidFill>
+                        <a:effectLst/>
+                        <a:latin typeface="Calibri"/>
+                      </a:endParaRPr>
+                    </a:p>
+                  </a:txBody>
+                  <a:tcPr marL="9525" marR="9525" marT="9525" marB="0" anchor="b"/>
+                </a:tc>
+                <a:tc>
+                  <a:txBody>
+                    <a:bodyPr/>
+                    <a:lstStyle/>
+                    <a:p>
+                      <a:pPr algn="ctr" fontAlgn="b"/>
+                      <a:r>
+                        <a:rPr lang="ru-RU" sz="1600" u="none" strike="noStrike">
+                          <a:effectLst/>
+                        </a:rPr>
+                        <a:t>0,2</a:t>
+                      </a:r>
+                      <a:endParaRPr lang="ru-RU" sz="1600" b="0" i="0" u="none" strike="noStrike">
+                        <a:solidFill>
+                          <a:srgbClr val="000000"/>
+                        </a:solidFill>
+                        <a:effectLst/>
+                        <a:latin typeface="Calibri"/>
+                      </a:endParaRPr>
+                    </a:p>
+                  </a:txBody>
+                  <a:tcPr marL="9525" marR="9525" marT="9525" marB="0" anchor="b"/>
+                </a:tc>
+              </a:tr>
+              <a:tr h="280452">
+                <a:tc>
+                  <a:txBody>
+                    <a:bodyPr/>
+                    <a:lstStyle/>
+                    <a:p>
+                      <a:pPr algn="l" fontAlgn="b"/>
+                      <a:r>
+                        <a:rPr lang="en-US" sz="1500" u="none" strike="noStrike" dirty="0">
+                          <a:effectLst/>
+                        </a:rPr>
+                        <a:t>ROLLBACKS_DEPTH_7:</a:t>
+                      </a:r>
+                      <a:endParaRPr lang="en-US" sz="1500" b="0" i="0" u="none" strike="noStrike" dirty="0">
+                        <a:solidFill>
+                          <a:srgbClr val="000000"/>
+                        </a:solidFill>
+                        <a:effectLst/>
+                        <a:latin typeface="Calibri"/>
+                      </a:endParaRPr>
+                    </a:p>
+                  </a:txBody>
+                  <a:tcPr marL="9525" marR="9525" marT="9525" marB="0" anchor="b"/>
+                </a:tc>
+                <a:tc>
+                  <a:txBody>
+                    <a:bodyPr/>
+                    <a:lstStyle/>
+                    <a:p>
+                      <a:pPr algn="ctr" fontAlgn="b"/>
+                      <a:r>
+                        <a:rPr lang="ru-RU" sz="1600" u="none" strike="noStrike">
+                          <a:effectLst/>
+                        </a:rPr>
+                        <a:t>4,8</a:t>
+                      </a:r>
+                      <a:endParaRPr lang="ru-RU" sz="1600" b="0" i="0" u="none" strike="noStrike">
+                        <a:solidFill>
+                          <a:srgbClr val="000000"/>
+                        </a:solidFill>
+                        <a:effectLst/>
+                        <a:latin typeface="Calibri"/>
+                      </a:endParaRPr>
+                    </a:p>
+                  </a:txBody>
+                  <a:tcPr marL="9525" marR="9525" marT="9525" marB="0" anchor="b"/>
+                </a:tc>
+                <a:tc>
+                  <a:txBody>
+                    <a:bodyPr/>
+                    <a:lstStyle/>
+                    <a:p>
+                      <a:pPr algn="ctr" fontAlgn="b"/>
+                      <a:r>
+                        <a:rPr lang="ru-RU" sz="1600" u="none" strike="noStrike">
+                          <a:effectLst/>
+                        </a:rPr>
+                        <a:t>0,2</a:t>
+                      </a:r>
+                      <a:endParaRPr lang="ru-RU" sz="1600" b="0" i="0" u="none" strike="noStrike">
+                        <a:solidFill>
+                          <a:srgbClr val="000000"/>
+                        </a:solidFill>
+                        <a:effectLst/>
+                        <a:latin typeface="Calibri"/>
+                      </a:endParaRPr>
+                    </a:p>
+                  </a:txBody>
+                  <a:tcPr marL="9525" marR="9525" marT="9525" marB="0" anchor="b"/>
+                </a:tc>
+              </a:tr>
+              <a:tr h="280452">
+                <a:tc>
+                  <a:txBody>
+                    <a:bodyPr/>
+                    <a:lstStyle/>
+                    <a:p>
+                      <a:pPr algn="l" fontAlgn="b"/>
+                      <a:r>
+                        <a:rPr lang="en-US" sz="1500" u="none" strike="noStrike" dirty="0">
+                          <a:effectLst/>
+                        </a:rPr>
+                        <a:t>ROLLBACKS_DEPTH_MORE:</a:t>
+                      </a:r>
+                      <a:endParaRPr lang="en-US" sz="1500" b="0" i="0" u="none" strike="noStrike" dirty="0">
+                        <a:solidFill>
+                          <a:srgbClr val="000000"/>
+                        </a:solidFill>
+                        <a:effectLst/>
+                        <a:latin typeface="Calibri"/>
+                      </a:endParaRPr>
+                    </a:p>
+                  </a:txBody>
+                  <a:tcPr marL="9525" marR="9525" marT="9525" marB="0" anchor="b"/>
+                </a:tc>
+                <a:tc>
+                  <a:txBody>
+                    <a:bodyPr/>
+                    <a:lstStyle/>
+                    <a:p>
+                      <a:pPr algn="ctr" fontAlgn="b"/>
+                      <a:r>
+                        <a:rPr lang="ru-RU" sz="1600" u="none" strike="noStrike">
+                          <a:effectLst/>
+                        </a:rPr>
+                        <a:t>19,4</a:t>
+                      </a:r>
+                      <a:endParaRPr lang="ru-RU" sz="1600" b="0" i="0" u="none" strike="noStrike">
+                        <a:solidFill>
+                          <a:srgbClr val="000000"/>
+                        </a:solidFill>
+                        <a:effectLst/>
+                        <a:latin typeface="Calibri"/>
+                      </a:endParaRPr>
+                    </a:p>
+                  </a:txBody>
+                  <a:tcPr marL="9525" marR="9525" marT="9525" marB="0" anchor="b"/>
+                </a:tc>
+                <a:tc>
+                  <a:txBody>
+                    <a:bodyPr/>
+                    <a:lstStyle/>
+                    <a:p>
+                      <a:pPr algn="ctr" fontAlgn="b"/>
+                      <a:r>
+                        <a:rPr lang="ru-RU" sz="1600" u="none" strike="noStrike">
+                          <a:effectLst/>
+                        </a:rPr>
+                        <a:t>3,2</a:t>
+                      </a:r>
+                      <a:endParaRPr lang="ru-RU" sz="1600" b="0" i="0" u="none" strike="noStrike">
+                        <a:solidFill>
+                          <a:srgbClr val="000000"/>
+                        </a:solidFill>
+                        <a:effectLst/>
+                        <a:latin typeface="Calibri"/>
+                      </a:endParaRPr>
+                    </a:p>
+                  </a:txBody>
+                  <a:tcPr marL="9525" marR="9525" marT="9525" marB="0" anchor="b"/>
+                </a:tc>
+              </a:tr>
+              <a:tr h="280452">
+                <a:tc>
+                  <a:txBody>
+                    <a:bodyPr/>
+                    <a:lstStyle/>
+                    <a:p>
+                      <a:pPr algn="l" fontAlgn="b"/>
+                      <a:r>
+                        <a:rPr lang="en-US" sz="1500" u="none" strike="noStrike" dirty="0">
+                          <a:effectLst/>
+                        </a:rPr>
+                        <a:t>ROLLBACKS_MAXDEPTH:</a:t>
+                      </a:r>
+                      <a:endParaRPr lang="en-US" sz="1500" b="0" i="0" u="none" strike="noStrike" dirty="0">
+                        <a:solidFill>
+                          <a:srgbClr val="000000"/>
+                        </a:solidFill>
+                        <a:effectLst/>
+                        <a:latin typeface="Calibri"/>
+                      </a:endParaRPr>
+                    </a:p>
+                  </a:txBody>
+                  <a:tcPr marL="9525" marR="9525" marT="9525" marB="0" anchor="b"/>
+                </a:tc>
+                <a:tc>
+                  <a:txBody>
+                    <a:bodyPr/>
+                    <a:lstStyle/>
+                    <a:p>
+                      <a:pPr algn="ctr" fontAlgn="b"/>
+                      <a:r>
+                        <a:rPr lang="ru-RU" sz="1600" u="none" strike="noStrike">
+                          <a:effectLst/>
+                        </a:rPr>
+                        <a:t>21,8</a:t>
+                      </a:r>
+                      <a:endParaRPr lang="ru-RU" sz="1600" b="0" i="0" u="none" strike="noStrike">
+                        <a:solidFill>
+                          <a:srgbClr val="000000"/>
+                        </a:solidFill>
+                        <a:effectLst/>
+                        <a:latin typeface="Calibri"/>
+                      </a:endParaRPr>
+                    </a:p>
+                  </a:txBody>
+                  <a:tcPr marL="9525" marR="9525" marT="9525" marB="0" anchor="b"/>
+                </a:tc>
+                <a:tc>
+                  <a:txBody>
+                    <a:bodyPr/>
+                    <a:lstStyle/>
+                    <a:p>
+                      <a:pPr algn="ctr" fontAlgn="b"/>
+                      <a:r>
+                        <a:rPr lang="ru-RU" sz="1600" u="none" strike="noStrike">
+                          <a:effectLst/>
+                        </a:rPr>
+                        <a:t>18,9</a:t>
+                      </a:r>
+                      <a:endParaRPr lang="ru-RU" sz="1600" b="0" i="0" u="none" strike="noStrike">
+                        <a:solidFill>
+                          <a:srgbClr val="000000"/>
+                        </a:solidFill>
+                        <a:effectLst/>
+                        <a:latin typeface="Calibri"/>
+                      </a:endParaRPr>
+                    </a:p>
+                  </a:txBody>
+                  <a:tcPr marL="9525" marR="9525" marT="9525" marB="0" anchor="b"/>
+                </a:tc>
+              </a:tr>
+              <a:tr h="280452">
+                <a:tc>
+                  <a:txBody>
+                    <a:bodyPr/>
+                    <a:lstStyle/>
+                    <a:p>
+                      <a:pPr algn="l" fontAlgn="b"/>
+                      <a:r>
+                        <a:rPr lang="en-US" sz="1500" u="none" strike="noStrike" dirty="0">
+                          <a:effectLst/>
+                        </a:rPr>
+                        <a:t>SENT_ANTI_MESSAGES:</a:t>
+                      </a:r>
+                      <a:endParaRPr lang="en-US" sz="1500" b="0" i="0" u="none" strike="noStrike" dirty="0">
+                        <a:solidFill>
+                          <a:srgbClr val="000000"/>
+                        </a:solidFill>
+                        <a:effectLst/>
+                        <a:latin typeface="Calibri"/>
+                      </a:endParaRPr>
+                    </a:p>
+                  </a:txBody>
+                  <a:tcPr marL="9525" marR="9525" marT="9525" marB="0" anchor="b"/>
+                </a:tc>
+                <a:tc>
+                  <a:txBody>
+                    <a:bodyPr/>
+                    <a:lstStyle/>
+                    <a:p>
+                      <a:pPr algn="ctr" fontAlgn="b"/>
+                      <a:r>
+                        <a:rPr lang="ru-RU" sz="1600" u="none" strike="noStrike">
+                          <a:effectLst/>
+                        </a:rPr>
+                        <a:t>108,4</a:t>
+                      </a:r>
+                      <a:endParaRPr lang="ru-RU" sz="1600" b="0" i="0" u="none" strike="noStrike">
+                        <a:solidFill>
+                          <a:srgbClr val="000000"/>
+                        </a:solidFill>
+                        <a:effectLst/>
+                        <a:latin typeface="Calibri"/>
+                      </a:endParaRPr>
+                    </a:p>
+                  </a:txBody>
+                  <a:tcPr marL="9525" marR="9525" marT="9525" marB="0" anchor="b"/>
+                </a:tc>
+                <a:tc>
+                  <a:txBody>
+                    <a:bodyPr/>
+                    <a:lstStyle/>
+                    <a:p>
+                      <a:pPr algn="ctr" fontAlgn="b"/>
+                      <a:r>
+                        <a:rPr lang="ru-RU" sz="1600" u="none" strike="noStrike">
+                          <a:effectLst/>
+                        </a:rPr>
+                        <a:t>12,8</a:t>
+                      </a:r>
+                      <a:endParaRPr lang="ru-RU" sz="1600" b="0" i="0" u="none" strike="noStrike">
+                        <a:solidFill>
+                          <a:srgbClr val="000000"/>
+                        </a:solidFill>
+                        <a:effectLst/>
+                        <a:latin typeface="Calibri"/>
+                      </a:endParaRPr>
+                    </a:p>
+                  </a:txBody>
+                  <a:tcPr marL="9525" marR="9525" marT="9525" marB="0" anchor="b"/>
+                </a:tc>
+              </a:tr>
+              <a:tr h="280452">
+                <a:tc>
+                  <a:txBody>
+                    <a:bodyPr/>
+                    <a:lstStyle/>
+                    <a:p>
+                      <a:pPr algn="l" fontAlgn="b"/>
+                      <a:r>
+                        <a:rPr lang="en-US" sz="1500" u="none" strike="noStrike" dirty="0">
+                          <a:effectLst/>
+                        </a:rPr>
+                        <a:t>SENT_EVENT_MESSAGES:</a:t>
+                      </a:r>
+                      <a:endParaRPr lang="en-US" sz="1500" b="0" i="0" u="none" strike="noStrike" dirty="0">
+                        <a:solidFill>
+                          <a:srgbClr val="000000"/>
+                        </a:solidFill>
+                        <a:effectLst/>
+                        <a:latin typeface="Calibri"/>
+                      </a:endParaRPr>
+                    </a:p>
+                  </a:txBody>
+                  <a:tcPr marL="9525" marR="9525" marT="9525" marB="0" anchor="b"/>
+                </a:tc>
+                <a:tc>
+                  <a:txBody>
+                    <a:bodyPr/>
+                    <a:lstStyle/>
+                    <a:p>
+                      <a:pPr algn="ctr" fontAlgn="b"/>
+                      <a:r>
+                        <a:rPr lang="ru-RU" sz="1600" u="none" strike="noStrike">
+                          <a:effectLst/>
+                        </a:rPr>
+                        <a:t>428,5</a:t>
+                      </a:r>
+                      <a:endParaRPr lang="ru-RU" sz="1600" b="0" i="0" u="none" strike="noStrike">
+                        <a:solidFill>
+                          <a:srgbClr val="000000"/>
+                        </a:solidFill>
+                        <a:effectLst/>
+                        <a:latin typeface="Calibri"/>
+                      </a:endParaRPr>
+                    </a:p>
+                  </a:txBody>
+                  <a:tcPr marL="9525" marR="9525" marT="9525" marB="0" anchor="b"/>
+                </a:tc>
+                <a:tc>
+                  <a:txBody>
+                    <a:bodyPr/>
+                    <a:lstStyle/>
+                    <a:p>
+                      <a:pPr algn="ctr" fontAlgn="b"/>
+                      <a:r>
+                        <a:rPr lang="ru-RU" sz="1600" u="none" strike="noStrike">
+                          <a:effectLst/>
+                        </a:rPr>
+                        <a:t>321,9</a:t>
+                      </a:r>
+                      <a:endParaRPr lang="ru-RU" sz="1600" b="0" i="0" u="none" strike="noStrike">
+                        <a:solidFill>
+                          <a:srgbClr val="000000"/>
+                        </a:solidFill>
+                        <a:effectLst/>
+                        <a:latin typeface="Calibri"/>
+                      </a:endParaRPr>
+                    </a:p>
+                  </a:txBody>
+                  <a:tcPr marL="9525" marR="9525" marT="9525" marB="0" anchor="b"/>
+                </a:tc>
+              </a:tr>
+              <a:tr h="280452">
+                <a:tc>
+                  <a:txBody>
+                    <a:bodyPr/>
+                    <a:lstStyle/>
+                    <a:p>
+                      <a:pPr algn="l" fontAlgn="b"/>
+                      <a:r>
+                        <a:rPr lang="en-US" sz="1500" u="none" strike="noStrike" dirty="0">
+                          <a:effectLst/>
+                        </a:rPr>
+                        <a:t>SENT_MESSAGES:</a:t>
+                      </a:r>
+                      <a:endParaRPr lang="en-US" sz="1500" b="0" i="0" u="none" strike="noStrike" dirty="0">
+                        <a:solidFill>
+                          <a:srgbClr val="000000"/>
+                        </a:solidFill>
+                        <a:effectLst/>
+                        <a:latin typeface="Calibri"/>
+                      </a:endParaRPr>
+                    </a:p>
+                  </a:txBody>
+                  <a:tcPr marL="9525" marR="9525" marT="9525" marB="0" anchor="b"/>
+                </a:tc>
+                <a:tc>
+                  <a:txBody>
+                    <a:bodyPr/>
+                    <a:lstStyle/>
+                    <a:p>
+                      <a:pPr algn="ctr" fontAlgn="b"/>
+                      <a:r>
+                        <a:rPr lang="ru-RU" sz="1600" u="none" strike="noStrike">
+                          <a:effectLst/>
+                        </a:rPr>
+                        <a:t>536,9</a:t>
+                      </a:r>
+                      <a:endParaRPr lang="ru-RU" sz="1600" b="0" i="0" u="none" strike="noStrike">
+                        <a:solidFill>
+                          <a:srgbClr val="000000"/>
+                        </a:solidFill>
+                        <a:effectLst/>
+                        <a:latin typeface="Calibri"/>
+                      </a:endParaRPr>
+                    </a:p>
+                  </a:txBody>
+                  <a:tcPr marL="9525" marR="9525" marT="9525" marB="0" anchor="b"/>
+                </a:tc>
+                <a:tc>
+                  <a:txBody>
+                    <a:bodyPr/>
+                    <a:lstStyle/>
+                    <a:p>
+                      <a:pPr algn="ctr" fontAlgn="b"/>
+                      <a:r>
+                        <a:rPr lang="ru-RU" sz="1600" u="none" strike="noStrike" dirty="0">
+                          <a:effectLst/>
+                        </a:rPr>
+                        <a:t>334,7</a:t>
+                      </a:r>
+                      <a:endParaRPr lang="ru-RU" sz="1600" b="0" i="0" u="none" strike="noStrike" dirty="0">
+                        <a:solidFill>
+                          <a:srgbClr val="000000"/>
+                        </a:solidFill>
+                        <a:effectLst/>
+                        <a:latin typeface="Calibri"/>
+                      </a:endParaRPr>
+                    </a:p>
+                  </a:txBody>
+                  <a:tcPr marL="9525" marR="9525" marT="9525" marB="0" anchor="b"/>
+                </a:tc>
+              </a:tr>
+            </a:tbl>
+          </a:graphicData>
+        </a:graphic>
+      </p:graphicFrame>
+      <p:grpSp>
+        <p:nvGrpSpPr>
+          <p:cNvPr id="7" name="Группа 6"/>
+          <p:cNvGrpSpPr/>
+          <p:nvPr/>
+        </p:nvGrpSpPr>
+        <p:grpSpPr>
+          <a:xfrm>
+            <a:off x="4860032" y="1052736"/>
+            <a:ext cx="4572857" cy="5551512"/>
+            <a:chOff x="4571143" y="1052736"/>
+            <a:chExt cx="4572857" cy="5551512"/>
+          </a:xfrm>
+        </p:grpSpPr>
+        <p:graphicFrame>
+          <p:nvGraphicFramePr>
+            <p:cNvPr id="15" name="Диаграмма 14"/>
+            <p:cNvGraphicFramePr>
+              <a:graphicFrameLocks/>
+            </p:cNvGraphicFramePr>
+            <p:nvPr>
+              <p:extLst>
+                <p:ext uri="{D42A27DB-BD31-4B8C-83A1-F6EECF244321}">
+                  <p14:modId xmlns:p14="http://schemas.microsoft.com/office/powerpoint/2010/main" val="151754674"/>
+                </p:ext>
+              </p:extLst>
+            </p:nvPr>
+          </p:nvGraphicFramePr>
+          <p:xfrm>
+            <a:off x="4572000" y="1052736"/>
+            <a:ext cx="4572000" cy="2743200"/>
+          </p:xfrm>
+          <a:graphic>
+            <a:graphicData uri="http://schemas.openxmlformats.org/drawingml/2006/chart">
+              <c:chart xmlns:c="http://schemas.openxmlformats.org/drawingml/2006/chart" xmlns:r="http://schemas.openxmlformats.org/officeDocument/2006/relationships" r:id="rId3"/>
+            </a:graphicData>
+          </a:graphic>
+        </p:graphicFrame>
+        <p:graphicFrame>
+          <p:nvGraphicFramePr>
+            <p:cNvPr id="16" name="Диаграмма 15"/>
+            <p:cNvGraphicFramePr>
+              <a:graphicFrameLocks/>
+            </p:cNvGraphicFramePr>
+            <p:nvPr>
+              <p:extLst>
+                <p:ext uri="{D42A27DB-BD31-4B8C-83A1-F6EECF244321}">
+                  <p14:modId xmlns:p14="http://schemas.microsoft.com/office/powerpoint/2010/main" val="1060577368"/>
+                </p:ext>
+              </p:extLst>
+            </p:nvPr>
+          </p:nvGraphicFramePr>
+          <p:xfrm>
+            <a:off x="4571143" y="3861048"/>
+            <a:ext cx="4572000" cy="2743200"/>
+          </p:xfrm>
+          <a:graphic>
+            <a:graphicData uri="http://schemas.openxmlformats.org/drawingml/2006/chart">
+              <c:chart xmlns:c="http://schemas.openxmlformats.org/drawingml/2006/chart" xmlns:r="http://schemas.openxmlformats.org/officeDocument/2006/relationships" r:id="rId4"/>
+            </a:graphicData>
+          </a:graphic>
+        </p:graphicFrame>
+      </p:grpSp>
+    </p:spTree>
+    <p:extLst>
+      <p:ext uri="{BB962C8B-B14F-4D97-AF65-F5344CB8AC3E}">
+        <p14:creationId xmlns:p14="http://schemas.microsoft.com/office/powerpoint/2010/main" val="626389546"/>
+      </p:ext>
+    </p:extLst>
+  </p:cSld>
+  <p:clrMapOvr>
+    <a:masterClrMapping/>
+  </p:clrMapOvr>
+  <p:timing>
+    <p:tnLst>
+      <p:par>
+        <p:cTn id="1" dur="indefinite" restart="never" nodeType="tmRoot"/>
+      </p:par>
+    </p:tnLst>
+  </p:timing>
+</p:sld>
+</file>
+
 <file path=ppt/slides/slide23.xml><?xml version="1.0" encoding="utf-8"?>
 <p:sld xmlns:a="http://schemas.openxmlformats.org/drawingml/2006/main" xmlns:r="http://schemas.openxmlformats.org/officeDocument/2006/relationships" xmlns:p="http://schemas.openxmlformats.org/presentationml/2006/main">
   <p:cSld>
@@ -40365,11 +42322,6 @@
               </a:rPr>
               <a:t>эксперименты на тестовой модели</a:t>
             </a:r>
-            <a:endParaRPr lang="ru-RU" sz="2000" dirty="0" smtClean="0">
-              <a:solidFill>
-                <a:schemeClr val="tx1"/>
-              </a:solidFill>
-            </a:endParaRPr>
           </a:p>
         </p:txBody>
       </p:sp>
@@ -40792,11 +42744,6 @@
               </a:rPr>
               <a:t>Использование явно специфицированных знаний о модели значительно повышают эффективность синхронизации агентов, и как следствие, скорость имитационного процесса</a:t>
             </a:r>
-            <a:endParaRPr lang="ru-RU" sz="2600" dirty="0" smtClean="0">
-              <a:solidFill>
-                <a:schemeClr val="tx1"/>
-              </a:solidFill>
-            </a:endParaRPr>
           </a:p>
         </p:txBody>
       </p:sp>
@@ -41357,11 +43304,6 @@
               </a:rPr>
               <a:t>Проверить результаты на экспериментах</a:t>
             </a:r>
-            <a:endParaRPr lang="ru-RU" sz="2800" dirty="0" smtClean="0">
-              <a:solidFill>
-                <a:schemeClr val="tx1"/>
-              </a:solidFill>
-            </a:endParaRPr>
           </a:p>
         </p:txBody>
       </p:sp>
@@ -42256,15 +44198,7 @@
                   <a:schemeClr val="tx1"/>
                 </a:solidFill>
               </a:rPr>
-              <a:t>синхронизация </a:t>
-            </a:r>
-            <a:r>
-              <a:rPr lang="ru-RU" sz="2800" i="1" dirty="0" smtClean="0">
-                <a:solidFill>
-                  <a:schemeClr val="tx1"/>
-                </a:solidFill>
-              </a:rPr>
-              <a:t>логических процессов</a:t>
+              <a:t>синхронизация логических процессов</a:t>
             </a:r>
           </a:p>
         </p:txBody>
@@ -44921,15 +46855,7 @@
                   <a:schemeClr val="tx1"/>
                 </a:solidFill>
               </a:rPr>
-              <a:t>Moving </a:t>
-            </a:r>
-            <a:r>
-              <a:rPr lang="en-US" sz="2400" dirty="0" smtClean="0">
-                <a:solidFill>
-                  <a:schemeClr val="tx1"/>
-                </a:solidFill>
-              </a:rPr>
-              <a:t>Time Algorithm</a:t>
+              <a:t>Moving Time Algorithm</a:t>
             </a:r>
             <a:r>
               <a:rPr lang="ru-RU" sz="2400" dirty="0" smtClean="0">
@@ -44989,6 +46915,93 @@
             </a:r>
             <a:r>
               <a:rPr lang="en-US" sz="2400" dirty="0" smtClean="0">
+                <a:solidFill>
+                  <a:schemeClr val="tx1"/>
+                </a:solidFill>
+              </a:rPr>
+              <a:t>]</a:t>
+            </a:r>
+          </a:p>
+          <a:p>
+            <a:pPr marL="530225" indent="-354013" algn="l" eaLnBrk="1" hangingPunct="1">
+              <a:buFont typeface="Arial" pitchFamily="34" charset="0"/>
+              <a:buChar char="•"/>
+              <a:defRPr/>
+            </a:pPr>
+            <a:r>
+              <a:rPr lang="ru-RU" sz="2400" dirty="0" smtClean="0">
+                <a:solidFill>
+                  <a:schemeClr val="tx1"/>
+                </a:solidFill>
+              </a:rPr>
+              <a:t>Алгоритм «волчьего воя» (</a:t>
+            </a:r>
+            <a:r>
+              <a:rPr lang="en-US" sz="2400" dirty="0" smtClean="0">
+                <a:solidFill>
+                  <a:schemeClr val="tx1"/>
+                </a:solidFill>
+              </a:rPr>
+              <a:t>Wolf Calls Algorithm</a:t>
+            </a:r>
+            <a:r>
+              <a:rPr lang="ru-RU" sz="2400" dirty="0" smtClean="0">
+                <a:solidFill>
+                  <a:schemeClr val="tx1"/>
+                </a:solidFill>
+              </a:rPr>
+              <a:t>)</a:t>
+            </a:r>
+            <a:r>
+              <a:rPr lang="en-US" sz="2400" dirty="0">
+                <a:solidFill>
+                  <a:schemeClr val="tx1"/>
+                </a:solidFill>
+              </a:rPr>
+              <a:t> [</a:t>
+            </a:r>
+            <a:r>
+              <a:rPr lang="en-US" sz="2400" dirty="0" err="1">
+                <a:solidFill>
+                  <a:schemeClr val="tx1"/>
+                </a:solidFill>
+              </a:rPr>
+              <a:t>Madissetti</a:t>
+            </a:r>
+            <a:r>
+              <a:rPr lang="en-US" sz="2400" dirty="0">
+                <a:solidFill>
+                  <a:schemeClr val="tx1"/>
+                </a:solidFill>
+              </a:rPr>
+              <a:t>, </a:t>
+            </a:r>
+            <a:r>
+              <a:rPr lang="en-US" sz="2400" dirty="0" err="1" smtClean="0">
+                <a:solidFill>
+                  <a:schemeClr val="tx1"/>
+                </a:solidFill>
+              </a:rPr>
+              <a:t>Warland</a:t>
+            </a:r>
+            <a:r>
+              <a:rPr lang="en-US" sz="2400" dirty="0" smtClean="0">
+                <a:solidFill>
+                  <a:schemeClr val="tx1"/>
+                </a:solidFill>
+              </a:rPr>
+              <a:t>, </a:t>
+            </a:r>
+            <a:r>
+              <a:rPr lang="en-US" sz="2400" dirty="0" err="1" smtClean="0">
+                <a:solidFill>
+                  <a:schemeClr val="tx1"/>
+                </a:solidFill>
+              </a:rPr>
+              <a:t>Messerschmiht</a:t>
+            </a:r>
+            <a:r>
+              <a:rPr lang="en-US" sz="2400" dirty="0">
                 <a:solidFill>
                   <a:schemeClr val="tx1"/>
                 </a:solidFill>
@@ -45013,7 +47026,7 @@
                   <a:schemeClr val="tx1"/>
                 </a:solidFill>
               </a:rPr>
-              <a:t>Алгоритм «волчьего воя» (</a:t>
+              <a:t>Стратегия отложенной отмены событий (</a:t>
             </a:r>
             <a:r>
               <a:rPr lang="en-US" sz="2400" dirty="0" smtClean="0">
@@ -45021,7 +47034,7 @@
                   <a:schemeClr val="tx1"/>
                 </a:solidFill>
               </a:rPr>
-              <a:t>Wolf Calls Algorithm</a:t>
+              <a:t>Lazy </a:t>
             </a:r>
             <a:r>
               <a:rPr lang="ru-RU" sz="2400" dirty="0" smtClean="0">
@@ -45029,31 +47042,31 @@
                   <a:schemeClr val="tx1"/>
                 </a:solidFill>
               </a:rPr>
-              <a:t>)</a:t>
+              <a:t>	</a:t>
             </a:r>
             <a:r>
-              <a:rPr lang="en-US" sz="2400" dirty="0">
+              <a:rPr lang="en-US" sz="2400" dirty="0" smtClean="0">
                 <a:solidFill>
                   <a:schemeClr val="tx1"/>
                 </a:solidFill>
               </a:rPr>
-              <a:t> [</a:t>
+              <a:t>Cancellation Strategy</a:t>
             </a:r>
             <a:r>
-              <a:rPr lang="en-US" sz="2400" dirty="0" err="1">
+              <a:rPr lang="ru-RU" sz="2400" dirty="0" smtClean="0">
                 <a:solidFill>
                   <a:schemeClr val="tx1"/>
                 </a:solidFill>
               </a:rPr>
-              <a:t>Madissetti</a:t>
+              <a:t>) </a:t>
             </a:r>
             <a:r>
-              <a:rPr lang="en-US" sz="2400" dirty="0">
+              <a:rPr lang="en-US" sz="2400" dirty="0" smtClean="0">
                 <a:solidFill>
                   <a:schemeClr val="tx1"/>
                 </a:solidFill>
               </a:rPr>
-              <a:t>, </a:t>
+              <a:t>[</a:t>
             </a:r>
             <a:r>
               <a:rPr lang="en-US" sz="2400" dirty="0" err="1" smtClean="0">
@@ -45061,23 +47074,7 @@
                   <a:schemeClr val="tx1"/>
                 </a:solidFill>
               </a:rPr>
-              <a:t>Warland</a:t>
-            </a:r>
-            <a:r>
-              <a:rPr lang="en-US" sz="2400" dirty="0" smtClean="0">
-                <a:solidFill>
-                  <a:schemeClr val="tx1"/>
-                </a:solidFill>
-              </a:rPr>
-              <a:t>, </a:t>
-            </a:r>
-            <a:r>
-              <a:rPr lang="en-US" sz="2400" dirty="0" err="1" smtClean="0">
-                <a:solidFill>
-                  <a:schemeClr val="tx1"/>
-                </a:solidFill>
-              </a:rPr>
-              <a:t>Messerschmiht</a:t>
+              <a:t>Gafny</a:t>
             </a:r>
             <a:r>
               <a:rPr lang="en-US" sz="2400" dirty="0">
@@ -45105,106 +47102,6 @@
                   <a:schemeClr val="tx1"/>
                 </a:solidFill>
               </a:rPr>
-              <a:t>Стратегия отложенной </a:t>
-            </a:r>
-            <a:r>
-              <a:rPr lang="ru-RU" sz="2400" dirty="0" smtClean="0">
-                <a:solidFill>
-                  <a:schemeClr val="tx1"/>
-                </a:solidFill>
-              </a:rPr>
-              <a:t>отмены </a:t>
-            </a:r>
-            <a:r>
-              <a:rPr lang="ru-RU" sz="2400" dirty="0" smtClean="0">
-                <a:solidFill>
-                  <a:schemeClr val="tx1"/>
-                </a:solidFill>
-              </a:rPr>
-              <a:t>событий </a:t>
-            </a:r>
-            <a:r>
-              <a:rPr lang="ru-RU" sz="2400" dirty="0" smtClean="0">
-                <a:solidFill>
-                  <a:schemeClr val="tx1"/>
-                </a:solidFill>
-              </a:rPr>
-              <a:t>(</a:t>
-            </a:r>
-            <a:r>
-              <a:rPr lang="en-US" sz="2400" dirty="0" smtClean="0">
-                <a:solidFill>
-                  <a:schemeClr val="tx1"/>
-                </a:solidFill>
-              </a:rPr>
-              <a:t>Lazy </a:t>
-            </a:r>
-            <a:r>
-              <a:rPr lang="ru-RU" sz="2400" dirty="0" smtClean="0">
-                <a:solidFill>
-                  <a:schemeClr val="tx1"/>
-                </a:solidFill>
-              </a:rPr>
-              <a:t>	</a:t>
-            </a:r>
-            <a:r>
-              <a:rPr lang="en-US" sz="2400" dirty="0" smtClean="0">
-                <a:solidFill>
-                  <a:schemeClr val="tx1"/>
-                </a:solidFill>
-              </a:rPr>
-              <a:t>Cancellation Strategy</a:t>
-            </a:r>
-            <a:r>
-              <a:rPr lang="ru-RU" sz="2400" dirty="0" smtClean="0">
-                <a:solidFill>
-                  <a:schemeClr val="tx1"/>
-                </a:solidFill>
-              </a:rPr>
-              <a:t>) </a:t>
-            </a:r>
-            <a:r>
-              <a:rPr lang="en-US" sz="2400" dirty="0" smtClean="0">
-                <a:solidFill>
-                  <a:schemeClr val="tx1"/>
-                </a:solidFill>
-              </a:rPr>
-              <a:t>[</a:t>
-            </a:r>
-            <a:r>
-              <a:rPr lang="en-US" sz="2400" dirty="0" err="1" smtClean="0">
-                <a:solidFill>
-                  <a:schemeClr val="tx1"/>
-                </a:solidFill>
-              </a:rPr>
-              <a:t>Gafny</a:t>
-            </a:r>
-            <a:r>
-              <a:rPr lang="en-US" sz="2400" dirty="0">
-                <a:solidFill>
-                  <a:schemeClr val="tx1"/>
-                </a:solidFill>
-              </a:rPr>
-              <a:t>]</a:t>
-            </a:r>
-            <a:endParaRPr lang="en-US" sz="2400" dirty="0" smtClean="0">
-              <a:solidFill>
-                <a:schemeClr val="tx1"/>
-              </a:solidFill>
-            </a:endParaRPr>
-          </a:p>
-          <a:p>
-            <a:pPr marL="530225" indent="-354013" algn="l" eaLnBrk="1" hangingPunct="1">
-              <a:buFont typeface="Arial" pitchFamily="34" charset="0"/>
-              <a:buChar char="•"/>
-              <a:defRPr/>
-            </a:pPr>
-            <a:r>
-              <a:rPr lang="ru-RU" sz="2400" dirty="0" smtClean="0">
-                <a:solidFill>
-                  <a:schemeClr val="tx1"/>
-                </a:solidFill>
-              </a:rPr>
               <a:t>Алгоритм </a:t>
             </a:r>
             <a:r>
@@ -45231,11 +47128,6 @@
               </a:rPr>
               <a:t>Steinman]</a:t>
             </a:r>
-            <a:endParaRPr lang="en-US" sz="2400" dirty="0" smtClean="0">
-              <a:solidFill>
-                <a:schemeClr val="tx1"/>
-              </a:solidFill>
-            </a:endParaRPr>
           </a:p>
           <a:p>
             <a:pPr marL="530225" indent="-354013" algn="l" eaLnBrk="1" hangingPunct="1">

--- a/text/Mitrakov.pptx
+++ b/text/Mitrakov.pptx
@@ -313,11 +313,11 @@
         </c:dLbls>
         <c:marker val="1"/>
         <c:smooth val="0"/>
-        <c:axId val="47553152"/>
-        <c:axId val="47673728"/>
+        <c:axId val="41345408"/>
+        <c:axId val="41346944"/>
       </c:lineChart>
       <c:catAx>
-        <c:axId val="47553152"/>
+        <c:axId val="41345408"/>
         <c:scaling>
           <c:orientation val="minMax"/>
         </c:scaling>
@@ -326,7 +326,7 @@
         <c:majorTickMark val="out"/>
         <c:minorTickMark val="none"/>
         <c:tickLblPos val="nextTo"/>
-        <c:crossAx val="47673728"/>
+        <c:crossAx val="41346944"/>
         <c:crosses val="autoZero"/>
         <c:auto val="1"/>
         <c:lblAlgn val="ctr"/>
@@ -334,7 +334,7 @@
         <c:noMultiLvlLbl val="0"/>
       </c:catAx>
       <c:valAx>
-        <c:axId val="47673728"/>
+        <c:axId val="41346944"/>
         <c:scaling>
           <c:orientation val="minMax"/>
         </c:scaling>
@@ -345,7 +345,7 @@
         <c:majorTickMark val="out"/>
         <c:minorTickMark val="none"/>
         <c:tickLblPos val="nextTo"/>
-        <c:crossAx val="47553152"/>
+        <c:crossAx val="41345408"/>
         <c:crosses val="autoZero"/>
         <c:crossBetween val="between"/>
       </c:valAx>
@@ -528,11 +528,11 @@
         </c:dLbls>
         <c:marker val="1"/>
         <c:smooth val="0"/>
-        <c:axId val="48324992"/>
-        <c:axId val="48326528"/>
+        <c:axId val="81222272"/>
+        <c:axId val="81224064"/>
       </c:lineChart>
       <c:catAx>
-        <c:axId val="48324992"/>
+        <c:axId val="81222272"/>
         <c:scaling>
           <c:orientation val="minMax"/>
         </c:scaling>
@@ -541,7 +541,7 @@
         <c:majorTickMark val="out"/>
         <c:minorTickMark val="none"/>
         <c:tickLblPos val="nextTo"/>
-        <c:crossAx val="48326528"/>
+        <c:crossAx val="81224064"/>
         <c:crosses val="autoZero"/>
         <c:auto val="1"/>
         <c:lblAlgn val="ctr"/>
@@ -549,7 +549,7 @@
         <c:noMultiLvlLbl val="0"/>
       </c:catAx>
       <c:valAx>
-        <c:axId val="48326528"/>
+        <c:axId val="81224064"/>
         <c:scaling>
           <c:orientation val="minMax"/>
         </c:scaling>
@@ -560,7 +560,7 @@
         <c:majorTickMark val="out"/>
         <c:minorTickMark val="none"/>
         <c:tickLblPos val="nextTo"/>
-        <c:crossAx val="48324992"/>
+        <c:crossAx val="81222272"/>
         <c:crosses val="autoZero"/>
         <c:crossBetween val="between"/>
       </c:valAx>
@@ -698,7 +698,7 @@
               <a:pPr>
                 <a:defRPr/>
               </a:pPr>
-              <a:t>29.05.2013</a:t>
+              <a:t>25.06.2013</a:t>
             </a:fld>
             <a:endParaRPr lang="ru-RU"/>
           </a:p>
@@ -7622,7 +7622,7 @@
               <a:pPr>
                 <a:defRPr/>
               </a:pPr>
-              <a:t>29.05.2013</a:t>
+              <a:t>25.06.2013</a:t>
             </a:fld>
             <a:endParaRPr lang="ru-RU"/>
           </a:p>
@@ -7819,7 +7819,7 @@
               <a:pPr>
                 <a:defRPr/>
               </a:pPr>
-              <a:t>29.05.2013</a:t>
+              <a:t>25.06.2013</a:t>
             </a:fld>
             <a:endParaRPr lang="ru-RU"/>
           </a:p>
@@ -8026,7 +8026,7 @@
               <a:pPr>
                 <a:defRPr/>
               </a:pPr>
-              <a:t>29.05.2013</a:t>
+              <a:t>25.06.2013</a:t>
             </a:fld>
             <a:endParaRPr lang="ru-RU"/>
           </a:p>
@@ -8223,7 +8223,7 @@
               <a:pPr>
                 <a:defRPr/>
               </a:pPr>
-              <a:t>29.05.2013</a:t>
+              <a:t>25.06.2013</a:t>
             </a:fld>
             <a:endParaRPr lang="ru-RU"/>
           </a:p>
@@ -8496,7 +8496,7 @@
               <a:pPr>
                 <a:defRPr/>
               </a:pPr>
-              <a:t>29.05.2013</a:t>
+              <a:t>25.06.2013</a:t>
             </a:fld>
             <a:endParaRPr lang="ru-RU"/>
           </a:p>
@@ -8811,7 +8811,7 @@
               <a:pPr>
                 <a:defRPr/>
               </a:pPr>
-              <a:t>29.05.2013</a:t>
+              <a:t>25.06.2013</a:t>
             </a:fld>
             <a:endParaRPr lang="ru-RU"/>
           </a:p>
@@ -9260,7 +9260,7 @@
               <a:pPr>
                 <a:defRPr/>
               </a:pPr>
-              <a:t>29.05.2013</a:t>
+              <a:t>25.06.2013</a:t>
             </a:fld>
             <a:endParaRPr lang="ru-RU"/>
           </a:p>
@@ -9405,7 +9405,7 @@
               <a:pPr>
                 <a:defRPr/>
               </a:pPr>
-              <a:t>29.05.2013</a:t>
+              <a:t>25.06.2013</a:t>
             </a:fld>
             <a:endParaRPr lang="ru-RU"/>
           </a:p>
@@ -9527,7 +9527,7 @@
               <a:pPr>
                 <a:defRPr/>
               </a:pPr>
-              <a:t>29.05.2013</a:t>
+              <a:t>25.06.2013</a:t>
             </a:fld>
             <a:endParaRPr lang="ru-RU"/>
           </a:p>
@@ -9831,7 +9831,7 @@
               <a:pPr>
                 <a:defRPr/>
               </a:pPr>
-              <a:t>29.05.2013</a:t>
+              <a:t>25.06.2013</a:t>
             </a:fld>
             <a:endParaRPr lang="ru-RU"/>
           </a:p>
@@ -10114,7 +10114,7 @@
               <a:pPr>
                 <a:defRPr/>
               </a:pPr>
-              <a:t>29.05.2013</a:t>
+              <a:t>25.06.2013</a:t>
             </a:fld>
             <a:endParaRPr lang="ru-RU"/>
           </a:p>
@@ -10416,7 +10416,7 @@
               <a:pPr>
                 <a:defRPr/>
               </a:pPr>
-              <a:t>29.05.2013</a:t>
+              <a:t>25.06.2013</a:t>
             </a:fld>
             <a:endParaRPr lang="ru-RU"/>
           </a:p>
@@ -39562,9 +39562,6 @@
               </a:rPr>
               <a:t>Сравнение алгоритмов</a:t>
             </a:r>
-            <a:endParaRPr lang="ru-RU" sz="3200" b="1" i="1" dirty="0" smtClean="0">
-              <a:latin typeface="Georgia" pitchFamily="18" charset="0"/>
-            </a:endParaRPr>
           </a:p>
         </p:txBody>
       </p:sp>
@@ -41162,7 +41159,7 @@
       </p:sp>
       <p:pic>
         <p:nvPicPr>
-          <p:cNvPr id="24583" name="Picture 8"/>
+          <p:cNvPr id="1026" name="Picture 2"/>
           <p:cNvPicPr>
             <a:picLocks noChangeAspect="1" noChangeArrowheads="1"/>
           </p:cNvPicPr>
@@ -41183,14 +41180,14 @@
         </p:blipFill>
         <p:spPr bwMode="auto">
           <a:xfrm>
-            <a:off x="477838" y="1124743"/>
-            <a:ext cx="8270626" cy="5183981"/>
+            <a:off x="467544" y="1071852"/>
+            <a:ext cx="8113340" cy="5303445"/>
           </a:xfrm>
           <a:prstGeom prst="rect">
             <a:avLst/>
           </a:prstGeom>
           <a:noFill/>
-          <a:ln w="63500" cmpd="thickThin">
+          <a:ln w="50800" cmpd="thickThin">
             <a:solidFill>
               <a:schemeClr val="bg1">
                 <a:lumMod val="50000"/>
@@ -41643,7 +41640,7 @@
           <p:nvPr>
             <p:extLst>
               <p:ext uri="{D42A27DB-BD31-4B8C-83A1-F6EECF244321}">
-                <p14:modId xmlns:p14="http://schemas.microsoft.com/office/powerpoint/2010/main" val="269300932"/>
+                <p14:modId xmlns:p14="http://schemas.microsoft.com/office/powerpoint/2010/main" val="2931751035"/>
               </p:ext>
             </p:extLst>
           </p:nvPr>
@@ -41826,7 +41823,11 @@
                     <a:p>
                       <a:r>
                         <a:rPr lang="en-US" b="0" dirty="0" smtClean="0"/>
-                        <a:t>Scala 2.10.1</a:t>
+                        <a:t>Scala </a:t>
+                      </a:r>
+                      <a:r>
+                        <a:rPr lang="en-US" b="0" dirty="0" smtClean="0"/>
+                        <a:t>2.10</a:t>
                       </a:r>
                       <a:endParaRPr lang="ru-RU" b="0" dirty="0"/>
                     </a:p>

--- a/text/Mitrakov.pptx
+++ b/text/Mitrakov.pptx
@@ -5,7 +5,7 @@
     <p:sldMasterId id="2147483648" r:id="rId1"/>
   </p:sldMasterIdLst>
   <p:notesMasterIdLst>
-    <p:notesMasterId r:id="rId27"/>
+    <p:notesMasterId r:id="rId28"/>
   </p:notesMasterIdLst>
   <p:sldIdLst>
     <p:sldId id="256" r:id="rId2"/>
@@ -26,13 +26,14 @@
     <p:sldId id="282" r:id="rId17"/>
     <p:sldId id="279" r:id="rId18"/>
     <p:sldId id="271" r:id="rId19"/>
-    <p:sldId id="285" r:id="rId20"/>
-    <p:sldId id="273" r:id="rId21"/>
-    <p:sldId id="281" r:id="rId22"/>
-    <p:sldId id="286" r:id="rId23"/>
-    <p:sldId id="274" r:id="rId24"/>
-    <p:sldId id="276" r:id="rId25"/>
-    <p:sldId id="275" r:id="rId26"/>
+    <p:sldId id="287" r:id="rId20"/>
+    <p:sldId id="285" r:id="rId21"/>
+    <p:sldId id="273" r:id="rId22"/>
+    <p:sldId id="281" r:id="rId23"/>
+    <p:sldId id="286" r:id="rId24"/>
+    <p:sldId id="274" r:id="rId25"/>
+    <p:sldId id="276" r:id="rId26"/>
+    <p:sldId id="275" r:id="rId27"/>
   </p:sldIdLst>
   <p:sldSz cx="9144000" cy="6858000" type="screen4x3"/>
   <p:notesSz cx="6858000" cy="9144000"/>
@@ -3445,7 +3446,7 @@
       </p:grpSpPr>
       <p:sp>
         <p:nvSpPr>
-          <p:cNvPr id="47106" name="Образ слайда 1"/>
+          <p:cNvPr id="46082" name="Образ слайда 1"/>
           <p:cNvSpPr>
             <a:spLocks noGrp="1" noRot="1" noChangeAspect="1" noTextEdit="1"/>
           </p:cNvSpPr>
@@ -3476,7 +3477,7 @@
       </p:sp>
       <p:sp>
         <p:nvSpPr>
-          <p:cNvPr id="47107" name="Заметки 2"/>
+          <p:cNvPr id="46083" name="Заметки 2"/>
           <p:cNvSpPr>
             <a:spLocks noGrp="1"/>
           </p:cNvSpPr>
@@ -3525,7 +3526,7 @@
       </p:sp>
       <p:sp>
         <p:nvSpPr>
-          <p:cNvPr id="39940" name="Номер слайда 3"/>
+          <p:cNvPr id="38916" name="Номер слайда 3"/>
           <p:cNvSpPr>
             <a:spLocks noGrp="1"/>
           </p:cNvSpPr>
@@ -3668,7 +3669,7 @@
               </a:spcAft>
               <a:defRPr/>
             </a:pPr>
-            <a:fld id="{BEFC8FC7-56C3-472C-801B-AC63816CEBC3}" type="slidenum">
+            <a:fld id="{00B54453-F271-4299-9739-3B6BA76641F8}" type="slidenum">
               <a:rPr lang="ru-RU" smtClean="0"/>
               <a:pPr fontAlgn="base">
                 <a:spcBef>
@@ -3712,7 +3713,7 @@
       </p:grpSpPr>
       <p:sp>
         <p:nvSpPr>
-          <p:cNvPr id="48130" name="Образ слайда 1"/>
+          <p:cNvPr id="47106" name="Образ слайда 1"/>
           <p:cNvSpPr>
             <a:spLocks noGrp="1" noRot="1" noChangeAspect="1" noTextEdit="1"/>
           </p:cNvSpPr>
@@ -3743,7 +3744,7 @@
       </p:sp>
       <p:sp>
         <p:nvSpPr>
-          <p:cNvPr id="48131" name="Заметки 2"/>
+          <p:cNvPr id="47107" name="Заметки 2"/>
           <p:cNvSpPr>
             <a:spLocks noGrp="1"/>
           </p:cNvSpPr>
@@ -3792,7 +3793,7 @@
       </p:sp>
       <p:sp>
         <p:nvSpPr>
-          <p:cNvPr id="40964" name="Номер слайда 3"/>
+          <p:cNvPr id="39940" name="Номер слайда 3"/>
           <p:cNvSpPr>
             <a:spLocks noGrp="1"/>
           </p:cNvSpPr>
@@ -3935,7 +3936,7 @@
               </a:spcAft>
               <a:defRPr/>
             </a:pPr>
-            <a:fld id="{AB2CC531-0E66-4916-8ABB-B2503FF3913F}" type="slidenum">
+            <a:fld id="{BEFC8FC7-56C3-472C-801B-AC63816CEBC3}" type="slidenum">
               <a:rPr lang="ru-RU" smtClean="0"/>
               <a:pPr fontAlgn="base">
                 <a:spcBef>
@@ -4246,7 +4247,7 @@
       </p:grpSpPr>
       <p:sp>
         <p:nvSpPr>
-          <p:cNvPr id="49154" name="Образ слайда 1"/>
+          <p:cNvPr id="48130" name="Образ слайда 1"/>
           <p:cNvSpPr>
             <a:spLocks noGrp="1" noRot="1" noChangeAspect="1" noTextEdit="1"/>
           </p:cNvSpPr>
@@ -4277,7 +4278,7 @@
       </p:sp>
       <p:sp>
         <p:nvSpPr>
-          <p:cNvPr id="49155" name="Заметки 2"/>
+          <p:cNvPr id="48131" name="Заметки 2"/>
           <p:cNvSpPr>
             <a:spLocks noGrp="1"/>
           </p:cNvSpPr>
@@ -4469,7 +4470,7 @@
               </a:spcAft>
               <a:defRPr/>
             </a:pPr>
-            <a:fld id="{740972A0-D9CC-4102-AC4E-BFB109932989}" type="slidenum">
+            <a:fld id="{AB2CC531-0E66-4916-8ABB-B2503FF3913F}" type="slidenum">
               <a:rPr lang="ru-RU" smtClean="0"/>
               <a:pPr fontAlgn="base">
                 <a:spcBef>
@@ -4780,7 +4781,7 @@
       </p:grpSpPr>
       <p:sp>
         <p:nvSpPr>
-          <p:cNvPr id="50178" name="Образ слайда 1"/>
+          <p:cNvPr id="49154" name="Образ слайда 1"/>
           <p:cNvSpPr>
             <a:spLocks noGrp="1" noRot="1" noChangeAspect="1" noTextEdit="1"/>
           </p:cNvSpPr>
@@ -4811,7 +4812,7 @@
       </p:sp>
       <p:sp>
         <p:nvSpPr>
-          <p:cNvPr id="50179" name="Заметки 2"/>
+          <p:cNvPr id="49155" name="Заметки 2"/>
           <p:cNvSpPr>
             <a:spLocks noGrp="1"/>
           </p:cNvSpPr>
@@ -4860,7 +4861,7 @@
       </p:sp>
       <p:sp>
         <p:nvSpPr>
-          <p:cNvPr id="41988" name="Номер слайда 3"/>
+          <p:cNvPr id="40964" name="Номер слайда 3"/>
           <p:cNvSpPr>
             <a:spLocks noGrp="1"/>
           </p:cNvSpPr>
@@ -5003,7 +5004,7 @@
               </a:spcAft>
               <a:defRPr/>
             </a:pPr>
-            <a:fld id="{0FCEF1F2-EF8C-4E2F-8BCC-5080235FE43F}" type="slidenum">
+            <a:fld id="{740972A0-D9CC-4102-AC4E-BFB109932989}" type="slidenum">
               <a:rPr lang="ru-RU" smtClean="0"/>
               <a:pPr fontAlgn="base">
                 <a:spcBef>
@@ -5047,7 +5048,7 @@
       </p:grpSpPr>
       <p:sp>
         <p:nvSpPr>
-          <p:cNvPr id="51202" name="Образ слайда 1"/>
+          <p:cNvPr id="50178" name="Образ слайда 1"/>
           <p:cNvSpPr>
             <a:spLocks noGrp="1" noRot="1" noChangeAspect="1" noTextEdit="1"/>
           </p:cNvSpPr>
@@ -5078,7 +5079,7 @@
       </p:sp>
       <p:sp>
         <p:nvSpPr>
-          <p:cNvPr id="51203" name="Заметки 2"/>
+          <p:cNvPr id="50179" name="Заметки 2"/>
           <p:cNvSpPr>
             <a:spLocks noGrp="1"/>
           </p:cNvSpPr>
@@ -5127,7 +5128,7 @@
       </p:sp>
       <p:sp>
         <p:nvSpPr>
-          <p:cNvPr id="43012" name="Номер слайда 3"/>
+          <p:cNvPr id="41988" name="Номер слайда 3"/>
           <p:cNvSpPr>
             <a:spLocks noGrp="1"/>
           </p:cNvSpPr>
@@ -5270,7 +5271,7 @@
               </a:spcAft>
               <a:defRPr/>
             </a:pPr>
-            <a:fld id="{C4B345DE-6BFF-4B1E-BD70-3B1A6EF97BE9}" type="slidenum">
+            <a:fld id="{0FCEF1F2-EF8C-4E2F-8BCC-5080235FE43F}" type="slidenum">
               <a:rPr lang="ru-RU" smtClean="0"/>
               <a:pPr fontAlgn="base">
                 <a:spcBef>
@@ -5314,6 +5315,273 @@
       </p:grpSpPr>
       <p:sp>
         <p:nvSpPr>
+          <p:cNvPr id="51202" name="Образ слайда 1"/>
+          <p:cNvSpPr>
+            <a:spLocks noGrp="1" noRot="1" noChangeAspect="1" noTextEdit="1"/>
+          </p:cNvSpPr>
+          <p:nvPr>
+            <p:ph type="sldImg"/>
+          </p:nvPr>
+        </p:nvSpPr>
+        <p:spPr bwMode="auto">
+          <a:noFill/>
+          <a:ln>
+            <a:solidFill>
+              <a:srgbClr val="000000"/>
+            </a:solidFill>
+            <a:miter lim="800000"/>
+            <a:headEnd/>
+            <a:tailEnd/>
+          </a:ln>
+          <a:extLst>
+            <a:ext uri="{909E8E84-426E-40DD-AFC4-6F175D3DCCD1}">
+              <a14:hiddenFill xmlns:a14="http://schemas.microsoft.com/office/drawing/2010/main">
+                <a:solidFill>
+                  <a:srgbClr val="FFFFFF"/>
+                </a:solidFill>
+              </a14:hiddenFill>
+            </a:ext>
+          </a:extLst>
+        </p:spPr>
+      </p:sp>
+      <p:sp>
+        <p:nvSpPr>
+          <p:cNvPr id="51203" name="Заметки 2"/>
+          <p:cNvSpPr>
+            <a:spLocks noGrp="1"/>
+          </p:cNvSpPr>
+          <p:nvPr>
+            <p:ph type="body" idx="1"/>
+          </p:nvPr>
+        </p:nvSpPr>
+        <p:spPr bwMode="auto">
+          <a:noFill/>
+          <a:extLst>
+            <a:ext uri="{909E8E84-426E-40DD-AFC4-6F175D3DCCD1}">
+              <a14:hiddenFill xmlns:a14="http://schemas.microsoft.com/office/drawing/2010/main">
+                <a:solidFill>
+                  <a:srgbClr val="FFFFFF"/>
+                </a:solidFill>
+              </a14:hiddenFill>
+            </a:ext>
+            <a:ext uri="{91240B29-F687-4F45-9708-019B960494DF}">
+              <a14:hiddenLine xmlns:a14="http://schemas.microsoft.com/office/drawing/2010/main" w="9525">
+                <a:solidFill>
+                  <a:srgbClr val="000000"/>
+                </a:solidFill>
+                <a:miter lim="800000"/>
+                <a:headEnd/>
+                <a:tailEnd/>
+              </a14:hiddenLine>
+            </a:ext>
+          </a:extLst>
+        </p:spPr>
+        <p:txBody>
+          <a:bodyPr wrap="square" numCol="1" anchor="t" anchorCtr="0" compatLnSpc="1">
+            <a:prstTxWarp prst="textNoShape">
+              <a:avLst/>
+            </a:prstTxWarp>
+          </a:bodyPr>
+          <a:lstStyle/>
+          <a:p>
+            <a:pPr eaLnBrk="1" hangingPunct="1">
+              <a:spcBef>
+                <a:spcPct val="0"/>
+              </a:spcBef>
+            </a:pPr>
+            <a:endParaRPr lang="ru-RU" smtClean="0"/>
+          </a:p>
+        </p:txBody>
+      </p:sp>
+      <p:sp>
+        <p:nvSpPr>
+          <p:cNvPr id="43012" name="Номер слайда 3"/>
+          <p:cNvSpPr>
+            <a:spLocks noGrp="1"/>
+          </p:cNvSpPr>
+          <p:nvPr>
+            <p:ph type="sldNum" sz="quarter" idx="5"/>
+          </p:nvPr>
+        </p:nvSpPr>
+        <p:spPr bwMode="auto">
+          <a:extLst>
+            <a:ext uri="{909E8E84-426E-40DD-AFC4-6F175D3DCCD1}">
+              <a14:hiddenFill xmlns:a14="http://schemas.microsoft.com/office/drawing/2010/main">
+                <a:solidFill>
+                  <a:srgbClr val="FFFFFF"/>
+                </a:solidFill>
+              </a14:hiddenFill>
+            </a:ext>
+            <a:ext uri="{91240B29-F687-4F45-9708-019B960494DF}">
+              <a14:hiddenLine xmlns:a14="http://schemas.microsoft.com/office/drawing/2010/main" w="9525">
+                <a:solidFill>
+                  <a:srgbClr val="000000"/>
+                </a:solidFill>
+                <a:miter lim="800000"/>
+                <a:headEnd/>
+                <a:tailEnd/>
+              </a14:hiddenLine>
+            </a:ext>
+          </a:extLst>
+        </p:spPr>
+        <p:txBody>
+          <a:bodyPr wrap="square" numCol="1" anchorCtr="0" compatLnSpc="1">
+            <a:prstTxWarp prst="textNoShape">
+              <a:avLst/>
+            </a:prstTxWarp>
+          </a:bodyPr>
+          <a:lstStyle>
+            <a:lvl1pPr>
+              <a:defRPr>
+                <a:solidFill>
+                  <a:schemeClr val="tx1"/>
+                </a:solidFill>
+                <a:latin typeface="Calibri" pitchFamily="34" charset="0"/>
+              </a:defRPr>
+            </a:lvl1pPr>
+            <a:lvl2pPr marL="742950" indent="-285750">
+              <a:defRPr>
+                <a:solidFill>
+                  <a:schemeClr val="tx1"/>
+                </a:solidFill>
+                <a:latin typeface="Calibri" pitchFamily="34" charset="0"/>
+              </a:defRPr>
+            </a:lvl2pPr>
+            <a:lvl3pPr marL="1143000" indent="-228600">
+              <a:defRPr>
+                <a:solidFill>
+                  <a:schemeClr val="tx1"/>
+                </a:solidFill>
+                <a:latin typeface="Calibri" pitchFamily="34" charset="0"/>
+              </a:defRPr>
+            </a:lvl3pPr>
+            <a:lvl4pPr marL="1600200" indent="-228600">
+              <a:defRPr>
+                <a:solidFill>
+                  <a:schemeClr val="tx1"/>
+                </a:solidFill>
+                <a:latin typeface="Calibri" pitchFamily="34" charset="0"/>
+              </a:defRPr>
+            </a:lvl4pPr>
+            <a:lvl5pPr marL="2057400" indent="-228600">
+              <a:defRPr>
+                <a:solidFill>
+                  <a:schemeClr val="tx1"/>
+                </a:solidFill>
+                <a:latin typeface="Calibri" pitchFamily="34" charset="0"/>
+              </a:defRPr>
+            </a:lvl5pPr>
+            <a:lvl6pPr marL="2514600" indent="-228600" fontAlgn="base">
+              <a:spcBef>
+                <a:spcPct val="0"/>
+              </a:spcBef>
+              <a:spcAft>
+                <a:spcPct val="0"/>
+              </a:spcAft>
+              <a:defRPr>
+                <a:solidFill>
+                  <a:schemeClr val="tx1"/>
+                </a:solidFill>
+                <a:latin typeface="Calibri" pitchFamily="34" charset="0"/>
+              </a:defRPr>
+            </a:lvl6pPr>
+            <a:lvl7pPr marL="2971800" indent="-228600" fontAlgn="base">
+              <a:spcBef>
+                <a:spcPct val="0"/>
+              </a:spcBef>
+              <a:spcAft>
+                <a:spcPct val="0"/>
+              </a:spcAft>
+              <a:defRPr>
+                <a:solidFill>
+                  <a:schemeClr val="tx1"/>
+                </a:solidFill>
+                <a:latin typeface="Calibri" pitchFamily="34" charset="0"/>
+              </a:defRPr>
+            </a:lvl7pPr>
+            <a:lvl8pPr marL="3429000" indent="-228600" fontAlgn="base">
+              <a:spcBef>
+                <a:spcPct val="0"/>
+              </a:spcBef>
+              <a:spcAft>
+                <a:spcPct val="0"/>
+              </a:spcAft>
+              <a:defRPr>
+                <a:solidFill>
+                  <a:schemeClr val="tx1"/>
+                </a:solidFill>
+                <a:latin typeface="Calibri" pitchFamily="34" charset="0"/>
+              </a:defRPr>
+            </a:lvl8pPr>
+            <a:lvl9pPr marL="3886200" indent="-228600" fontAlgn="base">
+              <a:spcBef>
+                <a:spcPct val="0"/>
+              </a:spcBef>
+              <a:spcAft>
+                <a:spcPct val="0"/>
+              </a:spcAft>
+              <a:defRPr>
+                <a:solidFill>
+                  <a:schemeClr val="tx1"/>
+                </a:solidFill>
+                <a:latin typeface="Calibri" pitchFamily="34" charset="0"/>
+              </a:defRPr>
+            </a:lvl9pPr>
+          </a:lstStyle>
+          <a:p>
+            <a:pPr fontAlgn="base">
+              <a:spcBef>
+                <a:spcPct val="0"/>
+              </a:spcBef>
+              <a:spcAft>
+                <a:spcPct val="0"/>
+              </a:spcAft>
+              <a:defRPr/>
+            </a:pPr>
+            <a:fld id="{C4B345DE-6BFF-4B1E-BD70-3B1A6EF97BE9}" type="slidenum">
+              <a:rPr lang="ru-RU" smtClean="0"/>
+              <a:pPr fontAlgn="base">
+                <a:spcBef>
+                  <a:spcPct val="0"/>
+                </a:spcBef>
+                <a:spcAft>
+                  <a:spcPct val="0"/>
+                </a:spcAft>
+                <a:defRPr/>
+              </a:pPr>
+              <a:t>25</a:t>
+            </a:fld>
+            <a:endParaRPr lang="ru-RU" smtClean="0"/>
+          </a:p>
+        </p:txBody>
+      </p:sp>
+    </p:spTree>
+  </p:cSld>
+  <p:clrMapOvr>
+    <a:masterClrMapping/>
+  </p:clrMapOvr>
+</p:notes>
+</file>
+
+<file path=ppt/notesSlides/notesSlide25.xml><?xml version="1.0" encoding="utf-8"?>
+<p:notes xmlns:a="http://schemas.openxmlformats.org/drawingml/2006/main" xmlns:r="http://schemas.openxmlformats.org/officeDocument/2006/relationships" xmlns:p="http://schemas.openxmlformats.org/presentationml/2006/main">
+  <p:cSld>
+    <p:spTree>
+      <p:nvGrpSpPr>
+        <p:cNvPr id="1" name=""/>
+        <p:cNvGrpSpPr/>
+        <p:nvPr/>
+      </p:nvGrpSpPr>
+      <p:grpSpPr>
+        <a:xfrm>
+          <a:off x="0" y="0"/>
+          <a:ext cx="0" cy="0"/>
+          <a:chOff x="0" y="0"/>
+          <a:chExt cx="0" cy="0"/>
+        </a:xfrm>
+      </p:grpSpPr>
+      <p:sp>
+        <p:nvSpPr>
           <p:cNvPr id="52226" name="Образ слайда 1"/>
           <p:cNvSpPr>
             <a:spLocks noGrp="1" noRot="1" noChangeAspect="1" noTextEdit="1"/>
@@ -5548,7 +5816,7 @@
                 </a:spcAft>
                 <a:defRPr/>
               </a:pPr>
-              <a:t>25</a:t>
+              <a:t>26</a:t>
             </a:fld>
             <a:endParaRPr lang="ru-RU" smtClean="0"/>
           </a:p>
@@ -11542,7 +11810,7 @@
             </a:fld>
             <a:r>
               <a:rPr lang="en-US" sz="2800" dirty="0" smtClean="0"/>
-              <a:t>/25</a:t>
+              <a:t>/26</a:t>
             </a:r>
             <a:endParaRPr lang="ru-RU" sz="2800" dirty="0"/>
           </a:p>
@@ -11792,7 +12060,7 @@
             </a:fld>
             <a:r>
               <a:rPr lang="en-US" sz="2800" dirty="0" smtClean="0"/>
-              <a:t>/25</a:t>
+              <a:t>/26</a:t>
             </a:r>
             <a:endParaRPr lang="ru-RU" sz="2800" dirty="0"/>
           </a:p>
@@ -12459,7 +12727,7 @@
             </a:r>
           </a:p>
           <a:p>
-            <a:pPr algn="l" eaLnBrk="1" hangingPunct="1"/>
+            <a:pPr eaLnBrk="1" hangingPunct="1"/>
             <a:r>
               <a:rPr lang="ru-RU" sz="2800" u="sng" dirty="0" smtClean="0">
                 <a:solidFill>
@@ -12498,8 +12766,21 @@
                   <a:schemeClr val="tx1"/>
                 </a:solidFill>
               </a:rPr>
-              <a:t>то его события могут быть обработаны в любое время, в т. ч. и «в прошлом»</a:t>
+              <a:t>то его события могут быть обработаны в любое время, в т. ч. </a:t>
             </a:r>
+            <a:r>
+              <a:rPr lang="ru-RU" sz="2800" i="1" dirty="0" smtClean="0">
+                <a:solidFill>
+                  <a:schemeClr val="tx1"/>
+                </a:solidFill>
+              </a:rPr>
+              <a:t>и в прошлом</a:t>
+            </a:r>
+            <a:endParaRPr lang="ru-RU" sz="2800" i="1" dirty="0" smtClean="0">
+              <a:solidFill>
+                <a:schemeClr val="tx1"/>
+              </a:solidFill>
+            </a:endParaRPr>
           </a:p>
           <a:p>
             <a:pPr algn="l" eaLnBrk="1" hangingPunct="1"/>
@@ -12602,7 +12883,7 @@
             </a:fld>
             <a:r>
               <a:rPr lang="en-US" sz="2800" dirty="0" smtClean="0"/>
-              <a:t>/25</a:t>
+              <a:t>/26</a:t>
             </a:r>
             <a:endParaRPr lang="ru-RU" sz="2800" dirty="0"/>
           </a:p>
@@ -12842,7 +13123,7 @@
         <p:spPr>
           <a:xfrm>
             <a:off x="899592" y="1412763"/>
-            <a:ext cx="7993582" cy="4752553"/>
+            <a:ext cx="7993582" cy="5112581"/>
           </a:xfrm>
         </p:spPr>
         <p:txBody>
@@ -12862,7 +13143,7 @@
             </a:r>
           </a:p>
           <a:p>
-            <a:pPr algn="l" eaLnBrk="1" hangingPunct="1">
+            <a:pPr eaLnBrk="1" hangingPunct="1">
               <a:defRPr/>
             </a:pPr>
             <a:r>
@@ -12890,21 +13171,18 @@
               <a:t>Если </a:t>
             </a:r>
             <a:r>
-              <a:rPr lang="ru-RU" sz="2600" i="1" dirty="0">
+              <a:rPr lang="ru-RU" sz="2600" i="1" dirty="0" smtClean="0">
                 <a:solidFill>
                   <a:schemeClr val="tx1"/>
                 </a:solidFill>
               </a:rPr>
-              <a:t>агенту приходит сообщение с запросом, и системе достоверно известно, что оно требует ответа, то разнесение агентов по разным логическим процессам чревато многочисленными </a:t>
+              <a:t>агент посылает запрос, требующий обязательного ответа, и оба участника коммуникации расположены в разных процессах, то дальнейшая обработка событий может привести к многочисленным откатам.</a:t>
             </a:r>
-            <a:r>
-              <a:rPr lang="ru-RU" sz="2600" i="1" dirty="0" smtClean="0">
-                <a:solidFill>
-                  <a:schemeClr val="tx1"/>
-                </a:solidFill>
-              </a:rPr>
-              <a:t>откатами</a:t>
-            </a:r>
+            <a:endParaRPr lang="ru-RU" sz="2600" i="1" dirty="0" smtClean="0">
+              <a:solidFill>
+                <a:schemeClr val="tx1"/>
+              </a:solidFill>
+            </a:endParaRPr>
           </a:p>
           <a:p>
             <a:pPr algn="l" eaLnBrk="1" hangingPunct="1">
@@ -12991,7 +13269,7 @@
             </a:fld>
             <a:r>
               <a:rPr lang="en-US" sz="2800" dirty="0" smtClean="0"/>
-              <a:t>/25</a:t>
+              <a:t>/26</a:t>
             </a:r>
             <a:endParaRPr lang="ru-RU" sz="2800" dirty="0"/>
           </a:p>
@@ -13321,7 +13599,7 @@
             </a:fld>
             <a:r>
               <a:rPr lang="en-US" sz="2800" dirty="0" smtClean="0"/>
-              <a:t>/25</a:t>
+              <a:t>/26</a:t>
             </a:r>
             <a:endParaRPr lang="ru-RU" sz="2800" dirty="0"/>
           </a:p>
@@ -13846,7 +14124,7 @@
             </a:fld>
             <a:r>
               <a:rPr lang="en-US" sz="2800" dirty="0" smtClean="0"/>
-              <a:t>/25</a:t>
+              <a:t>/26</a:t>
             </a:r>
             <a:endParaRPr lang="ru-RU" sz="2800" dirty="0"/>
           </a:p>
@@ -14272,7 +14550,7 @@
             </a:fld>
             <a:r>
               <a:rPr lang="en-US" sz="2800" dirty="0" smtClean="0"/>
-              <a:t>/25</a:t>
+              <a:t>/26</a:t>
             </a:r>
             <a:endParaRPr lang="ru-RU" sz="2800" dirty="0"/>
           </a:p>
@@ -15338,7 +15616,7 @@
             </a:fld>
             <a:r>
               <a:rPr lang="en-US" sz="2800" dirty="0" smtClean="0"/>
-              <a:t>/25</a:t>
+              <a:t>/26</a:t>
             </a:r>
             <a:endParaRPr lang="ru-RU" sz="2800" dirty="0"/>
           </a:p>
@@ -16457,7 +16735,7 @@
             </a:fld>
             <a:r>
               <a:rPr lang="en-US" sz="2800" dirty="0" smtClean="0"/>
-              <a:t>/25</a:t>
+              <a:t>/26</a:t>
             </a:r>
             <a:endParaRPr lang="ru-RU" sz="2800" dirty="0"/>
           </a:p>
@@ -16647,6 +16925,1718 @@
       </p:grpSpPr>
       <p:sp>
         <p:nvSpPr>
+          <p:cNvPr id="20482" name="Заголовок 1"/>
+          <p:cNvSpPr>
+            <a:spLocks noGrp="1"/>
+          </p:cNvSpPr>
+          <p:nvPr>
+            <p:ph type="ctrTitle"/>
+          </p:nvPr>
+        </p:nvSpPr>
+        <p:spPr>
+          <a:xfrm>
+            <a:off x="541586" y="202701"/>
+            <a:ext cx="8201025" cy="863377"/>
+          </a:xfrm>
+        </p:spPr>
+        <p:txBody>
+          <a:bodyPr/>
+          <a:lstStyle/>
+          <a:p>
+            <a:pPr eaLnBrk="1" hangingPunct="1"/>
+            <a:r>
+              <a:rPr lang="ru-RU" sz="4000" b="1" i="1" dirty="0" smtClean="0">
+                <a:latin typeface="Georgia" pitchFamily="18" charset="0"/>
+              </a:rPr>
+              <a:t>Теоретическая оценка</a:t>
+            </a:r>
+            <a:endParaRPr lang="ru-RU" sz="4000" b="1" i="1" dirty="0" smtClean="0">
+              <a:latin typeface="Georgia" pitchFamily="18" charset="0"/>
+            </a:endParaRPr>
+          </a:p>
+        </p:txBody>
+      </p:sp>
+      <mc:AlternateContent xmlns:mc="http://schemas.openxmlformats.org/markup-compatibility/2006">
+        <mc:Choice xmlns:a14="http://schemas.microsoft.com/office/drawing/2010/main" Requires="a14">
+          <p:sp>
+            <p:nvSpPr>
+              <p:cNvPr id="20483" name="Подзаголовок 2"/>
+              <p:cNvSpPr>
+                <a:spLocks noGrp="1"/>
+              </p:cNvSpPr>
+              <p:nvPr>
+                <p:ph type="subTitle" idx="1"/>
+              </p:nvPr>
+            </p:nvSpPr>
+            <p:spPr>
+              <a:xfrm>
+                <a:off x="827584" y="1052736"/>
+                <a:ext cx="7992888" cy="5616624"/>
+              </a:xfrm>
+            </p:spPr>
+            <p:txBody>
+              <a:bodyPr/>
+              <a:lstStyle/>
+              <a:p>
+                <a14:m>
+                  <m:oMathPara xmlns:m="http://schemas.openxmlformats.org/officeDocument/2006/math">
+                    <m:oMathParaPr>
+                      <m:jc m:val="centerGroup"/>
+                    </m:oMathParaPr>
+                    <m:oMath xmlns:m="http://schemas.openxmlformats.org/officeDocument/2006/math">
+                      <m:sSubSup>
+                        <m:sSubSupPr>
+                          <m:ctrlPr>
+                            <a:rPr lang="ru-RU" sz="2400" i="1" smtClean="0">
+                              <a:solidFill>
+                                <a:schemeClr val="tx1"/>
+                              </a:solidFill>
+                            </a:rPr>
+                          </m:ctrlPr>
+                        </m:sSubSupPr>
+                        <m:e>
+                          <m:r>
+                            <a:rPr lang="en-US" sz="2400" i="1">
+                              <a:solidFill>
+                                <a:schemeClr val="tx1"/>
+                              </a:solidFill>
+                            </a:rPr>
+                            <m:t>𝑇</m:t>
+                          </m:r>
+                        </m:e>
+                        <m:sub>
+                          <m:r>
+                            <a:rPr lang="ru-RU" sz="2400" i="1">
+                              <a:solidFill>
+                                <a:schemeClr val="tx1"/>
+                              </a:solidFill>
+                            </a:rPr>
+                            <m:t>𝑜𝑘</m:t>
+                          </m:r>
+                        </m:sub>
+                        <m:sup>
+                          <m:r>
+                            <a:rPr lang="ru-RU" sz="2400" i="1">
+                              <a:solidFill>
+                                <a:schemeClr val="tx1"/>
+                              </a:solidFill>
+                            </a:rPr>
+                            <m:t>𝑖</m:t>
+                          </m:r>
+                        </m:sup>
+                      </m:sSubSup>
+                      <m:r>
+                        <a:rPr lang="ru-RU" sz="2400">
+                          <a:solidFill>
+                            <a:schemeClr val="tx1"/>
+                          </a:solidFill>
+                        </a:rPr>
+                        <m:t>=</m:t>
+                      </m:r>
+                      <m:sSub>
+                        <m:sSubPr>
+                          <m:ctrlPr>
+                            <a:rPr lang="ru-RU" sz="2400" i="1">
+                              <a:solidFill>
+                                <a:schemeClr val="tx1"/>
+                              </a:solidFill>
+                            </a:rPr>
+                          </m:ctrlPr>
+                        </m:sSubPr>
+                        <m:e>
+                          <m:r>
+                            <a:rPr lang="ru-RU" sz="2400" i="1">
+                              <a:solidFill>
+                                <a:schemeClr val="tx1"/>
+                              </a:solidFill>
+                            </a:rPr>
+                            <m:t>𝑇</m:t>
+                          </m:r>
+                        </m:e>
+                        <m:sub>
+                          <m:r>
+                            <a:rPr lang="ru-RU" sz="2400" i="1">
+                              <a:solidFill>
+                                <a:schemeClr val="tx1"/>
+                              </a:solidFill>
+                            </a:rPr>
+                            <m:t>𝑘</m:t>
+                          </m:r>
+                        </m:sub>
+                      </m:sSub>
+                      <m:r>
+                        <a:rPr lang="ru-RU" sz="2400">
+                          <a:solidFill>
+                            <a:schemeClr val="tx1"/>
+                          </a:solidFill>
+                        </a:rPr>
+                        <m:t>+</m:t>
+                      </m:r>
+                    </m:oMath>
+                  </m:oMathPara>
+                </a14:m>
+                <a:endParaRPr lang="ru-RU" sz="2400" dirty="0" smtClean="0">
+                  <a:solidFill>
+                    <a:schemeClr val="tx1"/>
+                  </a:solidFill>
+                </a:endParaRPr>
+              </a:p>
+              <a:p>
+                <a14:m>
+                  <m:oMathPara xmlns:m="http://schemas.openxmlformats.org/officeDocument/2006/math">
+                    <m:oMathParaPr>
+                      <m:jc m:val="centerGroup"/>
+                    </m:oMathParaPr>
+                    <m:oMath xmlns:m="http://schemas.openxmlformats.org/officeDocument/2006/math">
+                      <m:r>
+                        <a:rPr lang="ru-RU" sz="2400">
+                          <a:solidFill>
+                            <a:schemeClr val="tx1"/>
+                          </a:solidFill>
+                          <a:latin typeface="Cambria Math"/>
+                        </a:rPr>
+                        <m:t>+</m:t>
+                      </m:r>
+                      <m:sSubSup>
+                        <m:sSubSupPr>
+                          <m:ctrlPr>
+                            <a:rPr lang="ru-RU" sz="2400" i="1">
+                              <a:solidFill>
+                                <a:schemeClr val="tx1"/>
+                              </a:solidFill>
+                            </a:rPr>
+                          </m:ctrlPr>
+                        </m:sSubSupPr>
+                        <m:e>
+                          <m:r>
+                            <a:rPr lang="ru-RU" sz="2400" i="1">
+                              <a:solidFill>
+                                <a:schemeClr val="tx1"/>
+                              </a:solidFill>
+                            </a:rPr>
+                            <m:t>𝐼</m:t>
+                          </m:r>
+                        </m:e>
+                        <m:sub>
+                          <m:r>
+                            <a:rPr lang="ru-RU" sz="2400" i="1">
+                              <a:solidFill>
+                                <a:schemeClr val="tx1"/>
+                              </a:solidFill>
+                            </a:rPr>
+                            <m:t>𝑛𝑜𝑡𝑠𝑡𝑎𝑡𝑒𝑙𝑒𝑠𝑠</m:t>
+                          </m:r>
+                        </m:sub>
+                        <m:sup>
+                          <m:r>
+                            <a:rPr lang="ru-RU" sz="2400" i="1">
+                              <a:solidFill>
+                                <a:schemeClr val="tx1"/>
+                              </a:solidFill>
+                            </a:rPr>
+                            <m:t>𝑖</m:t>
+                          </m:r>
+                        </m:sup>
+                      </m:sSubSup>
+                      <m:r>
+                        <a:rPr lang="ru-RU" sz="2400">
+                          <a:solidFill>
+                            <a:schemeClr val="tx1"/>
+                          </a:solidFill>
+                        </a:rPr>
+                        <m:t>∙</m:t>
+                      </m:r>
+                      <m:d>
+                        <m:dPr>
+                          <m:ctrlPr>
+                            <a:rPr lang="ru-RU" sz="2400" i="1">
+                              <a:solidFill>
+                                <a:schemeClr val="tx1"/>
+                              </a:solidFill>
+                            </a:rPr>
+                          </m:ctrlPr>
+                        </m:dPr>
+                        <m:e>
+                          <m:r>
+                            <a:rPr lang="ru-RU" sz="2400">
+                              <a:solidFill>
+                                <a:schemeClr val="tx1"/>
+                              </a:solidFill>
+                            </a:rPr>
+                            <m:t>4+</m:t>
+                          </m:r>
+                          <m:r>
+                            <m:rPr>
+                              <m:sty m:val="p"/>
+                            </m:rPr>
+                            <a:rPr lang="ru-RU" sz="2400">
+                              <a:solidFill>
+                                <a:schemeClr val="tx1"/>
+                              </a:solidFill>
+                            </a:rPr>
+                            <m:t>min</m:t>
+                          </m:r>
+                          <m:d>
+                            <m:dPr>
+                              <m:ctrlPr>
+                                <a:rPr lang="ru-RU" sz="2400" i="1">
+                                  <a:solidFill>
+                                    <a:schemeClr val="tx1"/>
+                                  </a:solidFill>
+                                </a:rPr>
+                              </m:ctrlPr>
+                            </m:dPr>
+                            <m:e>
+                              <m:sSub>
+                                <m:sSubPr>
+                                  <m:ctrlPr>
+                                    <a:rPr lang="ru-RU" sz="2400" i="1">
+                                      <a:solidFill>
+                                        <a:schemeClr val="tx1"/>
+                                      </a:solidFill>
+                                    </a:rPr>
+                                  </m:ctrlPr>
+                                </m:sSubPr>
+                                <m:e>
+                                  <m:r>
+                                    <a:rPr lang="ru-RU" sz="2400" i="1">
+                                      <a:solidFill>
+                                        <a:schemeClr val="tx1"/>
+                                      </a:solidFill>
+                                    </a:rPr>
+                                    <m:t>𝑘</m:t>
+                                  </m:r>
+                                </m:e>
+                                <m:sub>
+                                  <m:r>
+                                    <a:rPr lang="ru-RU" sz="2400" i="1">
+                                      <a:solidFill>
+                                        <a:schemeClr val="tx1"/>
+                                      </a:solidFill>
+                                    </a:rPr>
+                                    <m:t>𝑖</m:t>
+                                  </m:r>
+                                </m:sub>
+                              </m:sSub>
+                              <m:r>
+                                <a:rPr lang="ru-RU" sz="2400">
+                                  <a:solidFill>
+                                    <a:schemeClr val="tx1"/>
+                                  </a:solidFill>
+                                </a:rPr>
+                                <m:t>,</m:t>
+                              </m:r>
+                              <m:sSub>
+                                <m:sSubPr>
+                                  <m:ctrlPr>
+                                    <a:rPr lang="ru-RU" sz="2400" i="1">
+                                      <a:solidFill>
+                                        <a:schemeClr val="tx1"/>
+                                      </a:solidFill>
+                                    </a:rPr>
+                                  </m:ctrlPr>
+                                </m:sSubPr>
+                                <m:e>
+                                  <m:r>
+                                    <a:rPr lang="ru-RU" sz="2400" i="1">
+                                      <a:solidFill>
+                                        <a:schemeClr val="tx1"/>
+                                      </a:solidFill>
+                                    </a:rPr>
+                                    <m:t>𝑛</m:t>
+                                  </m:r>
+                                </m:e>
+                                <m:sub>
+                                  <m:r>
+                                    <a:rPr lang="ru-RU" sz="2400" i="1">
+                                      <a:solidFill>
+                                        <a:schemeClr val="tx1"/>
+                                      </a:solidFill>
+                                    </a:rPr>
+                                    <m:t>𝑖</m:t>
+                                  </m:r>
+                                </m:sub>
+                              </m:sSub>
+                            </m:e>
+                          </m:d>
+                          <m:r>
+                            <a:rPr lang="ru-RU" sz="2400">
+                              <a:solidFill>
+                                <a:schemeClr val="tx1"/>
+                              </a:solidFill>
+                            </a:rPr>
+                            <m:t>∙</m:t>
+                          </m:r>
+                          <m:d>
+                            <m:dPr>
+                              <m:ctrlPr>
+                                <a:rPr lang="ru-RU" sz="2400" i="1">
+                                  <a:solidFill>
+                                    <a:schemeClr val="tx1"/>
+                                  </a:solidFill>
+                                </a:rPr>
+                              </m:ctrlPr>
+                            </m:dPr>
+                            <m:e>
+                              <m:r>
+                                <a:rPr lang="ru-RU" sz="2400">
+                                  <a:solidFill>
+                                    <a:schemeClr val="tx1"/>
+                                  </a:solidFill>
+                                </a:rPr>
+                                <m:t>7+</m:t>
+                              </m:r>
+                              <m:sSub>
+                                <m:sSubPr>
+                                  <m:ctrlPr>
+                                    <a:rPr lang="ru-RU" sz="2400" i="1">
+                                      <a:solidFill>
+                                        <a:schemeClr val="tx1"/>
+                                      </a:solidFill>
+                                    </a:rPr>
+                                  </m:ctrlPr>
+                                </m:sSubPr>
+                                <m:e>
+                                  <m:r>
+                                    <a:rPr lang="ru-RU" sz="2400" i="1">
+                                      <a:solidFill>
+                                        <a:schemeClr val="tx1"/>
+                                      </a:solidFill>
+                                    </a:rPr>
+                                    <m:t>𝑇</m:t>
+                                  </m:r>
+                                </m:e>
+                                <m:sub>
+                                  <m:r>
+                                    <a:rPr lang="ru-RU" sz="2400" i="1">
+                                      <a:solidFill>
+                                        <a:schemeClr val="tx1"/>
+                                      </a:solidFill>
+                                    </a:rPr>
+                                    <m:t>𝑙𝑜𝑐𝑎𝑙</m:t>
+                                  </m:r>
+                                </m:sub>
+                              </m:sSub>
+                              <m:r>
+                                <a:rPr lang="ru-RU" sz="2400">
+                                  <a:solidFill>
+                                    <a:schemeClr val="tx1"/>
+                                  </a:solidFill>
+                                </a:rPr>
+                                <m:t>+</m:t>
+                              </m:r>
+                              <m:sSub>
+                                <m:sSubPr>
+                                  <m:ctrlPr>
+                                    <a:rPr lang="ru-RU" sz="2400" i="1">
+                                      <a:solidFill>
+                                        <a:schemeClr val="tx1"/>
+                                      </a:solidFill>
+                                    </a:rPr>
+                                  </m:ctrlPr>
+                                </m:sSubPr>
+                                <m:e>
+                                  <m:r>
+                                    <a:rPr lang="ru-RU" sz="2400" i="1">
+                                      <a:solidFill>
+                                        <a:schemeClr val="tx1"/>
+                                      </a:solidFill>
+                                    </a:rPr>
+                                    <m:t>𝑇</m:t>
+                                  </m:r>
+                                </m:e>
+                                <m:sub>
+                                  <m:r>
+                                    <a:rPr lang="ru-RU" sz="2400" i="1">
+                                      <a:solidFill>
+                                        <a:schemeClr val="tx1"/>
+                                      </a:solidFill>
+                                    </a:rPr>
+                                    <m:t>𝑐𝑜𝑟𝑟𝑒𝑙𝑎𝑡𝑒</m:t>
+                                  </m:r>
+                                </m:sub>
+                              </m:sSub>
+                            </m:e>
+                          </m:d>
+                        </m:e>
+                      </m:d>
+                      <m:r>
+                        <a:rPr lang="ru-RU" sz="2400">
+                          <a:solidFill>
+                            <a:schemeClr val="tx1"/>
+                          </a:solidFill>
+                        </a:rPr>
+                        <m:t>+</m:t>
+                      </m:r>
+                    </m:oMath>
+                  </m:oMathPara>
+                </a14:m>
+                <a:endParaRPr lang="ru-RU" sz="2400" dirty="0">
+                  <a:solidFill>
+                    <a:schemeClr val="tx1"/>
+                  </a:solidFill>
+                </a:endParaRPr>
+              </a:p>
+              <a:p>
+                <a14:m>
+                  <m:oMathPara xmlns:m="http://schemas.openxmlformats.org/officeDocument/2006/math">
+                    <m:oMathParaPr>
+                      <m:jc m:val="centerGroup"/>
+                    </m:oMathParaPr>
+                    <m:oMath xmlns:m="http://schemas.openxmlformats.org/officeDocument/2006/math">
+                      <m:r>
+                        <a:rPr lang="en-US" sz="2400">
+                          <a:solidFill>
+                            <a:schemeClr val="tx1"/>
+                          </a:solidFill>
+                        </a:rPr>
+                        <m:t>+</m:t>
+                      </m:r>
+                      <m:sSubSup>
+                        <m:sSubSupPr>
+                          <m:ctrlPr>
+                            <a:rPr lang="ru-RU" sz="2400" i="1">
+                              <a:solidFill>
+                                <a:schemeClr val="tx1"/>
+                              </a:solidFill>
+                            </a:rPr>
+                          </m:ctrlPr>
+                        </m:sSubSupPr>
+                        <m:e>
+                          <m:r>
+                            <a:rPr lang="ru-RU" sz="2400" i="1">
+                              <a:solidFill>
+                                <a:schemeClr val="tx1"/>
+                              </a:solidFill>
+                            </a:rPr>
+                            <m:t>𝐼</m:t>
+                          </m:r>
+                        </m:e>
+                        <m:sub>
+                          <m:r>
+                            <a:rPr lang="ru-RU" sz="2400" i="1">
+                              <a:solidFill>
+                                <a:schemeClr val="tx1"/>
+                              </a:solidFill>
+                            </a:rPr>
+                            <m:t>𝑛𝑜𝑡𝑠𝑎𝑓𝑒</m:t>
+                          </m:r>
+                        </m:sub>
+                        <m:sup>
+                          <m:r>
+                            <a:rPr lang="ru-RU" sz="2400" i="1">
+                              <a:solidFill>
+                                <a:schemeClr val="tx1"/>
+                              </a:solidFill>
+                            </a:rPr>
+                            <m:t>𝑖</m:t>
+                          </m:r>
+                        </m:sup>
+                      </m:sSubSup>
+                      <m:r>
+                        <a:rPr lang="en-US" sz="2400">
+                          <a:solidFill>
+                            <a:schemeClr val="tx1"/>
+                          </a:solidFill>
+                        </a:rPr>
+                        <m:t>∙</m:t>
+                      </m:r>
+                      <m:d>
+                        <m:dPr>
+                          <m:ctrlPr>
+                            <a:rPr lang="ru-RU" sz="2400" i="1">
+                              <a:solidFill>
+                                <a:schemeClr val="tx1"/>
+                              </a:solidFill>
+                            </a:rPr>
+                          </m:ctrlPr>
+                        </m:dPr>
+                        <m:e>
+                          <m:sSub>
+                            <m:sSubPr>
+                              <m:ctrlPr>
+                                <a:rPr lang="ru-RU" sz="2400" i="1">
+                                  <a:solidFill>
+                                    <a:schemeClr val="tx1"/>
+                                  </a:solidFill>
+                                </a:rPr>
+                              </m:ctrlPr>
+                            </m:sSubPr>
+                            <m:e>
+                              <m:r>
+                                <a:rPr lang="en-US" sz="2400" i="1">
+                                  <a:solidFill>
+                                    <a:schemeClr val="tx1"/>
+                                  </a:solidFill>
+                                </a:rPr>
+                                <m:t>𝑇</m:t>
+                              </m:r>
+                            </m:e>
+                            <m:sub>
+                              <m:r>
+                                <a:rPr lang="en-US" sz="2400" i="1">
+                                  <a:solidFill>
+                                    <a:schemeClr val="tx1"/>
+                                  </a:solidFill>
+                                </a:rPr>
+                                <m:t>𝑘</m:t>
+                              </m:r>
+                            </m:sub>
+                          </m:sSub>
+                          <m:r>
+                            <a:rPr lang="en-US" sz="2400">
+                              <a:solidFill>
+                                <a:schemeClr val="tx1"/>
+                              </a:solidFill>
+                            </a:rPr>
+                            <m:t>+</m:t>
+                          </m:r>
+                          <m:sSub>
+                            <m:sSubPr>
+                              <m:ctrlPr>
+                                <a:rPr lang="ru-RU" sz="2400" i="1">
+                                  <a:solidFill>
+                                    <a:schemeClr val="tx1"/>
+                                  </a:solidFill>
+                                </a:rPr>
+                              </m:ctrlPr>
+                            </m:sSubPr>
+                            <m:e>
+                              <m:r>
+                                <a:rPr lang="en-US" sz="2400" i="1">
+                                  <a:solidFill>
+                                    <a:schemeClr val="tx1"/>
+                                  </a:solidFill>
+                                </a:rPr>
+                                <m:t>𝑚</m:t>
+                              </m:r>
+                            </m:e>
+                            <m:sub>
+                              <m:r>
+                                <a:rPr lang="en-US" sz="2400" i="1">
+                                  <a:solidFill>
+                                    <a:schemeClr val="tx1"/>
+                                  </a:solidFill>
+                                </a:rPr>
+                                <m:t>𝑖</m:t>
+                              </m:r>
+                            </m:sub>
+                          </m:sSub>
+                          <m:d>
+                            <m:dPr>
+                              <m:ctrlPr>
+                                <a:rPr lang="ru-RU" sz="2400" i="1">
+                                  <a:solidFill>
+                                    <a:schemeClr val="tx1"/>
+                                  </a:solidFill>
+                                </a:rPr>
+                              </m:ctrlPr>
+                            </m:dPr>
+                            <m:e>
+                              <m:r>
+                                <a:rPr lang="en-US" sz="2400">
+                                  <a:solidFill>
+                                    <a:schemeClr val="tx1"/>
+                                  </a:solidFill>
+                                </a:rPr>
+                                <m:t>1+</m:t>
+                              </m:r>
+                              <m:sSubSup>
+                                <m:sSubSupPr>
+                                  <m:ctrlPr>
+                                    <a:rPr lang="ru-RU" sz="2400" i="1">
+                                      <a:solidFill>
+                                        <a:schemeClr val="tx1"/>
+                                      </a:solidFill>
+                                    </a:rPr>
+                                  </m:ctrlPr>
+                                </m:sSubSupPr>
+                                <m:e>
+                                  <m:r>
+                                    <a:rPr lang="en-US" sz="2400" i="1">
+                                      <a:solidFill>
+                                        <a:schemeClr val="tx1"/>
+                                      </a:solidFill>
+                                    </a:rPr>
+                                    <m:t>𝐼</m:t>
+                                  </m:r>
+                                </m:e>
+                                <m:sub>
+                                  <m:r>
+                                    <a:rPr lang="en-US" sz="2400" i="1">
+                                      <a:solidFill>
+                                        <a:schemeClr val="tx1"/>
+                                      </a:solidFill>
+                                    </a:rPr>
+                                    <m:t>𝑡</m:t>
+                                  </m:r>
+                                  <m:r>
+                                    <a:rPr lang="en-US" sz="2400">
+                                      <a:solidFill>
+                                        <a:schemeClr val="tx1"/>
+                                      </a:solidFill>
+                                    </a:rPr>
+                                    <m:t>&lt;</m:t>
+                                  </m:r>
+                                  <m:r>
+                                    <a:rPr lang="en-US" sz="2400" i="1">
+                                      <a:solidFill>
+                                        <a:schemeClr val="tx1"/>
+                                      </a:solidFill>
+                                    </a:rPr>
+                                    <m:t>𝑐𝑢𝑟</m:t>
+                                  </m:r>
+                                  <m:r>
+                                    <a:rPr lang="en-US" sz="2400">
+                                      <a:solidFill>
+                                        <a:schemeClr val="tx1"/>
+                                      </a:solidFill>
+                                    </a:rPr>
+                                    <m:t>_</m:t>
+                                  </m:r>
+                                  <m:r>
+                                    <a:rPr lang="en-US" sz="2400" i="1">
+                                      <a:solidFill>
+                                        <a:schemeClr val="tx1"/>
+                                      </a:solidFill>
+                                    </a:rPr>
+                                    <m:t>𝑡</m:t>
+                                  </m:r>
+                                </m:sub>
+                                <m:sup>
+                                  <m:r>
+                                    <a:rPr lang="en-US" sz="2400" i="1">
+                                      <a:solidFill>
+                                        <a:schemeClr val="tx1"/>
+                                      </a:solidFill>
+                                    </a:rPr>
+                                    <m:t>𝑖</m:t>
+                                  </m:r>
+                                </m:sup>
+                              </m:sSubSup>
+                              <m:d>
+                                <m:dPr>
+                                  <m:ctrlPr>
+                                    <a:rPr lang="ru-RU" sz="2400" i="1">
+                                      <a:solidFill>
+                                        <a:schemeClr val="tx1"/>
+                                      </a:solidFill>
+                                    </a:rPr>
+                                  </m:ctrlPr>
+                                </m:dPr>
+                                <m:e>
+                                  <m:sSubSup>
+                                    <m:sSubSupPr>
+                                      <m:ctrlPr>
+                                        <a:rPr lang="ru-RU" sz="2400" i="1">
+                                          <a:solidFill>
+                                            <a:schemeClr val="tx1"/>
+                                          </a:solidFill>
+                                        </a:rPr>
+                                      </m:ctrlPr>
+                                    </m:sSubSupPr>
+                                    <m:e>
+                                      <m:r>
+                                        <a:rPr lang="en-US" sz="2400" i="1">
+                                          <a:solidFill>
+                                            <a:schemeClr val="tx1"/>
+                                          </a:solidFill>
+                                        </a:rPr>
+                                        <m:t>𝑇</m:t>
+                                      </m:r>
+                                    </m:e>
+                                    <m:sub>
+                                      <m:r>
+                                        <a:rPr lang="en-US" sz="2400" i="1">
+                                          <a:solidFill>
+                                            <a:schemeClr val="tx1"/>
+                                          </a:solidFill>
+                                        </a:rPr>
+                                        <m:t>𝑜𝑘</m:t>
+                                      </m:r>
+                                    </m:sub>
+                                    <m:sup>
+                                      <m:r>
+                                        <a:rPr lang="en-US" sz="2400" i="1">
+                                          <a:solidFill>
+                                            <a:schemeClr val="tx1"/>
+                                          </a:solidFill>
+                                        </a:rPr>
+                                        <m:t>𝑖</m:t>
+                                      </m:r>
+                                      <m:r>
+                                        <a:rPr lang="en-US" sz="2400">
+                                          <a:solidFill>
+                                            <a:schemeClr val="tx1"/>
+                                          </a:solidFill>
+                                        </a:rPr>
+                                        <m:t>+1</m:t>
+                                      </m:r>
+                                    </m:sup>
+                                  </m:sSubSup>
+                                  <m:r>
+                                    <a:rPr lang="en-US" sz="2400">
+                                      <a:solidFill>
+                                        <a:schemeClr val="tx1"/>
+                                      </a:solidFill>
+                                    </a:rPr>
+                                    <m:t>+1</m:t>
+                                  </m:r>
+                                </m:e>
+                              </m:d>
+                            </m:e>
+                          </m:d>
+                        </m:e>
+                      </m:d>
+                    </m:oMath>
+                  </m:oMathPara>
+                </a14:m>
+                <a:endParaRPr lang="ru-RU" sz="2400" dirty="0" smtClean="0">
+                  <a:solidFill>
+                    <a:schemeClr val="tx1"/>
+                  </a:solidFill>
+                </a:endParaRPr>
+              </a:p>
+              <a:p>
+                <a:pPr algn="l"/>
+                <a:endParaRPr lang="ru-RU" sz="1200" dirty="0" smtClean="0">
+                  <a:solidFill>
+                    <a:schemeClr val="tx1"/>
+                  </a:solidFill>
+                </a:endParaRPr>
+              </a:p>
+              <a:p>
+                <a:pPr marL="342900" indent="-342900" algn="l">
+                  <a:buFont typeface="Arial" pitchFamily="34" charset="0"/>
+                  <a:buChar char="•"/>
+                </a:pPr>
+                <a:r>
+                  <a:rPr lang="en-US" sz="2100" dirty="0" err="1" smtClean="0">
+                    <a:solidFill>
+                      <a:schemeClr val="tx1"/>
+                    </a:solidFill>
+                  </a:rPr>
+                  <a:t>T</a:t>
+                </a:r>
+                <a:r>
+                  <a:rPr lang="en-US" sz="2100" baseline="-25000" dirty="0" err="1" smtClean="0">
+                    <a:solidFill>
+                      <a:schemeClr val="tx1"/>
+                    </a:solidFill>
+                  </a:rPr>
+                  <a:t>k</a:t>
+                </a:r>
+                <a:r>
+                  <a:rPr lang="en-US" sz="2100" dirty="0" smtClean="0">
+                    <a:solidFill>
+                      <a:schemeClr val="tx1"/>
+                    </a:solidFill>
+                  </a:rPr>
+                  <a:t> – </a:t>
+                </a:r>
+                <a:r>
+                  <a:rPr lang="ru-RU" sz="2100" dirty="0" smtClean="0">
+                    <a:solidFill>
+                      <a:schemeClr val="tx1"/>
+                    </a:solidFill>
+                  </a:rPr>
+                  <a:t>обращение к подсистеме знаний;</a:t>
+                </a:r>
+              </a:p>
+              <a:p>
+                <a:pPr marL="342900" indent="-342900" algn="l">
+                  <a:buFont typeface="Arial" pitchFamily="34" charset="0"/>
+                  <a:buChar char="•"/>
+                </a:pPr>
+                <a:r>
+                  <a:rPr lang="en-US" sz="2100" dirty="0" err="1" smtClean="0">
+                    <a:solidFill>
+                      <a:schemeClr val="tx1"/>
+                    </a:solidFill>
+                  </a:rPr>
+                  <a:t>T</a:t>
+                </a:r>
+                <a:r>
+                  <a:rPr lang="en-US" sz="2100" baseline="-25000" dirty="0" err="1" smtClean="0">
+                    <a:solidFill>
+                      <a:schemeClr val="tx1"/>
+                    </a:solidFill>
+                  </a:rPr>
+                  <a:t>local</a:t>
+                </a:r>
+                <a:r>
+                  <a:rPr lang="en-US" sz="2100" dirty="0" smtClean="0">
+                    <a:solidFill>
+                      <a:schemeClr val="tx1"/>
+                    </a:solidFill>
+                  </a:rPr>
+                  <a:t> – </a:t>
+                </a:r>
+                <a:r>
+                  <a:rPr lang="ru-RU" sz="2100" dirty="0" smtClean="0">
+                    <a:solidFill>
+                      <a:schemeClr val="tx1"/>
+                    </a:solidFill>
+                  </a:rPr>
+                  <a:t>определение адреса актора для агента;</a:t>
+                </a:r>
+              </a:p>
+              <a:p>
+                <a:pPr marL="342900" indent="-342900" algn="l">
+                  <a:buFont typeface="Arial" pitchFamily="34" charset="0"/>
+                  <a:buChar char="•"/>
+                </a:pPr>
+                <a:r>
+                  <a:rPr lang="en-US" sz="2100" dirty="0" err="1" smtClean="0">
+                    <a:solidFill>
+                      <a:schemeClr val="tx1"/>
+                    </a:solidFill>
+                  </a:rPr>
+                  <a:t>T</a:t>
+                </a:r>
+                <a:r>
+                  <a:rPr lang="en-US" sz="2100" baseline="-25000" dirty="0" err="1" smtClean="0">
+                    <a:solidFill>
+                      <a:schemeClr val="tx1"/>
+                    </a:solidFill>
+                  </a:rPr>
+                  <a:t>correlate</a:t>
+                </a:r>
+                <a:r>
+                  <a:rPr lang="en-US" sz="2100" dirty="0" smtClean="0">
+                    <a:solidFill>
+                      <a:schemeClr val="tx1"/>
+                    </a:solidFill>
+                  </a:rPr>
+                  <a:t> – </a:t>
+                </a:r>
+                <a:r>
+                  <a:rPr lang="ru-RU" sz="2100" dirty="0" smtClean="0">
+                    <a:solidFill>
+                      <a:schemeClr val="tx1"/>
+                    </a:solidFill>
+                  </a:rPr>
+                  <a:t>определение на каузальную зависимость;</a:t>
+                </a:r>
+              </a:p>
+              <a:p>
+                <a:pPr marL="342900" indent="-342900" algn="l">
+                  <a:buFont typeface="Arial" pitchFamily="34" charset="0"/>
+                  <a:buChar char="•"/>
+                </a:pPr>
+                <a:r>
+                  <a:rPr lang="en-US" sz="2100" dirty="0" err="1" smtClean="0">
+                    <a:solidFill>
+                      <a:schemeClr val="tx1"/>
+                    </a:solidFill>
+                  </a:rPr>
+                  <a:t>I</a:t>
+                </a:r>
+                <a:r>
+                  <a:rPr lang="en-US" sz="2100" baseline="-25000" dirty="0" err="1" smtClean="0">
+                    <a:solidFill>
+                      <a:schemeClr val="tx1"/>
+                    </a:solidFill>
+                  </a:rPr>
+                  <a:t>notstateless</a:t>
+                </a:r>
+                <a:r>
+                  <a:rPr lang="en-US" sz="2100" dirty="0" smtClean="0">
+                    <a:solidFill>
+                      <a:schemeClr val="tx1"/>
+                    </a:solidFill>
+                  </a:rPr>
+                  <a:t> – </a:t>
+                </a:r>
+                <a:r>
+                  <a:rPr lang="ru-RU" sz="2100" dirty="0" smtClean="0">
+                    <a:solidFill>
+                      <a:schemeClr val="tx1"/>
+                    </a:solidFill>
+                  </a:rPr>
+                  <a:t>индикатор того, что событие не является </a:t>
+                </a:r>
+                <a:r>
+                  <a:rPr lang="en-US" sz="2100" i="1" dirty="0" smtClean="0">
+                    <a:solidFill>
+                      <a:schemeClr val="tx1"/>
+                    </a:solidFill>
+                  </a:rPr>
+                  <a:t>stateless</a:t>
+                </a:r>
+                <a:r>
+                  <a:rPr lang="ru-RU" sz="2100" i="1" dirty="0" smtClean="0">
+                    <a:solidFill>
+                      <a:schemeClr val="tx1"/>
+                    </a:solidFill>
+                  </a:rPr>
+                  <a:t>;</a:t>
+                </a:r>
+                <a:endParaRPr lang="en-US" sz="2100" i="1" dirty="0" smtClean="0">
+                  <a:solidFill>
+                    <a:schemeClr val="tx1"/>
+                  </a:solidFill>
+                </a:endParaRPr>
+              </a:p>
+              <a:p>
+                <a:pPr marL="342900" indent="-342900" algn="l">
+                  <a:buFont typeface="Arial" pitchFamily="34" charset="0"/>
+                  <a:buChar char="•"/>
+                </a:pPr>
+                <a:r>
+                  <a:rPr lang="en-US" sz="2100" dirty="0" err="1" smtClean="0">
+                    <a:solidFill>
+                      <a:schemeClr val="tx1"/>
+                    </a:solidFill>
+                  </a:rPr>
+                  <a:t>I</a:t>
+                </a:r>
+                <a:r>
+                  <a:rPr lang="en-US" sz="2100" baseline="-25000" dirty="0" err="1" smtClean="0">
+                    <a:solidFill>
+                      <a:schemeClr val="tx1"/>
+                    </a:solidFill>
+                  </a:rPr>
+                  <a:t>notsafe</a:t>
+                </a:r>
+                <a:r>
+                  <a:rPr lang="en-US" sz="2100" dirty="0" smtClean="0">
+                    <a:solidFill>
+                      <a:schemeClr val="tx1"/>
+                    </a:solidFill>
+                  </a:rPr>
+                  <a:t> – </a:t>
+                </a:r>
+                <a:r>
+                  <a:rPr lang="ru-RU" sz="2100" dirty="0" smtClean="0">
+                    <a:solidFill>
+                      <a:schemeClr val="tx1"/>
+                    </a:solidFill>
+                  </a:rPr>
+                  <a:t>индикатор того, что событие небезопасно;</a:t>
+                </a:r>
+              </a:p>
+              <a:p>
+                <a:pPr marL="342900" indent="-342900" algn="l">
+                  <a:buFont typeface="Arial" pitchFamily="34" charset="0"/>
+                  <a:buChar char="•"/>
+                </a:pPr>
+                <a:r>
+                  <a:rPr lang="en-US" sz="2100" dirty="0" smtClean="0">
+                    <a:solidFill>
+                      <a:schemeClr val="tx1"/>
+                    </a:solidFill>
+                  </a:rPr>
+                  <a:t>I</a:t>
+                </a:r>
+                <a:r>
+                  <a:rPr lang="en-US" sz="2100" baseline="-25000" dirty="0" smtClean="0">
+                    <a:solidFill>
+                      <a:schemeClr val="tx1"/>
+                    </a:solidFill>
+                  </a:rPr>
+                  <a:t>t&lt;</a:t>
+                </a:r>
+                <a:r>
+                  <a:rPr lang="en-US" sz="2100" baseline="-25000" dirty="0" err="1" smtClean="0">
+                    <a:solidFill>
+                      <a:schemeClr val="tx1"/>
+                    </a:solidFill>
+                  </a:rPr>
+                  <a:t>cur_t</a:t>
+                </a:r>
+                <a:r>
+                  <a:rPr lang="en-US" sz="2100" dirty="0" smtClean="0">
+                    <a:solidFill>
+                      <a:schemeClr val="tx1"/>
+                    </a:solidFill>
+                  </a:rPr>
+                  <a:t> – </a:t>
+                </a:r>
+                <a:r>
+                  <a:rPr lang="ru-RU" sz="2100" dirty="0" smtClean="0">
+                    <a:solidFill>
+                      <a:schemeClr val="tx1"/>
+                    </a:solidFill>
+                  </a:rPr>
+                  <a:t>индикатор того, что время события меньше времени 	логического процесса;</a:t>
+                </a:r>
+              </a:p>
+              <a:p>
+                <a:pPr marL="342900" indent="-342900" algn="l">
+                  <a:buFont typeface="Arial" pitchFamily="34" charset="0"/>
+                  <a:buChar char="•"/>
+                </a:pPr>
+                <a:r>
+                  <a:rPr lang="en-US" sz="2100" dirty="0" smtClean="0">
+                    <a:solidFill>
+                      <a:schemeClr val="tx1"/>
+                    </a:solidFill>
+                  </a:rPr>
+                  <a:t>{n} – </a:t>
+                </a:r>
+                <a:r>
+                  <a:rPr lang="ru-RU" sz="2100" dirty="0" smtClean="0">
+                    <a:solidFill>
+                      <a:schemeClr val="tx1"/>
+                    </a:solidFill>
+                  </a:rPr>
+                  <a:t>последовательность размеров цепочки отката;</a:t>
+                </a:r>
+              </a:p>
+              <a:p>
+                <a:pPr marL="342900" indent="-342900" algn="l">
+                  <a:buFont typeface="Arial" pitchFamily="34" charset="0"/>
+                  <a:buChar char="•"/>
+                </a:pPr>
+                <a:r>
+                  <a:rPr lang="en-US" sz="2100" dirty="0" smtClean="0">
+                    <a:solidFill>
+                      <a:schemeClr val="tx1"/>
+                    </a:solidFill>
+                  </a:rPr>
+                  <a:t>{k} – </a:t>
+                </a:r>
+                <a:r>
+                  <a:rPr lang="ru-RU" sz="2100" dirty="0" smtClean="0">
+                    <a:solidFill>
+                      <a:schemeClr val="tx1"/>
+                    </a:solidFill>
+                  </a:rPr>
+                  <a:t>последовательность номеров первого каузально 	зависимого события из цепочки отката.</a:t>
+                </a:r>
+              </a:p>
+              <a:p>
+                <a:pPr algn="l"/>
+                <a:endParaRPr lang="ru-RU" sz="2400" dirty="0">
+                  <a:solidFill>
+                    <a:schemeClr val="tx1"/>
+                  </a:solidFill>
+                </a:endParaRPr>
+              </a:p>
+              <a:p>
+                <a:pPr algn="l"/>
+                <a:endParaRPr lang="ru-RU" sz="2400" dirty="0" smtClean="0">
+                  <a:solidFill>
+                    <a:schemeClr val="tx1"/>
+                  </a:solidFill>
+                </a:endParaRPr>
+              </a:p>
+            </p:txBody>
+          </p:sp>
+        </mc:Choice>
+        <mc:Fallback>
+          <p:sp>
+            <p:nvSpPr>
+              <p:cNvPr id="20483" name="Подзаголовок 2"/>
+              <p:cNvSpPr>
+                <a:spLocks noGrp="1" noRot="1" noChangeAspect="1" noMove="1" noResize="1" noEditPoints="1" noAdjustHandles="1" noChangeArrowheads="1" noChangeShapeType="1" noTextEdit="1"/>
+              </p:cNvSpPr>
+              <p:nvPr>
+                <p:ph type="subTitle" idx="1"/>
+              </p:nvPr>
+            </p:nvSpPr>
+            <p:spPr>
+              <a:xfrm>
+                <a:off x="827584" y="1052736"/>
+                <a:ext cx="7992888" cy="5616624"/>
+              </a:xfrm>
+              <a:blipFill rotWithShape="1">
+                <a:blip r:embed="rId3"/>
+                <a:stretch>
+                  <a:fillRect l="-763"/>
+                </a:stretch>
+              </a:blipFill>
+            </p:spPr>
+            <p:txBody>
+              <a:bodyPr/>
+              <a:lstStyle/>
+              <a:p>
+                <a:r>
+                  <a:rPr lang="ru-RU">
+                    <a:noFill/>
+                  </a:rPr>
+                  <a:t> </a:t>
+                </a:r>
+              </a:p>
+            </p:txBody>
+          </p:sp>
+        </mc:Fallback>
+      </mc:AlternateContent>
+      <p:sp>
+        <p:nvSpPr>
+          <p:cNvPr id="4" name="Номер слайда 3"/>
+          <p:cNvSpPr>
+            <a:spLocks noGrp="1"/>
+          </p:cNvSpPr>
+          <p:nvPr>
+            <p:ph type="sldNum" sz="quarter" idx="12"/>
+          </p:nvPr>
+        </p:nvSpPr>
+        <p:spPr>
+          <a:xfrm>
+            <a:off x="6553200" y="6356350"/>
+            <a:ext cx="2339975" cy="365125"/>
+          </a:xfrm>
+        </p:spPr>
+        <p:txBody>
+          <a:bodyPr/>
+          <a:lstStyle/>
+          <a:p>
+            <a:pPr>
+              <a:defRPr/>
+            </a:pPr>
+            <a:fld id="{9E555FA3-67AC-44F5-80AA-6C541AAB6898}" type="slidenum">
+              <a:rPr lang="ru-RU" sz="2800" smtClean="0"/>
+              <a:pPr>
+                <a:defRPr/>
+              </a:pPr>
+              <a:t>19</a:t>
+            </a:fld>
+            <a:r>
+              <a:rPr lang="en-US" sz="2800" dirty="0" smtClean="0"/>
+              <a:t>/26</a:t>
+            </a:r>
+            <a:endParaRPr lang="ru-RU" sz="2800" dirty="0"/>
+          </a:p>
+        </p:txBody>
+      </p:sp>
+      <p:grpSp>
+        <p:nvGrpSpPr>
+          <p:cNvPr id="8" name="Группа 7"/>
+          <p:cNvGrpSpPr/>
+          <p:nvPr/>
+        </p:nvGrpSpPr>
+        <p:grpSpPr>
+          <a:xfrm>
+            <a:off x="395536" y="1052736"/>
+            <a:ext cx="298450" cy="5472608"/>
+            <a:chOff x="395536" y="1052736"/>
+            <a:chExt cx="298450" cy="5472608"/>
+          </a:xfrm>
+        </p:grpSpPr>
+        <p:cxnSp>
+          <p:nvCxnSpPr>
+            <p:cNvPr id="9" name="Прямая соединительная линия 8"/>
+            <p:cNvCxnSpPr/>
+            <p:nvPr/>
+          </p:nvCxnSpPr>
+          <p:spPr>
+            <a:xfrm>
+              <a:off x="541586" y="1340768"/>
+              <a:ext cx="0" cy="5184576"/>
+            </a:xfrm>
+            <a:prstGeom prst="line">
+              <a:avLst/>
+            </a:prstGeom>
+            <a:ln>
+              <a:solidFill>
+                <a:schemeClr val="bg1">
+                  <a:lumMod val="65000"/>
+                </a:schemeClr>
+              </a:solidFill>
+            </a:ln>
+            <a:effectLst>
+              <a:glow rad="101600">
+                <a:schemeClr val="bg1">
+                  <a:lumMod val="65000"/>
+                  <a:alpha val="60000"/>
+                </a:schemeClr>
+              </a:glow>
+            </a:effectLst>
+          </p:spPr>
+          <p:style>
+            <a:lnRef idx="1">
+              <a:schemeClr val="accent1"/>
+            </a:lnRef>
+            <a:fillRef idx="0">
+              <a:schemeClr val="accent1"/>
+            </a:fillRef>
+            <a:effectRef idx="0">
+              <a:schemeClr val="accent1"/>
+            </a:effectRef>
+            <a:fontRef idx="minor">
+              <a:schemeClr val="tx1"/>
+            </a:fontRef>
+          </p:style>
+        </p:cxnSp>
+        <p:cxnSp>
+          <p:nvCxnSpPr>
+            <p:cNvPr id="10" name="Прямая соединительная линия 9"/>
+            <p:cNvCxnSpPr/>
+            <p:nvPr/>
+          </p:nvCxnSpPr>
+          <p:spPr>
+            <a:xfrm>
+              <a:off x="693986" y="1628800"/>
+              <a:ext cx="0" cy="4896544"/>
+            </a:xfrm>
+            <a:prstGeom prst="line">
+              <a:avLst/>
+            </a:prstGeom>
+            <a:ln>
+              <a:solidFill>
+                <a:schemeClr val="bg1">
+                  <a:lumMod val="65000"/>
+                </a:schemeClr>
+              </a:solidFill>
+            </a:ln>
+            <a:effectLst>
+              <a:glow rad="101600">
+                <a:schemeClr val="bg1">
+                  <a:lumMod val="65000"/>
+                  <a:alpha val="60000"/>
+                </a:schemeClr>
+              </a:glow>
+            </a:effectLst>
+          </p:spPr>
+          <p:style>
+            <a:lnRef idx="1">
+              <a:schemeClr val="accent1"/>
+            </a:lnRef>
+            <a:fillRef idx="0">
+              <a:schemeClr val="accent1"/>
+            </a:fillRef>
+            <a:effectRef idx="0">
+              <a:schemeClr val="accent1"/>
+            </a:effectRef>
+            <a:fontRef idx="minor">
+              <a:schemeClr val="tx1"/>
+            </a:fontRef>
+          </p:style>
+        </p:cxnSp>
+        <p:cxnSp>
+          <p:nvCxnSpPr>
+            <p:cNvPr id="12" name="Прямая соединительная линия 11"/>
+            <p:cNvCxnSpPr/>
+            <p:nvPr/>
+          </p:nvCxnSpPr>
+          <p:spPr>
+            <a:xfrm>
+              <a:off x="395536" y="1052736"/>
+              <a:ext cx="0" cy="5472608"/>
+            </a:xfrm>
+            <a:prstGeom prst="line">
+              <a:avLst/>
+            </a:prstGeom>
+            <a:ln>
+              <a:solidFill>
+                <a:schemeClr val="bg1">
+                  <a:lumMod val="65000"/>
+                </a:schemeClr>
+              </a:solidFill>
+            </a:ln>
+            <a:effectLst>
+              <a:glow rad="101600">
+                <a:schemeClr val="bg1">
+                  <a:lumMod val="65000"/>
+                  <a:alpha val="60000"/>
+                </a:schemeClr>
+              </a:glow>
+            </a:effectLst>
+          </p:spPr>
+          <p:style>
+            <a:lnRef idx="1">
+              <a:schemeClr val="accent1"/>
+            </a:lnRef>
+            <a:fillRef idx="0">
+              <a:schemeClr val="accent1"/>
+            </a:fillRef>
+            <a:effectRef idx="0">
+              <a:schemeClr val="accent1"/>
+            </a:effectRef>
+            <a:fontRef idx="minor">
+              <a:schemeClr val="tx1"/>
+            </a:fontRef>
+          </p:style>
+        </p:cxnSp>
+      </p:grpSp>
+    </p:spTree>
+    <p:extLst>
+      <p:ext uri="{BB962C8B-B14F-4D97-AF65-F5344CB8AC3E}">
+        <p14:creationId xmlns:p14="http://schemas.microsoft.com/office/powerpoint/2010/main" val="2322420082"/>
+      </p:ext>
+    </p:extLst>
+  </p:cSld>
+  <p:clrMapOvr>
+    <a:masterClrMapping/>
+  </p:clrMapOvr>
+  <p:timing>
+    <p:tnLst>
+      <p:par>
+        <p:cTn id="1" dur="indefinite" restart="never" nodeType="tmRoot"/>
+      </p:par>
+    </p:tnLst>
+  </p:timing>
+</p:sld>
+</file>
+
+<file path=ppt/slides/slide2.xml><?xml version="1.0" encoding="utf-8"?>
+<p:sld xmlns:a="http://schemas.openxmlformats.org/drawingml/2006/main" xmlns:r="http://schemas.openxmlformats.org/officeDocument/2006/relationships" xmlns:p="http://schemas.openxmlformats.org/presentationml/2006/main">
+  <p:cSld>
+    <p:spTree>
+      <p:nvGrpSpPr>
+        <p:cNvPr id="1" name=""/>
+        <p:cNvGrpSpPr/>
+        <p:nvPr/>
+      </p:nvGrpSpPr>
+      <p:grpSpPr>
+        <a:xfrm>
+          <a:off x="0" y="0"/>
+          <a:ext cx="0" cy="0"/>
+          <a:chOff x="0" y="0"/>
+          <a:chExt cx="0" cy="0"/>
+        </a:xfrm>
+      </p:grpSpPr>
+      <p:sp>
+        <p:nvSpPr>
+          <p:cNvPr id="3074" name="Заголовок 1"/>
+          <p:cNvSpPr>
+            <a:spLocks noGrp="1"/>
+          </p:cNvSpPr>
+          <p:nvPr>
+            <p:ph type="ctrTitle"/>
+          </p:nvPr>
+        </p:nvSpPr>
+        <p:spPr>
+          <a:xfrm>
+            <a:off x="684213" y="333375"/>
+            <a:ext cx="7772400" cy="935038"/>
+          </a:xfrm>
+        </p:spPr>
+        <p:txBody>
+          <a:bodyPr/>
+          <a:lstStyle/>
+          <a:p>
+            <a:pPr eaLnBrk="1" hangingPunct="1"/>
+            <a:r>
+              <a:rPr lang="ru-RU" sz="4000" b="1" i="1" dirty="0" smtClean="0">
+                <a:latin typeface="Georgia" pitchFamily="18" charset="0"/>
+              </a:rPr>
+              <a:t>Постановка задачи</a:t>
+            </a:r>
+          </a:p>
+        </p:txBody>
+      </p:sp>
+      <p:sp>
+        <p:nvSpPr>
+          <p:cNvPr id="3075" name="Подзаголовок 2"/>
+          <p:cNvSpPr>
+            <a:spLocks noGrp="1"/>
+          </p:cNvSpPr>
+          <p:nvPr>
+            <p:ph type="subTitle" idx="1"/>
+          </p:nvPr>
+        </p:nvSpPr>
+        <p:spPr>
+          <a:xfrm>
+            <a:off x="900113" y="1341438"/>
+            <a:ext cx="7848351" cy="5183187"/>
+          </a:xfrm>
+        </p:spPr>
+        <p:txBody>
+          <a:bodyPr/>
+          <a:lstStyle/>
+          <a:p>
+            <a:pPr marL="633413" indent="-544513" algn="l" eaLnBrk="1" hangingPunct="1"/>
+            <a:r>
+              <a:rPr lang="ru-RU" sz="2800" u="sng" dirty="0" smtClean="0">
+                <a:solidFill>
+                  <a:schemeClr val="tx1"/>
+                </a:solidFill>
+              </a:rPr>
+              <a:t>Исследуемая область</a:t>
+            </a:r>
+            <a:r>
+              <a:rPr lang="ru-RU" sz="2800" dirty="0" smtClean="0">
+                <a:solidFill>
+                  <a:schemeClr val="tx1"/>
+                </a:solidFill>
+              </a:rPr>
+              <a:t>: распределённые системы агентного имитационного моделирования</a:t>
+            </a:r>
+          </a:p>
+          <a:p>
+            <a:pPr marL="633413" indent="-544513" algn="l" eaLnBrk="1" hangingPunct="1"/>
+            <a:r>
+              <a:rPr lang="ru-RU" sz="2800" u="sng" dirty="0" smtClean="0">
+                <a:solidFill>
+                  <a:schemeClr val="tx1"/>
+                </a:solidFill>
+              </a:rPr>
+              <a:t>Предмет исследования</a:t>
+            </a:r>
+            <a:r>
+              <a:rPr lang="ru-RU" sz="2800" dirty="0" smtClean="0">
+                <a:solidFill>
+                  <a:schemeClr val="tx1"/>
+                </a:solidFill>
+              </a:rPr>
+              <a:t>: оптимистические алгоритмы синхронизации агентов</a:t>
+            </a:r>
+          </a:p>
+          <a:p>
+            <a:pPr marL="633413" indent="-544513" algn="l" eaLnBrk="1" hangingPunct="1"/>
+            <a:r>
+              <a:rPr lang="ru-RU" sz="2800" u="sng" dirty="0" smtClean="0">
+                <a:solidFill>
+                  <a:schemeClr val="tx1"/>
+                </a:solidFill>
+              </a:rPr>
+              <a:t>Проблема</a:t>
+            </a:r>
+            <a:r>
+              <a:rPr lang="ru-RU" sz="2800" dirty="0" smtClean="0">
+                <a:solidFill>
+                  <a:schemeClr val="tx1"/>
+                </a:solidFill>
+              </a:rPr>
+              <a:t>: классические оптимистические алгоритмы обладают рядом недостатков, снижающих эффективность моделирования</a:t>
+            </a:r>
+          </a:p>
+          <a:p>
+            <a:pPr marL="633413" indent="-544513" algn="l" eaLnBrk="1" hangingPunct="1"/>
+            <a:r>
+              <a:rPr lang="ru-RU" sz="2800" u="sng" dirty="0" smtClean="0">
+                <a:solidFill>
+                  <a:schemeClr val="tx1"/>
+                </a:solidFill>
+              </a:rPr>
+              <a:t>Цель</a:t>
+            </a:r>
+            <a:r>
+              <a:rPr lang="ru-RU" sz="2800" dirty="0" smtClean="0">
+                <a:solidFill>
+                  <a:schemeClr val="tx1"/>
+                </a:solidFill>
+              </a:rPr>
+              <a:t>: разработать алгоритм синхронизации, основанный на знаниях о модели, который бы оказался эффективнее своих аналогов</a:t>
+            </a:r>
+          </a:p>
+        </p:txBody>
+      </p:sp>
+      <p:sp>
+        <p:nvSpPr>
+          <p:cNvPr id="4" name="Номер слайда 3"/>
+          <p:cNvSpPr>
+            <a:spLocks noGrp="1"/>
+          </p:cNvSpPr>
+          <p:nvPr>
+            <p:ph type="sldNum" sz="quarter" idx="12"/>
+          </p:nvPr>
+        </p:nvSpPr>
+        <p:spPr>
+          <a:xfrm>
+            <a:off x="6553200" y="6356350"/>
+            <a:ext cx="2339975" cy="365125"/>
+          </a:xfrm>
+        </p:spPr>
+        <p:txBody>
+          <a:bodyPr/>
+          <a:lstStyle/>
+          <a:p>
+            <a:pPr>
+              <a:defRPr/>
+            </a:pPr>
+            <a:fld id="{E99575A2-6CF0-4743-B982-63163FE59FFF}" type="slidenum">
+              <a:rPr lang="ru-RU" sz="2800" smtClean="0"/>
+              <a:pPr>
+                <a:defRPr/>
+              </a:pPr>
+              <a:t>2</a:t>
+            </a:fld>
+            <a:r>
+              <a:rPr lang="en-US" sz="2800" dirty="0" smtClean="0"/>
+              <a:t>/26</a:t>
+            </a:r>
+            <a:endParaRPr lang="ru-RU" sz="2800" dirty="0"/>
+          </a:p>
+        </p:txBody>
+      </p:sp>
+      <p:grpSp>
+        <p:nvGrpSpPr>
+          <p:cNvPr id="2" name="Группа 1"/>
+          <p:cNvGrpSpPr/>
+          <p:nvPr/>
+        </p:nvGrpSpPr>
+        <p:grpSpPr>
+          <a:xfrm>
+            <a:off x="395536" y="1052736"/>
+            <a:ext cx="298450" cy="5472608"/>
+            <a:chOff x="395536" y="1052736"/>
+            <a:chExt cx="298450" cy="5472608"/>
+          </a:xfrm>
+        </p:grpSpPr>
+        <p:cxnSp>
+          <p:nvCxnSpPr>
+            <p:cNvPr id="7" name="Прямая соединительная линия 6"/>
+            <p:cNvCxnSpPr/>
+            <p:nvPr/>
+          </p:nvCxnSpPr>
+          <p:spPr>
+            <a:xfrm>
+              <a:off x="541586" y="1340768"/>
+              <a:ext cx="0" cy="5184576"/>
+            </a:xfrm>
+            <a:prstGeom prst="line">
+              <a:avLst/>
+            </a:prstGeom>
+            <a:ln>
+              <a:solidFill>
+                <a:schemeClr val="bg1">
+                  <a:lumMod val="65000"/>
+                </a:schemeClr>
+              </a:solidFill>
+            </a:ln>
+            <a:effectLst>
+              <a:glow rad="101600">
+                <a:schemeClr val="bg1">
+                  <a:lumMod val="65000"/>
+                  <a:alpha val="60000"/>
+                </a:schemeClr>
+              </a:glow>
+            </a:effectLst>
+          </p:spPr>
+          <p:style>
+            <a:lnRef idx="1">
+              <a:schemeClr val="accent1"/>
+            </a:lnRef>
+            <a:fillRef idx="0">
+              <a:schemeClr val="accent1"/>
+            </a:fillRef>
+            <a:effectRef idx="0">
+              <a:schemeClr val="accent1"/>
+            </a:effectRef>
+            <a:fontRef idx="minor">
+              <a:schemeClr val="tx1"/>
+            </a:fontRef>
+          </p:style>
+        </p:cxnSp>
+        <p:cxnSp>
+          <p:nvCxnSpPr>
+            <p:cNvPr id="11" name="Прямая соединительная линия 10"/>
+            <p:cNvCxnSpPr/>
+            <p:nvPr/>
+          </p:nvCxnSpPr>
+          <p:spPr>
+            <a:xfrm>
+              <a:off x="693986" y="1628800"/>
+              <a:ext cx="0" cy="4896544"/>
+            </a:xfrm>
+            <a:prstGeom prst="line">
+              <a:avLst/>
+            </a:prstGeom>
+            <a:ln>
+              <a:solidFill>
+                <a:schemeClr val="bg1">
+                  <a:lumMod val="65000"/>
+                </a:schemeClr>
+              </a:solidFill>
+            </a:ln>
+            <a:effectLst>
+              <a:glow rad="101600">
+                <a:schemeClr val="bg1">
+                  <a:lumMod val="65000"/>
+                  <a:alpha val="60000"/>
+                </a:schemeClr>
+              </a:glow>
+            </a:effectLst>
+          </p:spPr>
+          <p:style>
+            <a:lnRef idx="1">
+              <a:schemeClr val="accent1"/>
+            </a:lnRef>
+            <a:fillRef idx="0">
+              <a:schemeClr val="accent1"/>
+            </a:fillRef>
+            <a:effectRef idx="0">
+              <a:schemeClr val="accent1"/>
+            </a:effectRef>
+            <a:fontRef idx="minor">
+              <a:schemeClr val="tx1"/>
+            </a:fontRef>
+          </p:style>
+        </p:cxnSp>
+        <p:cxnSp>
+          <p:nvCxnSpPr>
+            <p:cNvPr id="15" name="Прямая соединительная линия 14"/>
+            <p:cNvCxnSpPr/>
+            <p:nvPr/>
+          </p:nvCxnSpPr>
+          <p:spPr>
+            <a:xfrm>
+              <a:off x="395536" y="1052736"/>
+              <a:ext cx="0" cy="5472608"/>
+            </a:xfrm>
+            <a:prstGeom prst="line">
+              <a:avLst/>
+            </a:prstGeom>
+            <a:ln>
+              <a:solidFill>
+                <a:schemeClr val="bg1">
+                  <a:lumMod val="65000"/>
+                </a:schemeClr>
+              </a:solidFill>
+            </a:ln>
+            <a:effectLst>
+              <a:glow rad="101600">
+                <a:schemeClr val="bg1">
+                  <a:lumMod val="65000"/>
+                  <a:alpha val="60000"/>
+                </a:schemeClr>
+              </a:glow>
+            </a:effectLst>
+          </p:spPr>
+          <p:style>
+            <a:lnRef idx="1">
+              <a:schemeClr val="accent1"/>
+            </a:lnRef>
+            <a:fillRef idx="0">
+              <a:schemeClr val="accent1"/>
+            </a:fillRef>
+            <a:effectRef idx="0">
+              <a:schemeClr val="accent1"/>
+            </a:effectRef>
+            <a:fontRef idx="minor">
+              <a:schemeClr val="tx1"/>
+            </a:fontRef>
+          </p:style>
+        </p:cxnSp>
+      </p:grpSp>
+    </p:spTree>
+  </p:cSld>
+  <p:clrMapOvr>
+    <a:masterClrMapping/>
+  </p:clrMapOvr>
+  <p:timing>
+    <p:tnLst>
+      <p:par>
+        <p:cTn id="1" dur="indefinite" restart="never" nodeType="tmRoot"/>
+      </p:par>
+    </p:tnLst>
+  </p:timing>
+</p:sld>
+</file>
+
+<file path=ppt/slides/slide20.xml><?xml version="1.0" encoding="utf-8"?>
+<p:sld xmlns:a="http://schemas.openxmlformats.org/drawingml/2006/main" xmlns:r="http://schemas.openxmlformats.org/officeDocument/2006/relationships" xmlns:p="http://schemas.openxmlformats.org/presentationml/2006/main">
+  <p:cSld>
+    <p:spTree>
+      <p:nvGrpSpPr>
+        <p:cNvPr id="1" name=""/>
+        <p:cNvGrpSpPr/>
+        <p:nvPr/>
+      </p:nvGrpSpPr>
+      <p:grpSpPr>
+        <a:xfrm>
+          <a:off x="0" y="0"/>
+          <a:ext cx="0" cy="0"/>
+          <a:chOff x="0" y="0"/>
+          <a:chExt cx="0" cy="0"/>
+        </a:xfrm>
+      </p:grpSpPr>
+      <p:sp>
+        <p:nvSpPr>
           <p:cNvPr id="21506" name="Заголовок 1"/>
           <p:cNvSpPr>
             <a:spLocks noGrp="1"/>
@@ -16735,11 +18725,11 @@
               <a:pPr>
                 <a:defRPr/>
               </a:pPr>
-              <a:t>19</a:t>
+              <a:t>20</a:t>
             </a:fld>
             <a:r>
               <a:rPr lang="en-US" sz="2800" dirty="0" smtClean="0"/>
-              <a:t>/25</a:t>
+              <a:t>/26</a:t>
             </a:r>
             <a:endParaRPr lang="ru-RU" sz="2800" dirty="0"/>
           </a:p>
@@ -17850,354 +19840,7 @@
 </p:sld>
 </file>
 
-<file path=ppt/slides/slide2.xml><?xml version="1.0" encoding="utf-8"?>
-<p:sld xmlns:a="http://schemas.openxmlformats.org/drawingml/2006/main" xmlns:r="http://schemas.openxmlformats.org/officeDocument/2006/relationships" xmlns:p="http://schemas.openxmlformats.org/presentationml/2006/main">
-  <p:cSld>
-    <p:spTree>
-      <p:nvGrpSpPr>
-        <p:cNvPr id="1" name=""/>
-        <p:cNvGrpSpPr/>
-        <p:nvPr/>
-      </p:nvGrpSpPr>
-      <p:grpSpPr>
-        <a:xfrm>
-          <a:off x="0" y="0"/>
-          <a:ext cx="0" cy="0"/>
-          <a:chOff x="0" y="0"/>
-          <a:chExt cx="0" cy="0"/>
-        </a:xfrm>
-      </p:grpSpPr>
-      <p:sp>
-        <p:nvSpPr>
-          <p:cNvPr id="3074" name="Заголовок 1"/>
-          <p:cNvSpPr>
-            <a:spLocks noGrp="1"/>
-          </p:cNvSpPr>
-          <p:nvPr>
-            <p:ph type="ctrTitle"/>
-          </p:nvPr>
-        </p:nvSpPr>
-        <p:spPr>
-          <a:xfrm>
-            <a:off x="684213" y="333375"/>
-            <a:ext cx="7772400" cy="935038"/>
-          </a:xfrm>
-        </p:spPr>
-        <p:txBody>
-          <a:bodyPr/>
-          <a:lstStyle/>
-          <a:p>
-            <a:pPr eaLnBrk="1" hangingPunct="1"/>
-            <a:r>
-              <a:rPr lang="ru-RU" sz="4000" b="1" i="1" dirty="0" smtClean="0">
-                <a:latin typeface="Georgia" pitchFamily="18" charset="0"/>
-              </a:rPr>
-              <a:t>Постановка задачи</a:t>
-            </a:r>
-          </a:p>
-        </p:txBody>
-      </p:sp>
-      <p:sp>
-        <p:nvSpPr>
-          <p:cNvPr id="3075" name="Подзаголовок 2"/>
-          <p:cNvSpPr>
-            <a:spLocks noGrp="1"/>
-          </p:cNvSpPr>
-          <p:nvPr>
-            <p:ph type="subTitle" idx="1"/>
-          </p:nvPr>
-        </p:nvSpPr>
-        <p:spPr>
-          <a:xfrm>
-            <a:off x="900113" y="1341438"/>
-            <a:ext cx="7848351" cy="5183187"/>
-          </a:xfrm>
-        </p:spPr>
-        <p:txBody>
-          <a:bodyPr/>
-          <a:lstStyle/>
-          <a:p>
-            <a:pPr marL="633413" indent="-544513" algn="l" eaLnBrk="1" hangingPunct="1"/>
-            <a:r>
-              <a:rPr lang="ru-RU" sz="2800" u="sng" dirty="0" smtClean="0">
-                <a:solidFill>
-                  <a:schemeClr val="tx1"/>
-                </a:solidFill>
-              </a:rPr>
-              <a:t>Исследуемая область</a:t>
-            </a:r>
-            <a:r>
-              <a:rPr lang="ru-RU" sz="2800" dirty="0" smtClean="0">
-                <a:solidFill>
-                  <a:schemeClr val="tx1"/>
-                </a:solidFill>
-              </a:rPr>
-              <a:t>: распределённые системы агентного имитационного моделирования</a:t>
-            </a:r>
-          </a:p>
-          <a:p>
-            <a:pPr marL="633413" indent="-544513" algn="l" eaLnBrk="1" hangingPunct="1"/>
-            <a:r>
-              <a:rPr lang="ru-RU" sz="2800" u="sng" dirty="0" smtClean="0">
-                <a:solidFill>
-                  <a:schemeClr val="tx1"/>
-                </a:solidFill>
-              </a:rPr>
-              <a:t>Предмет исследования</a:t>
-            </a:r>
-            <a:r>
-              <a:rPr lang="ru-RU" sz="2800" dirty="0" smtClean="0">
-                <a:solidFill>
-                  <a:schemeClr val="tx1"/>
-                </a:solidFill>
-              </a:rPr>
-              <a:t>: оптимистические алгоритмы синхронизации агентов</a:t>
-            </a:r>
-          </a:p>
-          <a:p>
-            <a:pPr marL="633413" indent="-544513" algn="l" eaLnBrk="1" hangingPunct="1"/>
-            <a:r>
-              <a:rPr lang="ru-RU" sz="2800" u="sng" dirty="0" smtClean="0">
-                <a:solidFill>
-                  <a:schemeClr val="tx1"/>
-                </a:solidFill>
-              </a:rPr>
-              <a:t>Проблема</a:t>
-            </a:r>
-            <a:r>
-              <a:rPr lang="ru-RU" sz="2800" dirty="0" smtClean="0">
-                <a:solidFill>
-                  <a:schemeClr val="tx1"/>
-                </a:solidFill>
-              </a:rPr>
-              <a:t>: классические оптимистические алгоритмы обладают рядом недостатков, снижающих эффективность моделирования</a:t>
-            </a:r>
-          </a:p>
-          <a:p>
-            <a:pPr marL="633413" indent="-544513" algn="l" eaLnBrk="1" hangingPunct="1"/>
-            <a:r>
-              <a:rPr lang="ru-RU" sz="2800" u="sng" dirty="0" smtClean="0">
-                <a:solidFill>
-                  <a:schemeClr val="tx1"/>
-                </a:solidFill>
-              </a:rPr>
-              <a:t>Цель</a:t>
-            </a:r>
-            <a:r>
-              <a:rPr lang="ru-RU" sz="2800" dirty="0" smtClean="0">
-                <a:solidFill>
-                  <a:schemeClr val="tx1"/>
-                </a:solidFill>
-              </a:rPr>
-              <a:t>: разработать алгоритм синхронизации, основанный на знаниях о модели, который бы оказался эффективнее своих аналогов</a:t>
-            </a:r>
-          </a:p>
-        </p:txBody>
-      </p:sp>
-      <p:sp>
-        <p:nvSpPr>
-          <p:cNvPr id="4" name="Номер слайда 3"/>
-          <p:cNvSpPr>
-            <a:spLocks noGrp="1"/>
-          </p:cNvSpPr>
-          <p:nvPr>
-            <p:ph type="sldNum" sz="quarter" idx="12"/>
-          </p:nvPr>
-        </p:nvSpPr>
-        <p:spPr>
-          <a:xfrm>
-            <a:off x="6553200" y="6356350"/>
-            <a:ext cx="2339975" cy="365125"/>
-          </a:xfrm>
-        </p:spPr>
-        <p:txBody>
-          <a:bodyPr/>
-          <a:lstStyle/>
-          <a:p>
-            <a:pPr>
-              <a:defRPr/>
-            </a:pPr>
-            <a:fld id="{E99575A2-6CF0-4743-B982-63163FE59FFF}" type="slidenum">
-              <a:rPr lang="ru-RU" sz="2800" smtClean="0"/>
-              <a:pPr>
-                <a:defRPr/>
-              </a:pPr>
-              <a:t>2</a:t>
-            </a:fld>
-            <a:r>
-              <a:rPr lang="en-US" sz="2800" dirty="0" smtClean="0"/>
-              <a:t>/25</a:t>
-            </a:r>
-            <a:endParaRPr lang="ru-RU" sz="2800" dirty="0"/>
-          </a:p>
-        </p:txBody>
-      </p:sp>
-      <p:grpSp>
-        <p:nvGrpSpPr>
-          <p:cNvPr id="2" name="Группа 1"/>
-          <p:cNvGrpSpPr/>
-          <p:nvPr/>
-        </p:nvGrpSpPr>
-        <p:grpSpPr>
-          <a:xfrm>
-            <a:off x="395536" y="1052736"/>
-            <a:ext cx="298450" cy="5472608"/>
-            <a:chOff x="395536" y="1052736"/>
-            <a:chExt cx="298450" cy="5472608"/>
-          </a:xfrm>
-        </p:grpSpPr>
-        <p:cxnSp>
-          <p:nvCxnSpPr>
-            <p:cNvPr id="7" name="Прямая соединительная линия 6"/>
-            <p:cNvCxnSpPr/>
-            <p:nvPr/>
-          </p:nvCxnSpPr>
-          <p:spPr>
-            <a:xfrm>
-              <a:off x="541586" y="1340768"/>
-              <a:ext cx="0" cy="5184576"/>
-            </a:xfrm>
-            <a:prstGeom prst="line">
-              <a:avLst/>
-            </a:prstGeom>
-            <a:ln>
-              <a:solidFill>
-                <a:schemeClr val="bg1">
-                  <a:lumMod val="65000"/>
-                </a:schemeClr>
-              </a:solidFill>
-            </a:ln>
-            <a:effectLst>
-              <a:glow rad="101600">
-                <a:schemeClr val="bg1">
-                  <a:lumMod val="65000"/>
-                  <a:alpha val="60000"/>
-                </a:schemeClr>
-              </a:glow>
-            </a:effectLst>
-          </p:spPr>
-          <p:style>
-            <a:lnRef idx="1">
-              <a:schemeClr val="accent1"/>
-            </a:lnRef>
-            <a:fillRef idx="0">
-              <a:schemeClr val="accent1"/>
-            </a:fillRef>
-            <a:effectRef idx="0">
-              <a:schemeClr val="accent1"/>
-            </a:effectRef>
-            <a:fontRef idx="minor">
-              <a:schemeClr val="tx1"/>
-            </a:fontRef>
-          </p:style>
-        </p:cxnSp>
-        <p:cxnSp>
-          <p:nvCxnSpPr>
-            <p:cNvPr id="11" name="Прямая соединительная линия 10"/>
-            <p:cNvCxnSpPr/>
-            <p:nvPr/>
-          </p:nvCxnSpPr>
-          <p:spPr>
-            <a:xfrm>
-              <a:off x="693986" y="1628800"/>
-              <a:ext cx="0" cy="4896544"/>
-            </a:xfrm>
-            <a:prstGeom prst="line">
-              <a:avLst/>
-            </a:prstGeom>
-            <a:ln>
-              <a:solidFill>
-                <a:schemeClr val="bg1">
-                  <a:lumMod val="65000"/>
-                </a:schemeClr>
-              </a:solidFill>
-            </a:ln>
-            <a:effectLst>
-              <a:glow rad="101600">
-                <a:schemeClr val="bg1">
-                  <a:lumMod val="65000"/>
-                  <a:alpha val="60000"/>
-                </a:schemeClr>
-              </a:glow>
-            </a:effectLst>
-          </p:spPr>
-          <p:style>
-            <a:lnRef idx="1">
-              <a:schemeClr val="accent1"/>
-            </a:lnRef>
-            <a:fillRef idx="0">
-              <a:schemeClr val="accent1"/>
-            </a:fillRef>
-            <a:effectRef idx="0">
-              <a:schemeClr val="accent1"/>
-            </a:effectRef>
-            <a:fontRef idx="minor">
-              <a:schemeClr val="tx1"/>
-            </a:fontRef>
-          </p:style>
-        </p:cxnSp>
-        <p:cxnSp>
-          <p:nvCxnSpPr>
-            <p:cNvPr id="15" name="Прямая соединительная линия 14"/>
-            <p:cNvCxnSpPr/>
-            <p:nvPr/>
-          </p:nvCxnSpPr>
-          <p:spPr>
-            <a:xfrm>
-              <a:off x="395536" y="1052736"/>
-              <a:ext cx="0" cy="5472608"/>
-            </a:xfrm>
-            <a:prstGeom prst="line">
-              <a:avLst/>
-            </a:prstGeom>
-            <a:ln>
-              <a:solidFill>
-                <a:schemeClr val="bg1">
-                  <a:lumMod val="65000"/>
-                </a:schemeClr>
-              </a:solidFill>
-            </a:ln>
-            <a:effectLst>
-              <a:glow rad="101600">
-                <a:schemeClr val="bg1">
-                  <a:lumMod val="65000"/>
-                  <a:alpha val="60000"/>
-                </a:schemeClr>
-              </a:glow>
-            </a:effectLst>
-          </p:spPr>
-          <p:style>
-            <a:lnRef idx="1">
-              <a:schemeClr val="accent1"/>
-            </a:lnRef>
-            <a:fillRef idx="0">
-              <a:schemeClr val="accent1"/>
-            </a:fillRef>
-            <a:effectRef idx="0">
-              <a:schemeClr val="accent1"/>
-            </a:effectRef>
-            <a:fontRef idx="minor">
-              <a:schemeClr val="tx1"/>
-            </a:fontRef>
-          </p:style>
-        </p:cxnSp>
-      </p:grpSp>
-    </p:spTree>
-  </p:cSld>
-  <p:clrMapOvr>
-    <a:masterClrMapping/>
-  </p:clrMapOvr>
-  <p:timing>
-    <p:tnLst>
-      <p:par>
-        <p:cTn id="1" dur="indefinite" restart="never" nodeType="tmRoot"/>
-      </p:par>
-    </p:tnLst>
-  </p:timing>
-</p:sld>
-</file>
-
-<file path=ppt/slides/slide20.xml><?xml version="1.0" encoding="utf-8"?>
+<file path=ppt/slides/slide21.xml><?xml version="1.0" encoding="utf-8"?>
 <p:sld xmlns:a="http://schemas.openxmlformats.org/drawingml/2006/main" xmlns:r="http://schemas.openxmlformats.org/officeDocument/2006/relationships" xmlns:p="http://schemas.openxmlformats.org/presentationml/2006/main">
   <p:cSld>
     <p:spTree>
@@ -18281,11 +19924,11 @@
               <a:pPr>
                 <a:defRPr/>
               </a:pPr>
-              <a:t>20</a:t>
+              <a:t>21</a:t>
             </a:fld>
             <a:r>
               <a:rPr lang="en-US" sz="2800" dirty="0" smtClean="0"/>
-              <a:t>/25</a:t>
+              <a:t>/26</a:t>
             </a:r>
             <a:endParaRPr lang="ru-RU" sz="2800" dirty="0"/>
           </a:p>
@@ -28834,7 +30477,7 @@
 </p:sld>
 </file>
 
-<file path=ppt/slides/slide21.xml><?xml version="1.0" encoding="utf-8"?>
+<file path=ppt/slides/slide22.xml><?xml version="1.0" encoding="utf-8"?>
 <p:sld xmlns:a="http://schemas.openxmlformats.org/drawingml/2006/main" xmlns:r="http://schemas.openxmlformats.org/officeDocument/2006/relationships" xmlns:p="http://schemas.openxmlformats.org/presentationml/2006/main">
   <p:cSld>
     <p:spTree>
@@ -28909,11 +30552,11 @@
               <a:pPr>
                 <a:defRPr/>
               </a:pPr>
-              <a:t>21</a:t>
+              <a:t>22</a:t>
             </a:fld>
             <a:r>
               <a:rPr lang="en-US" sz="2800" dirty="0" smtClean="0"/>
-              <a:t>/25</a:t>
+              <a:t>/26</a:t>
             </a:r>
             <a:endParaRPr lang="ru-RU" sz="2800" dirty="0"/>
           </a:p>
@@ -39518,7 +41161,7 @@
 </p:sld>
 </file>
 
-<file path=ppt/slides/slide22.xml><?xml version="1.0" encoding="utf-8"?>
+<file path=ppt/slides/slide23.xml><?xml version="1.0" encoding="utf-8"?>
 <p:sld xmlns:a="http://schemas.openxmlformats.org/drawingml/2006/main" xmlns:r="http://schemas.openxmlformats.org/officeDocument/2006/relationships" xmlns:p="http://schemas.openxmlformats.org/presentationml/2006/main">
   <p:cSld>
     <p:spTree>
@@ -39593,11 +41236,11 @@
               <a:pPr>
                 <a:defRPr/>
               </a:pPr>
-              <a:t>22</a:t>
+              <a:t>23</a:t>
             </a:fld>
             <a:r>
               <a:rPr lang="en-US" sz="2800" dirty="0" smtClean="0"/>
-              <a:t>/25</a:t>
+              <a:t>/26</a:t>
             </a:r>
             <a:endParaRPr lang="ru-RU" sz="2800" dirty="0"/>
           </a:p>
@@ -41062,7 +42705,7 @@
 </p:sld>
 </file>
 
-<file path=ppt/slides/slide23.xml><?xml version="1.0" encoding="utf-8"?>
+<file path=ppt/slides/slide24.xml><?xml version="1.0" encoding="utf-8"?>
 <p:sld xmlns:a="http://schemas.openxmlformats.org/drawingml/2006/main" xmlns:r="http://schemas.openxmlformats.org/officeDocument/2006/relationships" xmlns:p="http://schemas.openxmlformats.org/presentationml/2006/main">
   <p:cSld>
     <p:spTree>
@@ -41147,11 +42790,11 @@
               <a:pPr>
                 <a:defRPr/>
               </a:pPr>
-              <a:t>23</a:t>
+              <a:t>24</a:t>
             </a:fld>
             <a:r>
               <a:rPr lang="en-US" sz="2800" dirty="0" smtClean="0"/>
-              <a:t>/25</a:t>
+              <a:t>/26</a:t>
             </a:r>
             <a:endParaRPr lang="ru-RU" sz="2800" dirty="0"/>
           </a:p>
@@ -41188,11 +42831,7 @@
           </a:prstGeom>
           <a:noFill/>
           <a:ln w="50800" cmpd="thickThin">
-            <a:solidFill>
-              <a:schemeClr val="bg1">
-                <a:lumMod val="50000"/>
-              </a:schemeClr>
-            </a:solidFill>
+            <a:noFill/>
             <a:miter lim="800000"/>
             <a:headEnd/>
             <a:tailEnd/>
@@ -41218,6 +42857,378 @@
           </a:extLst>
         </p:spPr>
       </p:pic>
+      <p:grpSp>
+        <p:nvGrpSpPr>
+          <p:cNvPr id="18" name="Группа 17"/>
+          <p:cNvGrpSpPr/>
+          <p:nvPr/>
+        </p:nvGrpSpPr>
+        <p:grpSpPr>
+          <a:xfrm>
+            <a:off x="2339752" y="908720"/>
+            <a:ext cx="6573745" cy="936104"/>
+            <a:chOff x="2339752" y="908720"/>
+            <a:chExt cx="6573745" cy="936104"/>
+          </a:xfrm>
+        </p:grpSpPr>
+        <p:sp>
+          <p:nvSpPr>
+            <p:cNvPr id="3" name="Скругленный прямоугольник 2"/>
+            <p:cNvSpPr/>
+            <p:nvPr/>
+          </p:nvSpPr>
+          <p:spPr>
+            <a:xfrm>
+              <a:off x="2339752" y="908720"/>
+              <a:ext cx="2952328" cy="936104"/>
+            </a:xfrm>
+            <a:prstGeom prst="roundRect">
+              <a:avLst/>
+            </a:prstGeom>
+            <a:noFill/>
+            <a:ln>
+              <a:solidFill>
+                <a:srgbClr val="FF0000"/>
+              </a:solidFill>
+            </a:ln>
+          </p:spPr>
+          <p:style>
+            <a:lnRef idx="2">
+              <a:schemeClr val="accent1">
+                <a:shade val="50000"/>
+              </a:schemeClr>
+            </a:lnRef>
+            <a:fillRef idx="1">
+              <a:schemeClr val="accent1"/>
+            </a:fillRef>
+            <a:effectRef idx="0">
+              <a:schemeClr val="accent1"/>
+            </a:effectRef>
+            <a:fontRef idx="minor">
+              <a:schemeClr val="lt1"/>
+            </a:fontRef>
+          </p:style>
+          <p:txBody>
+            <a:bodyPr rtlCol="0" anchor="ctr"/>
+            <a:lstStyle/>
+            <a:p>
+              <a:pPr algn="ctr"/>
+              <a:endParaRPr lang="ru-RU"/>
+            </a:p>
+          </p:txBody>
+        </p:sp>
+        <p:cxnSp>
+          <p:nvCxnSpPr>
+            <p:cNvPr id="6" name="Прямая со стрелкой 5"/>
+            <p:cNvCxnSpPr>
+              <a:stCxn id="8" idx="1"/>
+            </p:cNvCxnSpPr>
+            <p:nvPr/>
+          </p:nvCxnSpPr>
+          <p:spPr>
+            <a:xfrm flipH="1">
+              <a:off x="5292080" y="1231886"/>
+              <a:ext cx="1101137" cy="78772"/>
+            </a:xfrm>
+            <a:prstGeom prst="straightConnector1">
+              <a:avLst/>
+            </a:prstGeom>
+            <a:ln w="25400">
+              <a:solidFill>
+                <a:srgbClr val="FF0000"/>
+              </a:solidFill>
+              <a:tailEnd type="arrow" w="lg" len="lg"/>
+            </a:ln>
+          </p:spPr>
+          <p:style>
+            <a:lnRef idx="1">
+              <a:schemeClr val="accent1"/>
+            </a:lnRef>
+            <a:fillRef idx="0">
+              <a:schemeClr val="accent1"/>
+            </a:fillRef>
+            <a:effectRef idx="0">
+              <a:schemeClr val="accent1"/>
+            </a:effectRef>
+            <a:fontRef idx="minor">
+              <a:schemeClr val="tx1"/>
+            </a:fontRef>
+          </p:style>
+        </p:cxnSp>
+        <p:sp>
+          <p:nvSpPr>
+            <p:cNvPr id="8" name="TextBox 7"/>
+            <p:cNvSpPr txBox="1"/>
+            <p:nvPr/>
+          </p:nvSpPr>
+          <p:spPr>
+            <a:xfrm>
+              <a:off x="6393217" y="908720"/>
+              <a:ext cx="2520280" cy="646331"/>
+            </a:xfrm>
+            <a:prstGeom prst="rect">
+              <a:avLst/>
+            </a:prstGeom>
+            <a:noFill/>
+          </p:spPr>
+          <p:txBody>
+            <a:bodyPr wrap="square" rtlCol="0">
+              <a:spAutoFit/>
+            </a:bodyPr>
+            <a:lstStyle/>
+            <a:p>
+              <a:pPr algn="ctr"/>
+              <a:r>
+                <a:rPr lang="ru-RU" b="1" dirty="0" smtClean="0">
+                  <a:solidFill>
+                    <a:srgbClr val="FF0000"/>
+                  </a:solidFill>
+                </a:rPr>
+                <a:t>Элементы онтологии предметной области</a:t>
+              </a:r>
+              <a:endParaRPr lang="ru-RU" b="1" dirty="0">
+                <a:solidFill>
+                  <a:srgbClr val="FF0000"/>
+                </a:solidFill>
+              </a:endParaRPr>
+            </a:p>
+          </p:txBody>
+        </p:sp>
+      </p:grpSp>
+      <p:grpSp>
+        <p:nvGrpSpPr>
+          <p:cNvPr id="19" name="Группа 18"/>
+          <p:cNvGrpSpPr/>
+          <p:nvPr/>
+        </p:nvGrpSpPr>
+        <p:grpSpPr>
+          <a:xfrm>
+            <a:off x="122380" y="1621165"/>
+            <a:ext cx="8849253" cy="5026730"/>
+            <a:chOff x="122380" y="1621165"/>
+            <a:chExt cx="8849253" cy="5026730"/>
+          </a:xfrm>
+        </p:grpSpPr>
+        <p:sp>
+          <p:nvSpPr>
+            <p:cNvPr id="9" name="Полилиния 8"/>
+            <p:cNvSpPr/>
+            <p:nvPr/>
+          </p:nvSpPr>
+          <p:spPr>
+            <a:xfrm>
+              <a:off x="122380" y="1621165"/>
+              <a:ext cx="8815372" cy="5026730"/>
+            </a:xfrm>
+            <a:custGeom>
+              <a:avLst/>
+              <a:gdLst>
+                <a:gd name="connsiteX0" fmla="*/ 1573685 w 8815372"/>
+                <a:gd name="connsiteY0" fmla="*/ 237132 h 5026730"/>
+                <a:gd name="connsiteX1" fmla="*/ 172588 w 8815372"/>
+                <a:gd name="connsiteY1" fmla="*/ 222383 h 5026730"/>
+                <a:gd name="connsiteX2" fmla="*/ 69349 w 8815372"/>
+                <a:gd name="connsiteY2" fmla="*/ 3172061 h 5026730"/>
+                <a:gd name="connsiteX3" fmla="*/ 600291 w 8815372"/>
+                <a:gd name="connsiteY3" fmla="*/ 4794383 h 5026730"/>
+                <a:gd name="connsiteX4" fmla="*/ 4331633 w 8815372"/>
+                <a:gd name="connsiteY4" fmla="*/ 4956616 h 5026730"/>
+                <a:gd name="connsiteX5" fmla="*/ 8431685 w 8815372"/>
+                <a:gd name="connsiteY5" fmla="*/ 4219196 h 5026730"/>
+                <a:gd name="connsiteX6" fmla="*/ 8298949 w 8815372"/>
+                <a:gd name="connsiteY6" fmla="*/ 1475996 h 5026730"/>
+                <a:gd name="connsiteX7" fmla="*/ 5423014 w 8815372"/>
+                <a:gd name="connsiteY7" fmla="*/ 458358 h 5026730"/>
+                <a:gd name="connsiteX8" fmla="*/ 1573685 w 8815372"/>
+                <a:gd name="connsiteY8" fmla="*/ 237132 h 5026730"/>
+              </a:gdLst>
+              <a:ahLst/>
+              <a:cxnLst>
+                <a:cxn ang="0">
+                  <a:pos x="connsiteX0" y="connsiteY0"/>
+                </a:cxn>
+                <a:cxn ang="0">
+                  <a:pos x="connsiteX1" y="connsiteY1"/>
+                </a:cxn>
+                <a:cxn ang="0">
+                  <a:pos x="connsiteX2" y="connsiteY2"/>
+                </a:cxn>
+                <a:cxn ang="0">
+                  <a:pos x="connsiteX3" y="connsiteY3"/>
+                </a:cxn>
+                <a:cxn ang="0">
+                  <a:pos x="connsiteX4" y="connsiteY4"/>
+                </a:cxn>
+                <a:cxn ang="0">
+                  <a:pos x="connsiteX5" y="connsiteY5"/>
+                </a:cxn>
+                <a:cxn ang="0">
+                  <a:pos x="connsiteX6" y="connsiteY6"/>
+                </a:cxn>
+                <a:cxn ang="0">
+                  <a:pos x="connsiteX7" y="connsiteY7"/>
+                </a:cxn>
+                <a:cxn ang="0">
+                  <a:pos x="connsiteX8" y="connsiteY8"/>
+                </a:cxn>
+              </a:cxnLst>
+              <a:rect l="l" t="t" r="r" b="b"/>
+              <a:pathLst>
+                <a:path w="8815372" h="5026730">
+                  <a:moveTo>
+                    <a:pt x="1573685" y="237132"/>
+                  </a:moveTo>
+                  <a:cubicBezTo>
+                    <a:pt x="698614" y="197803"/>
+                    <a:pt x="423311" y="-266772"/>
+                    <a:pt x="172588" y="222383"/>
+                  </a:cubicBezTo>
+                  <a:cubicBezTo>
+                    <a:pt x="-78135" y="711538"/>
+                    <a:pt x="-1935" y="2410061"/>
+                    <a:pt x="69349" y="3172061"/>
+                  </a:cubicBezTo>
+                  <a:cubicBezTo>
+                    <a:pt x="140633" y="3934061"/>
+                    <a:pt x="-110090" y="4496957"/>
+                    <a:pt x="600291" y="4794383"/>
+                  </a:cubicBezTo>
+                  <a:cubicBezTo>
+                    <a:pt x="1310672" y="5091809"/>
+                    <a:pt x="3026401" y="5052481"/>
+                    <a:pt x="4331633" y="4956616"/>
+                  </a:cubicBezTo>
+                  <a:cubicBezTo>
+                    <a:pt x="5636865" y="4860751"/>
+                    <a:pt x="7770466" y="4799299"/>
+                    <a:pt x="8431685" y="4219196"/>
+                  </a:cubicBezTo>
+                  <a:cubicBezTo>
+                    <a:pt x="9092904" y="3639093"/>
+                    <a:pt x="8800394" y="2102802"/>
+                    <a:pt x="8298949" y="1475996"/>
+                  </a:cubicBezTo>
+                  <a:cubicBezTo>
+                    <a:pt x="7797504" y="849190"/>
+                    <a:pt x="6551266" y="667293"/>
+                    <a:pt x="5423014" y="458358"/>
+                  </a:cubicBezTo>
+                  <a:cubicBezTo>
+                    <a:pt x="4294762" y="249423"/>
+                    <a:pt x="2448756" y="276461"/>
+                    <a:pt x="1573685" y="237132"/>
+                  </a:cubicBezTo>
+                  <a:close/>
+                </a:path>
+              </a:pathLst>
+            </a:custGeom>
+            <a:noFill/>
+            <a:ln>
+              <a:solidFill>
+                <a:srgbClr val="FF0000"/>
+              </a:solidFill>
+            </a:ln>
+          </p:spPr>
+          <p:style>
+            <a:lnRef idx="2">
+              <a:schemeClr val="accent1">
+                <a:shade val="50000"/>
+              </a:schemeClr>
+            </a:lnRef>
+            <a:fillRef idx="1">
+              <a:schemeClr val="accent1"/>
+            </a:fillRef>
+            <a:effectRef idx="0">
+              <a:schemeClr val="accent1"/>
+            </a:effectRef>
+            <a:fontRef idx="minor">
+              <a:schemeClr val="lt1"/>
+            </a:fontRef>
+          </p:style>
+          <p:txBody>
+            <a:bodyPr rtlCol="0" anchor="ctr"/>
+            <a:lstStyle/>
+            <a:p>
+              <a:pPr algn="ctr"/>
+              <a:endParaRPr lang="ru-RU"/>
+            </a:p>
+          </p:txBody>
+        </p:sp>
+        <p:cxnSp>
+          <p:nvCxnSpPr>
+            <p:cNvPr id="12" name="Прямая со стрелкой 11"/>
+            <p:cNvCxnSpPr/>
+            <p:nvPr/>
+          </p:nvCxnSpPr>
+          <p:spPr>
+            <a:xfrm flipH="1">
+              <a:off x="5842648" y="1876182"/>
+              <a:ext cx="1058802" cy="184666"/>
+            </a:xfrm>
+            <a:prstGeom prst="straightConnector1">
+              <a:avLst/>
+            </a:prstGeom>
+            <a:ln w="25400">
+              <a:solidFill>
+                <a:srgbClr val="FF0000"/>
+              </a:solidFill>
+              <a:tailEnd type="arrow" w="lg" len="lg"/>
+            </a:ln>
+          </p:spPr>
+          <p:style>
+            <a:lnRef idx="1">
+              <a:schemeClr val="accent1"/>
+            </a:lnRef>
+            <a:fillRef idx="0">
+              <a:schemeClr val="accent1"/>
+            </a:fillRef>
+            <a:effectRef idx="0">
+              <a:schemeClr val="accent1"/>
+            </a:effectRef>
+            <a:fontRef idx="minor">
+              <a:schemeClr val="tx1"/>
+            </a:fontRef>
+          </p:style>
+        </p:cxnSp>
+        <p:sp>
+          <p:nvSpPr>
+            <p:cNvPr id="13" name="TextBox 12"/>
+            <p:cNvSpPr txBox="1"/>
+            <p:nvPr/>
+          </p:nvSpPr>
+          <p:spPr>
+            <a:xfrm>
+              <a:off x="6901449" y="1691516"/>
+              <a:ext cx="2070184" cy="369332"/>
+            </a:xfrm>
+            <a:prstGeom prst="rect">
+              <a:avLst/>
+            </a:prstGeom>
+            <a:noFill/>
+          </p:spPr>
+          <p:txBody>
+            <a:bodyPr wrap="square" rtlCol="0">
+              <a:spAutoFit/>
+            </a:bodyPr>
+            <a:lstStyle/>
+            <a:p>
+              <a:r>
+                <a:rPr lang="ru-RU" b="1" dirty="0" smtClean="0">
+                  <a:solidFill>
+                    <a:srgbClr val="FF0000"/>
+                  </a:solidFill>
+                </a:rPr>
+                <a:t>Онтология задачи</a:t>
+              </a:r>
+              <a:endParaRPr lang="ru-RU" b="1" dirty="0">
+                <a:solidFill>
+                  <a:srgbClr val="FF0000"/>
+                </a:solidFill>
+              </a:endParaRPr>
+            </a:p>
+          </p:txBody>
+        </p:sp>
+      </p:grpSp>
     </p:spTree>
   </p:cSld>
   <p:clrMapOvr>
@@ -41226,14 +43237,143 @@
   <p:timing>
     <p:tnLst>
       <p:par>
-        <p:cTn id="1" dur="indefinite" restart="never" nodeType="tmRoot"/>
+        <p:cTn id="1" dur="indefinite" restart="never" nodeType="tmRoot">
+          <p:childTnLst>
+            <p:seq concurrent="1" nextAc="seek">
+              <p:cTn id="2" dur="indefinite" nodeType="mainSeq">
+                <p:childTnLst>
+                  <p:par>
+                    <p:cTn id="3" fill="hold">
+                      <p:stCondLst>
+                        <p:cond delay="indefinite"/>
+                      </p:stCondLst>
+                      <p:childTnLst>
+                        <p:par>
+                          <p:cTn id="4" fill="hold">
+                            <p:stCondLst>
+                              <p:cond delay="0"/>
+                            </p:stCondLst>
+                            <p:childTnLst>
+                              <p:par>
+                                <p:cTn id="5" presetID="10" presetClass="entr" presetSubtype="0" fill="hold" nodeType="clickEffect">
+                                  <p:stCondLst>
+                                    <p:cond delay="0"/>
+                                  </p:stCondLst>
+                                  <p:childTnLst>
+                                    <p:set>
+                                      <p:cBhvr>
+                                        <p:cTn id="6" dur="1" fill="hold">
+                                          <p:stCondLst>
+                                            <p:cond delay="0"/>
+                                          </p:stCondLst>
+                                        </p:cTn>
+                                        <p:tgtEl>
+                                          <p:spTgt spid="18"/>
+                                        </p:tgtEl>
+                                        <p:attrNameLst>
+                                          <p:attrName>style.visibility</p:attrName>
+                                        </p:attrNameLst>
+                                      </p:cBhvr>
+                                      <p:to>
+                                        <p:strVal val="visible"/>
+                                      </p:to>
+                                    </p:set>
+                                    <p:animEffect transition="in" filter="fade">
+                                      <p:cBhvr>
+                                        <p:cTn id="7" dur="1000"/>
+                                        <p:tgtEl>
+                                          <p:spTgt spid="18"/>
+                                        </p:tgtEl>
+                                      </p:cBhvr>
+                                    </p:animEffect>
+                                  </p:childTnLst>
+                                </p:cTn>
+                              </p:par>
+                            </p:childTnLst>
+                          </p:cTn>
+                        </p:par>
+                      </p:childTnLst>
+                    </p:cTn>
+                  </p:par>
+                  <p:par>
+                    <p:cTn id="8" fill="hold">
+                      <p:stCondLst>
+                        <p:cond delay="indefinite"/>
+                      </p:stCondLst>
+                      <p:childTnLst>
+                        <p:par>
+                          <p:cTn id="9" fill="hold">
+                            <p:stCondLst>
+                              <p:cond delay="0"/>
+                            </p:stCondLst>
+                            <p:childTnLst>
+                              <p:par>
+                                <p:cTn id="10" presetID="10" presetClass="entr" presetSubtype="0" fill="hold" nodeType="clickEffect">
+                                  <p:stCondLst>
+                                    <p:cond delay="0"/>
+                                  </p:stCondLst>
+                                  <p:childTnLst>
+                                    <p:set>
+                                      <p:cBhvr>
+                                        <p:cTn id="11" dur="1" fill="hold">
+                                          <p:stCondLst>
+                                            <p:cond delay="0"/>
+                                          </p:stCondLst>
+                                        </p:cTn>
+                                        <p:tgtEl>
+                                          <p:spTgt spid="19"/>
+                                        </p:tgtEl>
+                                        <p:attrNameLst>
+                                          <p:attrName>style.visibility</p:attrName>
+                                        </p:attrNameLst>
+                                      </p:cBhvr>
+                                      <p:to>
+                                        <p:strVal val="visible"/>
+                                      </p:to>
+                                    </p:set>
+                                    <p:animEffect transition="in" filter="fade">
+                                      <p:cBhvr>
+                                        <p:cTn id="12" dur="1000"/>
+                                        <p:tgtEl>
+                                          <p:spTgt spid="19"/>
+                                        </p:tgtEl>
+                                      </p:cBhvr>
+                                    </p:animEffect>
+                                  </p:childTnLst>
+                                </p:cTn>
+                              </p:par>
+                            </p:childTnLst>
+                          </p:cTn>
+                        </p:par>
+                      </p:childTnLst>
+                    </p:cTn>
+                  </p:par>
+                </p:childTnLst>
+              </p:cTn>
+              <p:prevCondLst>
+                <p:cond evt="onPrev" delay="0">
+                  <p:tgtEl>
+                    <p:sldTgt/>
+                  </p:tgtEl>
+                </p:cond>
+              </p:prevCondLst>
+              <p:nextCondLst>
+                <p:cond evt="onNext" delay="0">
+                  <p:tgtEl>
+                    <p:sldTgt/>
+                  </p:tgtEl>
+                </p:cond>
+              </p:nextCondLst>
+            </p:seq>
+          </p:childTnLst>
+        </p:cTn>
       </p:par>
     </p:tnLst>
   </p:timing>
 </p:sld>
 </file>
 
-<file path=ppt/slides/slide24.xml><?xml version="1.0" encoding="utf-8"?>
+<file path=ppt/slides/slide25.xml><?xml version="1.0" encoding="utf-8"?>
 <p:sld xmlns:a="http://schemas.openxmlformats.org/drawingml/2006/main" xmlns:r="http://schemas.openxmlformats.org/officeDocument/2006/relationships" xmlns:p="http://schemas.openxmlformats.org/presentationml/2006/main">
   <p:cSld>
     <p:spTree>
@@ -41471,11 +43611,11 @@
               <a:pPr>
                 <a:defRPr/>
               </a:pPr>
-              <a:t>24</a:t>
+              <a:t>25</a:t>
             </a:fld>
             <a:r>
               <a:rPr lang="en-US" sz="2800" dirty="0" smtClean="0"/>
-              <a:t>/25</a:t>
+              <a:t>/26</a:t>
             </a:r>
             <a:endParaRPr lang="ru-RU" sz="2800" dirty="0"/>
           </a:p>
@@ -42157,7 +44297,7 @@
 </p:sld>
 </file>
 
-<file path=ppt/slides/slide25.xml><?xml version="1.0" encoding="utf-8"?>
+<file path=ppt/slides/slide26.xml><?xml version="1.0" encoding="utf-8"?>
 <p:sld xmlns:a="http://schemas.openxmlformats.org/drawingml/2006/main" xmlns:r="http://schemas.openxmlformats.org/officeDocument/2006/relationships" xmlns:p="http://schemas.openxmlformats.org/presentationml/2006/main">
   <p:cSld>
     <p:spTree>
@@ -42997,7 +45137,7 @@
             </a:fld>
             <a:r>
               <a:rPr lang="en-US" sz="2800" dirty="0" smtClean="0"/>
-              <a:t>/25</a:t>
+              <a:t>/26</a:t>
             </a:r>
             <a:endParaRPr lang="ru-RU" sz="2800" dirty="0"/>
           </a:p>
@@ -43340,7 +45480,7 @@
             </a:fld>
             <a:r>
               <a:rPr lang="en-US" sz="2800" dirty="0" smtClean="0"/>
-              <a:t>/25</a:t>
+              <a:t>/26</a:t>
             </a:r>
             <a:endParaRPr lang="ru-RU" sz="2800" dirty="0"/>
           </a:p>
@@ -43640,7 +45780,7 @@
             </a:fld>
             <a:r>
               <a:rPr lang="en-US" sz="2800" dirty="0" smtClean="0"/>
-              <a:t>/25</a:t>
+              <a:t>/26</a:t>
             </a:r>
             <a:endParaRPr lang="ru-RU" sz="2800" dirty="0"/>
           </a:p>
@@ -44236,7 +46376,7 @@
             </a:fld>
             <a:r>
               <a:rPr lang="en-US" sz="2800" dirty="0" smtClean="0"/>
-              <a:t>/25</a:t>
+              <a:t>/26</a:t>
             </a:r>
             <a:endParaRPr lang="ru-RU" sz="2800" dirty="0"/>
           </a:p>
@@ -45001,7 +47141,7 @@
             </a:fld>
             <a:r>
               <a:rPr lang="en-US" sz="2800" dirty="0" smtClean="0"/>
-              <a:t>/25</a:t>
+              <a:t>/26</a:t>
             </a:r>
             <a:endParaRPr lang="ru-RU" sz="2800" dirty="0"/>
           </a:p>
@@ -45280,7 +47420,7 @@
             </a:fld>
             <a:r>
               <a:rPr lang="en-US" sz="2800" dirty="0" smtClean="0"/>
-              <a:t>/25</a:t>
+              <a:t>/26</a:t>
             </a:r>
             <a:endParaRPr lang="ru-RU" sz="2800" dirty="0"/>
           </a:p>
@@ -46864,64 +49004,13 @@
                   <a:schemeClr val="tx1"/>
                 </a:solidFill>
               </a:rPr>
-              <a:t>) </a:t>
+              <a:t>)</a:t>
             </a:r>
-            <a:r>
-              <a:rPr lang="en-US" sz="2400" dirty="0">
-                <a:solidFill>
-                  <a:schemeClr val="tx1"/>
-                </a:solidFill>
-              </a:rPr>
-              <a:t>[</a:t>
-            </a:r>
-            <a:r>
-              <a:rPr lang="en-US" sz="2400" dirty="0" err="1">
-                <a:solidFill>
-                  <a:schemeClr val="tx1"/>
-                </a:solidFill>
-              </a:rPr>
-              <a:t>Sokol</a:t>
-            </a:r>
-            <a:r>
-              <a:rPr lang="en-US" sz="2400" dirty="0">
-                <a:solidFill>
-                  <a:schemeClr val="tx1"/>
-                </a:solidFill>
-              </a:rPr>
-              <a:t>, </a:t>
-            </a:r>
-            <a:r>
-              <a:rPr lang="en-US" sz="2400" dirty="0" err="1" smtClean="0">
-                <a:solidFill>
-                  <a:schemeClr val="tx1"/>
-                </a:solidFill>
-              </a:rPr>
-              <a:t>Brisco</a:t>
-            </a:r>
-            <a:r>
-              <a:rPr lang="en-US" sz="2400" dirty="0" smtClean="0">
-                <a:solidFill>
-                  <a:schemeClr val="tx1"/>
-                </a:solidFill>
-              </a:rPr>
-              <a:t>, </a:t>
-            </a:r>
-            <a:r>
-              <a:rPr lang="en-US" sz="2400" dirty="0" err="1" smtClean="0">
-                <a:solidFill>
-                  <a:schemeClr val="tx1"/>
-                </a:solidFill>
-              </a:rPr>
-              <a:t>Wailend</a:t>
-            </a:r>
-            <a:r>
-              <a:rPr lang="en-US" sz="2400" dirty="0" smtClean="0">
-                <a:solidFill>
-                  <a:schemeClr val="tx1"/>
-                </a:solidFill>
-              </a:rPr>
-              <a:t>]</a:t>
-            </a:r>
+            <a:endParaRPr lang="en-US" sz="2400" dirty="0" smtClean="0">
+              <a:solidFill>
+                <a:schemeClr val="tx1"/>
+              </a:solidFill>
+            </a:endParaRPr>
           </a:p>
           <a:p>
             <a:pPr marL="530225" indent="-354013" algn="l" eaLnBrk="1" hangingPunct="1">
@@ -46930,12 +49019,20 @@
               <a:defRPr/>
             </a:pPr>
             <a:r>
+              <a:rPr lang="ru-RU" sz="2400" dirty="0">
+                <a:solidFill>
+                  <a:schemeClr val="tx1"/>
+                </a:solidFill>
+              </a:rPr>
+              <a:t>А</a:t>
+            </a:r>
+            <a:r>
               <a:rPr lang="ru-RU" sz="2400" dirty="0" smtClean="0">
                 <a:solidFill>
                   <a:schemeClr val="tx1"/>
                 </a:solidFill>
               </a:rPr>
-              <a:t>Алгоритм «волчьего воя» (</a:t>
+              <a:t>лгоритм «волчьего воя» (</a:t>
             </a:r>
             <a:r>
               <a:rPr lang="en-US" sz="2400" dirty="0" smtClean="0">
@@ -46943,7 +49040,15 @@
                   <a:schemeClr val="tx1"/>
                 </a:solidFill>
               </a:rPr>
-              <a:t>Wolf Calls Algorithm</a:t>
+              <a:t>Wolf </a:t>
+            </a:r>
+            <a:r>
+              <a:rPr lang="en-US" sz="2400" dirty="0" smtClean="0">
+                <a:solidFill>
+                  <a:schemeClr val="tx1"/>
+                </a:solidFill>
+              </a:rPr>
+              <a:t>Calls Algorithm</a:t>
             </a:r>
             <a:r>
               <a:rPr lang="ru-RU" sz="2400" dirty="0" smtClean="0">
@@ -46952,62 +49057,6 @@
                 </a:solidFill>
               </a:rPr>
               <a:t>)</a:t>
-            </a:r>
-            <a:r>
-              <a:rPr lang="en-US" sz="2400" dirty="0">
-                <a:solidFill>
-                  <a:schemeClr val="tx1"/>
-                </a:solidFill>
-              </a:rPr>
-              <a:t> [</a:t>
-            </a:r>
-            <a:r>
-              <a:rPr lang="en-US" sz="2400" dirty="0" err="1">
-                <a:solidFill>
-                  <a:schemeClr val="tx1"/>
-                </a:solidFill>
-              </a:rPr>
-              <a:t>Madissetti</a:t>
-            </a:r>
-            <a:r>
-              <a:rPr lang="en-US" sz="2400" dirty="0">
-                <a:solidFill>
-                  <a:schemeClr val="tx1"/>
-                </a:solidFill>
-              </a:rPr>
-              <a:t>, </a:t>
-            </a:r>
-            <a:r>
-              <a:rPr lang="en-US" sz="2400" dirty="0" err="1" smtClean="0">
-                <a:solidFill>
-                  <a:schemeClr val="tx1"/>
-                </a:solidFill>
-              </a:rPr>
-              <a:t>Warland</a:t>
-            </a:r>
-            <a:r>
-              <a:rPr lang="en-US" sz="2400" dirty="0" smtClean="0">
-                <a:solidFill>
-                  <a:schemeClr val="tx1"/>
-                </a:solidFill>
-              </a:rPr>
-              <a:t>, </a:t>
-            </a:r>
-            <a:r>
-              <a:rPr lang="en-US" sz="2400" dirty="0" err="1" smtClean="0">
-                <a:solidFill>
-                  <a:schemeClr val="tx1"/>
-                </a:solidFill>
-              </a:rPr>
-              <a:t>Messerschmiht</a:t>
-            </a:r>
-            <a:r>
-              <a:rPr lang="en-US" sz="2400" dirty="0">
-                <a:solidFill>
-                  <a:schemeClr val="tx1"/>
-                </a:solidFill>
-              </a:rPr>
-              <a:t>]</a:t>
             </a:r>
             <a:endParaRPr lang="en-US" sz="2400" dirty="0" smtClean="0">
               <a:solidFill>
@@ -47027,7 +49076,15 @@
                   <a:schemeClr val="tx1"/>
                 </a:solidFill>
               </a:rPr>
-              <a:t>Стратегия отложенной отмены событий (</a:t>
+              <a:t>Стратегия отложенной отмены </a:t>
+            </a:r>
+            <a:r>
+              <a:rPr lang="ru-RU" sz="2400" dirty="0" smtClean="0">
+                <a:solidFill>
+                  <a:schemeClr val="tx1"/>
+                </a:solidFill>
+              </a:rPr>
+              <a:t>(</a:t>
             </a:r>
             <a:r>
               <a:rPr lang="en-US" sz="2400" dirty="0" smtClean="0">
@@ -47038,12 +49095,12 @@
               <a:t>Lazy </a:t>
             </a:r>
             <a:r>
-              <a:rPr lang="ru-RU" sz="2400" dirty="0" smtClean="0">
+              <a:rPr lang="ru-RU" sz="2400" dirty="0">
                 <a:solidFill>
                   <a:schemeClr val="tx1"/>
                 </a:solidFill>
               </a:rPr>
-              <a:t>	</a:t>
+              <a:t> </a:t>
             </a:r>
             <a:r>
               <a:rPr lang="en-US" sz="2400" dirty="0" smtClean="0">
@@ -47051,7 +49108,7 @@
                   <a:schemeClr val="tx1"/>
                 </a:solidFill>
               </a:rPr>
-              <a:t>Cancellation Strategy</a:t>
+              <a:t>Cancellation</a:t>
             </a:r>
             <a:r>
               <a:rPr lang="ru-RU" sz="2400" dirty="0" smtClean="0">
@@ -47059,31 +49116,7 @@
                   <a:schemeClr val="tx1"/>
                 </a:solidFill>
               </a:rPr>
-              <a:t>) </a:t>
-            </a:r>
-            <a:r>
-              <a:rPr lang="en-US" sz="2400" dirty="0" smtClean="0">
-                <a:solidFill>
-                  <a:schemeClr val="tx1"/>
-                </a:solidFill>
-              </a:rPr>
-              <a:t>[</a:t>
-            </a:r>
-            <a:r>
-              <a:rPr lang="en-US" sz="2400" dirty="0" err="1" smtClean="0">
-                <a:solidFill>
-                  <a:schemeClr val="tx1"/>
-                </a:solidFill>
-              </a:rPr>
-              <a:t>Gafny</a:t>
-            </a:r>
-            <a:r>
-              <a:rPr lang="en-US" sz="2400" dirty="0">
-                <a:solidFill>
-                  <a:schemeClr val="tx1"/>
-                </a:solidFill>
-              </a:rPr>
-              <a:t>]</a:t>
+              <a:t>)</a:t>
             </a:r>
             <a:endParaRPr lang="en-US" sz="2400" dirty="0" smtClean="0">
               <a:solidFill>
@@ -47103,6 +49136,42 @@
                   <a:schemeClr val="tx1"/>
                 </a:solidFill>
               </a:rPr>
+              <a:t>Стратегия прямой отмены (</a:t>
+            </a:r>
+            <a:r>
+              <a:rPr lang="en-US" sz="2400" dirty="0" smtClean="0">
+                <a:solidFill>
+                  <a:schemeClr val="tx1"/>
+                </a:solidFill>
+              </a:rPr>
+              <a:t>Direct Cancellation</a:t>
+            </a:r>
+            <a:r>
+              <a:rPr lang="ru-RU" sz="2400" dirty="0" smtClean="0">
+                <a:solidFill>
+                  <a:schemeClr val="tx1"/>
+                </a:solidFill>
+              </a:rPr>
+              <a:t>)</a:t>
+            </a:r>
+            <a:endParaRPr lang="en-US" sz="2400" dirty="0" smtClean="0">
+              <a:solidFill>
+                <a:schemeClr val="tx1"/>
+              </a:solidFill>
+            </a:endParaRPr>
+          </a:p>
+          <a:p>
+            <a:pPr marL="530225" indent="-354013" algn="l" eaLnBrk="1" hangingPunct="1">
+              <a:buFont typeface="Arial" pitchFamily="34" charset="0"/>
+              <a:buChar char="•"/>
+              <a:defRPr/>
+            </a:pPr>
+            <a:r>
+              <a:rPr lang="ru-RU" sz="2400" dirty="0" smtClean="0">
+                <a:solidFill>
+                  <a:schemeClr val="tx1"/>
+                </a:solidFill>
+              </a:rPr>
               <a:t>Алгоритм </a:t>
             </a:r>
             <a:r>
@@ -47114,12 +49183,32 @@
               <a:t>Breathing Time </a:t>
             </a:r>
             <a:r>
-              <a:rPr lang="en-US" sz="2400" dirty="0">
+              <a:rPr lang="en-US" sz="2400" dirty="0" smtClean="0">
                 <a:solidFill>
                   <a:schemeClr val="tx1"/>
                 </a:solidFill>
               </a:rPr>
-              <a:t>Buckets [</a:t>
+              <a:t>Buckets</a:t>
+            </a:r>
+            <a:endParaRPr lang="en-US" sz="2400" dirty="0" smtClean="0">
+              <a:solidFill>
+                <a:schemeClr val="tx1"/>
+              </a:solidFill>
+            </a:endParaRPr>
+          </a:p>
+          <a:p>
+            <a:pPr marL="530225" indent="-354013" algn="l" eaLnBrk="1" hangingPunct="1">
+              <a:buFont typeface="Arial" pitchFamily="34" charset="0"/>
+              <a:buChar char="•"/>
+              <a:defRPr/>
+            </a:pPr>
+            <a:r>
+              <a:rPr lang="ru-RU" sz="2400" dirty="0" smtClean="0">
+                <a:solidFill>
+                  <a:schemeClr val="tx1"/>
+                </a:solidFill>
+              </a:rPr>
+              <a:t>Алгоритм фильтрации (</a:t>
             </a:r>
             <a:r>
               <a:rPr lang="en-US" sz="2400" dirty="0" smtClean="0">
@@ -47127,7 +49216,15 @@
                   <a:schemeClr val="tx1"/>
                 </a:solidFill>
               </a:rPr>
-              <a:t>Steinman]</a:t>
+              <a:t>Filtering Algorithm</a:t>
+            </a:r>
+            <a:r>
+              <a:rPr lang="ru-RU" sz="2400" dirty="0" smtClean="0">
+                <a:solidFill>
+                  <a:schemeClr val="tx1"/>
+                </a:solidFill>
+              </a:rPr>
+              <a:t>)</a:t>
             </a:r>
           </a:p>
           <a:p>
@@ -47142,7 +49239,7 @@
                   <a:schemeClr val="tx1"/>
                 </a:solidFill>
               </a:rPr>
-              <a:t>Алгоритм фильтрации (</a:t>
+              <a:t>Протоколы, использующие </a:t>
             </a:r>
             <a:r>
               <a:rPr lang="en-US" sz="2400" dirty="0" smtClean="0">
@@ -47150,31 +49247,27 @@
                   <a:schemeClr val="tx1"/>
                 </a:solidFill>
               </a:rPr>
-              <a:t>Filtering Algorithm</a:t>
+              <a:t>Lookback (Lookback based Protocols)</a:t>
             </a:r>
+            <a:endParaRPr lang="ru-RU" sz="2400" dirty="0" smtClean="0">
+              <a:solidFill>
+                <a:schemeClr val="tx1"/>
+              </a:solidFill>
+            </a:endParaRPr>
+          </a:p>
+          <a:p>
+            <a:pPr marL="530225" indent="-354013" algn="l" eaLnBrk="1" hangingPunct="1">
+              <a:buFont typeface="Arial" pitchFamily="34" charset="0"/>
+              <a:buChar char="•"/>
+              <a:defRPr/>
+            </a:pPr>
             <a:r>
               <a:rPr lang="ru-RU" sz="2400" dirty="0" smtClean="0">
                 <a:solidFill>
                   <a:schemeClr val="tx1"/>
                 </a:solidFill>
               </a:rPr>
-              <a:t>)</a:t>
-            </a:r>
-            <a:r>
-              <a:rPr lang="en-US" sz="2400" dirty="0">
-                <a:solidFill>
-                  <a:schemeClr val="tx1"/>
-                </a:solidFill>
-              </a:rPr>
-              <a:t> [</a:t>
-            </a:r>
-            <a:r>
-              <a:rPr lang="en-US" sz="2400" dirty="0" err="1" smtClean="0">
-                <a:solidFill>
-                  <a:schemeClr val="tx1"/>
-                </a:solidFill>
-              </a:rPr>
-              <a:t>Prakash</a:t>
+              <a:t>Алгоритм </a:t>
             </a:r>
             <a:r>
               <a:rPr lang="en-US" sz="2400" dirty="0" smtClean="0">
@@ -47182,31 +49275,7 @@
                   <a:schemeClr val="tx1"/>
                 </a:solidFill>
               </a:rPr>
-              <a:t>,</a:t>
-            </a:r>
-            <a:r>
-              <a:rPr lang="ru-RU" sz="2400" dirty="0" smtClean="0">
-                <a:solidFill>
-                  <a:schemeClr val="tx1"/>
-                </a:solidFill>
-              </a:rPr>
-              <a:t> </a:t>
-            </a:r>
-            <a:r>
-              <a:rPr lang="en-US" sz="2400" dirty="0">
-                <a:solidFill>
-                  <a:schemeClr val="tx1"/>
-                </a:solidFill>
-              </a:rPr>
-              <a:t>Subramanian</a:t>
-            </a:r>
-            <a:r>
-              <a:rPr lang="en-US" sz="2400" dirty="0" smtClean="0">
-                <a:solidFill>
-                  <a:schemeClr val="tx1"/>
-                </a:solidFill>
-              </a:rPr>
-              <a:t>]</a:t>
+              <a:t>Rollback Relaxation</a:t>
             </a:r>
             <a:endParaRPr lang="ru-RU" sz="2400" dirty="0" smtClean="0">
               <a:solidFill>
@@ -47248,7 +49317,7 @@
             </a:fld>
             <a:r>
               <a:rPr lang="en-US" sz="2800" dirty="0" smtClean="0"/>
-              <a:t>/25</a:t>
+              <a:t>/26</a:t>
             </a:r>
             <a:endParaRPr lang="ru-RU" sz="2800" dirty="0"/>
           </a:p>
@@ -47414,8 +49483,8 @@
         </p:nvSpPr>
         <p:spPr bwMode="auto">
           <a:xfrm>
-            <a:off x="1194560" y="5773635"/>
-            <a:ext cx="7496374" cy="584449"/>
+            <a:off x="1194560" y="5923330"/>
+            <a:ext cx="6761816" cy="584449"/>
           </a:xfrm>
           <a:prstGeom prst="rect">
             <a:avLst/>

--- a/text/Mitrakov.pptx
+++ b/text/Mitrakov.pptx
@@ -200,7 +200,17 @@
     </c:title>
     <c:autoTitleDeleted val="0"/>
     <c:plotArea>
-      <c:layout/>
+      <c:layout>
+        <c:manualLayout>
+          <c:layoutTarget val="inner"/>
+          <c:xMode val="edge"/>
+          <c:yMode val="edge"/>
+          <c:x val="7.1988407699037624E-2"/>
+          <c:y val="5.1400554097404488E-2"/>
+          <c:w val="0.74795538057742783"/>
+          <c:h val="0.8326195683872849"/>
+        </c:manualLayout>
+      </c:layout>
       <c:lineChart>
         <c:grouping val="standard"/>
         <c:varyColors val="0"/>
@@ -314,11 +324,11 @@
         </c:dLbls>
         <c:marker val="1"/>
         <c:smooth val="0"/>
-        <c:axId val="41345408"/>
-        <c:axId val="41346944"/>
+        <c:axId val="79356672"/>
+        <c:axId val="79358208"/>
       </c:lineChart>
       <c:catAx>
-        <c:axId val="41345408"/>
+        <c:axId val="79356672"/>
         <c:scaling>
           <c:orientation val="minMax"/>
         </c:scaling>
@@ -327,7 +337,7 @@
         <c:majorTickMark val="out"/>
         <c:minorTickMark val="none"/>
         <c:tickLblPos val="nextTo"/>
-        <c:crossAx val="41346944"/>
+        <c:crossAx val="79358208"/>
         <c:crosses val="autoZero"/>
         <c:auto val="1"/>
         <c:lblAlgn val="ctr"/>
@@ -335,7 +345,7 @@
         <c:noMultiLvlLbl val="0"/>
       </c:catAx>
       <c:valAx>
-        <c:axId val="41346944"/>
+        <c:axId val="79358208"/>
         <c:scaling>
           <c:orientation val="minMax"/>
         </c:scaling>
@@ -346,7 +356,7 @@
         <c:majorTickMark val="out"/>
         <c:minorTickMark val="none"/>
         <c:tickLblPos val="nextTo"/>
-        <c:crossAx val="41345408"/>
+        <c:crossAx val="79356672"/>
         <c:crosses val="autoZero"/>
         <c:crossBetween val="between"/>
       </c:valAx>
@@ -415,7 +425,17 @@
     </c:title>
     <c:autoTitleDeleted val="0"/>
     <c:plotArea>
-      <c:layout/>
+      <c:layout>
+        <c:manualLayout>
+          <c:layoutTarget val="inner"/>
+          <c:xMode val="edge"/>
+          <c:yMode val="edge"/>
+          <c:x val="8.607174103237096E-2"/>
+          <c:y val="5.1400554097404488E-2"/>
+          <c:w val="0.73387204724409449"/>
+          <c:h val="0.8326195683872849"/>
+        </c:manualLayout>
+      </c:layout>
       <c:lineChart>
         <c:grouping val="standard"/>
         <c:varyColors val="0"/>
@@ -529,11 +549,11 @@
         </c:dLbls>
         <c:marker val="1"/>
         <c:smooth val="0"/>
-        <c:axId val="81222272"/>
-        <c:axId val="81224064"/>
+        <c:axId val="81615872"/>
+        <c:axId val="81617664"/>
       </c:lineChart>
       <c:catAx>
-        <c:axId val="81222272"/>
+        <c:axId val="81615872"/>
         <c:scaling>
           <c:orientation val="minMax"/>
         </c:scaling>
@@ -542,7 +562,7 @@
         <c:majorTickMark val="out"/>
         <c:minorTickMark val="none"/>
         <c:tickLblPos val="nextTo"/>
-        <c:crossAx val="81224064"/>
+        <c:crossAx val="81617664"/>
         <c:crosses val="autoZero"/>
         <c:auto val="1"/>
         <c:lblAlgn val="ctr"/>
@@ -550,7 +570,7 @@
         <c:noMultiLvlLbl val="0"/>
       </c:catAx>
       <c:valAx>
-        <c:axId val="81224064"/>
+        <c:axId val="81617664"/>
         <c:scaling>
           <c:orientation val="minMax"/>
         </c:scaling>
@@ -561,7 +581,7 @@
         <c:majorTickMark val="out"/>
         <c:minorTickMark val="none"/>
         <c:tickLblPos val="nextTo"/>
-        <c:crossAx val="81222272"/>
+        <c:crossAx val="81615872"/>
         <c:crosses val="autoZero"/>
         <c:crossBetween val="between"/>
       </c:valAx>
@@ -11259,8 +11279,8 @@
         </p:nvSpPr>
         <p:spPr bwMode="auto">
           <a:xfrm>
-            <a:off x="3924300" y="3825875"/>
-            <a:ext cx="5106988" cy="1938338"/>
+            <a:off x="3203848" y="3825875"/>
+            <a:ext cx="5517562" cy="1938338"/>
           </a:xfrm>
           <a:prstGeom prst="rect">
             <a:avLst/>
@@ -11290,7 +11310,7 @@
           </a:extLst>
         </p:spPr>
         <p:txBody>
-          <a:bodyPr>
+          <a:bodyPr wrap="square">
             <a:spAutoFit/>
           </a:bodyPr>
           <a:lstStyle/>
@@ -11565,12 +11585,20 @@
               <a:defRPr/>
             </a:pPr>
             <a:r>
-              <a:rPr lang="ru-RU" sz="2200" dirty="0">
+              <a:rPr lang="ru-RU" sz="2200" b="1" dirty="0" smtClean="0">
                 <a:solidFill>
                   <a:schemeClr val="tx1"/>
                 </a:solidFill>
               </a:rPr>
-              <a:t>► По числу вовлечённых логических процессов</a:t>
+              <a:t>По </a:t>
+            </a:r>
+            <a:r>
+              <a:rPr lang="ru-RU" sz="2200" b="1" dirty="0">
+                <a:solidFill>
+                  <a:schemeClr val="tx1"/>
+                </a:solidFill>
+              </a:rPr>
+              <a:t>числу вовлечённых логических процессов</a:t>
             </a:r>
           </a:p>
           <a:p>
@@ -11612,12 +11640,20 @@
               <a:defRPr/>
             </a:pPr>
             <a:r>
-              <a:rPr lang="ru-RU" sz="2200" dirty="0">
+              <a:rPr lang="ru-RU" sz="2200" b="1" dirty="0" smtClean="0">
                 <a:solidFill>
                   <a:schemeClr val="tx1"/>
                 </a:solidFill>
               </a:rPr>
-              <a:t>► По коммуникативной цели агента</a:t>
+              <a:t>По </a:t>
+            </a:r>
+            <a:r>
+              <a:rPr lang="ru-RU" sz="2200" b="1" dirty="0">
+                <a:solidFill>
+                  <a:schemeClr val="tx1"/>
+                </a:solidFill>
+              </a:rPr>
+              <a:t>коммуникативной цели агента</a:t>
             </a:r>
           </a:p>
           <a:p>
@@ -11690,12 +11726,20 @@
               <a:defRPr/>
             </a:pPr>
             <a:r>
-              <a:rPr lang="ru-RU" sz="2200" dirty="0">
+              <a:rPr lang="ru-RU" sz="2200" b="1" dirty="0" smtClean="0">
                 <a:solidFill>
                   <a:schemeClr val="tx1"/>
                 </a:solidFill>
               </a:rPr>
-              <a:t>► По наличию парадокса времени</a:t>
+              <a:t>По </a:t>
+            </a:r>
+            <a:r>
+              <a:rPr lang="ru-RU" sz="2200" b="1" dirty="0">
+                <a:solidFill>
+                  <a:schemeClr val="tx1"/>
+                </a:solidFill>
+              </a:rPr>
+              <a:t>наличию парадокса времени</a:t>
             </a:r>
           </a:p>
           <a:p>
@@ -11729,12 +11773,20 @@
               <a:defRPr/>
             </a:pPr>
             <a:r>
-              <a:rPr lang="ru-RU" sz="2200" dirty="0">
+              <a:rPr lang="ru-RU" sz="2200" b="1" dirty="0" smtClean="0">
                 <a:solidFill>
                   <a:schemeClr val="tx1"/>
                 </a:solidFill>
               </a:rPr>
-              <a:t>► По числу упущенных событий</a:t>
+              <a:t>По </a:t>
+            </a:r>
+            <a:r>
+              <a:rPr lang="ru-RU" sz="2200" b="1" dirty="0">
+                <a:solidFill>
+                  <a:schemeClr val="tx1"/>
+                </a:solidFill>
+              </a:rPr>
+              <a:t>числу упущенных событий</a:t>
             </a:r>
           </a:p>
           <a:p>
@@ -12766,21 +12818,8 @@
                   <a:schemeClr val="tx1"/>
                 </a:solidFill>
               </a:rPr>
-              <a:t>то его события могут быть обработаны в любое время, в т. ч. </a:t>
+              <a:t>то его события могут быть обработаны в любое время, в т. ч. и в прошлом</a:t>
             </a:r>
-            <a:r>
-              <a:rPr lang="ru-RU" sz="2800" i="1" dirty="0" smtClean="0">
-                <a:solidFill>
-                  <a:schemeClr val="tx1"/>
-                </a:solidFill>
-              </a:rPr>
-              <a:t>и в прошлом</a:t>
-            </a:r>
-            <a:endParaRPr lang="ru-RU" sz="2800" i="1" dirty="0" smtClean="0">
-              <a:solidFill>
-                <a:schemeClr val="tx1"/>
-              </a:solidFill>
-            </a:endParaRPr>
           </a:p>
           <a:p>
             <a:pPr algn="l" eaLnBrk="1" hangingPunct="1"/>
@@ -13168,21 +13207,8 @@
                   <a:schemeClr val="tx1"/>
                 </a:solidFill>
               </a:rPr>
-              <a:t>Если </a:t>
+              <a:t>Если агент посылает запрос, требующий обязательного ответа, и оба участника коммуникации расположены в разных процессах, то дальнейшая обработка событий может привести к многочисленным откатам.</a:t>
             </a:r>
-            <a:r>
-              <a:rPr lang="ru-RU" sz="2600" i="1" dirty="0" smtClean="0">
-                <a:solidFill>
-                  <a:schemeClr val="tx1"/>
-                </a:solidFill>
-              </a:rPr>
-              <a:t>агент посылает запрос, требующий обязательного ответа, и оба участника коммуникации расположены в разных процессах, то дальнейшая обработка событий может привести к многочисленным откатам.</a:t>
-            </a:r>
-            <a:endParaRPr lang="ru-RU" sz="2600" i="1" dirty="0" smtClean="0">
-              <a:solidFill>
-                <a:schemeClr val="tx1"/>
-              </a:solidFill>
-            </a:endParaRPr>
           </a:p>
           <a:p>
             <a:pPr algn="l" eaLnBrk="1" hangingPunct="1">
@@ -14613,7 +14639,7 @@
               <a:t>A </a:t>
             </a:r>
             <a:r>
-              <a:rPr lang="ru-RU" sz="2600" i="1" dirty="0" smtClean="0">
+              <a:rPr lang="ru-RU" sz="2600" b="1" i="1" dirty="0" smtClean="0">
                 <a:solidFill>
                   <a:schemeClr val="tx1"/>
                 </a:solidFill>
@@ -15941,8 +15967,8 @@
         </p:nvSpPr>
         <p:spPr bwMode="auto">
           <a:xfrm>
-            <a:off x="826298" y="2277948"/>
-            <a:ext cx="7617223" cy="600212"/>
+            <a:off x="541586" y="2277948"/>
+            <a:ext cx="8134870" cy="600212"/>
           </a:xfrm>
           <a:prstGeom prst="rect">
             <a:avLst/>
@@ -16950,14 +16976,11 @@
               </a:rPr>
               <a:t>Теоретическая оценка</a:t>
             </a:r>
-            <a:endParaRPr lang="ru-RU" sz="4000" b="1" i="1" dirty="0" smtClean="0">
-              <a:latin typeface="Georgia" pitchFamily="18" charset="0"/>
-            </a:endParaRPr>
           </a:p>
         </p:txBody>
       </p:sp>
-      <mc:AlternateContent xmlns:mc="http://schemas.openxmlformats.org/markup-compatibility/2006">
-        <mc:Choice xmlns:a14="http://schemas.microsoft.com/office/drawing/2010/main" Requires="a14">
+      <mc:AlternateContent xmlns:mc="http://schemas.openxmlformats.org/markup-compatibility/2006" xmlns:a14="http://schemas.microsoft.com/office/drawing/2010/main">
+        <mc:Choice Requires="a14">
           <p:sp>
             <p:nvSpPr>
               <p:cNvPr id="20483" name="Подзаголовок 2"/>
@@ -16978,6 +17001,7 @@
               <a:bodyPr/>
               <a:lstStyle/>
               <a:p>
+                <a:pPr/>
                 <a14:m>
                   <m:oMathPara xmlns:m="http://schemas.openxmlformats.org/officeDocument/2006/math">
                     <m:oMathParaPr>
@@ -16991,6 +17015,7 @@
                               <a:solidFill>
                                 <a:schemeClr val="tx1"/>
                               </a:solidFill>
+                              <a:latin typeface="Cambria Math"/>
                             </a:rPr>
                           </m:ctrlPr>
                         </m:sSubSupPr>
@@ -17000,6 +17025,7 @@
                               <a:solidFill>
                                 <a:schemeClr val="tx1"/>
                               </a:solidFill>
+                              <a:latin typeface="Cambria Math"/>
                             </a:rPr>
                             <m:t>𝑇</m:t>
                           </m:r>
@@ -17010,6 +17036,7 @@
                               <a:solidFill>
                                 <a:schemeClr val="tx1"/>
                               </a:solidFill>
+                              <a:latin typeface="Cambria Math"/>
                             </a:rPr>
                             <m:t>𝑜𝑘</m:t>
                           </m:r>
@@ -17020,6 +17047,7 @@
                               <a:solidFill>
                                 <a:schemeClr val="tx1"/>
                               </a:solidFill>
+                              <a:latin typeface="Cambria Math"/>
                             </a:rPr>
                             <m:t>𝑖</m:t>
                           </m:r>
@@ -17030,6 +17058,7 @@
                           <a:solidFill>
                             <a:schemeClr val="tx1"/>
                           </a:solidFill>
+                          <a:latin typeface="Cambria Math"/>
                         </a:rPr>
                         <m:t>=</m:t>
                       </m:r>
@@ -17040,6 +17069,7 @@
                               <a:solidFill>
                                 <a:schemeClr val="tx1"/>
                               </a:solidFill>
+                              <a:latin typeface="Cambria Math"/>
                             </a:rPr>
                           </m:ctrlPr>
                         </m:sSubPr>
@@ -17049,6 +17079,7 @@
                               <a:solidFill>
                                 <a:schemeClr val="tx1"/>
                               </a:solidFill>
+                              <a:latin typeface="Cambria Math"/>
                             </a:rPr>
                             <m:t>𝑇</m:t>
                           </m:r>
@@ -17059,6 +17090,7 @@
                               <a:solidFill>
                                 <a:schemeClr val="tx1"/>
                               </a:solidFill>
+                              <a:latin typeface="Cambria Math"/>
                             </a:rPr>
                             <m:t>𝑘</m:t>
                           </m:r>
@@ -17069,6 +17101,7 @@
                           <a:solidFill>
                             <a:schemeClr val="tx1"/>
                           </a:solidFill>
+                          <a:latin typeface="Cambria Math"/>
                         </a:rPr>
                         <m:t>+</m:t>
                       </m:r>
@@ -17082,6 +17115,7 @@
                 </a:endParaRPr>
               </a:p>
               <a:p>
+                <a:pPr/>
                 <a14:m>
                   <m:oMathPara xmlns:m="http://schemas.openxmlformats.org/officeDocument/2006/math">
                     <m:oMathParaPr>
@@ -17104,6 +17138,7 @@
                               <a:solidFill>
                                 <a:schemeClr val="tx1"/>
                               </a:solidFill>
+                              <a:latin typeface="Cambria Math"/>
                             </a:rPr>
                           </m:ctrlPr>
                         </m:sSubSupPr>
@@ -17113,6 +17148,7 @@
                               <a:solidFill>
                                 <a:schemeClr val="tx1"/>
                               </a:solidFill>
+                              <a:latin typeface="Cambria Math"/>
                             </a:rPr>
                             <m:t>𝐼</m:t>
                           </m:r>
@@ -17123,6 +17159,7 @@
                               <a:solidFill>
                                 <a:schemeClr val="tx1"/>
                               </a:solidFill>
+                              <a:latin typeface="Cambria Math"/>
                             </a:rPr>
                             <m:t>𝑛𝑜𝑡𝑠𝑡𝑎𝑡𝑒𝑙𝑒𝑠𝑠</m:t>
                           </m:r>
@@ -17133,6 +17170,7 @@
                               <a:solidFill>
                                 <a:schemeClr val="tx1"/>
                               </a:solidFill>
+                              <a:latin typeface="Cambria Math"/>
                             </a:rPr>
                             <m:t>𝑖</m:t>
                           </m:r>
@@ -17143,6 +17181,7 @@
                           <a:solidFill>
                             <a:schemeClr val="tx1"/>
                           </a:solidFill>
+                          <a:latin typeface="Cambria Math"/>
                         </a:rPr>
                         <m:t>∙</m:t>
                       </m:r>
@@ -17153,6 +17192,7 @@
                               <a:solidFill>
                                 <a:schemeClr val="tx1"/>
                               </a:solidFill>
+                              <a:latin typeface="Cambria Math"/>
                             </a:rPr>
                           </m:ctrlPr>
                         </m:dPr>
@@ -17162,6 +17202,7 @@
                               <a:solidFill>
                                 <a:schemeClr val="tx1"/>
                               </a:solidFill>
+                              <a:latin typeface="Cambria Math"/>
                             </a:rPr>
                             <m:t>4+</m:t>
                           </m:r>
@@ -17173,6 +17214,7 @@
                               <a:solidFill>
                                 <a:schemeClr val="tx1"/>
                               </a:solidFill>
+                              <a:latin typeface="Cambria Math"/>
                             </a:rPr>
                             <m:t>min</m:t>
                           </m:r>
@@ -17183,6 +17225,7 @@
                                   <a:solidFill>
                                     <a:schemeClr val="tx1"/>
                                   </a:solidFill>
+                                  <a:latin typeface="Cambria Math"/>
                                 </a:rPr>
                               </m:ctrlPr>
                             </m:dPr>
@@ -17194,6 +17237,7 @@
                                       <a:solidFill>
                                         <a:schemeClr val="tx1"/>
                                       </a:solidFill>
+                                      <a:latin typeface="Cambria Math"/>
                                     </a:rPr>
                                   </m:ctrlPr>
                                 </m:sSubPr>
@@ -17203,6 +17247,7 @@
                                       <a:solidFill>
                                         <a:schemeClr val="tx1"/>
                                       </a:solidFill>
+                                      <a:latin typeface="Cambria Math"/>
                                     </a:rPr>
                                     <m:t>𝑘</m:t>
                                   </m:r>
@@ -17213,6 +17258,7 @@
                                       <a:solidFill>
                                         <a:schemeClr val="tx1"/>
                                       </a:solidFill>
+                                      <a:latin typeface="Cambria Math"/>
                                     </a:rPr>
                                     <m:t>𝑖</m:t>
                                   </m:r>
@@ -17223,6 +17269,7 @@
                                   <a:solidFill>
                                     <a:schemeClr val="tx1"/>
                                   </a:solidFill>
+                                  <a:latin typeface="Cambria Math"/>
                                 </a:rPr>
                                 <m:t>,</m:t>
                               </m:r>
@@ -17233,6 +17280,7 @@
                                       <a:solidFill>
                                         <a:schemeClr val="tx1"/>
                                       </a:solidFill>
+                                      <a:latin typeface="Cambria Math"/>
                                     </a:rPr>
                                   </m:ctrlPr>
                                 </m:sSubPr>
@@ -17242,6 +17290,7 @@
                                       <a:solidFill>
                                         <a:schemeClr val="tx1"/>
                                       </a:solidFill>
+                                      <a:latin typeface="Cambria Math"/>
                                     </a:rPr>
                                     <m:t>𝑛</m:t>
                                   </m:r>
@@ -17252,6 +17301,7 @@
                                       <a:solidFill>
                                         <a:schemeClr val="tx1"/>
                                       </a:solidFill>
+                                      <a:latin typeface="Cambria Math"/>
                                     </a:rPr>
                                     <m:t>𝑖</m:t>
                                   </m:r>
@@ -17264,6 +17314,7 @@
                               <a:solidFill>
                                 <a:schemeClr val="tx1"/>
                               </a:solidFill>
+                              <a:latin typeface="Cambria Math"/>
                             </a:rPr>
                             <m:t>∙</m:t>
                           </m:r>
@@ -17274,6 +17325,7 @@
                                   <a:solidFill>
                                     <a:schemeClr val="tx1"/>
                                   </a:solidFill>
+                                  <a:latin typeface="Cambria Math"/>
                                 </a:rPr>
                               </m:ctrlPr>
                             </m:dPr>
@@ -17283,6 +17335,7 @@
                                   <a:solidFill>
                                     <a:schemeClr val="tx1"/>
                                   </a:solidFill>
+                                  <a:latin typeface="Cambria Math"/>
                                 </a:rPr>
                                 <m:t>7+</m:t>
                               </m:r>
@@ -17293,6 +17346,7 @@
                                       <a:solidFill>
                                         <a:schemeClr val="tx1"/>
                                       </a:solidFill>
+                                      <a:latin typeface="Cambria Math"/>
                                     </a:rPr>
                                   </m:ctrlPr>
                                 </m:sSubPr>
@@ -17302,6 +17356,7 @@
                                       <a:solidFill>
                                         <a:schemeClr val="tx1"/>
                                       </a:solidFill>
+                                      <a:latin typeface="Cambria Math"/>
                                     </a:rPr>
                                     <m:t>𝑇</m:t>
                                   </m:r>
@@ -17312,6 +17367,7 @@
                                       <a:solidFill>
                                         <a:schemeClr val="tx1"/>
                                       </a:solidFill>
+                                      <a:latin typeface="Cambria Math"/>
                                     </a:rPr>
                                     <m:t>𝑙𝑜𝑐𝑎𝑙</m:t>
                                   </m:r>
@@ -17322,6 +17378,7 @@
                                   <a:solidFill>
                                     <a:schemeClr val="tx1"/>
                                   </a:solidFill>
+                                  <a:latin typeface="Cambria Math"/>
                                 </a:rPr>
                                 <m:t>+</m:t>
                               </m:r>
@@ -17332,6 +17389,7 @@
                                       <a:solidFill>
                                         <a:schemeClr val="tx1"/>
                                       </a:solidFill>
+                                      <a:latin typeface="Cambria Math"/>
                                     </a:rPr>
                                   </m:ctrlPr>
                                 </m:sSubPr>
@@ -17341,6 +17399,7 @@
                                       <a:solidFill>
                                         <a:schemeClr val="tx1"/>
                                       </a:solidFill>
+                                      <a:latin typeface="Cambria Math"/>
                                     </a:rPr>
                                     <m:t>𝑇</m:t>
                                   </m:r>
@@ -17351,6 +17410,7 @@
                                       <a:solidFill>
                                         <a:schemeClr val="tx1"/>
                                       </a:solidFill>
+                                      <a:latin typeface="Cambria Math"/>
                                     </a:rPr>
                                     <m:t>𝑐𝑜𝑟𝑟𝑒𝑙𝑎𝑡𝑒</m:t>
                                   </m:r>
@@ -17365,6 +17425,7 @@
                           <a:solidFill>
                             <a:schemeClr val="tx1"/>
                           </a:solidFill>
+                          <a:latin typeface="Cambria Math"/>
                         </a:rPr>
                         <m:t>+</m:t>
                       </m:r>
@@ -17378,6 +17439,7 @@
                 </a:endParaRPr>
               </a:p>
               <a:p>
+                <a:pPr/>
                 <a14:m>
                   <m:oMathPara xmlns:m="http://schemas.openxmlformats.org/officeDocument/2006/math">
                     <m:oMathParaPr>
@@ -17389,6 +17451,7 @@
                           <a:solidFill>
                             <a:schemeClr val="tx1"/>
                           </a:solidFill>
+                          <a:latin typeface="Cambria Math"/>
                         </a:rPr>
                         <m:t>+</m:t>
                       </m:r>
@@ -17399,6 +17462,7 @@
                               <a:solidFill>
                                 <a:schemeClr val="tx1"/>
                               </a:solidFill>
+                              <a:latin typeface="Cambria Math"/>
                             </a:rPr>
                           </m:ctrlPr>
                         </m:sSubSupPr>
@@ -17408,6 +17472,7 @@
                               <a:solidFill>
                                 <a:schemeClr val="tx1"/>
                               </a:solidFill>
+                              <a:latin typeface="Cambria Math"/>
                             </a:rPr>
                             <m:t>𝐼</m:t>
                           </m:r>
@@ -17418,6 +17483,7 @@
                               <a:solidFill>
                                 <a:schemeClr val="tx1"/>
                               </a:solidFill>
+                              <a:latin typeface="Cambria Math"/>
                             </a:rPr>
                             <m:t>𝑛𝑜𝑡𝑠𝑎𝑓𝑒</m:t>
                           </m:r>
@@ -17428,6 +17494,7 @@
                               <a:solidFill>
                                 <a:schemeClr val="tx1"/>
                               </a:solidFill>
+                              <a:latin typeface="Cambria Math"/>
                             </a:rPr>
                             <m:t>𝑖</m:t>
                           </m:r>
@@ -17438,6 +17505,7 @@
                           <a:solidFill>
                             <a:schemeClr val="tx1"/>
                           </a:solidFill>
+                          <a:latin typeface="Cambria Math"/>
                         </a:rPr>
                         <m:t>∙</m:t>
                       </m:r>
@@ -17448,6 +17516,7 @@
                               <a:solidFill>
                                 <a:schemeClr val="tx1"/>
                               </a:solidFill>
+                              <a:latin typeface="Cambria Math"/>
                             </a:rPr>
                           </m:ctrlPr>
                         </m:dPr>
@@ -17459,6 +17528,7 @@
                                   <a:solidFill>
                                     <a:schemeClr val="tx1"/>
                                   </a:solidFill>
+                                  <a:latin typeface="Cambria Math"/>
                                 </a:rPr>
                               </m:ctrlPr>
                             </m:sSubPr>
@@ -17468,6 +17538,7 @@
                                   <a:solidFill>
                                     <a:schemeClr val="tx1"/>
                                   </a:solidFill>
+                                  <a:latin typeface="Cambria Math"/>
                                 </a:rPr>
                                 <m:t>𝑇</m:t>
                               </m:r>
@@ -17478,6 +17549,7 @@
                                   <a:solidFill>
                                     <a:schemeClr val="tx1"/>
                                   </a:solidFill>
+                                  <a:latin typeface="Cambria Math"/>
                                 </a:rPr>
                                 <m:t>𝑘</m:t>
                               </m:r>
@@ -17488,6 +17560,7 @@
                               <a:solidFill>
                                 <a:schemeClr val="tx1"/>
                               </a:solidFill>
+                              <a:latin typeface="Cambria Math"/>
                             </a:rPr>
                             <m:t>+</m:t>
                           </m:r>
@@ -17498,6 +17571,7 @@
                                   <a:solidFill>
                                     <a:schemeClr val="tx1"/>
                                   </a:solidFill>
+                                  <a:latin typeface="Cambria Math"/>
                                 </a:rPr>
                               </m:ctrlPr>
                             </m:sSubPr>
@@ -17507,6 +17581,7 @@
                                   <a:solidFill>
                                     <a:schemeClr val="tx1"/>
                                   </a:solidFill>
+                                  <a:latin typeface="Cambria Math"/>
                                 </a:rPr>
                                 <m:t>𝑚</m:t>
                               </m:r>
@@ -17517,6 +17592,7 @@
                                   <a:solidFill>
                                     <a:schemeClr val="tx1"/>
                                   </a:solidFill>
+                                  <a:latin typeface="Cambria Math"/>
                                 </a:rPr>
                                 <m:t>𝑖</m:t>
                               </m:r>
@@ -17529,6 +17605,7 @@
                                   <a:solidFill>
                                     <a:schemeClr val="tx1"/>
                                   </a:solidFill>
+                                  <a:latin typeface="Cambria Math"/>
                                 </a:rPr>
                               </m:ctrlPr>
                             </m:dPr>
@@ -17538,6 +17615,7 @@
                                   <a:solidFill>
                                     <a:schemeClr val="tx1"/>
                                   </a:solidFill>
+                                  <a:latin typeface="Cambria Math"/>
                                 </a:rPr>
                                 <m:t>1+</m:t>
                               </m:r>
@@ -17548,6 +17626,7 @@
                                       <a:solidFill>
                                         <a:schemeClr val="tx1"/>
                                       </a:solidFill>
+                                      <a:latin typeface="Cambria Math"/>
                                     </a:rPr>
                                   </m:ctrlPr>
                                 </m:sSubSupPr>
@@ -17557,6 +17636,7 @@
                                       <a:solidFill>
                                         <a:schemeClr val="tx1"/>
                                       </a:solidFill>
+                                      <a:latin typeface="Cambria Math"/>
                                     </a:rPr>
                                     <m:t>𝐼</m:t>
                                   </m:r>
@@ -17567,6 +17647,7 @@
                                       <a:solidFill>
                                         <a:schemeClr val="tx1"/>
                                       </a:solidFill>
+                                      <a:latin typeface="Cambria Math"/>
                                     </a:rPr>
                                     <m:t>𝑡</m:t>
                                   </m:r>
@@ -17575,6 +17656,7 @@
                                       <a:solidFill>
                                         <a:schemeClr val="tx1"/>
                                       </a:solidFill>
+                                      <a:latin typeface="Cambria Math"/>
                                     </a:rPr>
                                     <m:t>&lt;</m:t>
                                   </m:r>
@@ -17583,6 +17665,7 @@
                                       <a:solidFill>
                                         <a:schemeClr val="tx1"/>
                                       </a:solidFill>
+                                      <a:latin typeface="Cambria Math"/>
                                     </a:rPr>
                                     <m:t>𝑐𝑢𝑟</m:t>
                                   </m:r>
@@ -17591,6 +17674,7 @@
                                       <a:solidFill>
                                         <a:schemeClr val="tx1"/>
                                       </a:solidFill>
+                                      <a:latin typeface="Cambria Math"/>
                                     </a:rPr>
                                     <m:t>_</m:t>
                                   </m:r>
@@ -17599,6 +17683,7 @@
                                       <a:solidFill>
                                         <a:schemeClr val="tx1"/>
                                       </a:solidFill>
+                                      <a:latin typeface="Cambria Math"/>
                                     </a:rPr>
                                     <m:t>𝑡</m:t>
                                   </m:r>
@@ -17609,6 +17694,7 @@
                                       <a:solidFill>
                                         <a:schemeClr val="tx1"/>
                                       </a:solidFill>
+                                      <a:latin typeface="Cambria Math"/>
                                     </a:rPr>
                                     <m:t>𝑖</m:t>
                                   </m:r>
@@ -17621,6 +17707,7 @@
                                       <a:solidFill>
                                         <a:schemeClr val="tx1"/>
                                       </a:solidFill>
+                                      <a:latin typeface="Cambria Math"/>
                                     </a:rPr>
                                   </m:ctrlPr>
                                 </m:dPr>
@@ -17632,6 +17719,7 @@
                                           <a:solidFill>
                                             <a:schemeClr val="tx1"/>
                                           </a:solidFill>
+                                          <a:latin typeface="Cambria Math"/>
                                         </a:rPr>
                                       </m:ctrlPr>
                                     </m:sSubSupPr>
@@ -17641,6 +17729,7 @@
                                           <a:solidFill>
                                             <a:schemeClr val="tx1"/>
                                           </a:solidFill>
+                                          <a:latin typeface="Cambria Math"/>
                                         </a:rPr>
                                         <m:t>𝑇</m:t>
                                       </m:r>
@@ -17651,6 +17740,7 @@
                                           <a:solidFill>
                                             <a:schemeClr val="tx1"/>
                                           </a:solidFill>
+                                          <a:latin typeface="Cambria Math"/>
                                         </a:rPr>
                                         <m:t>𝑜𝑘</m:t>
                                       </m:r>
@@ -17661,6 +17751,7 @@
                                           <a:solidFill>
                                             <a:schemeClr val="tx1"/>
                                           </a:solidFill>
+                                          <a:latin typeface="Cambria Math"/>
                                         </a:rPr>
                                         <m:t>𝑖</m:t>
                                       </m:r>
@@ -17669,6 +17760,7 @@
                                           <a:solidFill>
                                             <a:schemeClr val="tx1"/>
                                           </a:solidFill>
+                                          <a:latin typeface="Cambria Math"/>
                                         </a:rPr>
                                         <m:t>+1</m:t>
                                       </m:r>
@@ -17679,6 +17771,7 @@
                                       <a:solidFill>
                                         <a:schemeClr val="tx1"/>
                                       </a:solidFill>
+                                      <a:latin typeface="Cambria Math"/>
                                     </a:rPr>
                                     <m:t>+1</m:t>
                                   </m:r>
@@ -18025,7 +18118,7 @@
             </p:txBody>
           </p:sp>
         </mc:Choice>
-        <mc:Fallback>
+        <mc:Fallback xmlns="">
           <p:sp>
             <p:nvSpPr>
               <p:cNvPr id="20483" name="Подзаголовок 2"/>
@@ -19167,12 +19260,20 @@
                 <a:defRPr/>
               </a:pPr>
               <a:r>
+                <a:rPr lang="ru-RU" sz="2000" dirty="0" smtClean="0">
+                  <a:solidFill>
+                    <a:schemeClr val="tx1"/>
+                  </a:solidFill>
+                </a:rPr>
+                <a:t> открывает/закрывает </a:t>
+              </a:r>
+              <a:r>
                 <a:rPr lang="ru-RU" sz="2000" dirty="0">
                   <a:solidFill>
                     <a:schemeClr val="tx1"/>
                   </a:solidFill>
                 </a:rPr>
-                <a:t>открывает/закрывает двери</a:t>
+                <a:t>двери</a:t>
               </a:r>
             </a:p>
             <a:p>
@@ -19187,7 +19288,15 @@
                     <a:schemeClr val="tx1"/>
                   </a:solidFill>
                 </a:rPr>
-                <a:t>ходит на перерыв</a:t>
+                <a:t> ходит </a:t>
+              </a:r>
+              <a:r>
+                <a:rPr lang="ru-RU" sz="2000" dirty="0" smtClean="0">
+                  <a:solidFill>
+                    <a:schemeClr val="tx1"/>
+                  </a:solidFill>
+                </a:rPr>
+                <a:t>на перерыв</a:t>
               </a:r>
               <a:endParaRPr lang="ru-RU" sz="2000" dirty="0">
                 <a:solidFill>
@@ -19202,12 +19311,20 @@
                 <a:defRPr/>
               </a:pPr>
               <a:r>
+                <a:rPr lang="ru-RU" sz="2000" dirty="0" smtClean="0">
+                  <a:solidFill>
+                    <a:schemeClr val="tx1"/>
+                  </a:solidFill>
+                </a:rPr>
+                <a:t> ходит </a:t>
+              </a:r>
+              <a:r>
                 <a:rPr lang="ru-RU" sz="2000" dirty="0">
                   <a:solidFill>
                     <a:schemeClr val="tx1"/>
                   </a:solidFill>
                 </a:rPr>
-                <a:t>ходит покурить</a:t>
+                <a:t>покурить</a:t>
               </a:r>
             </a:p>
             <a:p>
@@ -19217,12 +19334,20 @@
                 <a:defRPr/>
               </a:pPr>
               <a:r>
+                <a:rPr lang="ru-RU" sz="2000" dirty="0" smtClean="0">
+                  <a:solidFill>
+                    <a:schemeClr val="tx1"/>
+                  </a:solidFill>
+                </a:rPr>
+                <a:t> приглашает </a:t>
+              </a:r>
+              <a:r>
                 <a:rPr lang="ru-RU" sz="2000" dirty="0">
                   <a:solidFill>
                     <a:schemeClr val="tx1"/>
                   </a:solidFill>
                 </a:rPr>
-                <a:t>приглашает покурить кассира2</a:t>
+                <a:t>покурить кассира2</a:t>
               </a:r>
             </a:p>
             <a:p>
@@ -19232,12 +19357,28 @@
                 <a:defRPr/>
               </a:pPr>
               <a:r>
+                <a:rPr lang="ru-RU" sz="2000" dirty="0" smtClean="0">
+                  <a:solidFill>
+                    <a:schemeClr val="tx1"/>
+                  </a:solidFill>
+                </a:rPr>
+                <a:t> может </a:t>
+              </a:r>
+              <a:r>
                 <a:rPr lang="ru-RU" sz="2000" dirty="0">
                   <a:solidFill>
                     <a:schemeClr val="tx1"/>
                   </a:solidFill>
                 </a:rPr>
-                <a:t>может заподозрить кражу товара </a:t>
+                <a:t>заподозрить кражу </a:t>
+              </a:r>
+              <a:r>
+                <a:rPr lang="ru-RU" sz="2000" dirty="0" smtClean="0">
+                  <a:solidFill>
+                    <a:schemeClr val="tx1"/>
+                  </a:solidFill>
+                </a:rPr>
+                <a:t>	товара </a:t>
               </a:r>
               <a:r>
                 <a:rPr lang="ru-RU" sz="2000" dirty="0" smtClean="0">
@@ -19281,12 +19422,20 @@
                 <a:defRPr/>
               </a:pPr>
               <a:r>
+                <a:rPr lang="ru-RU" sz="2000" dirty="0" smtClean="0">
+                  <a:solidFill>
+                    <a:schemeClr val="tx1"/>
+                  </a:solidFill>
+                </a:rPr>
+                <a:t> обслуживает </a:t>
+              </a:r>
+              <a:r>
                 <a:rPr lang="ru-RU" sz="2000" dirty="0">
                   <a:solidFill>
                     <a:schemeClr val="tx1"/>
                   </a:solidFill>
                 </a:rPr>
-                <a:t>обслуживает покупателей</a:t>
+                <a:t>покупателей</a:t>
               </a:r>
             </a:p>
             <a:p>
@@ -19296,12 +19445,12 @@
                 <a:defRPr/>
               </a:pPr>
               <a:r>
-                <a:rPr lang="ru-RU" sz="2000" dirty="0">
+                <a:rPr lang="ru-RU" sz="2000" dirty="0" smtClean="0">
                   <a:solidFill>
                     <a:schemeClr val="tx1"/>
                   </a:solidFill>
                 </a:rPr>
-                <a:t>ходит </a:t>
+                <a:t> ходит </a:t>
               </a:r>
               <a:r>
                 <a:rPr lang="ru-RU" sz="2000" dirty="0" smtClean="0">
@@ -19575,12 +19724,20 @@
                 <a:defRPr/>
               </a:pPr>
               <a:r>
+                <a:rPr lang="ru-RU" sz="2000" dirty="0" smtClean="0">
+                  <a:solidFill>
+                    <a:schemeClr val="tx1"/>
+                  </a:solidFill>
+                </a:rPr>
+                <a:t> обслуживает </a:t>
+              </a:r>
+              <a:r>
                 <a:rPr lang="ru-RU" sz="2000" dirty="0">
                   <a:solidFill>
                     <a:schemeClr val="tx1"/>
                   </a:solidFill>
                 </a:rPr>
-                <a:t>обслуживает покупателей</a:t>
+                <a:t>покупателей</a:t>
               </a:r>
             </a:p>
             <a:p>
@@ -19590,12 +19747,12 @@
                 <a:defRPr/>
               </a:pPr>
               <a:r>
-                <a:rPr lang="ru-RU" sz="2000" dirty="0">
+                <a:rPr lang="ru-RU" sz="2000" dirty="0" smtClean="0">
                   <a:solidFill>
                     <a:schemeClr val="tx1"/>
                   </a:solidFill>
                 </a:rPr>
-                <a:t>ходит </a:t>
+                <a:t> ходит </a:t>
               </a:r>
               <a:r>
                 <a:rPr lang="ru-RU" sz="2000" dirty="0" smtClean="0">
@@ -19618,12 +19775,20 @@
                 <a:defRPr/>
               </a:pPr>
               <a:r>
+                <a:rPr lang="ru-RU" sz="2000" dirty="0" smtClean="0">
+                  <a:solidFill>
+                    <a:schemeClr val="tx1"/>
+                  </a:solidFill>
+                </a:rPr>
+                <a:t> ходит </a:t>
+              </a:r>
+              <a:r>
                 <a:rPr lang="ru-RU" sz="2000" dirty="0">
                   <a:solidFill>
                     <a:schemeClr val="tx1"/>
                   </a:solidFill>
                 </a:rPr>
-                <a:t>ходит с охранником </a:t>
+                <a:t>с охранником </a:t>
               </a:r>
               <a:r>
                 <a:rPr lang="ru-RU" sz="2000" dirty="0" smtClean="0">
@@ -19686,12 +19851,20 @@
                 <a:defRPr/>
               </a:pPr>
               <a:r>
+                <a:rPr lang="ru-RU" sz="2000" dirty="0" smtClean="0">
+                  <a:solidFill>
+                    <a:schemeClr val="tx1"/>
+                  </a:solidFill>
+                </a:rPr>
+                <a:t> набирает </a:t>
+              </a:r>
+              <a:r>
                 <a:rPr lang="ru-RU" sz="2000" dirty="0">
                   <a:solidFill>
                     <a:schemeClr val="tx1"/>
                   </a:solidFill>
                 </a:rPr>
-                <a:t>набирает товары</a:t>
+                <a:t>товары</a:t>
               </a:r>
             </a:p>
             <a:p>
@@ -19701,12 +19874,20 @@
                 <a:defRPr/>
               </a:pPr>
               <a:r>
+                <a:rPr lang="ru-RU" sz="2000" dirty="0" smtClean="0">
+                  <a:solidFill>
+                    <a:schemeClr val="tx1"/>
+                  </a:solidFill>
+                </a:rPr>
+                <a:t> ворует </a:t>
+              </a:r>
+              <a:r>
                 <a:rPr lang="ru-RU" sz="2000" dirty="0">
                   <a:solidFill>
                     <a:schemeClr val="tx1"/>
                   </a:solidFill>
                 </a:rPr>
-                <a:t>ворует товары</a:t>
+                <a:t>товары</a:t>
               </a:r>
             </a:p>
             <a:p>
@@ -19716,12 +19897,20 @@
                 <a:defRPr/>
               </a:pPr>
               <a:r>
+                <a:rPr lang="ru-RU" sz="2000" dirty="0" smtClean="0">
+                  <a:solidFill>
+                    <a:schemeClr val="tx1"/>
+                  </a:solidFill>
+                </a:rPr>
+                <a:t> обслуживается </a:t>
+              </a:r>
+              <a:r>
                 <a:rPr lang="ru-RU" sz="2000" dirty="0">
                   <a:solidFill>
                     <a:schemeClr val="tx1"/>
                   </a:solidFill>
                 </a:rPr>
-                <a:t>обслуживается на </a:t>
+                <a:t>на </a:t>
               </a:r>
               <a:r>
                 <a:rPr lang="ru-RU" sz="2000" dirty="0" smtClean="0">
@@ -19782,7 +19971,23 @@
                     <a:schemeClr val="tx1"/>
                   </a:solidFill>
                 </a:rPr>
-                <a:t> – реактивный агент</a:t>
+                <a:t> – </a:t>
+              </a:r>
+              <a:r>
+                <a:rPr lang="ru-RU" sz="2000" dirty="0" smtClean="0">
+                  <a:solidFill>
+                    <a:schemeClr val="tx1"/>
+                  </a:solidFill>
+                </a:rPr>
+                <a:t>	реактивный </a:t>
+              </a:r>
+              <a:r>
+                <a:rPr lang="ru-RU" sz="2000" dirty="0">
+                  <a:solidFill>
+                    <a:schemeClr val="tx1"/>
+                  </a:solidFill>
+                </a:rPr>
+                <a:t>агент</a:t>
               </a:r>
             </a:p>
             <a:p>
@@ -41255,14 +41460,14 @@
           <p:nvPr>
             <p:extLst>
               <p:ext uri="{D42A27DB-BD31-4B8C-83A1-F6EECF244321}">
-                <p14:modId xmlns:p14="http://schemas.microsoft.com/office/powerpoint/2010/main" val="2067855295"/>
+                <p14:modId xmlns:p14="http://schemas.microsoft.com/office/powerpoint/2010/main" val="3984406687"/>
               </p:ext>
             </p:extLst>
           </p:nvPr>
         </p:nvGraphicFramePr>
         <p:xfrm>
           <a:off x="323528" y="1052736"/>
-          <a:ext cx="3816424" cy="5545341"/>
+          <a:ext cx="3960440" cy="5545341"/>
         </p:xfrm>
         <a:graphic>
           <a:graphicData uri="http://schemas.openxmlformats.org/drawingml/2006/table">
@@ -41271,9 +41476,9 @@
                 <a:tableStyleId>{5C22544A-7EE6-4342-B048-85BDC9FD1C3A}</a:tableStyleId>
               </a:tblPr>
               <a:tblGrid>
-                <a:gridCol w="2376264"/>
-                <a:gridCol w="648072"/>
-                <a:gridCol w="792088"/>
+                <a:gridCol w="2465934"/>
+                <a:gridCol w="672528"/>
+                <a:gridCol w="821978"/>
               </a:tblGrid>
               <a:tr h="280452">
                 <a:tc>
@@ -41300,12 +41505,12 @@
                     <a:p>
                       <a:pPr algn="ctr" fontAlgn="b"/>
                       <a:r>
-                        <a:rPr lang="en-US" sz="1600" u="none" strike="noStrike">
+                        <a:rPr lang="en-US" sz="1600" b="1" u="none" strike="noStrike" dirty="0">
                           <a:effectLst/>
                         </a:rPr>
                         <a:t>Time Warp</a:t>
                       </a:r>
-                      <a:endParaRPr lang="en-US" sz="1600" b="0" i="0" u="none" strike="noStrike">
+                      <a:endParaRPr lang="en-US" sz="1600" b="1" i="0" u="none" strike="noStrike" dirty="0">
                         <a:solidFill>
                           <a:srgbClr val="000000"/>
                         </a:solidFill>
@@ -41314,7 +41519,7 @@
                       </a:endParaRPr>
                     </a:p>
                   </a:txBody>
-                  <a:tcPr marL="9525" marR="9525" marT="9525" marB="0" anchor="b"/>
+                  <a:tcPr marL="9525" marR="9525" marT="9525" marB="0" anchor="ctr"/>
                 </a:tc>
                 <a:tc>
                   <a:txBody>
@@ -41323,12 +41528,12 @@
                     <a:p>
                       <a:pPr algn="ctr" fontAlgn="b"/>
                       <a:r>
-                        <a:rPr lang="en-US" sz="1600" u="none" strike="noStrike" dirty="0" smtClean="0">
+                        <a:rPr lang="en-US" sz="1600" b="1" u="none" strike="noStrike" dirty="0" smtClean="0">
                           <a:effectLst/>
                         </a:rPr>
                         <a:t>KBASA</a:t>
                       </a:r>
-                      <a:endParaRPr lang="en-US" sz="1600" b="0" i="0" u="none" strike="noStrike" dirty="0">
+                      <a:endParaRPr lang="en-US" sz="1600" b="1" i="0" u="none" strike="noStrike" dirty="0">
                         <a:solidFill>
                           <a:srgbClr val="000000"/>
                         </a:solidFill>
@@ -41337,7 +41542,7 @@
                       </a:endParaRPr>
                     </a:p>
                   </a:txBody>
-                  <a:tcPr marL="9525" marR="9525" marT="9525" marB="0" anchor="b"/>
+                  <a:tcPr marL="9525" marR="9525" marT="9525" marB="0" anchor="ctr"/>
                 </a:tc>
               </a:tr>
               <a:tr h="280452">
@@ -42175,12 +42380,12 @@
                     <a:p>
                       <a:pPr algn="ctr" fontAlgn="b"/>
                       <a:r>
-                        <a:rPr lang="ru-RU" sz="1600" u="none" strike="noStrike">
+                        <a:rPr lang="ru-RU" sz="1600" u="none" strike="noStrike" dirty="0">
                           <a:effectLst/>
                         </a:rPr>
                         <a:t>0,2</a:t>
                       </a:r>
-                      <a:endParaRPr lang="ru-RU" sz="1600" b="0" i="0" u="none" strike="noStrike">
+                      <a:endParaRPr lang="ru-RU" sz="1600" b="0" i="0" u="none" strike="noStrike" dirty="0">
                         <a:solidFill>
                           <a:srgbClr val="000000"/>
                         </a:solidFill>
@@ -42630,7 +42835,7 @@
         </p:nvGrpSpPr>
         <p:grpSpPr>
           <a:xfrm>
-            <a:off x="4860032" y="1052736"/>
+            <a:off x="4716016" y="980728"/>
             <a:ext cx="4572857" cy="5551512"/>
             <a:chOff x="4571143" y="1052736"/>
             <a:chExt cx="4572857" cy="5551512"/>
@@ -42645,7 +42850,7 @@
             <p:nvPr>
               <p:extLst>
                 <p:ext uri="{D42A27DB-BD31-4B8C-83A1-F6EECF244321}">
-                  <p14:modId xmlns:p14="http://schemas.microsoft.com/office/powerpoint/2010/main" val="151754674"/>
+                  <p14:modId xmlns:p14="http://schemas.microsoft.com/office/powerpoint/2010/main" val="3547421531"/>
                 </p:ext>
               </p:extLst>
             </p:nvPr>
@@ -42669,7 +42874,7 @@
             <p:nvPr>
               <p:extLst>
                 <p:ext uri="{D42A27DB-BD31-4B8C-83A1-F6EECF244321}">
-                  <p14:modId xmlns:p14="http://schemas.microsoft.com/office/powerpoint/2010/main" val="1060577368"/>
+                  <p14:modId xmlns:p14="http://schemas.microsoft.com/office/powerpoint/2010/main" val="1744538816"/>
                 </p:ext>
               </p:extLst>
             </p:nvPr>
@@ -42866,9 +43071,9 @@
         <p:grpSpPr>
           <a:xfrm>
             <a:off x="2339752" y="908720"/>
-            <a:ext cx="6573745" cy="936104"/>
+            <a:ext cx="6598000" cy="936104"/>
             <a:chOff x="2339752" y="908720"/>
-            <a:chExt cx="6573745" cy="936104"/>
+            <a:chExt cx="6598000" cy="936104"/>
           </a:xfrm>
         </p:grpSpPr>
         <p:sp>
@@ -42920,15 +43125,13 @@
         <p:cxnSp>
           <p:nvCxnSpPr>
             <p:cNvPr id="6" name="Прямая со стрелкой 5"/>
-            <p:cNvCxnSpPr>
-              <a:stCxn id="8" idx="1"/>
-            </p:cNvCxnSpPr>
+            <p:cNvCxnSpPr/>
             <p:nvPr/>
           </p:nvCxnSpPr>
           <p:spPr>
             <a:xfrm flipH="1">
-              <a:off x="5292080" y="1231886"/>
-              <a:ext cx="1101137" cy="78772"/>
+              <a:off x="5292082" y="1231886"/>
+              <a:ext cx="936102" cy="78772"/>
             </a:xfrm>
             <a:prstGeom prst="straightConnector1">
               <a:avLst/>
@@ -42963,8 +43166,8 @@
           </p:nvSpPr>
           <p:spPr>
             <a:xfrm>
-              <a:off x="6393217" y="908720"/>
-              <a:ext cx="2520280" cy="646331"/>
+              <a:off x="6084168" y="908720"/>
+              <a:ext cx="2853584" cy="646331"/>
             </a:xfrm>
             <a:prstGeom prst="rect">
               <a:avLst/>
@@ -42984,7 +43187,15 @@
                     <a:srgbClr val="FF0000"/>
                   </a:solidFill>
                 </a:rPr>
-                <a:t>Элементы онтологии предметной области</a:t>
+                <a:t>Элементы онтологии </a:t>
+              </a:r>
+              <a:r>
+                <a:rPr lang="ru-RU" b="1" dirty="0" smtClean="0">
+                  <a:solidFill>
+                    <a:srgbClr val="FF0000"/>
+                  </a:solidFill>
+                </a:rPr>
+                <a:t>предметной области</a:t>
               </a:r>
               <a:endParaRPr lang="ru-RU" b="1" dirty="0">
                 <a:solidFill>
@@ -43004,9 +43215,9 @@
         <p:grpSpPr>
           <a:xfrm>
             <a:off x="122380" y="1621165"/>
-            <a:ext cx="8849253" cy="5026730"/>
+            <a:ext cx="9029802" cy="5026730"/>
             <a:chOff x="122380" y="1621165"/>
-            <a:chExt cx="8849253" cy="5026730"/>
+            <a:chExt cx="9029802" cy="5026730"/>
           </a:xfrm>
         </p:grpSpPr>
         <p:sp>
@@ -43162,8 +43373,8 @@
           </p:nvCxnSpPr>
           <p:spPr>
             <a:xfrm flipH="1">
-              <a:off x="5842648" y="1876182"/>
-              <a:ext cx="1058802" cy="184666"/>
+              <a:off x="5842648" y="1968515"/>
+              <a:ext cx="1058802" cy="92333"/>
             </a:xfrm>
             <a:prstGeom prst="straightConnector1">
               <a:avLst/>
@@ -43198,8 +43409,8 @@
           </p:nvSpPr>
           <p:spPr>
             <a:xfrm>
-              <a:off x="6901449" y="1691516"/>
-              <a:ext cx="2070184" cy="369332"/>
+              <a:off x="6912789" y="1830015"/>
+              <a:ext cx="2239393" cy="369332"/>
             </a:xfrm>
             <a:prstGeom prst="rect">
               <a:avLst/>
@@ -43512,7 +43723,7 @@
                   <a:schemeClr val="tx1"/>
                 </a:solidFill>
               </a:rPr>
-              <a:t>алгоритм </a:t>
+              <a:t> алгоритм </a:t>
             </a:r>
             <a:r>
               <a:rPr lang="en-US" sz="2600" dirty="0" smtClean="0">
@@ -43535,7 +43746,15 @@
                   <a:schemeClr val="tx1"/>
                 </a:solidFill>
               </a:rPr>
-              <a:t>новые алгоритмы синхронизации</a:t>
+              <a:t> новые </a:t>
+            </a:r>
+            <a:r>
+              <a:rPr lang="ru-RU" sz="2600" dirty="0" smtClean="0">
+                <a:solidFill>
+                  <a:schemeClr val="tx1"/>
+                </a:solidFill>
+              </a:rPr>
+              <a:t>алгоритмы синхронизации</a:t>
             </a:r>
             <a:endParaRPr lang="en-US" sz="2600" dirty="0" smtClean="0">
               <a:solidFill>
@@ -43555,7 +43774,15 @@
                   <a:schemeClr val="tx1"/>
                 </a:solidFill>
               </a:rPr>
-              <a:t>средства сбора статистики</a:t>
+              <a:t> средства </a:t>
+            </a:r>
+            <a:r>
+              <a:rPr lang="ru-RU" sz="2600" dirty="0" smtClean="0">
+                <a:solidFill>
+                  <a:schemeClr val="tx1"/>
+                </a:solidFill>
+              </a:rPr>
+              <a:t>сбора статистики</a:t>
             </a:r>
           </a:p>
           <a:p>
@@ -43564,6 +43791,14 @@
               <a:buChar char="•"/>
               <a:defRPr/>
             </a:pPr>
+            <a:r>
+              <a:rPr lang="ru-RU" sz="2600" dirty="0" smtClean="0">
+                <a:solidFill>
+                  <a:schemeClr val="tx1"/>
+                </a:solidFill>
+              </a:rPr>
+              <a:t> </a:t>
+            </a:r>
             <a:r>
               <a:rPr lang="en-US" sz="2600" dirty="0" smtClean="0">
                 <a:solidFill>
@@ -43963,11 +44198,7 @@
                     <a:p>
                       <a:r>
                         <a:rPr lang="en-US" b="0" dirty="0" smtClean="0"/>
-                        <a:t>Scala </a:t>
-                      </a:r>
-                      <a:r>
-                        <a:rPr lang="en-US" b="0" dirty="0" smtClean="0"/>
-                        <a:t>2.10</a:t>
+                        <a:t>Scala 2.10</a:t>
                       </a:r>
                       <a:endParaRPr lang="ru-RU" b="0" dirty="0"/>
                     </a:p>
@@ -46392,8 +46623,8 @@
         </p:nvSpPr>
         <p:spPr bwMode="auto">
           <a:xfrm>
-            <a:off x="5580112" y="3550989"/>
-            <a:ext cx="3171825" cy="2600325"/>
+            <a:off x="5292080" y="3356993"/>
+            <a:ext cx="3459857" cy="2794322"/>
           </a:xfrm>
           <a:prstGeom prst="rect">
             <a:avLst/>
@@ -46859,7 +47090,7 @@
         </p:blipFill>
         <p:spPr bwMode="auto">
           <a:xfrm>
-            <a:off x="1043608" y="3213831"/>
+            <a:off x="899592" y="3202697"/>
             <a:ext cx="4104456" cy="3274642"/>
           </a:xfrm>
           <a:prstGeom prst="rect">
@@ -47351,7 +47582,7 @@
           <a:p>
             <a:pPr eaLnBrk="1" hangingPunct="1"/>
             <a:r>
-              <a:rPr lang="ru-RU" sz="4000" b="1" i="1" smtClean="0">
+              <a:rPr lang="ru-RU" sz="4000" b="1" i="1" dirty="0" smtClean="0">
                 <a:latin typeface="Georgia" pitchFamily="18" charset="0"/>
               </a:rPr>
               <a:t>Сравнение алгоритмов</a:t>
@@ -47435,27 +47666,27 @@
           <p:nvPr>
             <p:extLst>
               <p:ext uri="{D42A27DB-BD31-4B8C-83A1-F6EECF244321}">
-                <p14:modId xmlns:p14="http://schemas.microsoft.com/office/powerpoint/2010/main" val="3915440996"/>
+                <p14:modId xmlns:p14="http://schemas.microsoft.com/office/powerpoint/2010/main" val="594776724"/>
               </p:ext>
             </p:extLst>
           </p:nvPr>
         </p:nvGraphicFramePr>
         <p:xfrm>
-          <a:off x="139700" y="779463"/>
-          <a:ext cx="8896349" cy="5889898"/>
+          <a:off x="107504" y="836712"/>
+          <a:ext cx="8896349" cy="5726286"/>
         </p:xfrm>
         <a:graphic>
           <a:graphicData uri="http://schemas.openxmlformats.org/drawingml/2006/table">
             <a:tbl>
               <a:tblPr firstRow="1" firstCol="1" bandRow="1">
-                <a:tableStyleId>{5C22544A-7EE6-4342-B048-85BDC9FD1C3A}</a:tableStyleId>
+                <a:tableStyleId>{7DF18680-E054-41AD-8BC1-D1AEF772440D}</a:tableStyleId>
               </a:tblPr>
               <a:tblGrid>
-                <a:gridCol w="3280172"/>
-                <a:gridCol w="2952015"/>
+                <a:gridCol w="3528392"/>
+                <a:gridCol w="2703795"/>
                 <a:gridCol w="2664162"/>
               </a:tblGrid>
-              <a:tr h="518345">
+              <a:tr h="747687">
                 <a:tc>
                   <a:txBody>
                     <a:bodyPr/>
@@ -47471,9 +47702,6 @@
                       </a:pPr>
                       <a:r>
                         <a:rPr lang="ru-RU" sz="2100" u="none" dirty="0">
-                          <a:solidFill>
-                            <a:schemeClr val="tx1"/>
-                          </a:solidFill>
                           <a:effectLst/>
                         </a:rPr>
                         <a:t>Признак сравнения</a:t>
@@ -47506,9 +47734,6 @@
                       </a:pPr>
                       <a:r>
                         <a:rPr lang="en-US" sz="2100" u="none" dirty="0">
-                          <a:solidFill>
-                            <a:schemeClr val="tx1"/>
-                          </a:solidFill>
                           <a:effectLst/>
                         </a:rPr>
                         <a:t>Null Messages Algorithm</a:t>
@@ -47541,9 +47766,6 @@
                       </a:pPr>
                       <a:r>
                         <a:rPr lang="en-US" sz="2100" u="none" dirty="0">
-                          <a:solidFill>
-                            <a:schemeClr val="tx1"/>
-                          </a:solidFill>
                           <a:effectLst/>
                         </a:rPr>
                         <a:t>Time Warp Algorithm</a:t>
@@ -47562,7 +47784,7 @@
                   <a:tcPr marL="56181" marR="56181" marT="0" marB="0" anchor="ctr"/>
                 </a:tc>
               </a:tr>
-              <a:tr h="632824">
+              <a:tr h="547354">
                 <a:tc>
                   <a:txBody>
                     <a:bodyPr/>
@@ -47577,31 +47799,10 @@
                         </a:spcAft>
                       </a:pPr>
                       <a:r>
-                        <a:rPr lang="ru-RU" sz="1600" dirty="0">
-                          <a:solidFill>
-                            <a:schemeClr val="tx1"/>
-                          </a:solidFill>
-                          <a:effectLst/>
-                        </a:rPr>
-                        <a:t>Требует пересылки сообщений по </a:t>
-                      </a:r>
-                      <a:r>
-                        <a:rPr lang="ru-RU" sz="1600" dirty="0" err="1">
-                          <a:solidFill>
-                            <a:schemeClr val="tx1"/>
-                          </a:solidFill>
-                          <a:effectLst/>
-                        </a:rPr>
-                        <a:t>неубыванию</a:t>
-                      </a:r>
-                      <a:r>
-                        <a:rPr lang="ru-RU" sz="1600" dirty="0">
-                          <a:solidFill>
-                            <a:schemeClr val="tx1"/>
-                          </a:solidFill>
-                          <a:effectLst/>
-                        </a:rPr>
-                        <a:t> временных меток</a:t>
+                        <a:rPr lang="ru-RU" sz="1600" dirty="0" smtClean="0">
+                          <a:effectLst/>
+                        </a:rPr>
+                        <a:t>Требует строгий порядок пересылки</a:t>
                       </a:r>
                       <a:endParaRPr lang="ru-RU" sz="1600" dirty="0">
                         <a:solidFill>
@@ -47630,12 +47831,12 @@
                         </a:spcAft>
                       </a:pPr>
                       <a:r>
-                        <a:rPr lang="ru-RU" sz="1600">
+                        <a:rPr lang="ru-RU" sz="1600" dirty="0">
                           <a:effectLst/>
                         </a:rPr>
                         <a:t>Да</a:t>
                       </a:r>
-                      <a:endParaRPr lang="ru-RU" sz="1600">
+                      <a:endParaRPr lang="ru-RU" sz="1600" dirty="0">
                         <a:effectLst/>
                         <a:latin typeface="Times New Roman"/>
                         <a:ea typeface="Calibri"/>
@@ -47675,7 +47876,7 @@
                   <a:tcPr marL="56181" marR="56181" marT="0" marB="0" anchor="ctr"/>
                 </a:tc>
               </a:tr>
-              <a:tr h="316412">
+              <a:tr h="547354">
                 <a:tc>
                   <a:txBody>
                     <a:bodyPr/>
@@ -47691,36 +47892,24 @@
                       </a:pPr>
                       <a:r>
                         <a:rPr lang="ru-RU" sz="1600" dirty="0">
-                          <a:solidFill>
-                            <a:schemeClr val="tx1"/>
-                          </a:solidFill>
                           <a:effectLst/>
                         </a:rPr>
                         <a:t>Требует </a:t>
                       </a:r>
                       <a:r>
                         <a:rPr lang="ru-RU" sz="1600" dirty="0" err="1" smtClean="0">
-                          <a:solidFill>
-                            <a:schemeClr val="tx1"/>
-                          </a:solidFill>
                           <a:effectLst/>
                         </a:rPr>
                         <a:t>фиксир</a:t>
                       </a:r>
                       <a:r>
                         <a:rPr lang="ru-RU" sz="1600" dirty="0" smtClean="0">
-                          <a:solidFill>
-                            <a:schemeClr val="tx1"/>
-                          </a:solidFill>
                           <a:effectLst/>
                         </a:rPr>
                         <a:t>. </a:t>
                       </a:r>
                       <a:r>
                         <a:rPr lang="ru-RU" sz="1600" dirty="0">
-                          <a:solidFill>
-                            <a:schemeClr val="tx1"/>
-                          </a:solidFill>
                           <a:effectLst/>
                         </a:rPr>
                         <a:t>топологию сети</a:t>
@@ -47752,12 +47941,12 @@
                         </a:spcAft>
                       </a:pPr>
                       <a:r>
-                        <a:rPr lang="ru-RU" sz="1600">
+                        <a:rPr lang="ru-RU" sz="1600" dirty="0">
                           <a:effectLst/>
                         </a:rPr>
                         <a:t>Да</a:t>
                       </a:r>
-                      <a:endParaRPr lang="ru-RU" sz="1600">
+                      <a:endParaRPr lang="ru-RU" sz="1600" dirty="0">
                         <a:effectLst/>
                         <a:latin typeface="Times New Roman"/>
                         <a:ea typeface="Calibri"/>
@@ -47797,7 +47986,7 @@
                   <a:tcPr marL="56181" marR="56181" marT="0" marB="0" anchor="ctr"/>
                 </a:tc>
               </a:tr>
-              <a:tr h="685071">
+              <a:tr h="547354">
                 <a:tc>
                   <a:txBody>
                     <a:bodyPr/>
@@ -47812,22 +48001,22 @@
                         </a:spcAft>
                       </a:pPr>
                       <a:r>
+                        <a:rPr lang="ru-RU" sz="1600" dirty="0">
+                          <a:effectLst/>
+                        </a:rPr>
+                        <a:t>Требует механизм </a:t>
+                      </a:r>
+                      <a:r>
+                        <a:rPr lang="ru-RU" sz="1600" dirty="0" err="1" smtClean="0">
+                          <a:effectLst/>
+                        </a:rPr>
+                        <a:t>устран</a:t>
+                      </a:r>
+                      <a:r>
                         <a:rPr lang="ru-RU" sz="1600" dirty="0" smtClean="0">
-                          <a:solidFill>
-                            <a:schemeClr val="tx1"/>
-                          </a:solidFill>
-                          <a:effectLst/>
-                        </a:rPr>
-                        <a:t>Требует доставки сообщений в </a:t>
-                      </a:r>
-                      <a:r>
-                        <a:rPr lang="ru-RU" sz="1600" dirty="0">
-                          <a:solidFill>
-                            <a:schemeClr val="tx1"/>
-                          </a:solidFill>
-                          <a:effectLst/>
-                        </a:rPr>
-                        <a:t>порядке их отправления</a:t>
+                          <a:effectLst/>
+                        </a:rPr>
+                        <a:t>. тупиков</a:t>
                       </a:r>
                       <a:endParaRPr lang="ru-RU" sz="1600" dirty="0">
                         <a:solidFill>
@@ -47901,7 +48090,7 @@
                   <a:tcPr marL="56181" marR="56181" marT="0" marB="0" anchor="ctr"/>
                 </a:tc>
               </a:tr>
-              <a:tr h="632824">
+              <a:tr h="547354">
                 <a:tc>
                   <a:txBody>
                     <a:bodyPr/>
@@ -47917,12 +48106,27 @@
                       </a:pPr>
                       <a:r>
                         <a:rPr lang="ru-RU" sz="1600" dirty="0">
-                          <a:solidFill>
-                            <a:schemeClr val="tx1"/>
-                          </a:solidFill>
-                          <a:effectLst/>
-                        </a:rPr>
-                        <a:t>Требует механизм разрешения тупиков</a:t>
+                          <a:effectLst/>
+                        </a:rPr>
+                        <a:t>Требует наличия </a:t>
+                      </a:r>
+                      <a:r>
+                        <a:rPr lang="ru-RU" sz="1600" dirty="0" err="1" smtClean="0">
+                          <a:effectLst/>
+                        </a:rPr>
+                        <a:t>служ</a:t>
+                      </a:r>
+                      <a:r>
+                        <a:rPr lang="ru-RU" sz="1600" dirty="0" smtClean="0">
+                          <a:effectLst/>
+                        </a:rPr>
+                        <a:t>. </a:t>
+                      </a:r>
+                      <a:r>
+                        <a:rPr lang="ru-RU" sz="1600" dirty="0">
+                          <a:effectLst/>
+                        </a:rPr>
+                        <a:t>сообщений</a:t>
                       </a:r>
                       <a:endParaRPr lang="ru-RU" sz="1600" dirty="0">
                         <a:solidFill>
@@ -47954,7 +48158,7 @@
                         <a:rPr lang="ru-RU" sz="1600" dirty="0">
                           <a:effectLst/>
                         </a:rPr>
-                        <a:t>Да</a:t>
+                        <a:t>Да (нулевые сообщения)</a:t>
                       </a:r>
                       <a:endParaRPr lang="ru-RU" sz="1600" dirty="0">
                         <a:effectLst/>
@@ -47980,12 +48184,30 @@
                         </a:spcAft>
                       </a:pPr>
                       <a:r>
-                        <a:rPr lang="ru-RU" sz="1600">
-                          <a:effectLst/>
-                        </a:rPr>
-                        <a:t>Нет</a:t>
-                      </a:r>
-                      <a:endParaRPr lang="ru-RU" sz="1600">
+                        <a:rPr lang="ru-RU" sz="1600" dirty="0">
+                          <a:effectLst/>
+                        </a:rPr>
+                        <a:t>Да </a:t>
+                      </a:r>
+                      <a:r>
+                        <a:rPr lang="ru-RU" sz="1600" dirty="0" smtClean="0">
+                          <a:effectLst/>
+                        </a:rPr>
+                        <a:t>(</a:t>
+                      </a:r>
+                      <a:r>
+                        <a:rPr lang="ru-RU" sz="1600" dirty="0" err="1" smtClean="0">
+                          <a:effectLst/>
+                        </a:rPr>
+                        <a:t>антисообщения</a:t>
+                      </a:r>
+                      <a:r>
+                        <a:rPr lang="ru-RU" sz="1600" dirty="0">
+                          <a:effectLst/>
+                        </a:rPr>
+                        <a:t>)</a:t>
+                      </a:r>
+                      <a:endParaRPr lang="ru-RU" sz="1600" dirty="0">
                         <a:effectLst/>
                         <a:latin typeface="Times New Roman"/>
                         <a:ea typeface="Calibri"/>
@@ -47996,7 +48218,7 @@
                   <a:tcPr marL="56181" marR="56181" marT="0" marB="0" anchor="ctr"/>
                 </a:tc>
               </a:tr>
-              <a:tr h="478473">
+              <a:tr h="547354">
                 <a:tc>
                   <a:txBody>
                     <a:bodyPr/>
@@ -48012,39 +48234,9 @@
                       </a:pPr>
                       <a:r>
                         <a:rPr lang="ru-RU" sz="1600" dirty="0">
-                          <a:solidFill>
-                            <a:schemeClr val="tx1"/>
-                          </a:solidFill>
-                          <a:effectLst/>
-                        </a:rPr>
-                        <a:t>Требует наличия </a:t>
-                      </a:r>
-                      <a:r>
-                        <a:rPr lang="ru-RU" sz="1600" dirty="0" err="1" smtClean="0">
-                          <a:solidFill>
-                            <a:schemeClr val="tx1"/>
-                          </a:solidFill>
-                          <a:effectLst/>
-                        </a:rPr>
-                        <a:t>служ</a:t>
-                      </a:r>
-                      <a:r>
-                        <a:rPr lang="ru-RU" sz="1600" dirty="0" smtClean="0">
-                          <a:solidFill>
-                            <a:schemeClr val="tx1"/>
-                          </a:solidFill>
-                          <a:effectLst/>
-                        </a:rPr>
-                        <a:t>. </a:t>
-                      </a:r>
-                      <a:r>
-                        <a:rPr lang="ru-RU" sz="1600" dirty="0">
-                          <a:solidFill>
-                            <a:schemeClr val="tx1"/>
-                          </a:solidFill>
-                          <a:effectLst/>
-                        </a:rPr>
-                        <a:t>сообщений</a:t>
+                          <a:effectLst/>
+                        </a:rPr>
+                        <a:t>Требует механизм откатов</a:t>
                       </a:r>
                       <a:endParaRPr lang="ru-RU" sz="1600" dirty="0">
                         <a:solidFill>
@@ -48076,7 +48268,7 @@
                         <a:rPr lang="ru-RU" sz="1600" dirty="0">
                           <a:effectLst/>
                         </a:rPr>
-                        <a:t>Да (нулевые сообщения)</a:t>
+                        <a:t>Нет</a:t>
                       </a:r>
                       <a:endParaRPr lang="ru-RU" sz="1600" dirty="0">
                         <a:effectLst/>
@@ -48102,30 +48294,12 @@
                         </a:spcAft>
                       </a:pPr>
                       <a:r>
-                        <a:rPr lang="ru-RU" sz="1600" dirty="0">
-                          <a:effectLst/>
-                        </a:rPr>
-                        <a:t>Да </a:t>
-                      </a:r>
-                      <a:r>
-                        <a:rPr lang="ru-RU" sz="1600" dirty="0" smtClean="0">
-                          <a:effectLst/>
-                        </a:rPr>
-                        <a:t>(</a:t>
-                      </a:r>
-                      <a:r>
-                        <a:rPr lang="ru-RU" sz="1600" dirty="0" err="1" smtClean="0">
-                          <a:effectLst/>
-                        </a:rPr>
-                        <a:t>антисообщения</a:t>
-                      </a:r>
-                      <a:r>
-                        <a:rPr lang="ru-RU" sz="1600" dirty="0">
-                          <a:effectLst/>
-                        </a:rPr>
-                        <a:t>)</a:t>
-                      </a:r>
-                      <a:endParaRPr lang="ru-RU" sz="1600" dirty="0">
+                        <a:rPr lang="ru-RU" sz="1600">
+                          <a:effectLst/>
+                        </a:rPr>
+                        <a:t>Да</a:t>
+                      </a:r>
+                      <a:endParaRPr lang="ru-RU" sz="1600">
                         <a:effectLst/>
                         <a:latin typeface="Times New Roman"/>
                         <a:ea typeface="Calibri"/>
@@ -48136,7 +48310,7 @@
                   <a:tcPr marL="56181" marR="56181" marT="0" marB="0" anchor="ctr"/>
                 </a:tc>
               </a:tr>
-              <a:tr h="316412">
+              <a:tr h="547354">
                 <a:tc>
                   <a:txBody>
                     <a:bodyPr/>
@@ -48152,12 +48326,9 @@
                       </a:pPr>
                       <a:r>
                         <a:rPr lang="ru-RU" sz="1600" dirty="0">
-                          <a:solidFill>
-                            <a:schemeClr val="tx1"/>
-                          </a:solidFill>
-                          <a:effectLst/>
-                        </a:rPr>
-                        <a:t>Требует механизм откатов</a:t>
+                          <a:effectLst/>
+                        </a:rPr>
+                        <a:t>Уровень параллелизма</a:t>
                       </a:r>
                       <a:endParaRPr lang="ru-RU" sz="1600" dirty="0">
                         <a:solidFill>
@@ -48189,7 +48360,7 @@
                         <a:rPr lang="ru-RU" sz="1600" dirty="0">
                           <a:effectLst/>
                         </a:rPr>
-                        <a:t>Нет</a:t>
+                        <a:t>Низкий</a:t>
                       </a:r>
                       <a:endParaRPr lang="ru-RU" sz="1600" dirty="0">
                         <a:effectLst/>
@@ -48215,12 +48386,12 @@
                         </a:spcAft>
                       </a:pPr>
                       <a:r>
-                        <a:rPr lang="ru-RU" sz="1600">
-                          <a:effectLst/>
-                        </a:rPr>
-                        <a:t>Да</a:t>
-                      </a:r>
-                      <a:endParaRPr lang="ru-RU" sz="1600">
+                        <a:rPr lang="ru-RU" sz="1600" dirty="0">
+                          <a:effectLst/>
+                        </a:rPr>
+                        <a:t>Высокий</a:t>
+                      </a:r>
+                      <a:endParaRPr lang="ru-RU" sz="1600" dirty="0">
                         <a:effectLst/>
                         <a:latin typeface="Times New Roman"/>
                         <a:ea typeface="Calibri"/>
@@ -48231,7 +48402,7 @@
                   <a:tcPr marL="56181" marR="56181" marT="0" marB="0" anchor="ctr"/>
                 </a:tc>
               </a:tr>
-              <a:tr h="316412">
+              <a:tr h="547354">
                 <a:tc>
                   <a:txBody>
                     <a:bodyPr/>
@@ -48246,13 +48417,10 @@
                         </a:spcAft>
                       </a:pPr>
                       <a:r>
-                        <a:rPr lang="ru-RU" sz="1600" dirty="0">
-                          <a:solidFill>
-                            <a:schemeClr val="tx1"/>
-                          </a:solidFill>
-                          <a:effectLst/>
-                        </a:rPr>
-                        <a:t>Уровень параллелизма</a:t>
+                        <a:rPr lang="ru-RU" sz="1600" dirty="0" smtClean="0">
+                          <a:effectLst/>
+                        </a:rPr>
+                        <a:t>Расходы памяти</a:t>
                       </a:r>
                       <a:endParaRPr lang="ru-RU" sz="1600" dirty="0">
                         <a:solidFill>
@@ -48281,10 +48449,10 @@
                         </a:spcAft>
                       </a:pPr>
                       <a:r>
-                        <a:rPr lang="ru-RU" sz="1600" dirty="0">
-                          <a:effectLst/>
-                        </a:rPr>
-                        <a:t>Низкий</a:t>
+                        <a:rPr lang="ru-RU" sz="1600" dirty="0" smtClean="0">
+                          <a:effectLst/>
+                        </a:rPr>
+                        <a:t>Несущественны</a:t>
                       </a:r>
                       <a:endParaRPr lang="ru-RU" sz="1600" dirty="0">
                         <a:effectLst/>
@@ -48310,10 +48478,10 @@
                         </a:spcAft>
                       </a:pPr>
                       <a:r>
-                        <a:rPr lang="ru-RU" sz="1600" dirty="0">
-                          <a:effectLst/>
-                        </a:rPr>
-                        <a:t>Высокий</a:t>
+                        <a:rPr lang="ru-RU" sz="1600" dirty="0" smtClean="0">
+                          <a:effectLst/>
+                        </a:rPr>
+                        <a:t>Существенны</a:t>
                       </a:r>
                       <a:endParaRPr lang="ru-RU" sz="1600" dirty="0">
                         <a:effectLst/>
@@ -48326,7 +48494,7 @@
                   <a:tcPr marL="56181" marR="56181" marT="0" marB="0" anchor="ctr"/>
                 </a:tc>
               </a:tr>
-              <a:tr h="478473">
+              <a:tr h="547354">
                 <a:tc>
                   <a:txBody>
                     <a:bodyPr/>
@@ -48342,12 +48510,9 @@
                       </a:pPr>
                       <a:r>
                         <a:rPr lang="ru-RU" sz="1600" dirty="0" smtClean="0">
-                          <a:solidFill>
-                            <a:schemeClr val="tx1"/>
-                          </a:solidFill>
-                          <a:effectLst/>
-                        </a:rPr>
-                        <a:t>Расходы памяти</a:t>
+                          <a:effectLst/>
+                        </a:rPr>
+                        <a:t>Излишний расход времени</a:t>
                       </a:r>
                       <a:endParaRPr lang="ru-RU" sz="1600" dirty="0">
                         <a:solidFill>
@@ -48379,7 +48544,13 @@
                         <a:rPr lang="ru-RU" sz="1600" dirty="0" smtClean="0">
                           <a:effectLst/>
                         </a:rPr>
-                        <a:t>Несущественны</a:t>
+                        <a:t>На </a:t>
+                      </a:r>
+                      <a:r>
+                        <a:rPr lang="ru-RU" sz="1600" dirty="0" smtClean="0">
+                          <a:effectLst/>
+                        </a:rPr>
+                        <a:t>ожидание</a:t>
                       </a:r>
                       <a:endParaRPr lang="ru-RU" sz="1600" dirty="0">
                         <a:effectLst/>
@@ -48405,10 +48576,22 @@
                         </a:spcAft>
                       </a:pPr>
                       <a:r>
+                        <a:rPr lang="ru-RU" sz="1600" smtClean="0">
+                          <a:effectLst/>
+                        </a:rPr>
+                        <a:t>На </a:t>
+                      </a:r>
+                      <a:r>
+                        <a:rPr lang="ru-RU" sz="1600" dirty="0">
+                          <a:effectLst/>
+                        </a:rPr>
+                        <a:t>ненужные </a:t>
+                      </a:r>
+                      <a:r>
                         <a:rPr lang="ru-RU" sz="1600" dirty="0" smtClean="0">
                           <a:effectLst/>
                         </a:rPr>
-                        <a:t>Существенны</a:t>
+                        <a:t>вычисления</a:t>
                       </a:r>
                       <a:endParaRPr lang="ru-RU" sz="1600" dirty="0">
                         <a:effectLst/>
@@ -48421,7 +48604,7 @@
                   <a:tcPr marL="56181" marR="56181" marT="0" marB="0" anchor="ctr"/>
                 </a:tc>
               </a:tr>
-              <a:tr h="675058">
+              <a:tr h="547354">
                 <a:tc>
                   <a:txBody>
                     <a:bodyPr/>
@@ -48437,12 +48620,9 @@
                       </a:pPr>
                       <a:r>
                         <a:rPr lang="ru-RU" sz="1600" dirty="0">
-                          <a:solidFill>
-                            <a:schemeClr val="tx1"/>
-                          </a:solidFill>
-                          <a:effectLst/>
-                        </a:rPr>
-                        <a:t>Расход времени процессора</a:t>
+                          <a:effectLst/>
+                        </a:rPr>
+                        <a:t>Сложность реализации</a:t>
                       </a:r>
                       <a:endParaRPr lang="ru-RU" sz="1600" dirty="0">
                         <a:solidFill>
@@ -48474,241 +48654,9 @@
                         <a:rPr lang="ru-RU" sz="1600" dirty="0">
                           <a:effectLst/>
                         </a:rPr>
-                        <a:t>Время </a:t>
-                      </a:r>
-                      <a:r>
-                        <a:rPr lang="ru-RU" sz="1600" dirty="0" smtClean="0">
-                          <a:effectLst/>
-                        </a:rPr>
-                        <a:t>тратится </a:t>
-                      </a:r>
-                      <a:r>
-                        <a:rPr lang="ru-RU" sz="1600" dirty="0">
-                          <a:effectLst/>
-                        </a:rPr>
-                        <a:t>на </a:t>
-                      </a:r>
-                      <a:r>
-                        <a:rPr lang="ru-RU" sz="1600" dirty="0" smtClean="0">
-                          <a:effectLst/>
-                        </a:rPr>
-                        <a:t>ожидание</a:t>
+                        <a:t>Относительно проста</a:t>
                       </a:r>
                       <a:endParaRPr lang="ru-RU" sz="1600" dirty="0">
-                        <a:effectLst/>
-                        <a:latin typeface="Times New Roman"/>
-                        <a:ea typeface="Calibri"/>
-                        <a:cs typeface="Times New Roman"/>
-                      </a:endParaRPr>
-                    </a:p>
-                  </a:txBody>
-                  <a:tcPr marL="56181" marR="56181" marT="0" marB="0" anchor="ctr"/>
-                </a:tc>
-                <a:tc>
-                  <a:txBody>
-                    <a:bodyPr/>
-                    <a:lstStyle/>
-                    <a:p>
-                      <a:pPr algn="ctr">
-                        <a:lnSpc>
-                          <a:spcPct val="125000"/>
-                        </a:lnSpc>
-                        <a:spcAft>
-                          <a:spcPts val="300"/>
-                        </a:spcAft>
-                      </a:pPr>
-                      <a:r>
-                        <a:rPr lang="ru-RU" sz="1600" dirty="0">
-                          <a:effectLst/>
-                        </a:rPr>
-                        <a:t>Время </a:t>
-                      </a:r>
-                      <a:r>
-                        <a:rPr lang="ru-RU" sz="1600" dirty="0" smtClean="0">
-                          <a:effectLst/>
-                        </a:rPr>
-                        <a:t>тратится </a:t>
-                      </a:r>
-                      <a:r>
-                        <a:rPr lang="ru-RU" sz="1600" dirty="0">
-                          <a:effectLst/>
-                        </a:rPr>
-                        <a:t>на ненужные </a:t>
-                      </a:r>
-                      <a:r>
-                        <a:rPr lang="ru-RU" sz="1600" dirty="0" smtClean="0">
-                          <a:effectLst/>
-                        </a:rPr>
-                        <a:t>вычисления</a:t>
-                      </a:r>
-                      <a:endParaRPr lang="ru-RU" sz="1600" dirty="0">
-                        <a:effectLst/>
-                        <a:latin typeface="Times New Roman"/>
-                        <a:ea typeface="Calibri"/>
-                        <a:cs typeface="Times New Roman"/>
-                      </a:endParaRPr>
-                    </a:p>
-                  </a:txBody>
-                  <a:tcPr marL="56181" marR="56181" marT="0" marB="0" anchor="ctr"/>
-                </a:tc>
-              </a:tr>
-              <a:tr h="523182">
-                <a:tc>
-                  <a:txBody>
-                    <a:bodyPr/>
-                    <a:lstStyle/>
-                    <a:p>
-                      <a:pPr algn="ctr">
-                        <a:lnSpc>
-                          <a:spcPct val="125000"/>
-                        </a:lnSpc>
-                        <a:spcAft>
-                          <a:spcPts val="300"/>
-                        </a:spcAft>
-                      </a:pPr>
-                      <a:r>
-                        <a:rPr lang="ru-RU" sz="1600" dirty="0">
-                          <a:solidFill>
-                            <a:schemeClr val="tx1"/>
-                          </a:solidFill>
-                          <a:effectLst/>
-                        </a:rPr>
-                        <a:t>Эффективность вычислений</a:t>
-                      </a:r>
-                      <a:endParaRPr lang="ru-RU" sz="1600" dirty="0">
-                        <a:solidFill>
-                          <a:schemeClr val="tx1"/>
-                        </a:solidFill>
-                        <a:effectLst/>
-                        <a:latin typeface="Times New Roman"/>
-                        <a:ea typeface="Calibri"/>
-                        <a:cs typeface="Times New Roman"/>
-                      </a:endParaRPr>
-                    </a:p>
-                  </a:txBody>
-                  <a:tcPr marL="56181" marR="56181" marT="0" marB="0" anchor="ctr"/>
-                </a:tc>
-                <a:tc>
-                  <a:txBody>
-                    <a:bodyPr/>
-                    <a:lstStyle/>
-                    <a:p>
-                      <a:pPr algn="ctr">
-                        <a:lnSpc>
-                          <a:spcPct val="125000"/>
-                        </a:lnSpc>
-                        <a:spcAft>
-                          <a:spcPts val="300"/>
-                        </a:spcAft>
-                      </a:pPr>
-                      <a:r>
-                        <a:rPr lang="ru-RU" sz="1600" dirty="0">
-                          <a:effectLst/>
-                        </a:rPr>
-                        <a:t>Зависит от времени ожидания</a:t>
-                      </a:r>
-                      <a:endParaRPr lang="ru-RU" sz="1600" dirty="0">
-                        <a:effectLst/>
-                        <a:latin typeface="Times New Roman"/>
-                        <a:ea typeface="Calibri"/>
-                        <a:cs typeface="Times New Roman"/>
-                      </a:endParaRPr>
-                    </a:p>
-                  </a:txBody>
-                  <a:tcPr marL="56181" marR="56181" marT="0" marB="0" anchor="ctr"/>
-                </a:tc>
-                <a:tc>
-                  <a:txBody>
-                    <a:bodyPr/>
-                    <a:lstStyle/>
-                    <a:p>
-                      <a:pPr algn="ctr">
-                        <a:lnSpc>
-                          <a:spcPct val="125000"/>
-                        </a:lnSpc>
-                        <a:spcAft>
-                          <a:spcPts val="300"/>
-                        </a:spcAft>
-                      </a:pPr>
-                      <a:r>
-                        <a:rPr lang="ru-RU" sz="1600" dirty="0">
-                          <a:effectLst/>
-                        </a:rPr>
-                        <a:t>Зависит от </a:t>
-                      </a:r>
-                      <a:r>
-                        <a:rPr lang="ru-RU" sz="1600" dirty="0" smtClean="0">
-                          <a:effectLst/>
-                        </a:rPr>
-                        <a:t>числа откатов</a:t>
-                      </a:r>
-                      <a:endParaRPr lang="ru-RU" sz="1600" dirty="0">
-                        <a:effectLst/>
-                        <a:latin typeface="Times New Roman"/>
-                        <a:ea typeface="Calibri"/>
-                        <a:cs typeface="Times New Roman"/>
-                      </a:endParaRPr>
-                    </a:p>
-                  </a:txBody>
-                  <a:tcPr marL="56181" marR="56181" marT="0" marB="0" anchor="ctr"/>
-                </a:tc>
-              </a:tr>
-              <a:tr h="316412">
-                <a:tc>
-                  <a:txBody>
-                    <a:bodyPr/>
-                    <a:lstStyle/>
-                    <a:p>
-                      <a:pPr algn="ctr">
-                        <a:lnSpc>
-                          <a:spcPct val="125000"/>
-                        </a:lnSpc>
-                        <a:spcAft>
-                          <a:spcPts val="300"/>
-                        </a:spcAft>
-                      </a:pPr>
-                      <a:r>
-                        <a:rPr lang="ru-RU" sz="1600" dirty="0">
-                          <a:solidFill>
-                            <a:schemeClr val="tx1"/>
-                          </a:solidFill>
-                          <a:effectLst/>
-                        </a:rPr>
-                        <a:t>Сложность реализации</a:t>
-                      </a:r>
-                      <a:endParaRPr lang="ru-RU" sz="1600" dirty="0">
-                        <a:solidFill>
-                          <a:schemeClr val="tx1"/>
-                        </a:solidFill>
-                        <a:effectLst/>
-                        <a:latin typeface="Times New Roman"/>
-                        <a:ea typeface="Calibri"/>
-                        <a:cs typeface="Times New Roman"/>
-                      </a:endParaRPr>
-                    </a:p>
-                  </a:txBody>
-                  <a:tcPr marL="56181" marR="56181" marT="0" marB="0" anchor="ctr"/>
-                </a:tc>
-                <a:tc>
-                  <a:txBody>
-                    <a:bodyPr/>
-                    <a:lstStyle/>
-                    <a:p>
-                      <a:pPr algn="ctr">
-                        <a:lnSpc>
-                          <a:spcPct val="125000"/>
-                        </a:lnSpc>
-                        <a:spcAft>
-                          <a:spcPts val="300"/>
-                        </a:spcAft>
-                      </a:pPr>
-                      <a:r>
-                        <a:rPr lang="ru-RU" sz="1600">
-                          <a:effectLst/>
-                        </a:rPr>
-                        <a:t>Относительно проста</a:t>
-                      </a:r>
-                      <a:endParaRPr lang="ru-RU" sz="1600">
                         <a:effectLst/>
                         <a:latin typeface="Times New Roman"/>
                         <a:ea typeface="Calibri"/>
@@ -48760,8 +48708,8 @@
         </p:nvSpPr>
         <p:spPr>
           <a:xfrm>
-            <a:off x="3923928" y="4221088"/>
-            <a:ext cx="4680520" cy="648072"/>
+            <a:off x="3942815" y="4221088"/>
+            <a:ext cx="4680520" cy="792088"/>
           </a:xfrm>
           <a:prstGeom prst="ellipse">
             <a:avLst/>
@@ -48951,15 +48899,15 @@
         </p:nvSpPr>
         <p:spPr>
           <a:xfrm>
-            <a:off x="982728" y="1165123"/>
-            <a:ext cx="7920038" cy="4608512"/>
+            <a:off x="827584" y="1165123"/>
+            <a:ext cx="8075182" cy="4608512"/>
           </a:xfrm>
         </p:spPr>
         <p:txBody>
           <a:bodyPr/>
           <a:lstStyle/>
           <a:p>
-            <a:pPr algn="l" eaLnBrk="1" hangingPunct="1">
+            <a:pPr eaLnBrk="1" hangingPunct="1">
               <a:defRPr/>
             </a:pPr>
             <a:r>
@@ -48977,7 +48925,7 @@
             </a:endParaRPr>
           </a:p>
           <a:p>
-            <a:pPr marL="530225" indent="-354013" algn="l" eaLnBrk="1" hangingPunct="1">
+            <a:pPr marL="530225" indent="-442913" algn="l" eaLnBrk="1" hangingPunct="1">
               <a:buFont typeface="Arial" pitchFamily="34" charset="0"/>
               <a:buChar char="•"/>
               <a:defRPr/>
@@ -49013,7 +48961,7 @@
             </a:endParaRPr>
           </a:p>
           <a:p>
-            <a:pPr marL="530225" indent="-354013" algn="l" eaLnBrk="1" hangingPunct="1">
+            <a:pPr marL="530225" indent="-442913" algn="l" eaLnBrk="1" hangingPunct="1">
               <a:buFont typeface="Arial" pitchFamily="34" charset="0"/>
               <a:buChar char="•"/>
               <a:defRPr/>
@@ -49040,15 +48988,7 @@
                   <a:schemeClr val="tx1"/>
                 </a:solidFill>
               </a:rPr>
-              <a:t>Wolf </a:t>
-            </a:r>
-            <a:r>
-              <a:rPr lang="en-US" sz="2400" dirty="0" smtClean="0">
-                <a:solidFill>
-                  <a:schemeClr val="tx1"/>
-                </a:solidFill>
-              </a:rPr>
-              <a:t>Calls Algorithm</a:t>
+              <a:t>Wolf Calls Algorithm</a:t>
             </a:r>
             <a:r>
               <a:rPr lang="ru-RU" sz="2400" dirty="0" smtClean="0">
@@ -49065,7 +49005,7 @@
             </a:endParaRPr>
           </a:p>
           <a:p>
-            <a:pPr marL="530225" indent="-354013" algn="l" eaLnBrk="1" hangingPunct="1">
+            <a:pPr marL="530225" indent="-442913" algn="l" eaLnBrk="1" hangingPunct="1">
               <a:buFont typeface="Arial" pitchFamily="34" charset="0"/>
               <a:buChar char="•"/>
               <a:defRPr/>
@@ -49076,15 +49016,7 @@
                   <a:schemeClr val="tx1"/>
                 </a:solidFill>
               </a:rPr>
-              <a:t>Стратегия отложенной отмены </a:t>
-            </a:r>
-            <a:r>
-              <a:rPr lang="ru-RU" sz="2400" dirty="0" smtClean="0">
-                <a:solidFill>
-                  <a:schemeClr val="tx1"/>
-                </a:solidFill>
-              </a:rPr>
-              <a:t>(</a:t>
+              <a:t>Стратегия отложенной отмены (</a:t>
             </a:r>
             <a:r>
               <a:rPr lang="en-US" sz="2400" dirty="0" smtClean="0">
@@ -49125,7 +49057,7 @@
             </a:endParaRPr>
           </a:p>
           <a:p>
-            <a:pPr marL="530225" indent="-354013" algn="l" eaLnBrk="1" hangingPunct="1">
+            <a:pPr marL="530225" indent="-442913" algn="l" eaLnBrk="1" hangingPunct="1">
               <a:buFont typeface="Arial" pitchFamily="34" charset="0"/>
               <a:buChar char="•"/>
               <a:defRPr/>
@@ -49161,7 +49093,7 @@
             </a:endParaRPr>
           </a:p>
           <a:p>
-            <a:pPr marL="530225" indent="-354013" algn="l" eaLnBrk="1" hangingPunct="1">
+            <a:pPr marL="530225" indent="-442913" algn="l" eaLnBrk="1" hangingPunct="1">
               <a:buFont typeface="Arial" pitchFamily="34" charset="0"/>
               <a:buChar char="•"/>
               <a:defRPr/>
@@ -49180,24 +49112,11 @@
                   <a:schemeClr val="tx1"/>
                 </a:solidFill>
               </a:rPr>
-              <a:t>Breathing Time </a:t>
+              <a:t>Breathing Time Buckets</a:t>
             </a:r>
-            <a:r>
-              <a:rPr lang="en-US" sz="2400" dirty="0" smtClean="0">
-                <a:solidFill>
-                  <a:schemeClr val="tx1"/>
-                </a:solidFill>
-              </a:rPr>
-              <a:t>Buckets</a:t>
-            </a:r>
-            <a:endParaRPr lang="en-US" sz="2400" dirty="0" smtClean="0">
-              <a:solidFill>
-                <a:schemeClr val="tx1"/>
-              </a:solidFill>
-            </a:endParaRPr>
           </a:p>
           <a:p>
-            <a:pPr marL="530225" indent="-354013" algn="l" eaLnBrk="1" hangingPunct="1">
+            <a:pPr marL="530225" indent="-442913" algn="l" eaLnBrk="1" hangingPunct="1">
               <a:buFont typeface="Arial" pitchFamily="34" charset="0"/>
               <a:buChar char="•"/>
               <a:defRPr/>
@@ -49228,7 +49147,7 @@
             </a:r>
           </a:p>
           <a:p>
-            <a:pPr marL="530225" indent="-354013" algn="l" eaLnBrk="1" hangingPunct="1">
+            <a:pPr marL="530225" indent="-442913" algn="l" eaLnBrk="1" hangingPunct="1">
               <a:buFont typeface="Arial" pitchFamily="34" charset="0"/>
               <a:buChar char="•"/>
               <a:defRPr/>
@@ -49256,7 +49175,7 @@
             </a:endParaRPr>
           </a:p>
           <a:p>
-            <a:pPr marL="530225" indent="-354013" algn="l" eaLnBrk="1" hangingPunct="1">
+            <a:pPr marL="530225" indent="-442913" algn="l" eaLnBrk="1" hangingPunct="1">
               <a:buFont typeface="Arial" pitchFamily="34" charset="0"/>
               <a:buChar char="•"/>
               <a:defRPr/>

--- a/text/Mitrakov.pptx
+++ b/text/Mitrakov.pptx
@@ -324,11 +324,11 @@
         </c:dLbls>
         <c:marker val="1"/>
         <c:smooth val="0"/>
-        <c:axId val="79356672"/>
-        <c:axId val="79358208"/>
+        <c:axId val="76927360"/>
+        <c:axId val="76928896"/>
       </c:lineChart>
       <c:catAx>
-        <c:axId val="79356672"/>
+        <c:axId val="76927360"/>
         <c:scaling>
           <c:orientation val="minMax"/>
         </c:scaling>
@@ -337,7 +337,7 @@
         <c:majorTickMark val="out"/>
         <c:minorTickMark val="none"/>
         <c:tickLblPos val="nextTo"/>
-        <c:crossAx val="79358208"/>
+        <c:crossAx val="76928896"/>
         <c:crosses val="autoZero"/>
         <c:auto val="1"/>
         <c:lblAlgn val="ctr"/>
@@ -345,7 +345,7 @@
         <c:noMultiLvlLbl val="0"/>
       </c:catAx>
       <c:valAx>
-        <c:axId val="79358208"/>
+        <c:axId val="76928896"/>
         <c:scaling>
           <c:orientation val="minMax"/>
         </c:scaling>
@@ -356,7 +356,7 @@
         <c:majorTickMark val="out"/>
         <c:minorTickMark val="none"/>
         <c:tickLblPos val="nextTo"/>
-        <c:crossAx val="79356672"/>
+        <c:crossAx val="76927360"/>
         <c:crosses val="autoZero"/>
         <c:crossBetween val="between"/>
       </c:valAx>
@@ -549,11 +549,11 @@
         </c:dLbls>
         <c:marker val="1"/>
         <c:smooth val="0"/>
-        <c:axId val="81615872"/>
-        <c:axId val="81617664"/>
+        <c:axId val="78723712"/>
+        <c:axId val="78725504"/>
       </c:lineChart>
       <c:catAx>
-        <c:axId val="81615872"/>
+        <c:axId val="78723712"/>
         <c:scaling>
           <c:orientation val="minMax"/>
         </c:scaling>
@@ -562,7 +562,7 @@
         <c:majorTickMark val="out"/>
         <c:minorTickMark val="none"/>
         <c:tickLblPos val="nextTo"/>
-        <c:crossAx val="81617664"/>
+        <c:crossAx val="78725504"/>
         <c:crosses val="autoZero"/>
         <c:auto val="1"/>
         <c:lblAlgn val="ctr"/>
@@ -570,7 +570,7 @@
         <c:noMultiLvlLbl val="0"/>
       </c:catAx>
       <c:valAx>
-        <c:axId val="81617664"/>
+        <c:axId val="78725504"/>
         <c:scaling>
           <c:orientation val="minMax"/>
         </c:scaling>
@@ -581,7 +581,7 @@
         <c:majorTickMark val="out"/>
         <c:minorTickMark val="none"/>
         <c:tickLblPos val="nextTo"/>
-        <c:crossAx val="81615872"/>
+        <c:crossAx val="78723712"/>
         <c:crosses val="autoZero"/>
         <c:crossBetween val="between"/>
       </c:valAx>
@@ -719,7 +719,7 @@
               <a:pPr>
                 <a:defRPr/>
               </a:pPr>
-              <a:t>25.06.2013</a:t>
+              <a:t>28.06.2013</a:t>
             </a:fld>
             <a:endParaRPr lang="ru-RU"/>
           </a:p>
@@ -7910,7 +7910,7 @@
               <a:pPr>
                 <a:defRPr/>
               </a:pPr>
-              <a:t>25.06.2013</a:t>
+              <a:t>28.06.2013</a:t>
             </a:fld>
             <a:endParaRPr lang="ru-RU"/>
           </a:p>
@@ -8107,7 +8107,7 @@
               <a:pPr>
                 <a:defRPr/>
               </a:pPr>
-              <a:t>25.06.2013</a:t>
+              <a:t>28.06.2013</a:t>
             </a:fld>
             <a:endParaRPr lang="ru-RU"/>
           </a:p>
@@ -8314,7 +8314,7 @@
               <a:pPr>
                 <a:defRPr/>
               </a:pPr>
-              <a:t>25.06.2013</a:t>
+              <a:t>28.06.2013</a:t>
             </a:fld>
             <a:endParaRPr lang="ru-RU"/>
           </a:p>
@@ -8511,7 +8511,7 @@
               <a:pPr>
                 <a:defRPr/>
               </a:pPr>
-              <a:t>25.06.2013</a:t>
+              <a:t>28.06.2013</a:t>
             </a:fld>
             <a:endParaRPr lang="ru-RU"/>
           </a:p>
@@ -8784,7 +8784,7 @@
               <a:pPr>
                 <a:defRPr/>
               </a:pPr>
-              <a:t>25.06.2013</a:t>
+              <a:t>28.06.2013</a:t>
             </a:fld>
             <a:endParaRPr lang="ru-RU"/>
           </a:p>
@@ -9099,7 +9099,7 @@
               <a:pPr>
                 <a:defRPr/>
               </a:pPr>
-              <a:t>25.06.2013</a:t>
+              <a:t>28.06.2013</a:t>
             </a:fld>
             <a:endParaRPr lang="ru-RU"/>
           </a:p>
@@ -9548,7 +9548,7 @@
               <a:pPr>
                 <a:defRPr/>
               </a:pPr>
-              <a:t>25.06.2013</a:t>
+              <a:t>28.06.2013</a:t>
             </a:fld>
             <a:endParaRPr lang="ru-RU"/>
           </a:p>
@@ -9693,7 +9693,7 @@
               <a:pPr>
                 <a:defRPr/>
               </a:pPr>
-              <a:t>25.06.2013</a:t>
+              <a:t>28.06.2013</a:t>
             </a:fld>
             <a:endParaRPr lang="ru-RU"/>
           </a:p>
@@ -9815,7 +9815,7 @@
               <a:pPr>
                 <a:defRPr/>
               </a:pPr>
-              <a:t>25.06.2013</a:t>
+              <a:t>28.06.2013</a:t>
             </a:fld>
             <a:endParaRPr lang="ru-RU"/>
           </a:p>
@@ -10119,7 +10119,7 @@
               <a:pPr>
                 <a:defRPr/>
               </a:pPr>
-              <a:t>25.06.2013</a:t>
+              <a:t>28.06.2013</a:t>
             </a:fld>
             <a:endParaRPr lang="ru-RU"/>
           </a:p>
@@ -10402,7 +10402,7 @@
               <a:pPr>
                 <a:defRPr/>
               </a:pPr>
-              <a:t>25.06.2013</a:t>
+              <a:t>28.06.2013</a:t>
             </a:fld>
             <a:endParaRPr lang="ru-RU"/>
           </a:p>
@@ -10704,7 +10704,7 @@
               <a:pPr>
                 <a:defRPr/>
               </a:pPr>
-              <a:t>25.06.2013</a:t>
+              <a:t>28.06.2013</a:t>
             </a:fld>
             <a:endParaRPr lang="ru-RU"/>
           </a:p>
@@ -19288,15 +19288,7 @@
                     <a:schemeClr val="tx1"/>
                   </a:solidFill>
                 </a:rPr>
-                <a:t> ходит </a:t>
-              </a:r>
-              <a:r>
-                <a:rPr lang="ru-RU" sz="2000" dirty="0" smtClean="0">
-                  <a:solidFill>
-                    <a:schemeClr val="tx1"/>
-                  </a:solidFill>
-                </a:rPr>
-                <a:t>на перерыв</a:t>
+                <a:t> ходит на перерыв</a:t>
               </a:r>
               <a:endParaRPr lang="ru-RU" sz="2000" dirty="0">
                 <a:solidFill>
@@ -19378,15 +19370,7 @@
                     <a:schemeClr val="tx1"/>
                   </a:solidFill>
                 </a:rPr>
-                <a:t>	товара </a:t>
-              </a:r>
-              <a:r>
-                <a:rPr lang="ru-RU" sz="2000" dirty="0" smtClean="0">
-                  <a:solidFill>
-                    <a:schemeClr val="tx1"/>
-                  </a:solidFill>
-                </a:rPr>
-                <a:t>покупателем</a:t>
+                <a:t>	товара покупателем</a:t>
               </a:r>
               <a:endParaRPr lang="ru-RU" sz="2000" dirty="0">
                 <a:solidFill>
@@ -19450,15 +19434,7 @@
                     <a:schemeClr val="tx1"/>
                   </a:solidFill>
                 </a:rPr>
-                <a:t> ходит </a:t>
-              </a:r>
-              <a:r>
-                <a:rPr lang="ru-RU" sz="2000" dirty="0" smtClean="0">
-                  <a:solidFill>
-                    <a:schemeClr val="tx1"/>
-                  </a:solidFill>
-                </a:rPr>
-                <a:t>на перерыв</a:t>
+                <a:t> ходит на перерыв</a:t>
               </a:r>
               <a:endParaRPr lang="ru-RU" sz="2000" dirty="0">
                 <a:solidFill>
@@ -19752,15 +19728,7 @@
                     <a:schemeClr val="tx1"/>
                   </a:solidFill>
                 </a:rPr>
-                <a:t> ходит </a:t>
-              </a:r>
-              <a:r>
-                <a:rPr lang="ru-RU" sz="2000" dirty="0" smtClean="0">
-                  <a:solidFill>
-                    <a:schemeClr val="tx1"/>
-                  </a:solidFill>
-                </a:rPr>
-                <a:t>на перерыв</a:t>
+                <a:t> ходит на перерыв</a:t>
               </a:r>
               <a:endParaRPr lang="ru-RU" sz="2000" dirty="0">
                 <a:solidFill>
@@ -42927,6 +42895,70 @@
           <a:chExt cx="0" cy="0"/>
         </a:xfrm>
       </p:grpSpPr>
+      <p:pic>
+        <p:nvPicPr>
+          <p:cNvPr id="5" name="Picture 2"/>
+          <p:cNvPicPr>
+            <a:picLocks noChangeAspect="1" noChangeArrowheads="1"/>
+          </p:cNvPicPr>
+          <p:nvPr/>
+        </p:nvPicPr>
+        <p:blipFill>
+          <a:blip r:embed="rId3">
+            <a:extLst>
+              <a:ext uri="{28A0092B-C50C-407E-A947-70E740481C1C}">
+                <a14:useLocalDpi xmlns:a14="http://schemas.microsoft.com/office/drawing/2010/main" val="0"/>
+              </a:ext>
+            </a:extLst>
+          </a:blip>
+          <a:srcRect/>
+          <a:stretch>
+            <a:fillRect/>
+          </a:stretch>
+        </p:blipFill>
+        <p:spPr bwMode="auto">
+          <a:xfrm>
+            <a:off x="419100" y="1052736"/>
+            <a:ext cx="8305800" cy="5438775"/>
+          </a:xfrm>
+          <a:prstGeom prst="rect">
+            <a:avLst/>
+          </a:prstGeom>
+          <a:noFill/>
+          <a:ln>
+            <a:noFill/>
+          </a:ln>
+          <a:effectLst/>
+          <a:extLst>
+            <a:ext uri="{909E8E84-426E-40DD-AFC4-6F175D3DCCD1}">
+              <a14:hiddenFill xmlns:a14="http://schemas.microsoft.com/office/drawing/2010/main">
+                <a:solidFill>
+                  <a:schemeClr val="accent1"/>
+                </a:solidFill>
+              </a14:hiddenFill>
+            </a:ext>
+            <a:ext uri="{91240B29-F687-4F45-9708-019B960494DF}">
+              <a14:hiddenLine xmlns:a14="http://schemas.microsoft.com/office/drawing/2010/main" w="9525">
+                <a:solidFill>
+                  <a:schemeClr val="tx1"/>
+                </a:solidFill>
+                <a:miter lim="800000"/>
+                <a:headEnd/>
+                <a:tailEnd/>
+              </a14:hiddenLine>
+            </a:ext>
+            <a:ext uri="{AF507438-7753-43E0-B8FC-AC1667EBCBE1}">
+              <a14:hiddenEffects xmlns:a14="http://schemas.microsoft.com/office/drawing/2010/main">
+                <a:effectLst>
+                  <a:outerShdw dist="35921" dir="2700000" algn="ctr" rotWithShape="0">
+                    <a:schemeClr val="bg2"/>
+                  </a:outerShdw>
+                </a:effectLst>
+              </a14:hiddenEffects>
+            </a:ext>
+          </a:extLst>
+        </p:spPr>
+      </p:pic>
       <p:sp>
         <p:nvSpPr>
           <p:cNvPr id="2" name="Заголовок 1"/>
@@ -43005,63 +43037,6 @@
           </a:p>
         </p:txBody>
       </p:sp>
-      <p:pic>
-        <p:nvPicPr>
-          <p:cNvPr id="1026" name="Picture 2"/>
-          <p:cNvPicPr>
-            <a:picLocks noChangeAspect="1" noChangeArrowheads="1"/>
-          </p:cNvPicPr>
-          <p:nvPr/>
-        </p:nvPicPr>
-        <p:blipFill>
-          <a:blip r:embed="rId3">
-            <a:extLst>
-              <a:ext uri="{28A0092B-C50C-407E-A947-70E740481C1C}">
-                <a14:useLocalDpi xmlns:a14="http://schemas.microsoft.com/office/drawing/2010/main" val="0"/>
-              </a:ext>
-            </a:extLst>
-          </a:blip>
-          <a:srcRect/>
-          <a:stretch>
-            <a:fillRect/>
-          </a:stretch>
-        </p:blipFill>
-        <p:spPr bwMode="auto">
-          <a:xfrm>
-            <a:off x="467544" y="1071852"/>
-            <a:ext cx="8113340" cy="5303445"/>
-          </a:xfrm>
-          <a:prstGeom prst="rect">
-            <a:avLst/>
-          </a:prstGeom>
-          <a:noFill/>
-          <a:ln w="50800" cmpd="thickThin">
-            <a:noFill/>
-            <a:miter lim="800000"/>
-            <a:headEnd/>
-            <a:tailEnd/>
-          </a:ln>
-          <a:effectLst/>
-          <a:extLst>
-            <a:ext uri="{909E8E84-426E-40DD-AFC4-6F175D3DCCD1}">
-              <a14:hiddenFill xmlns:a14="http://schemas.microsoft.com/office/drawing/2010/main">
-                <a:solidFill>
-                  <a:schemeClr val="accent1"/>
-                </a:solidFill>
-              </a14:hiddenFill>
-            </a:ext>
-            <a:ext uri="{AF507438-7753-43E0-B8FC-AC1667EBCBE1}">
-              <a14:hiddenEffects xmlns:a14="http://schemas.microsoft.com/office/drawing/2010/main">
-                <a:effectLst>
-                  <a:outerShdw dist="35921" dir="2700000" algn="ctr" rotWithShape="0">
-                    <a:schemeClr val="bg2"/>
-                  </a:outerShdw>
-                </a:effectLst>
-              </a14:hiddenEffects>
-            </a:ext>
-          </a:extLst>
-        </p:spPr>
-      </p:pic>
       <p:grpSp>
         <p:nvGrpSpPr>
           <p:cNvPr id="18" name="Группа 17"/>
@@ -43187,15 +43162,7 @@
                     <a:srgbClr val="FF0000"/>
                   </a:solidFill>
                 </a:rPr>
-                <a:t>Элементы онтологии </a:t>
-              </a:r>
-              <a:r>
-                <a:rPr lang="ru-RU" b="1" dirty="0" smtClean="0">
-                  <a:solidFill>
-                    <a:srgbClr val="FF0000"/>
-                  </a:solidFill>
-                </a:rPr>
-                <a:t>предметной области</a:t>
+                <a:t>Элементы онтологии предметной области</a:t>
               </a:r>
               <a:endParaRPr lang="ru-RU" b="1" dirty="0">
                 <a:solidFill>
@@ -43746,15 +43713,7 @@
                   <a:schemeClr val="tx1"/>
                 </a:solidFill>
               </a:rPr>
-              <a:t> новые </a:t>
-            </a:r>
-            <a:r>
-              <a:rPr lang="ru-RU" sz="2600" dirty="0" smtClean="0">
-                <a:solidFill>
-                  <a:schemeClr val="tx1"/>
-                </a:solidFill>
-              </a:rPr>
-              <a:t>алгоритмы синхронизации</a:t>
+              <a:t> новые алгоритмы синхронизации</a:t>
             </a:r>
             <a:endParaRPr lang="en-US" sz="2600" dirty="0" smtClean="0">
               <a:solidFill>
@@ -43774,15 +43733,7 @@
                   <a:schemeClr val="tx1"/>
                 </a:solidFill>
               </a:rPr>
-              <a:t> средства </a:t>
-            </a:r>
-            <a:r>
-              <a:rPr lang="ru-RU" sz="2600" dirty="0" smtClean="0">
-                <a:solidFill>
-                  <a:schemeClr val="tx1"/>
-                </a:solidFill>
-              </a:rPr>
-              <a:t>сбора статистики</a:t>
+              <a:t> средства сбора статистики</a:t>
             </a:r>
           </a:p>
           <a:p>
@@ -48544,13 +48495,7 @@
                         <a:rPr lang="ru-RU" sz="1600" dirty="0" smtClean="0">
                           <a:effectLst/>
                         </a:rPr>
-                        <a:t>На </a:t>
-                      </a:r>
-                      <a:r>
-                        <a:rPr lang="ru-RU" sz="1600" dirty="0" smtClean="0">
-                          <a:effectLst/>
-                        </a:rPr>
-                        <a:t>ожидание</a:t>
+                        <a:t>На ожидание</a:t>
                       </a:r>
                       <a:endParaRPr lang="ru-RU" sz="1600" dirty="0">
                         <a:effectLst/>

--- a/text/Mitrakov.pptx
+++ b/text/Mitrakov.pptx
@@ -5,35 +5,34 @@
     <p:sldMasterId id="2147483648" r:id="rId1"/>
   </p:sldMasterIdLst>
   <p:notesMasterIdLst>
-    <p:notesMasterId r:id="rId28"/>
+    <p:notesMasterId r:id="rId27"/>
   </p:notesMasterIdLst>
   <p:sldIdLst>
     <p:sldId id="256" r:id="rId2"/>
     <p:sldId id="257" r:id="rId3"/>
-    <p:sldId id="283" r:id="rId4"/>
-    <p:sldId id="277" r:id="rId5"/>
-    <p:sldId id="258" r:id="rId6"/>
-    <p:sldId id="261" r:id="rId7"/>
-    <p:sldId id="262" r:id="rId8"/>
+    <p:sldId id="277" r:id="rId4"/>
+    <p:sldId id="258" r:id="rId5"/>
+    <p:sldId id="261" r:id="rId6"/>
+    <p:sldId id="262" r:id="rId7"/>
+    <p:sldId id="289" r:id="rId8"/>
     <p:sldId id="263" r:id="rId9"/>
     <p:sldId id="264" r:id="rId10"/>
-    <p:sldId id="265" r:id="rId11"/>
-    <p:sldId id="284" r:id="rId12"/>
-    <p:sldId id="267" r:id="rId13"/>
-    <p:sldId id="278" r:id="rId14"/>
-    <p:sldId id="268" r:id="rId15"/>
-    <p:sldId id="269" r:id="rId16"/>
-    <p:sldId id="282" r:id="rId17"/>
-    <p:sldId id="279" r:id="rId18"/>
-    <p:sldId id="271" r:id="rId19"/>
-    <p:sldId id="287" r:id="rId20"/>
-    <p:sldId id="285" r:id="rId21"/>
-    <p:sldId id="273" r:id="rId22"/>
-    <p:sldId id="281" r:id="rId23"/>
-    <p:sldId id="286" r:id="rId24"/>
-    <p:sldId id="274" r:id="rId25"/>
-    <p:sldId id="276" r:id="rId26"/>
-    <p:sldId id="275" r:id="rId27"/>
+    <p:sldId id="284" r:id="rId11"/>
+    <p:sldId id="267" r:id="rId12"/>
+    <p:sldId id="278" r:id="rId13"/>
+    <p:sldId id="268" r:id="rId14"/>
+    <p:sldId id="269" r:id="rId15"/>
+    <p:sldId id="282" r:id="rId16"/>
+    <p:sldId id="279" r:id="rId17"/>
+    <p:sldId id="271" r:id="rId18"/>
+    <p:sldId id="287" r:id="rId19"/>
+    <p:sldId id="285" r:id="rId20"/>
+    <p:sldId id="273" r:id="rId21"/>
+    <p:sldId id="281" r:id="rId22"/>
+    <p:sldId id="286" r:id="rId23"/>
+    <p:sldId id="274" r:id="rId24"/>
+    <p:sldId id="276" r:id="rId25"/>
+    <p:sldId id="275" r:id="rId26"/>
   </p:sldIdLst>
   <p:sldSz cx="9144000" cy="6858000" type="screen4x3"/>
   <p:notesSz cx="6858000" cy="9144000"/>
@@ -324,11 +323,11 @@
         </c:dLbls>
         <c:marker val="1"/>
         <c:smooth val="0"/>
-        <c:axId val="76927360"/>
-        <c:axId val="76928896"/>
+        <c:axId val="93053696"/>
+        <c:axId val="93055232"/>
       </c:lineChart>
       <c:catAx>
-        <c:axId val="76927360"/>
+        <c:axId val="93053696"/>
         <c:scaling>
           <c:orientation val="minMax"/>
         </c:scaling>
@@ -337,7 +336,7 @@
         <c:majorTickMark val="out"/>
         <c:minorTickMark val="none"/>
         <c:tickLblPos val="nextTo"/>
-        <c:crossAx val="76928896"/>
+        <c:crossAx val="93055232"/>
         <c:crosses val="autoZero"/>
         <c:auto val="1"/>
         <c:lblAlgn val="ctr"/>
@@ -345,7 +344,7 @@
         <c:noMultiLvlLbl val="0"/>
       </c:catAx>
       <c:valAx>
-        <c:axId val="76928896"/>
+        <c:axId val="93055232"/>
         <c:scaling>
           <c:orientation val="minMax"/>
         </c:scaling>
@@ -356,7 +355,7 @@
         <c:majorTickMark val="out"/>
         <c:minorTickMark val="none"/>
         <c:tickLblPos val="nextTo"/>
-        <c:crossAx val="76927360"/>
+        <c:crossAx val="93053696"/>
         <c:crosses val="autoZero"/>
         <c:crossBetween val="between"/>
       </c:valAx>
@@ -549,11 +548,11 @@
         </c:dLbls>
         <c:marker val="1"/>
         <c:smooth val="0"/>
-        <c:axId val="78723712"/>
-        <c:axId val="78725504"/>
+        <c:axId val="93674496"/>
+        <c:axId val="93680384"/>
       </c:lineChart>
       <c:catAx>
-        <c:axId val="78723712"/>
+        <c:axId val="93674496"/>
         <c:scaling>
           <c:orientation val="minMax"/>
         </c:scaling>
@@ -562,7 +561,7 @@
         <c:majorTickMark val="out"/>
         <c:minorTickMark val="none"/>
         <c:tickLblPos val="nextTo"/>
-        <c:crossAx val="78725504"/>
+        <c:crossAx val="93680384"/>
         <c:crosses val="autoZero"/>
         <c:auto val="1"/>
         <c:lblAlgn val="ctr"/>
@@ -570,7 +569,7 @@
         <c:noMultiLvlLbl val="0"/>
       </c:catAx>
       <c:valAx>
-        <c:axId val="78725504"/>
+        <c:axId val="93680384"/>
         <c:scaling>
           <c:orientation val="minMax"/>
         </c:scaling>
@@ -581,7 +580,7 @@
         <c:majorTickMark val="out"/>
         <c:minorTickMark val="none"/>
         <c:tickLblPos val="nextTo"/>
-        <c:crossAx val="78723712"/>
+        <c:crossAx val="93674496"/>
         <c:crosses val="autoZero"/>
         <c:crossBetween val="between"/>
       </c:valAx>
@@ -719,7 +718,7 @@
               <a:pPr>
                 <a:defRPr/>
               </a:pPr>
-              <a:t>28.06.2013</a:t>
+              <a:t>01.07.2013</a:t>
             </a:fld>
             <a:endParaRPr lang="ru-RU"/>
           </a:p>
@@ -1330,7 +1329,7 @@
       </p:grpSpPr>
       <p:sp>
         <p:nvSpPr>
-          <p:cNvPr id="37890" name="Образ слайда 1"/>
+          <p:cNvPr id="38914" name="Образ слайда 1"/>
           <p:cNvSpPr>
             <a:spLocks noGrp="1" noRot="1" noChangeAspect="1" noTextEdit="1"/>
           </p:cNvSpPr>
@@ -1361,7 +1360,7 @@
       </p:sp>
       <p:sp>
         <p:nvSpPr>
-          <p:cNvPr id="37891" name="Заметки 2"/>
+          <p:cNvPr id="38915" name="Заметки 2"/>
           <p:cNvSpPr>
             <a:spLocks noGrp="1"/>
           </p:cNvSpPr>
@@ -1410,7 +1409,7 @@
       </p:sp>
       <p:sp>
         <p:nvSpPr>
-          <p:cNvPr id="33796" name="Номер слайда 3"/>
+          <p:cNvPr id="34820" name="Номер слайда 3"/>
           <p:cNvSpPr>
             <a:spLocks noGrp="1"/>
           </p:cNvSpPr>
@@ -1553,7 +1552,7 @@
               </a:spcAft>
               <a:defRPr/>
             </a:pPr>
-            <a:fld id="{90E47BF4-0FF1-4297-AA10-0CFC900BD14D}" type="slidenum">
+            <a:fld id="{DAE4B947-F24D-4501-B543-5137477E0520}" type="slidenum">
               <a:rPr lang="ru-RU" smtClean="0"/>
               <a:pPr fontAlgn="base">
                 <a:spcBef>
@@ -1597,7 +1596,7 @@
       </p:grpSpPr>
       <p:sp>
         <p:nvSpPr>
-          <p:cNvPr id="38914" name="Образ слайда 1"/>
+          <p:cNvPr id="39938" name="Образ слайда 1"/>
           <p:cNvSpPr>
             <a:spLocks noGrp="1" noRot="1" noChangeAspect="1" noTextEdit="1"/>
           </p:cNvSpPr>
@@ -1628,7 +1627,7 @@
       </p:sp>
       <p:sp>
         <p:nvSpPr>
-          <p:cNvPr id="38915" name="Заметки 2"/>
+          <p:cNvPr id="39939" name="Заметки 2"/>
           <p:cNvSpPr>
             <a:spLocks noGrp="1"/>
           </p:cNvSpPr>
@@ -1820,7 +1819,7 @@
               </a:spcAft>
               <a:defRPr/>
             </a:pPr>
-            <a:fld id="{DAE4B947-F24D-4501-B543-5137477E0520}" type="slidenum">
+            <a:fld id="{C4EA7FB5-1B37-49B2-9AFC-5C74AB035475}" type="slidenum">
               <a:rPr lang="ru-RU" smtClean="0"/>
               <a:pPr fontAlgn="base">
                 <a:spcBef>
@@ -1864,7 +1863,7 @@
       </p:grpSpPr>
       <p:sp>
         <p:nvSpPr>
-          <p:cNvPr id="39938" name="Образ слайда 1"/>
+          <p:cNvPr id="40962" name="Образ слайда 1"/>
           <p:cNvSpPr>
             <a:spLocks noGrp="1" noRot="1" noChangeAspect="1" noTextEdit="1"/>
           </p:cNvSpPr>
@@ -1895,7 +1894,7 @@
       </p:sp>
       <p:sp>
         <p:nvSpPr>
-          <p:cNvPr id="39939" name="Заметки 2"/>
+          <p:cNvPr id="40963" name="Заметки 2"/>
           <p:cNvSpPr>
             <a:spLocks noGrp="1"/>
           </p:cNvSpPr>
@@ -1944,7 +1943,7 @@
       </p:sp>
       <p:sp>
         <p:nvSpPr>
-          <p:cNvPr id="34820" name="Номер слайда 3"/>
+          <p:cNvPr id="35844" name="Номер слайда 3"/>
           <p:cNvSpPr>
             <a:spLocks noGrp="1"/>
           </p:cNvSpPr>
@@ -2087,7 +2086,7 @@
               </a:spcAft>
               <a:defRPr/>
             </a:pPr>
-            <a:fld id="{C4EA7FB5-1B37-49B2-9AFC-5C74AB035475}" type="slidenum">
+            <a:fld id="{17A5C1CA-B8B6-4118-8A35-757CEE04CACA}" type="slidenum">
               <a:rPr lang="ru-RU" smtClean="0"/>
               <a:pPr fontAlgn="base">
                 <a:spcBef>
@@ -2131,7 +2130,7 @@
       </p:grpSpPr>
       <p:sp>
         <p:nvSpPr>
-          <p:cNvPr id="40962" name="Образ слайда 1"/>
+          <p:cNvPr id="41986" name="Образ слайда 1"/>
           <p:cNvSpPr>
             <a:spLocks noGrp="1" noRot="1" noChangeAspect="1" noTextEdit="1"/>
           </p:cNvSpPr>
@@ -2162,7 +2161,7 @@
       </p:sp>
       <p:sp>
         <p:nvSpPr>
-          <p:cNvPr id="40963" name="Заметки 2"/>
+          <p:cNvPr id="41987" name="Заметки 2"/>
           <p:cNvSpPr>
             <a:spLocks noGrp="1"/>
           </p:cNvSpPr>
@@ -2211,7 +2210,7 @@
       </p:sp>
       <p:sp>
         <p:nvSpPr>
-          <p:cNvPr id="35844" name="Номер слайда 3"/>
+          <p:cNvPr id="36868" name="Номер слайда 3"/>
           <p:cNvSpPr>
             <a:spLocks noGrp="1"/>
           </p:cNvSpPr>
@@ -2354,7 +2353,7 @@
               </a:spcAft>
               <a:defRPr/>
             </a:pPr>
-            <a:fld id="{17A5C1CA-B8B6-4118-8A35-757CEE04CACA}" type="slidenum">
+            <a:fld id="{087A441E-6718-49F2-B7ED-5BC3A094D967}" type="slidenum">
               <a:rPr lang="ru-RU" smtClean="0"/>
               <a:pPr fontAlgn="base">
                 <a:spcBef>
@@ -2398,7 +2397,7 @@
       </p:grpSpPr>
       <p:sp>
         <p:nvSpPr>
-          <p:cNvPr id="41986" name="Образ слайда 1"/>
+          <p:cNvPr id="43010" name="Образ слайда 1"/>
           <p:cNvSpPr>
             <a:spLocks noGrp="1" noRot="1" noChangeAspect="1" noTextEdit="1"/>
           </p:cNvSpPr>
@@ -2429,7 +2428,7 @@
       </p:sp>
       <p:sp>
         <p:nvSpPr>
-          <p:cNvPr id="41987" name="Заметки 2"/>
+          <p:cNvPr id="43011" name="Заметки 2"/>
           <p:cNvSpPr>
             <a:spLocks noGrp="1"/>
           </p:cNvSpPr>
@@ -2478,7 +2477,7 @@
       </p:sp>
       <p:sp>
         <p:nvSpPr>
-          <p:cNvPr id="36868" name="Номер слайда 3"/>
+          <p:cNvPr id="37892" name="Номер слайда 3"/>
           <p:cNvSpPr>
             <a:spLocks noGrp="1"/>
           </p:cNvSpPr>
@@ -2621,7 +2620,7 @@
               </a:spcAft>
               <a:defRPr/>
             </a:pPr>
-            <a:fld id="{087A441E-6718-49F2-B7ED-5BC3A094D967}" type="slidenum">
+            <a:fld id="{F98DB80F-67D3-402E-A293-DBB50401407C}" type="slidenum">
               <a:rPr lang="ru-RU" smtClean="0"/>
               <a:pPr fontAlgn="base">
                 <a:spcBef>
@@ -2665,7 +2664,7 @@
       </p:grpSpPr>
       <p:sp>
         <p:nvSpPr>
-          <p:cNvPr id="43010" name="Образ слайда 1"/>
+          <p:cNvPr id="44034" name="Образ слайда 1"/>
           <p:cNvSpPr>
             <a:spLocks noGrp="1" noRot="1" noChangeAspect="1" noTextEdit="1"/>
           </p:cNvSpPr>
@@ -2696,7 +2695,7 @@
       </p:sp>
       <p:sp>
         <p:nvSpPr>
-          <p:cNvPr id="43011" name="Заметки 2"/>
+          <p:cNvPr id="44035" name="Заметки 2"/>
           <p:cNvSpPr>
             <a:spLocks noGrp="1"/>
           </p:cNvSpPr>
@@ -2888,7 +2887,7 @@
               </a:spcAft>
               <a:defRPr/>
             </a:pPr>
-            <a:fld id="{F98DB80F-67D3-402E-A293-DBB50401407C}" type="slidenum">
+            <a:fld id="{4042D27C-C0B0-4A6E-841F-2C34A748F149}" type="slidenum">
               <a:rPr lang="ru-RU" smtClean="0"/>
               <a:pPr fontAlgn="base">
                 <a:spcBef>
@@ -2932,7 +2931,7 @@
       </p:grpSpPr>
       <p:sp>
         <p:nvSpPr>
-          <p:cNvPr id="44034" name="Образ слайда 1"/>
+          <p:cNvPr id="46082" name="Образ слайда 1"/>
           <p:cNvSpPr>
             <a:spLocks noGrp="1" noRot="1" noChangeAspect="1" noTextEdit="1"/>
           </p:cNvSpPr>
@@ -2963,7 +2962,7 @@
       </p:sp>
       <p:sp>
         <p:nvSpPr>
-          <p:cNvPr id="44035" name="Заметки 2"/>
+          <p:cNvPr id="46083" name="Заметки 2"/>
           <p:cNvSpPr>
             <a:spLocks noGrp="1"/>
           </p:cNvSpPr>
@@ -3012,7 +3011,7 @@
       </p:sp>
       <p:sp>
         <p:nvSpPr>
-          <p:cNvPr id="37892" name="Номер слайда 3"/>
+          <p:cNvPr id="38916" name="Номер слайда 3"/>
           <p:cNvSpPr>
             <a:spLocks noGrp="1"/>
           </p:cNvSpPr>
@@ -3155,7 +3154,7 @@
               </a:spcAft>
               <a:defRPr/>
             </a:pPr>
-            <a:fld id="{4042D27C-C0B0-4A6E-841F-2C34A748F149}" type="slidenum">
+            <a:fld id="{00B54453-F271-4299-9739-3B6BA76641F8}" type="slidenum">
               <a:rPr lang="ru-RU" smtClean="0"/>
               <a:pPr fontAlgn="base">
                 <a:spcBef>
@@ -3466,7 +3465,7 @@
       </p:grpSpPr>
       <p:sp>
         <p:nvSpPr>
-          <p:cNvPr id="46082" name="Образ слайда 1"/>
+          <p:cNvPr id="47106" name="Образ слайда 1"/>
           <p:cNvSpPr>
             <a:spLocks noGrp="1" noRot="1" noChangeAspect="1" noTextEdit="1"/>
           </p:cNvSpPr>
@@ -3497,7 +3496,7 @@
       </p:sp>
       <p:sp>
         <p:nvSpPr>
-          <p:cNvPr id="46083" name="Заметки 2"/>
+          <p:cNvPr id="47107" name="Заметки 2"/>
           <p:cNvSpPr>
             <a:spLocks noGrp="1"/>
           </p:cNvSpPr>
@@ -3546,7 +3545,7 @@
       </p:sp>
       <p:sp>
         <p:nvSpPr>
-          <p:cNvPr id="38916" name="Номер слайда 3"/>
+          <p:cNvPr id="39940" name="Номер слайда 3"/>
           <p:cNvSpPr>
             <a:spLocks noGrp="1"/>
           </p:cNvSpPr>
@@ -3689,7 +3688,7 @@
               </a:spcAft>
               <a:defRPr/>
             </a:pPr>
-            <a:fld id="{00B54453-F271-4299-9739-3B6BA76641F8}" type="slidenum">
+            <a:fld id="{BEFC8FC7-56C3-472C-801B-AC63816CEBC3}" type="slidenum">
               <a:rPr lang="ru-RU" smtClean="0"/>
               <a:pPr fontAlgn="base">
                 <a:spcBef>
@@ -3733,7 +3732,7 @@
       </p:grpSpPr>
       <p:sp>
         <p:nvSpPr>
-          <p:cNvPr id="47106" name="Образ слайда 1"/>
+          <p:cNvPr id="48130" name="Образ слайда 1"/>
           <p:cNvSpPr>
             <a:spLocks noGrp="1" noRot="1" noChangeAspect="1" noTextEdit="1"/>
           </p:cNvSpPr>
@@ -3764,7 +3763,7 @@
       </p:sp>
       <p:sp>
         <p:nvSpPr>
-          <p:cNvPr id="47107" name="Заметки 2"/>
+          <p:cNvPr id="48131" name="Заметки 2"/>
           <p:cNvSpPr>
             <a:spLocks noGrp="1"/>
           </p:cNvSpPr>
@@ -3813,7 +3812,7 @@
       </p:sp>
       <p:sp>
         <p:nvSpPr>
-          <p:cNvPr id="39940" name="Номер слайда 3"/>
+          <p:cNvPr id="40964" name="Номер слайда 3"/>
           <p:cNvSpPr>
             <a:spLocks noGrp="1"/>
           </p:cNvSpPr>
@@ -3956,7 +3955,7 @@
               </a:spcAft>
               <a:defRPr/>
             </a:pPr>
-            <a:fld id="{BEFC8FC7-56C3-472C-801B-AC63816CEBC3}" type="slidenum">
+            <a:fld id="{AB2CC531-0E66-4916-8ABB-B2503FF3913F}" type="slidenum">
               <a:rPr lang="ru-RU" smtClean="0"/>
               <a:pPr fontAlgn="base">
                 <a:spcBef>
@@ -4000,7 +3999,7 @@
       </p:grpSpPr>
       <p:sp>
         <p:nvSpPr>
-          <p:cNvPr id="28674" name="Образ слайда 1"/>
+          <p:cNvPr id="29698" name="Образ слайда 1"/>
           <p:cNvSpPr>
             <a:spLocks noGrp="1" noRot="1" noChangeAspect="1" noTextEdit="1"/>
           </p:cNvSpPr>
@@ -4031,7 +4030,7 @@
       </p:sp>
       <p:sp>
         <p:nvSpPr>
-          <p:cNvPr id="28675" name="Заметки 2"/>
+          <p:cNvPr id="29699" name="Заметки 2"/>
           <p:cNvSpPr>
             <a:spLocks noGrp="1"/>
           </p:cNvSpPr>
@@ -4223,7 +4222,7 @@
               </a:spcAft>
               <a:defRPr/>
             </a:pPr>
-            <a:fld id="{248F626F-36FB-45A1-A307-58399D4C3F23}" type="slidenum">
+            <a:fld id="{A4828F26-0556-421E-9B33-BB2C55891493}" type="slidenum">
               <a:rPr lang="ru-RU" smtClean="0"/>
               <a:pPr fontAlgn="base">
                 <a:spcBef>
@@ -4267,7 +4266,7 @@
       </p:grpSpPr>
       <p:sp>
         <p:nvSpPr>
-          <p:cNvPr id="48130" name="Образ слайда 1"/>
+          <p:cNvPr id="49154" name="Образ слайда 1"/>
           <p:cNvSpPr>
             <a:spLocks noGrp="1" noRot="1" noChangeAspect="1" noTextEdit="1"/>
           </p:cNvSpPr>
@@ -4298,7 +4297,7 @@
       </p:sp>
       <p:sp>
         <p:nvSpPr>
-          <p:cNvPr id="48131" name="Заметки 2"/>
+          <p:cNvPr id="49155" name="Заметки 2"/>
           <p:cNvSpPr>
             <a:spLocks noGrp="1"/>
           </p:cNvSpPr>
@@ -4490,7 +4489,7 @@
               </a:spcAft>
               <a:defRPr/>
             </a:pPr>
-            <a:fld id="{AB2CC531-0E66-4916-8ABB-B2503FF3913F}" type="slidenum">
+            <a:fld id="{740972A0-D9CC-4102-AC4E-BFB109932989}" type="slidenum">
               <a:rPr lang="ru-RU" smtClean="0"/>
               <a:pPr fontAlgn="base">
                 <a:spcBef>
@@ -4801,7 +4800,7 @@
       </p:grpSpPr>
       <p:sp>
         <p:nvSpPr>
-          <p:cNvPr id="49154" name="Образ слайда 1"/>
+          <p:cNvPr id="50178" name="Образ слайда 1"/>
           <p:cNvSpPr>
             <a:spLocks noGrp="1" noRot="1" noChangeAspect="1" noTextEdit="1"/>
           </p:cNvSpPr>
@@ -4832,7 +4831,7 @@
       </p:sp>
       <p:sp>
         <p:nvSpPr>
-          <p:cNvPr id="49155" name="Заметки 2"/>
+          <p:cNvPr id="50179" name="Заметки 2"/>
           <p:cNvSpPr>
             <a:spLocks noGrp="1"/>
           </p:cNvSpPr>
@@ -4881,7 +4880,7 @@
       </p:sp>
       <p:sp>
         <p:nvSpPr>
-          <p:cNvPr id="40964" name="Номер слайда 3"/>
+          <p:cNvPr id="41988" name="Номер слайда 3"/>
           <p:cNvSpPr>
             <a:spLocks noGrp="1"/>
           </p:cNvSpPr>
@@ -5024,7 +5023,7 @@
               </a:spcAft>
               <a:defRPr/>
             </a:pPr>
-            <a:fld id="{740972A0-D9CC-4102-AC4E-BFB109932989}" type="slidenum">
+            <a:fld id="{0FCEF1F2-EF8C-4E2F-8BCC-5080235FE43F}" type="slidenum">
               <a:rPr lang="ru-RU" smtClean="0"/>
               <a:pPr fontAlgn="base">
                 <a:spcBef>
@@ -5068,7 +5067,7 @@
       </p:grpSpPr>
       <p:sp>
         <p:nvSpPr>
-          <p:cNvPr id="50178" name="Образ слайда 1"/>
+          <p:cNvPr id="51202" name="Образ слайда 1"/>
           <p:cNvSpPr>
             <a:spLocks noGrp="1" noRot="1" noChangeAspect="1" noTextEdit="1"/>
           </p:cNvSpPr>
@@ -5099,7 +5098,7 @@
       </p:sp>
       <p:sp>
         <p:nvSpPr>
-          <p:cNvPr id="50179" name="Заметки 2"/>
+          <p:cNvPr id="51203" name="Заметки 2"/>
           <p:cNvSpPr>
             <a:spLocks noGrp="1"/>
           </p:cNvSpPr>
@@ -5148,7 +5147,7 @@
       </p:sp>
       <p:sp>
         <p:nvSpPr>
-          <p:cNvPr id="41988" name="Номер слайда 3"/>
+          <p:cNvPr id="43012" name="Номер слайда 3"/>
           <p:cNvSpPr>
             <a:spLocks noGrp="1"/>
           </p:cNvSpPr>
@@ -5291,7 +5290,7 @@
               </a:spcAft>
               <a:defRPr/>
             </a:pPr>
-            <a:fld id="{0FCEF1F2-EF8C-4E2F-8BCC-5080235FE43F}" type="slidenum">
+            <a:fld id="{C4B345DE-6BFF-4B1E-BD70-3B1A6EF97BE9}" type="slidenum">
               <a:rPr lang="ru-RU" smtClean="0"/>
               <a:pPr fontAlgn="base">
                 <a:spcBef>
@@ -5335,273 +5334,6 @@
       </p:grpSpPr>
       <p:sp>
         <p:nvSpPr>
-          <p:cNvPr id="51202" name="Образ слайда 1"/>
-          <p:cNvSpPr>
-            <a:spLocks noGrp="1" noRot="1" noChangeAspect="1" noTextEdit="1"/>
-          </p:cNvSpPr>
-          <p:nvPr>
-            <p:ph type="sldImg"/>
-          </p:nvPr>
-        </p:nvSpPr>
-        <p:spPr bwMode="auto">
-          <a:noFill/>
-          <a:ln>
-            <a:solidFill>
-              <a:srgbClr val="000000"/>
-            </a:solidFill>
-            <a:miter lim="800000"/>
-            <a:headEnd/>
-            <a:tailEnd/>
-          </a:ln>
-          <a:extLst>
-            <a:ext uri="{909E8E84-426E-40DD-AFC4-6F175D3DCCD1}">
-              <a14:hiddenFill xmlns:a14="http://schemas.microsoft.com/office/drawing/2010/main">
-                <a:solidFill>
-                  <a:srgbClr val="FFFFFF"/>
-                </a:solidFill>
-              </a14:hiddenFill>
-            </a:ext>
-          </a:extLst>
-        </p:spPr>
-      </p:sp>
-      <p:sp>
-        <p:nvSpPr>
-          <p:cNvPr id="51203" name="Заметки 2"/>
-          <p:cNvSpPr>
-            <a:spLocks noGrp="1"/>
-          </p:cNvSpPr>
-          <p:nvPr>
-            <p:ph type="body" idx="1"/>
-          </p:nvPr>
-        </p:nvSpPr>
-        <p:spPr bwMode="auto">
-          <a:noFill/>
-          <a:extLst>
-            <a:ext uri="{909E8E84-426E-40DD-AFC4-6F175D3DCCD1}">
-              <a14:hiddenFill xmlns:a14="http://schemas.microsoft.com/office/drawing/2010/main">
-                <a:solidFill>
-                  <a:srgbClr val="FFFFFF"/>
-                </a:solidFill>
-              </a14:hiddenFill>
-            </a:ext>
-            <a:ext uri="{91240B29-F687-4F45-9708-019B960494DF}">
-              <a14:hiddenLine xmlns:a14="http://schemas.microsoft.com/office/drawing/2010/main" w="9525">
-                <a:solidFill>
-                  <a:srgbClr val="000000"/>
-                </a:solidFill>
-                <a:miter lim="800000"/>
-                <a:headEnd/>
-                <a:tailEnd/>
-              </a14:hiddenLine>
-            </a:ext>
-          </a:extLst>
-        </p:spPr>
-        <p:txBody>
-          <a:bodyPr wrap="square" numCol="1" anchor="t" anchorCtr="0" compatLnSpc="1">
-            <a:prstTxWarp prst="textNoShape">
-              <a:avLst/>
-            </a:prstTxWarp>
-          </a:bodyPr>
-          <a:lstStyle/>
-          <a:p>
-            <a:pPr eaLnBrk="1" hangingPunct="1">
-              <a:spcBef>
-                <a:spcPct val="0"/>
-              </a:spcBef>
-            </a:pPr>
-            <a:endParaRPr lang="ru-RU" smtClean="0"/>
-          </a:p>
-        </p:txBody>
-      </p:sp>
-      <p:sp>
-        <p:nvSpPr>
-          <p:cNvPr id="43012" name="Номер слайда 3"/>
-          <p:cNvSpPr>
-            <a:spLocks noGrp="1"/>
-          </p:cNvSpPr>
-          <p:nvPr>
-            <p:ph type="sldNum" sz="quarter" idx="5"/>
-          </p:nvPr>
-        </p:nvSpPr>
-        <p:spPr bwMode="auto">
-          <a:extLst>
-            <a:ext uri="{909E8E84-426E-40DD-AFC4-6F175D3DCCD1}">
-              <a14:hiddenFill xmlns:a14="http://schemas.microsoft.com/office/drawing/2010/main">
-                <a:solidFill>
-                  <a:srgbClr val="FFFFFF"/>
-                </a:solidFill>
-              </a14:hiddenFill>
-            </a:ext>
-            <a:ext uri="{91240B29-F687-4F45-9708-019B960494DF}">
-              <a14:hiddenLine xmlns:a14="http://schemas.microsoft.com/office/drawing/2010/main" w="9525">
-                <a:solidFill>
-                  <a:srgbClr val="000000"/>
-                </a:solidFill>
-                <a:miter lim="800000"/>
-                <a:headEnd/>
-                <a:tailEnd/>
-              </a14:hiddenLine>
-            </a:ext>
-          </a:extLst>
-        </p:spPr>
-        <p:txBody>
-          <a:bodyPr wrap="square" numCol="1" anchorCtr="0" compatLnSpc="1">
-            <a:prstTxWarp prst="textNoShape">
-              <a:avLst/>
-            </a:prstTxWarp>
-          </a:bodyPr>
-          <a:lstStyle>
-            <a:lvl1pPr>
-              <a:defRPr>
-                <a:solidFill>
-                  <a:schemeClr val="tx1"/>
-                </a:solidFill>
-                <a:latin typeface="Calibri" pitchFamily="34" charset="0"/>
-              </a:defRPr>
-            </a:lvl1pPr>
-            <a:lvl2pPr marL="742950" indent="-285750">
-              <a:defRPr>
-                <a:solidFill>
-                  <a:schemeClr val="tx1"/>
-                </a:solidFill>
-                <a:latin typeface="Calibri" pitchFamily="34" charset="0"/>
-              </a:defRPr>
-            </a:lvl2pPr>
-            <a:lvl3pPr marL="1143000" indent="-228600">
-              <a:defRPr>
-                <a:solidFill>
-                  <a:schemeClr val="tx1"/>
-                </a:solidFill>
-                <a:latin typeface="Calibri" pitchFamily="34" charset="0"/>
-              </a:defRPr>
-            </a:lvl3pPr>
-            <a:lvl4pPr marL="1600200" indent="-228600">
-              <a:defRPr>
-                <a:solidFill>
-                  <a:schemeClr val="tx1"/>
-                </a:solidFill>
-                <a:latin typeface="Calibri" pitchFamily="34" charset="0"/>
-              </a:defRPr>
-            </a:lvl4pPr>
-            <a:lvl5pPr marL="2057400" indent="-228600">
-              <a:defRPr>
-                <a:solidFill>
-                  <a:schemeClr val="tx1"/>
-                </a:solidFill>
-                <a:latin typeface="Calibri" pitchFamily="34" charset="0"/>
-              </a:defRPr>
-            </a:lvl5pPr>
-            <a:lvl6pPr marL="2514600" indent="-228600" fontAlgn="base">
-              <a:spcBef>
-                <a:spcPct val="0"/>
-              </a:spcBef>
-              <a:spcAft>
-                <a:spcPct val="0"/>
-              </a:spcAft>
-              <a:defRPr>
-                <a:solidFill>
-                  <a:schemeClr val="tx1"/>
-                </a:solidFill>
-                <a:latin typeface="Calibri" pitchFamily="34" charset="0"/>
-              </a:defRPr>
-            </a:lvl6pPr>
-            <a:lvl7pPr marL="2971800" indent="-228600" fontAlgn="base">
-              <a:spcBef>
-                <a:spcPct val="0"/>
-              </a:spcBef>
-              <a:spcAft>
-                <a:spcPct val="0"/>
-              </a:spcAft>
-              <a:defRPr>
-                <a:solidFill>
-                  <a:schemeClr val="tx1"/>
-                </a:solidFill>
-                <a:latin typeface="Calibri" pitchFamily="34" charset="0"/>
-              </a:defRPr>
-            </a:lvl7pPr>
-            <a:lvl8pPr marL="3429000" indent="-228600" fontAlgn="base">
-              <a:spcBef>
-                <a:spcPct val="0"/>
-              </a:spcBef>
-              <a:spcAft>
-                <a:spcPct val="0"/>
-              </a:spcAft>
-              <a:defRPr>
-                <a:solidFill>
-                  <a:schemeClr val="tx1"/>
-                </a:solidFill>
-                <a:latin typeface="Calibri" pitchFamily="34" charset="0"/>
-              </a:defRPr>
-            </a:lvl8pPr>
-            <a:lvl9pPr marL="3886200" indent="-228600" fontAlgn="base">
-              <a:spcBef>
-                <a:spcPct val="0"/>
-              </a:spcBef>
-              <a:spcAft>
-                <a:spcPct val="0"/>
-              </a:spcAft>
-              <a:defRPr>
-                <a:solidFill>
-                  <a:schemeClr val="tx1"/>
-                </a:solidFill>
-                <a:latin typeface="Calibri" pitchFamily="34" charset="0"/>
-              </a:defRPr>
-            </a:lvl9pPr>
-          </a:lstStyle>
-          <a:p>
-            <a:pPr fontAlgn="base">
-              <a:spcBef>
-                <a:spcPct val="0"/>
-              </a:spcBef>
-              <a:spcAft>
-                <a:spcPct val="0"/>
-              </a:spcAft>
-              <a:defRPr/>
-            </a:pPr>
-            <a:fld id="{C4B345DE-6BFF-4B1E-BD70-3B1A6EF97BE9}" type="slidenum">
-              <a:rPr lang="ru-RU" smtClean="0"/>
-              <a:pPr fontAlgn="base">
-                <a:spcBef>
-                  <a:spcPct val="0"/>
-                </a:spcBef>
-                <a:spcAft>
-                  <a:spcPct val="0"/>
-                </a:spcAft>
-                <a:defRPr/>
-              </a:pPr>
-              <a:t>25</a:t>
-            </a:fld>
-            <a:endParaRPr lang="ru-RU" smtClean="0"/>
-          </a:p>
-        </p:txBody>
-      </p:sp>
-    </p:spTree>
-  </p:cSld>
-  <p:clrMapOvr>
-    <a:masterClrMapping/>
-  </p:clrMapOvr>
-</p:notes>
-</file>
-
-<file path=ppt/notesSlides/notesSlide25.xml><?xml version="1.0" encoding="utf-8"?>
-<p:notes xmlns:a="http://schemas.openxmlformats.org/drawingml/2006/main" xmlns:r="http://schemas.openxmlformats.org/officeDocument/2006/relationships" xmlns:p="http://schemas.openxmlformats.org/presentationml/2006/main">
-  <p:cSld>
-    <p:spTree>
-      <p:nvGrpSpPr>
-        <p:cNvPr id="1" name=""/>
-        <p:cNvGrpSpPr/>
-        <p:nvPr/>
-      </p:nvGrpSpPr>
-      <p:grpSpPr>
-        <a:xfrm>
-          <a:off x="0" y="0"/>
-          <a:ext cx="0" cy="0"/>
-          <a:chOff x="0" y="0"/>
-          <a:chExt cx="0" cy="0"/>
-        </a:xfrm>
-      </p:grpSpPr>
-      <p:sp>
-        <p:nvSpPr>
           <p:cNvPr id="52226" name="Образ слайда 1"/>
           <p:cNvSpPr>
             <a:spLocks noGrp="1" noRot="1" noChangeAspect="1" noTextEdit="1"/>
@@ -5836,7 +5568,7 @@
                 </a:spcAft>
                 <a:defRPr/>
               </a:pPr>
-              <a:t>26</a:t>
+              <a:t>25</a:t>
             </a:fld>
             <a:endParaRPr lang="ru-RU" smtClean="0"/>
           </a:p>
@@ -5869,7 +5601,7 @@
       </p:grpSpPr>
       <p:sp>
         <p:nvSpPr>
-          <p:cNvPr id="29698" name="Образ слайда 1"/>
+          <p:cNvPr id="30722" name="Образ слайда 1"/>
           <p:cNvSpPr>
             <a:spLocks noGrp="1" noRot="1" noChangeAspect="1" noTextEdit="1"/>
           </p:cNvSpPr>
@@ -5900,7 +5632,7 @@
       </p:sp>
       <p:sp>
         <p:nvSpPr>
-          <p:cNvPr id="29699" name="Заметки 2"/>
+          <p:cNvPr id="30723" name="Заметки 2"/>
           <p:cNvSpPr>
             <a:spLocks noGrp="1"/>
           </p:cNvSpPr>
@@ -5949,7 +5681,7 @@
       </p:sp>
       <p:sp>
         <p:nvSpPr>
-          <p:cNvPr id="24580" name="Номер слайда 3"/>
+          <p:cNvPr id="25604" name="Номер слайда 3"/>
           <p:cNvSpPr>
             <a:spLocks noGrp="1"/>
           </p:cNvSpPr>
@@ -6092,7 +5824,7 @@
               </a:spcAft>
               <a:defRPr/>
             </a:pPr>
-            <a:fld id="{A4828F26-0556-421E-9B33-BB2C55891493}" type="slidenum">
+            <a:fld id="{F13E45BA-5473-4DA6-A57C-E5769635D513}" type="slidenum">
               <a:rPr lang="ru-RU" smtClean="0"/>
               <a:pPr fontAlgn="base">
                 <a:spcBef>
@@ -6136,7 +5868,7 @@
       </p:grpSpPr>
       <p:sp>
         <p:nvSpPr>
-          <p:cNvPr id="30722" name="Образ слайда 1"/>
+          <p:cNvPr id="32770" name="Образ слайда 1"/>
           <p:cNvSpPr>
             <a:spLocks noGrp="1" noRot="1" noChangeAspect="1" noTextEdit="1"/>
           </p:cNvSpPr>
@@ -6167,7 +5899,7 @@
       </p:sp>
       <p:sp>
         <p:nvSpPr>
-          <p:cNvPr id="30723" name="Заметки 2"/>
+          <p:cNvPr id="32771" name="Заметки 2"/>
           <p:cNvSpPr>
             <a:spLocks noGrp="1"/>
           </p:cNvSpPr>
@@ -6216,7 +5948,7 @@
       </p:sp>
       <p:sp>
         <p:nvSpPr>
-          <p:cNvPr id="25604" name="Номер слайда 3"/>
+          <p:cNvPr id="28676" name="Номер слайда 3"/>
           <p:cNvSpPr>
             <a:spLocks noGrp="1"/>
           </p:cNvSpPr>
@@ -6359,7 +6091,7 @@
               </a:spcAft>
               <a:defRPr/>
             </a:pPr>
-            <a:fld id="{F13E45BA-5473-4DA6-A57C-E5769635D513}" type="slidenum">
+            <a:fld id="{C5D408D7-AF5F-44D8-B7DB-06CE9C03850E}" type="slidenum">
               <a:rPr lang="ru-RU" smtClean="0"/>
               <a:pPr fontAlgn="base">
                 <a:spcBef>
@@ -6403,7 +6135,7 @@
       </p:grpSpPr>
       <p:sp>
         <p:nvSpPr>
-          <p:cNvPr id="32770" name="Образ слайда 1"/>
+          <p:cNvPr id="33794" name="Образ слайда 1"/>
           <p:cNvSpPr>
             <a:spLocks noGrp="1" noRot="1" noChangeAspect="1" noTextEdit="1"/>
           </p:cNvSpPr>
@@ -6434,7 +6166,7 @@
       </p:sp>
       <p:sp>
         <p:nvSpPr>
-          <p:cNvPr id="32771" name="Заметки 2"/>
+          <p:cNvPr id="33795" name="Заметки 2"/>
           <p:cNvSpPr>
             <a:spLocks noGrp="1"/>
           </p:cNvSpPr>
@@ -6483,7 +6215,7 @@
       </p:sp>
       <p:sp>
         <p:nvSpPr>
-          <p:cNvPr id="28676" name="Номер слайда 3"/>
+          <p:cNvPr id="29700" name="Номер слайда 3"/>
           <p:cNvSpPr>
             <a:spLocks noGrp="1"/>
           </p:cNvSpPr>
@@ -6626,7 +6358,7 @@
               </a:spcAft>
               <a:defRPr/>
             </a:pPr>
-            <a:fld id="{C5D408D7-AF5F-44D8-B7DB-06CE9C03850E}" type="slidenum">
+            <a:fld id="{94E16C1D-C3AF-44BA-A996-C937DA53CAAF}" type="slidenum">
               <a:rPr lang="ru-RU" smtClean="0"/>
               <a:pPr fontAlgn="base">
                 <a:spcBef>
@@ -7471,7 +7203,7 @@
       </p:grpSpPr>
       <p:sp>
         <p:nvSpPr>
-          <p:cNvPr id="36866" name="Образ слайда 1"/>
+          <p:cNvPr id="37890" name="Образ слайда 1"/>
           <p:cNvSpPr>
             <a:spLocks noGrp="1" noRot="1" noChangeAspect="1" noTextEdit="1"/>
           </p:cNvSpPr>
@@ -7502,7 +7234,7 @@
       </p:sp>
       <p:sp>
         <p:nvSpPr>
-          <p:cNvPr id="36867" name="Заметки 2"/>
+          <p:cNvPr id="37891" name="Заметки 2"/>
           <p:cNvSpPr>
             <a:spLocks noGrp="1"/>
           </p:cNvSpPr>
@@ -7551,7 +7283,7 @@
       </p:sp>
       <p:sp>
         <p:nvSpPr>
-          <p:cNvPr id="32772" name="Номер слайда 3"/>
+          <p:cNvPr id="33796" name="Номер слайда 3"/>
           <p:cNvSpPr>
             <a:spLocks noGrp="1"/>
           </p:cNvSpPr>
@@ -7694,7 +7426,7 @@
               </a:spcAft>
               <a:defRPr/>
             </a:pPr>
-            <a:fld id="{C291077D-A412-4C97-BAD7-212F88E0B308}" type="slidenum">
+            <a:fld id="{90E47BF4-0FF1-4297-AA10-0CFC900BD14D}" type="slidenum">
               <a:rPr lang="ru-RU" smtClean="0"/>
               <a:pPr fontAlgn="base">
                 <a:spcBef>
@@ -7910,7 +7642,7 @@
               <a:pPr>
                 <a:defRPr/>
               </a:pPr>
-              <a:t>28.06.2013</a:t>
+              <a:t>01.07.2013</a:t>
             </a:fld>
             <a:endParaRPr lang="ru-RU"/>
           </a:p>
@@ -8107,7 +7839,7 @@
               <a:pPr>
                 <a:defRPr/>
               </a:pPr>
-              <a:t>28.06.2013</a:t>
+              <a:t>01.07.2013</a:t>
             </a:fld>
             <a:endParaRPr lang="ru-RU"/>
           </a:p>
@@ -8314,7 +8046,7 @@
               <a:pPr>
                 <a:defRPr/>
               </a:pPr>
-              <a:t>28.06.2013</a:t>
+              <a:t>01.07.2013</a:t>
             </a:fld>
             <a:endParaRPr lang="ru-RU"/>
           </a:p>
@@ -8511,7 +8243,7 @@
               <a:pPr>
                 <a:defRPr/>
               </a:pPr>
-              <a:t>28.06.2013</a:t>
+              <a:t>01.07.2013</a:t>
             </a:fld>
             <a:endParaRPr lang="ru-RU"/>
           </a:p>
@@ -8784,7 +8516,7 @@
               <a:pPr>
                 <a:defRPr/>
               </a:pPr>
-              <a:t>28.06.2013</a:t>
+              <a:t>01.07.2013</a:t>
             </a:fld>
             <a:endParaRPr lang="ru-RU"/>
           </a:p>
@@ -9099,7 +8831,7 @@
               <a:pPr>
                 <a:defRPr/>
               </a:pPr>
-              <a:t>28.06.2013</a:t>
+              <a:t>01.07.2013</a:t>
             </a:fld>
             <a:endParaRPr lang="ru-RU"/>
           </a:p>
@@ -9548,7 +9280,7 @@
               <a:pPr>
                 <a:defRPr/>
               </a:pPr>
-              <a:t>28.06.2013</a:t>
+              <a:t>01.07.2013</a:t>
             </a:fld>
             <a:endParaRPr lang="ru-RU"/>
           </a:p>
@@ -9693,7 +9425,7 @@
               <a:pPr>
                 <a:defRPr/>
               </a:pPr>
-              <a:t>28.06.2013</a:t>
+              <a:t>01.07.2013</a:t>
             </a:fld>
             <a:endParaRPr lang="ru-RU"/>
           </a:p>
@@ -9815,7 +9547,7 @@
               <a:pPr>
                 <a:defRPr/>
               </a:pPr>
-              <a:t>28.06.2013</a:t>
+              <a:t>01.07.2013</a:t>
             </a:fld>
             <a:endParaRPr lang="ru-RU"/>
           </a:p>
@@ -10119,7 +9851,7 @@
               <a:pPr>
                 <a:defRPr/>
               </a:pPr>
-              <a:t>28.06.2013</a:t>
+              <a:t>01.07.2013</a:t>
             </a:fld>
             <a:endParaRPr lang="ru-RU"/>
           </a:p>
@@ -10402,7 +10134,7 @@
               <a:pPr>
                 <a:defRPr/>
               </a:pPr>
-              <a:t>28.06.2013</a:t>
+              <a:t>01.07.2013</a:t>
             </a:fld>
             <a:endParaRPr lang="ru-RU"/>
           </a:p>
@@ -10704,7 +10436,7 @@
               <a:pPr>
                 <a:defRPr/>
               </a:pPr>
-              <a:t>28.06.2013</a:t>
+              <a:t>01.07.2013</a:t>
             </a:fld>
             <a:endParaRPr lang="ru-RU"/>
           </a:p>
@@ -11486,7 +11218,26 @@
             </a:pPr>
             <a:r>
               <a:rPr lang="ru-RU" dirty="0"/>
-              <a:t>Федеральное государственное бюджетное образовательное учреждение высшего профессионального образования</a:t>
+              <a:t>Федеральное государственное бюджетное образовательное </a:t>
+            </a:r>
+            <a:r>
+              <a:rPr lang="ru-RU" dirty="0" smtClean="0"/>
+              <a:t>учреждение</a:t>
+            </a:r>
+            <a:r>
+              <a:rPr lang="en-US" dirty="0" smtClean="0"/>
+              <a:t/>
+            </a:r>
+            <a:br>
+              <a:rPr lang="en-US" dirty="0" smtClean="0"/>
+            </a:br>
+            <a:r>
+              <a:rPr lang="ru-RU" dirty="0" smtClean="0"/>
+              <a:t>высшего </a:t>
+            </a:r>
+            <a:r>
+              <a:rPr lang="ru-RU" dirty="0"/>
+              <a:t>профессионального образования</a:t>
             </a:r>
             <a:br>
               <a:rPr lang="ru-RU" dirty="0"/>
@@ -11515,525 +11266,6 @@
 </file>
 
 <file path=ppt/slides/slide10.xml><?xml version="1.0" encoding="utf-8"?>
-<p:sld xmlns:a="http://schemas.openxmlformats.org/drawingml/2006/main" xmlns:r="http://schemas.openxmlformats.org/officeDocument/2006/relationships" xmlns:p="http://schemas.openxmlformats.org/presentationml/2006/main">
-  <p:cSld>
-    <p:spTree>
-      <p:nvGrpSpPr>
-        <p:cNvPr id="1" name=""/>
-        <p:cNvGrpSpPr/>
-        <p:nvPr/>
-      </p:nvGrpSpPr>
-      <p:grpSpPr>
-        <a:xfrm>
-          <a:off x="0" y="0"/>
-          <a:ext cx="0" cy="0"/>
-          <a:chOff x="0" y="0"/>
-          <a:chExt cx="0" cy="0"/>
-        </a:xfrm>
-      </p:grpSpPr>
-      <p:sp>
-        <p:nvSpPr>
-          <p:cNvPr id="11266" name="Заголовок 1"/>
-          <p:cNvSpPr>
-            <a:spLocks noGrp="1"/>
-          </p:cNvSpPr>
-          <p:nvPr>
-            <p:ph type="ctrTitle"/>
-          </p:nvPr>
-        </p:nvSpPr>
-        <p:spPr>
-          <a:xfrm>
-            <a:off x="473075" y="212725"/>
-            <a:ext cx="8201025" cy="863600"/>
-          </a:xfrm>
-        </p:spPr>
-        <p:txBody>
-          <a:bodyPr/>
-          <a:lstStyle/>
-          <a:p>
-            <a:pPr eaLnBrk="1" hangingPunct="1"/>
-            <a:r>
-              <a:rPr lang="ru-RU" sz="4000" b="1" i="1" smtClean="0">
-                <a:latin typeface="Georgia" pitchFamily="18" charset="0"/>
-              </a:rPr>
-              <a:t>Классификация откатов</a:t>
-            </a:r>
-          </a:p>
-        </p:txBody>
-      </p:sp>
-      <p:sp>
-        <p:nvSpPr>
-          <p:cNvPr id="11267" name="Подзаголовок 2"/>
-          <p:cNvSpPr>
-            <a:spLocks noGrp="1"/>
-          </p:cNvSpPr>
-          <p:nvPr>
-            <p:ph type="subTitle" idx="1"/>
-          </p:nvPr>
-        </p:nvSpPr>
-        <p:spPr>
-          <a:xfrm>
-            <a:off x="755650" y="1052513"/>
-            <a:ext cx="7920038" cy="5256212"/>
-          </a:xfrm>
-        </p:spPr>
-        <p:txBody>
-          <a:bodyPr/>
-          <a:lstStyle/>
-          <a:p>
-            <a:pPr algn="l" eaLnBrk="1" hangingPunct="1">
-              <a:defRPr/>
-            </a:pPr>
-            <a:r>
-              <a:rPr lang="ru-RU" sz="2200" b="1" dirty="0" smtClean="0">
-                <a:solidFill>
-                  <a:schemeClr val="tx1"/>
-                </a:solidFill>
-              </a:rPr>
-              <a:t>По </a:t>
-            </a:r>
-            <a:r>
-              <a:rPr lang="ru-RU" sz="2200" b="1" dirty="0">
-                <a:solidFill>
-                  <a:schemeClr val="tx1"/>
-                </a:solidFill>
-              </a:rPr>
-              <a:t>числу вовлечённых логических процессов</a:t>
-            </a:r>
-          </a:p>
-          <a:p>
-            <a:pPr marL="530225" algn="l" eaLnBrk="1" hangingPunct="1">
-              <a:defRPr/>
-            </a:pPr>
-            <a:r>
-              <a:rPr lang="ru-RU" sz="2200" dirty="0">
-                <a:solidFill>
-                  <a:schemeClr val="tx1"/>
-                </a:solidFill>
-              </a:rPr>
-              <a:t>•	Локальные</a:t>
-            </a:r>
-          </a:p>
-          <a:p>
-            <a:pPr marL="530225" algn="l" eaLnBrk="1" hangingPunct="1">
-              <a:defRPr/>
-            </a:pPr>
-            <a:r>
-              <a:rPr lang="ru-RU" sz="2200" dirty="0">
-                <a:solidFill>
-                  <a:schemeClr val="tx1"/>
-                </a:solidFill>
-              </a:rPr>
-              <a:t>•	</a:t>
-            </a:r>
-            <a:r>
-              <a:rPr lang="ru-RU" sz="2200" dirty="0" smtClean="0">
-                <a:solidFill>
-                  <a:schemeClr val="tx1"/>
-                </a:solidFill>
-              </a:rPr>
-              <a:t>Каскадные</a:t>
-            </a:r>
-          </a:p>
-          <a:p>
-            <a:pPr algn="l" eaLnBrk="1" hangingPunct="1">
-              <a:defRPr/>
-            </a:pPr>
-            <a:r>
-              <a:rPr lang="ru-RU" sz="2200" b="1" dirty="0" smtClean="0">
-                <a:solidFill>
-                  <a:schemeClr val="tx1"/>
-                </a:solidFill>
-              </a:rPr>
-              <a:t>По </a:t>
-            </a:r>
-            <a:r>
-              <a:rPr lang="ru-RU" sz="2200" b="1" dirty="0">
-                <a:solidFill>
-                  <a:schemeClr val="tx1"/>
-                </a:solidFill>
-              </a:rPr>
-              <a:t>коммуникативной цели агента</a:t>
-            </a:r>
-          </a:p>
-          <a:p>
-            <a:pPr marL="530225" algn="l" eaLnBrk="1" hangingPunct="1">
-              <a:defRPr/>
-            </a:pPr>
-            <a:r>
-              <a:rPr lang="ru-RU" sz="2200" dirty="0">
-                <a:solidFill>
-                  <a:schemeClr val="tx1"/>
-                </a:solidFill>
-              </a:rPr>
-              <a:t>•	Откаты, вызванные запросом к </a:t>
-            </a:r>
-            <a:r>
-              <a:rPr lang="ru-RU" sz="2200" dirty="0" smtClean="0">
-                <a:solidFill>
-                  <a:schemeClr val="tx1"/>
-                </a:solidFill>
-              </a:rPr>
-              <a:t>агенту</a:t>
-            </a:r>
-            <a:endParaRPr lang="ru-RU" sz="2200" dirty="0">
-              <a:solidFill>
-                <a:schemeClr val="tx1"/>
-              </a:solidFill>
-            </a:endParaRPr>
-          </a:p>
-          <a:p>
-            <a:pPr marL="530225" algn="l" eaLnBrk="1" hangingPunct="1">
-              <a:defRPr/>
-            </a:pPr>
-            <a:r>
-              <a:rPr lang="ru-RU" sz="2200" dirty="0">
-                <a:solidFill>
-                  <a:schemeClr val="tx1"/>
-                </a:solidFill>
-              </a:rPr>
-              <a:t>•	Откаты, вызванные ответом на </a:t>
-            </a:r>
-            <a:r>
-              <a:rPr lang="ru-RU" sz="2200" dirty="0" smtClean="0">
-                <a:solidFill>
-                  <a:schemeClr val="tx1"/>
-                </a:solidFill>
-              </a:rPr>
-              <a:t>запрос</a:t>
-            </a:r>
-            <a:endParaRPr lang="ru-RU" sz="2200" dirty="0">
-              <a:solidFill>
-                <a:schemeClr val="tx1"/>
-              </a:solidFill>
-            </a:endParaRPr>
-          </a:p>
-          <a:p>
-            <a:pPr marL="530225" algn="l" eaLnBrk="1" hangingPunct="1">
-              <a:defRPr/>
-            </a:pPr>
-            <a:r>
-              <a:rPr lang="ru-RU" sz="2200" dirty="0">
-                <a:solidFill>
-                  <a:schemeClr val="tx1"/>
-                </a:solidFill>
-              </a:rPr>
-              <a:t>•	Откаты, вызванные событиями, не требующих ответа</a:t>
-            </a:r>
-          </a:p>
-          <a:p>
-            <a:pPr algn="l" eaLnBrk="1" hangingPunct="1">
-              <a:defRPr/>
-            </a:pPr>
-            <a:r>
-              <a:rPr lang="ru-RU" sz="2200" b="1" dirty="0" smtClean="0">
-                <a:solidFill>
-                  <a:schemeClr val="tx1"/>
-                </a:solidFill>
-              </a:rPr>
-              <a:t>По </a:t>
-            </a:r>
-            <a:r>
-              <a:rPr lang="ru-RU" sz="2200" b="1" dirty="0">
-                <a:solidFill>
-                  <a:schemeClr val="tx1"/>
-                </a:solidFill>
-              </a:rPr>
-              <a:t>наличию парадокса времени</a:t>
-            </a:r>
-          </a:p>
-          <a:p>
-            <a:pPr marL="530225" algn="l" eaLnBrk="1" hangingPunct="1">
-              <a:defRPr/>
-            </a:pPr>
-            <a:r>
-              <a:rPr lang="ru-RU" sz="2200" dirty="0">
-                <a:solidFill>
-                  <a:schemeClr val="tx1"/>
-                </a:solidFill>
-              </a:rPr>
-              <a:t>•	Откаты, вызывающие парадокс времени</a:t>
-            </a:r>
-          </a:p>
-          <a:p>
-            <a:pPr marL="530225" algn="l" eaLnBrk="1" hangingPunct="1">
-              <a:defRPr/>
-            </a:pPr>
-            <a:r>
-              <a:rPr lang="ru-RU" sz="2200" dirty="0">
-                <a:solidFill>
-                  <a:schemeClr val="tx1"/>
-                </a:solidFill>
-              </a:rPr>
-              <a:t>•	Откаты, не вызывающие парадокса времени</a:t>
-            </a:r>
-          </a:p>
-          <a:p>
-            <a:pPr algn="l" eaLnBrk="1" hangingPunct="1">
-              <a:defRPr/>
-            </a:pPr>
-            <a:r>
-              <a:rPr lang="ru-RU" sz="2200" b="1" dirty="0" smtClean="0">
-                <a:solidFill>
-                  <a:schemeClr val="tx1"/>
-                </a:solidFill>
-              </a:rPr>
-              <a:t>По </a:t>
-            </a:r>
-            <a:r>
-              <a:rPr lang="ru-RU" sz="2200" b="1" dirty="0">
-                <a:solidFill>
-                  <a:schemeClr val="tx1"/>
-                </a:solidFill>
-              </a:rPr>
-              <a:t>числу упущенных событий</a:t>
-            </a:r>
-          </a:p>
-          <a:p>
-            <a:pPr marL="530225" algn="l" eaLnBrk="1" hangingPunct="1">
-              <a:defRPr/>
-            </a:pPr>
-            <a:r>
-              <a:rPr lang="ru-RU" sz="2200" dirty="0">
-                <a:solidFill>
-                  <a:schemeClr val="tx1"/>
-                </a:solidFill>
-              </a:rPr>
-              <a:t>•	Откаты, вызванные терминальными событиями</a:t>
-            </a:r>
-          </a:p>
-          <a:p>
-            <a:pPr marL="530225" algn="l" eaLnBrk="1" hangingPunct="1">
-              <a:defRPr/>
-            </a:pPr>
-            <a:r>
-              <a:rPr lang="ru-RU" sz="2200" dirty="0">
-                <a:solidFill>
-                  <a:schemeClr val="tx1"/>
-                </a:solidFill>
-              </a:rPr>
-              <a:t>•	Откаты, вызванные нетерминальными </a:t>
-            </a:r>
-            <a:r>
-              <a:rPr lang="ru-RU" sz="2200" dirty="0" smtClean="0">
-                <a:solidFill>
-                  <a:schemeClr val="tx1"/>
-                </a:solidFill>
-              </a:rPr>
-              <a:t>событиями</a:t>
-            </a:r>
-            <a:endParaRPr lang="ru-RU" sz="2200" dirty="0">
-              <a:solidFill>
-                <a:schemeClr val="tx1"/>
-              </a:solidFill>
-            </a:endParaRPr>
-          </a:p>
-        </p:txBody>
-      </p:sp>
-      <p:sp>
-        <p:nvSpPr>
-          <p:cNvPr id="4" name="Номер слайда 3"/>
-          <p:cNvSpPr>
-            <a:spLocks noGrp="1"/>
-          </p:cNvSpPr>
-          <p:nvPr>
-            <p:ph type="sldNum" sz="quarter" idx="12"/>
-          </p:nvPr>
-        </p:nvSpPr>
-        <p:spPr>
-          <a:xfrm>
-            <a:off x="6553200" y="6356350"/>
-            <a:ext cx="2339975" cy="365125"/>
-          </a:xfrm>
-        </p:spPr>
-        <p:txBody>
-          <a:bodyPr/>
-          <a:lstStyle/>
-          <a:p>
-            <a:pPr>
-              <a:defRPr/>
-            </a:pPr>
-            <a:fld id="{29FB9C9A-7FE0-4847-8B38-00C22455A804}" type="slidenum">
-              <a:rPr lang="ru-RU" sz="2800" smtClean="0"/>
-              <a:pPr>
-                <a:defRPr/>
-              </a:pPr>
-              <a:t>10</a:t>
-            </a:fld>
-            <a:r>
-              <a:rPr lang="en-US" sz="2800" dirty="0" smtClean="0"/>
-              <a:t>/26</a:t>
-            </a:r>
-            <a:endParaRPr lang="ru-RU" sz="2800" dirty="0"/>
-          </a:p>
-        </p:txBody>
-      </p:sp>
-      <p:grpSp>
-        <p:nvGrpSpPr>
-          <p:cNvPr id="8" name="Группа 7"/>
-          <p:cNvGrpSpPr/>
-          <p:nvPr/>
-        </p:nvGrpSpPr>
-        <p:grpSpPr>
-          <a:xfrm>
-            <a:off x="395536" y="1052736"/>
-            <a:ext cx="298450" cy="5472608"/>
-            <a:chOff x="395536" y="1052736"/>
-            <a:chExt cx="298450" cy="5472608"/>
-          </a:xfrm>
-        </p:grpSpPr>
-        <p:cxnSp>
-          <p:nvCxnSpPr>
-            <p:cNvPr id="9" name="Прямая соединительная линия 8"/>
-            <p:cNvCxnSpPr/>
-            <p:nvPr/>
-          </p:nvCxnSpPr>
-          <p:spPr>
-            <a:xfrm>
-              <a:off x="541586" y="1340768"/>
-              <a:ext cx="0" cy="5184576"/>
-            </a:xfrm>
-            <a:prstGeom prst="line">
-              <a:avLst/>
-            </a:prstGeom>
-            <a:ln>
-              <a:solidFill>
-                <a:schemeClr val="bg1">
-                  <a:lumMod val="65000"/>
-                </a:schemeClr>
-              </a:solidFill>
-            </a:ln>
-            <a:effectLst>
-              <a:glow rad="101600">
-                <a:schemeClr val="bg1">
-                  <a:lumMod val="65000"/>
-                  <a:alpha val="60000"/>
-                </a:schemeClr>
-              </a:glow>
-            </a:effectLst>
-          </p:spPr>
-          <p:style>
-            <a:lnRef idx="1">
-              <a:schemeClr val="accent1"/>
-            </a:lnRef>
-            <a:fillRef idx="0">
-              <a:schemeClr val="accent1"/>
-            </a:fillRef>
-            <a:effectRef idx="0">
-              <a:schemeClr val="accent1"/>
-            </a:effectRef>
-            <a:fontRef idx="minor">
-              <a:schemeClr val="tx1"/>
-            </a:fontRef>
-          </p:style>
-        </p:cxnSp>
-        <p:cxnSp>
-          <p:nvCxnSpPr>
-            <p:cNvPr id="10" name="Прямая соединительная линия 9"/>
-            <p:cNvCxnSpPr/>
-            <p:nvPr/>
-          </p:nvCxnSpPr>
-          <p:spPr>
-            <a:xfrm>
-              <a:off x="693986" y="1628800"/>
-              <a:ext cx="0" cy="4896544"/>
-            </a:xfrm>
-            <a:prstGeom prst="line">
-              <a:avLst/>
-            </a:prstGeom>
-            <a:ln>
-              <a:solidFill>
-                <a:schemeClr val="bg1">
-                  <a:lumMod val="65000"/>
-                </a:schemeClr>
-              </a:solidFill>
-            </a:ln>
-            <a:effectLst>
-              <a:glow rad="101600">
-                <a:schemeClr val="bg1">
-                  <a:lumMod val="65000"/>
-                  <a:alpha val="60000"/>
-                </a:schemeClr>
-              </a:glow>
-            </a:effectLst>
-          </p:spPr>
-          <p:style>
-            <a:lnRef idx="1">
-              <a:schemeClr val="accent1"/>
-            </a:lnRef>
-            <a:fillRef idx="0">
-              <a:schemeClr val="accent1"/>
-            </a:fillRef>
-            <a:effectRef idx="0">
-              <a:schemeClr val="accent1"/>
-            </a:effectRef>
-            <a:fontRef idx="minor">
-              <a:schemeClr val="tx1"/>
-            </a:fontRef>
-          </p:style>
-        </p:cxnSp>
-        <p:cxnSp>
-          <p:nvCxnSpPr>
-            <p:cNvPr id="12" name="Прямая соединительная линия 11"/>
-            <p:cNvCxnSpPr/>
-            <p:nvPr/>
-          </p:nvCxnSpPr>
-          <p:spPr>
-            <a:xfrm>
-              <a:off x="395536" y="1052736"/>
-              <a:ext cx="0" cy="5472608"/>
-            </a:xfrm>
-            <a:prstGeom prst="line">
-              <a:avLst/>
-            </a:prstGeom>
-            <a:ln>
-              <a:solidFill>
-                <a:schemeClr val="bg1">
-                  <a:lumMod val="65000"/>
-                </a:schemeClr>
-              </a:solidFill>
-            </a:ln>
-            <a:effectLst>
-              <a:glow rad="101600">
-                <a:schemeClr val="bg1">
-                  <a:lumMod val="65000"/>
-                  <a:alpha val="60000"/>
-                </a:schemeClr>
-              </a:glow>
-            </a:effectLst>
-          </p:spPr>
-          <p:style>
-            <a:lnRef idx="1">
-              <a:schemeClr val="accent1"/>
-            </a:lnRef>
-            <a:fillRef idx="0">
-              <a:schemeClr val="accent1"/>
-            </a:fillRef>
-            <a:effectRef idx="0">
-              <a:schemeClr val="accent1"/>
-            </a:effectRef>
-            <a:fontRef idx="minor">
-              <a:schemeClr val="tx1"/>
-            </a:fontRef>
-          </p:style>
-        </p:cxnSp>
-      </p:grpSp>
-    </p:spTree>
-  </p:cSld>
-  <p:clrMapOvr>
-    <a:masterClrMapping/>
-  </p:clrMapOvr>
-  <p:timing>
-    <p:tnLst>
-      <p:par>
-        <p:cTn id="1" dur="indefinite" restart="never" nodeType="tmRoot"/>
-      </p:par>
-    </p:tnLst>
-  </p:timing>
-</p:sld>
-</file>
-
-<file path=ppt/slides/slide11.xml><?xml version="1.0" encoding="utf-8"?>
 <p:sld xmlns:a="http://schemas.openxmlformats.org/drawingml/2006/main" xmlns:r="http://schemas.openxmlformats.org/officeDocument/2006/relationships" xmlns:p="http://schemas.openxmlformats.org/presentationml/2006/main">
   <p:cSld>
     <p:spTree>
@@ -12108,11 +11340,11 @@
               <a:pPr>
                 <a:defRPr/>
               </a:pPr>
-              <a:t>11</a:t>
+              <a:t>10</a:t>
             </a:fld>
             <a:r>
               <a:rPr lang="en-US" sz="2800" dirty="0" smtClean="0"/>
-              <a:t>/26</a:t>
+              <a:t>/25</a:t>
             </a:r>
             <a:endParaRPr lang="ru-RU" sz="2800" dirty="0"/>
           </a:p>
@@ -12692,7 +11924,7 @@
 </p:sld>
 </file>
 
-<file path=ppt/slides/slide12.xml><?xml version="1.0" encoding="utf-8"?>
+<file path=ppt/slides/slide11.xml><?xml version="1.0" encoding="utf-8"?>
 <p:sld xmlns:a="http://schemas.openxmlformats.org/drawingml/2006/main" xmlns:r="http://schemas.openxmlformats.org/officeDocument/2006/relationships" xmlns:p="http://schemas.openxmlformats.org/presentationml/2006/main">
   <p:cSld>
     <p:spTree>
@@ -12918,11 +12150,384 @@
               <a:pPr>
                 <a:defRPr/>
               </a:pPr>
+              <a:t>11</a:t>
+            </a:fld>
+            <a:r>
+              <a:rPr lang="en-US" sz="2800" dirty="0" smtClean="0"/>
+              <a:t>/25</a:t>
+            </a:r>
+            <a:endParaRPr lang="ru-RU" sz="2800" dirty="0"/>
+          </a:p>
+        </p:txBody>
+      </p:sp>
+      <p:grpSp>
+        <p:nvGrpSpPr>
+          <p:cNvPr id="8" name="Группа 7"/>
+          <p:cNvGrpSpPr/>
+          <p:nvPr/>
+        </p:nvGrpSpPr>
+        <p:grpSpPr>
+          <a:xfrm>
+            <a:off x="395536" y="1052736"/>
+            <a:ext cx="298450" cy="5472608"/>
+            <a:chOff x="395536" y="1052736"/>
+            <a:chExt cx="298450" cy="5472608"/>
+          </a:xfrm>
+        </p:grpSpPr>
+        <p:cxnSp>
+          <p:nvCxnSpPr>
+            <p:cNvPr id="9" name="Прямая соединительная линия 8"/>
+            <p:cNvCxnSpPr/>
+            <p:nvPr/>
+          </p:nvCxnSpPr>
+          <p:spPr>
+            <a:xfrm>
+              <a:off x="541586" y="1340768"/>
+              <a:ext cx="0" cy="5184576"/>
+            </a:xfrm>
+            <a:prstGeom prst="line">
+              <a:avLst/>
+            </a:prstGeom>
+            <a:ln>
+              <a:solidFill>
+                <a:schemeClr val="bg1">
+                  <a:lumMod val="65000"/>
+                </a:schemeClr>
+              </a:solidFill>
+            </a:ln>
+            <a:effectLst>
+              <a:glow rad="101600">
+                <a:schemeClr val="bg1">
+                  <a:lumMod val="65000"/>
+                  <a:alpha val="60000"/>
+                </a:schemeClr>
+              </a:glow>
+            </a:effectLst>
+          </p:spPr>
+          <p:style>
+            <a:lnRef idx="1">
+              <a:schemeClr val="accent1"/>
+            </a:lnRef>
+            <a:fillRef idx="0">
+              <a:schemeClr val="accent1"/>
+            </a:fillRef>
+            <a:effectRef idx="0">
+              <a:schemeClr val="accent1"/>
+            </a:effectRef>
+            <a:fontRef idx="minor">
+              <a:schemeClr val="tx1"/>
+            </a:fontRef>
+          </p:style>
+        </p:cxnSp>
+        <p:cxnSp>
+          <p:nvCxnSpPr>
+            <p:cNvPr id="10" name="Прямая соединительная линия 9"/>
+            <p:cNvCxnSpPr/>
+            <p:nvPr/>
+          </p:nvCxnSpPr>
+          <p:spPr>
+            <a:xfrm>
+              <a:off x="693986" y="1628800"/>
+              <a:ext cx="0" cy="4896544"/>
+            </a:xfrm>
+            <a:prstGeom prst="line">
+              <a:avLst/>
+            </a:prstGeom>
+            <a:ln>
+              <a:solidFill>
+                <a:schemeClr val="bg1">
+                  <a:lumMod val="65000"/>
+                </a:schemeClr>
+              </a:solidFill>
+            </a:ln>
+            <a:effectLst>
+              <a:glow rad="101600">
+                <a:schemeClr val="bg1">
+                  <a:lumMod val="65000"/>
+                  <a:alpha val="60000"/>
+                </a:schemeClr>
+              </a:glow>
+            </a:effectLst>
+          </p:spPr>
+          <p:style>
+            <a:lnRef idx="1">
+              <a:schemeClr val="accent1"/>
+            </a:lnRef>
+            <a:fillRef idx="0">
+              <a:schemeClr val="accent1"/>
+            </a:fillRef>
+            <a:effectRef idx="0">
+              <a:schemeClr val="accent1"/>
+            </a:effectRef>
+            <a:fontRef idx="minor">
+              <a:schemeClr val="tx1"/>
+            </a:fontRef>
+          </p:style>
+        </p:cxnSp>
+        <p:cxnSp>
+          <p:nvCxnSpPr>
+            <p:cNvPr id="12" name="Прямая соединительная линия 11"/>
+            <p:cNvCxnSpPr/>
+            <p:nvPr/>
+          </p:nvCxnSpPr>
+          <p:spPr>
+            <a:xfrm>
+              <a:off x="395536" y="1052736"/>
+              <a:ext cx="0" cy="5472608"/>
+            </a:xfrm>
+            <a:prstGeom prst="line">
+              <a:avLst/>
+            </a:prstGeom>
+            <a:ln>
+              <a:solidFill>
+                <a:schemeClr val="bg1">
+                  <a:lumMod val="65000"/>
+                </a:schemeClr>
+              </a:solidFill>
+            </a:ln>
+            <a:effectLst>
+              <a:glow rad="101600">
+                <a:schemeClr val="bg1">
+                  <a:lumMod val="65000"/>
+                  <a:alpha val="60000"/>
+                </a:schemeClr>
+              </a:glow>
+            </a:effectLst>
+          </p:spPr>
+          <p:style>
+            <a:lnRef idx="1">
+              <a:schemeClr val="accent1"/>
+            </a:lnRef>
+            <a:fillRef idx="0">
+              <a:schemeClr val="accent1"/>
+            </a:fillRef>
+            <a:effectRef idx="0">
+              <a:schemeClr val="accent1"/>
+            </a:effectRef>
+            <a:fontRef idx="minor">
+              <a:schemeClr val="tx1"/>
+            </a:fontRef>
+          </p:style>
+        </p:cxnSp>
+      </p:grpSp>
+    </p:spTree>
+  </p:cSld>
+  <p:clrMapOvr>
+    <a:masterClrMapping/>
+  </p:clrMapOvr>
+  <p:timing>
+    <p:tnLst>
+      <p:par>
+        <p:cTn id="1" dur="indefinite" restart="never" nodeType="tmRoot"/>
+      </p:par>
+    </p:tnLst>
+  </p:timing>
+</p:sld>
+</file>
+
+<file path=ppt/slides/slide12.xml><?xml version="1.0" encoding="utf-8"?>
+<p:sld xmlns:a="http://schemas.openxmlformats.org/drawingml/2006/main" xmlns:r="http://schemas.openxmlformats.org/officeDocument/2006/relationships" xmlns:p="http://schemas.openxmlformats.org/presentationml/2006/main">
+  <p:cSld>
+    <p:spTree>
+      <p:nvGrpSpPr>
+        <p:cNvPr id="1" name=""/>
+        <p:cNvGrpSpPr/>
+        <p:nvPr/>
+      </p:nvGrpSpPr>
+      <p:grpSpPr>
+        <a:xfrm>
+          <a:off x="0" y="0"/>
+          <a:ext cx="0" cy="0"/>
+          <a:chOff x="0" y="0"/>
+          <a:chExt cx="0" cy="0"/>
+        </a:xfrm>
+      </p:grpSpPr>
+      <p:sp>
+        <p:nvSpPr>
+          <p:cNvPr id="14338" name="Заголовок 1"/>
+          <p:cNvSpPr>
+            <a:spLocks noGrp="1"/>
+          </p:cNvSpPr>
+          <p:nvPr>
+            <p:ph type="ctrTitle"/>
+          </p:nvPr>
+        </p:nvSpPr>
+        <p:spPr>
+          <a:xfrm>
+            <a:off x="547688" y="333375"/>
+            <a:ext cx="8201025" cy="1295400"/>
+          </a:xfrm>
+        </p:spPr>
+        <p:txBody>
+          <a:bodyPr/>
+          <a:lstStyle/>
+          <a:p>
+            <a:pPr eaLnBrk="1" hangingPunct="1"/>
+            <a:r>
+              <a:rPr lang="ru-RU" sz="4000" b="1" i="1" smtClean="0">
+                <a:latin typeface="Georgia" pitchFamily="18" charset="0"/>
+              </a:rPr>
+              <a:t>Алгоритм</a:t>
+            </a:r>
+            <a:r>
+              <a:rPr lang="en-US" sz="4000" b="1" i="1" smtClean="0">
+                <a:latin typeface="Georgia" pitchFamily="18" charset="0"/>
+              </a:rPr>
+              <a:t>#2</a:t>
+            </a:r>
+            <a:endParaRPr lang="ru-RU" sz="4000" b="1" i="1" smtClean="0">
+              <a:latin typeface="Georgia" pitchFamily="18" charset="0"/>
+            </a:endParaRPr>
+          </a:p>
+        </p:txBody>
+      </p:sp>
+      <p:sp>
+        <p:nvSpPr>
+          <p:cNvPr id="13315" name="Подзаголовок 2"/>
+          <p:cNvSpPr>
+            <a:spLocks noGrp="1"/>
+          </p:cNvSpPr>
+          <p:nvPr>
+            <p:ph type="subTitle" idx="1"/>
+          </p:nvPr>
+        </p:nvSpPr>
+        <p:spPr>
+          <a:xfrm>
+            <a:off x="899592" y="1412763"/>
+            <a:ext cx="7993582" cy="5112581"/>
+          </a:xfrm>
+        </p:spPr>
+        <p:txBody>
+          <a:bodyPr/>
+          <a:lstStyle/>
+          <a:p>
+            <a:pPr algn="l" eaLnBrk="1" hangingPunct="1">
+              <a:defRPr/>
+            </a:pPr>
+            <a:r>
+              <a:rPr lang="ru-RU" sz="2600" dirty="0" smtClean="0">
+                <a:solidFill>
+                  <a:schemeClr val="tx1"/>
+                </a:solidFill>
+              </a:rPr>
+              <a:t>Основан на коммуникативной цели агента</a:t>
+            </a:r>
+          </a:p>
+          <a:p>
+            <a:pPr eaLnBrk="1" hangingPunct="1">
+              <a:defRPr/>
+            </a:pPr>
+            <a:r>
+              <a:rPr lang="ru-RU" sz="2600" u="sng" dirty="0" smtClean="0">
+                <a:solidFill>
+                  <a:schemeClr val="tx1"/>
+                </a:solidFill>
+              </a:rPr>
+              <a:t>Утверждение</a:t>
+            </a:r>
+            <a:r>
+              <a:rPr lang="ru-RU" sz="2600" dirty="0" smtClean="0">
+                <a:solidFill>
+                  <a:schemeClr val="tx1"/>
+                </a:solidFill>
+              </a:rPr>
+              <a:t>. </a:t>
+            </a:r>
+            <a:r>
+              <a:rPr lang="ru-RU" sz="2600" i="1" dirty="0" smtClean="0">
+                <a:solidFill>
+                  <a:schemeClr val="tx1"/>
+                </a:solidFill>
+              </a:rPr>
+              <a:t>Если агент посылает запрос, требующий обязательного ответа, и оба участника коммуникации расположены в разных процессах, то дальнейшая обработка событий может привести к многочисленным откатам.</a:t>
+            </a:r>
+          </a:p>
+          <a:p>
+            <a:pPr algn="l" eaLnBrk="1" hangingPunct="1">
+              <a:defRPr/>
+            </a:pPr>
+            <a:r>
+              <a:rPr lang="ru-RU" sz="2600" u="sng" dirty="0" smtClean="0">
+                <a:solidFill>
+                  <a:schemeClr val="tx1"/>
+                </a:solidFill>
+              </a:rPr>
+              <a:t>Возможные решения</a:t>
+            </a:r>
+            <a:r>
+              <a:rPr lang="ru-RU" sz="2600" dirty="0" smtClean="0">
+                <a:solidFill>
+                  <a:schemeClr val="tx1"/>
+                </a:solidFill>
+              </a:rPr>
+              <a:t>:</a:t>
+            </a:r>
+          </a:p>
+          <a:p>
+            <a:pPr marL="457200" indent="-457200" algn="l" eaLnBrk="1" hangingPunct="1">
+              <a:buFont typeface="Arial" pitchFamily="34" charset="0"/>
+              <a:buChar char="•"/>
+              <a:defRPr/>
+            </a:pPr>
+            <a:r>
+              <a:rPr lang="ru-RU" sz="2600" dirty="0" smtClean="0">
+                <a:solidFill>
+                  <a:schemeClr val="tx1"/>
+                </a:solidFill>
+              </a:rPr>
+              <a:t>Выполнить кластеризацию агентов и балансировку логических процессов</a:t>
+            </a:r>
+          </a:p>
+          <a:p>
+            <a:pPr marL="457200" indent="-457200" algn="l" eaLnBrk="1" hangingPunct="1">
+              <a:buFont typeface="Arial" pitchFamily="34" charset="0"/>
+              <a:buChar char="•"/>
+              <a:defRPr/>
+            </a:pPr>
+            <a:r>
+              <a:rPr lang="ru-RU" sz="2600" dirty="0" smtClean="0">
+                <a:solidFill>
+                  <a:schemeClr val="tx1"/>
+                </a:solidFill>
+              </a:rPr>
+              <a:t>Блокировать логический процесс до получения ответа</a:t>
+            </a:r>
+          </a:p>
+        </p:txBody>
+      </p:sp>
+      <p:sp>
+        <p:nvSpPr>
+          <p:cNvPr id="4" name="Номер слайда 3"/>
+          <p:cNvSpPr>
+            <a:spLocks noGrp="1"/>
+          </p:cNvSpPr>
+          <p:nvPr>
+            <p:ph type="sldNum" sz="quarter" idx="12"/>
+          </p:nvPr>
+        </p:nvSpPr>
+        <p:spPr>
+          <a:xfrm>
+            <a:off x="6553200" y="6356350"/>
+            <a:ext cx="2339975" cy="365125"/>
+          </a:xfrm>
+        </p:spPr>
+        <p:txBody>
+          <a:bodyPr/>
+          <a:lstStyle/>
+          <a:p>
+            <a:pPr>
+              <a:defRPr/>
+            </a:pPr>
+            <a:fld id="{DC99D97A-E2DF-4298-9292-A035EC26468F}" type="slidenum">
+              <a:rPr lang="ru-RU" sz="2800" smtClean="0"/>
+              <a:pPr>
+                <a:defRPr/>
+              </a:pPr>
               <a:t>12</a:t>
             </a:fld>
             <a:r>
               <a:rPr lang="en-US" sz="2800" dirty="0" smtClean="0"/>
-              <a:t>/26</a:t>
+              <a:t>/25</a:t>
             </a:r>
             <a:endParaRPr lang="ru-RU" sz="2800" dirty="0"/>
           </a:p>
@@ -13112,379 +12717,6 @@
       </p:grpSpPr>
       <p:sp>
         <p:nvSpPr>
-          <p:cNvPr id="14338" name="Заголовок 1"/>
-          <p:cNvSpPr>
-            <a:spLocks noGrp="1"/>
-          </p:cNvSpPr>
-          <p:nvPr>
-            <p:ph type="ctrTitle"/>
-          </p:nvPr>
-        </p:nvSpPr>
-        <p:spPr>
-          <a:xfrm>
-            <a:off x="547688" y="333375"/>
-            <a:ext cx="8201025" cy="1295400"/>
-          </a:xfrm>
-        </p:spPr>
-        <p:txBody>
-          <a:bodyPr/>
-          <a:lstStyle/>
-          <a:p>
-            <a:pPr eaLnBrk="1" hangingPunct="1"/>
-            <a:r>
-              <a:rPr lang="ru-RU" sz="4000" b="1" i="1" smtClean="0">
-                <a:latin typeface="Georgia" pitchFamily="18" charset="0"/>
-              </a:rPr>
-              <a:t>Алгоритм</a:t>
-            </a:r>
-            <a:r>
-              <a:rPr lang="en-US" sz="4000" b="1" i="1" smtClean="0">
-                <a:latin typeface="Georgia" pitchFamily="18" charset="0"/>
-              </a:rPr>
-              <a:t>#2</a:t>
-            </a:r>
-            <a:endParaRPr lang="ru-RU" sz="4000" b="1" i="1" smtClean="0">
-              <a:latin typeface="Georgia" pitchFamily="18" charset="0"/>
-            </a:endParaRPr>
-          </a:p>
-        </p:txBody>
-      </p:sp>
-      <p:sp>
-        <p:nvSpPr>
-          <p:cNvPr id="13315" name="Подзаголовок 2"/>
-          <p:cNvSpPr>
-            <a:spLocks noGrp="1"/>
-          </p:cNvSpPr>
-          <p:nvPr>
-            <p:ph type="subTitle" idx="1"/>
-          </p:nvPr>
-        </p:nvSpPr>
-        <p:spPr>
-          <a:xfrm>
-            <a:off x="899592" y="1412763"/>
-            <a:ext cx="7993582" cy="5112581"/>
-          </a:xfrm>
-        </p:spPr>
-        <p:txBody>
-          <a:bodyPr/>
-          <a:lstStyle/>
-          <a:p>
-            <a:pPr algn="l" eaLnBrk="1" hangingPunct="1">
-              <a:defRPr/>
-            </a:pPr>
-            <a:r>
-              <a:rPr lang="ru-RU" sz="2600" dirty="0" smtClean="0">
-                <a:solidFill>
-                  <a:schemeClr val="tx1"/>
-                </a:solidFill>
-              </a:rPr>
-              <a:t>Основан на коммуникативной цели агента</a:t>
-            </a:r>
-          </a:p>
-          <a:p>
-            <a:pPr eaLnBrk="1" hangingPunct="1">
-              <a:defRPr/>
-            </a:pPr>
-            <a:r>
-              <a:rPr lang="ru-RU" sz="2600" u="sng" dirty="0" smtClean="0">
-                <a:solidFill>
-                  <a:schemeClr val="tx1"/>
-                </a:solidFill>
-              </a:rPr>
-              <a:t>Утверждение</a:t>
-            </a:r>
-            <a:r>
-              <a:rPr lang="ru-RU" sz="2600" dirty="0" smtClean="0">
-                <a:solidFill>
-                  <a:schemeClr val="tx1"/>
-                </a:solidFill>
-              </a:rPr>
-              <a:t>. </a:t>
-            </a:r>
-            <a:r>
-              <a:rPr lang="ru-RU" sz="2600" i="1" dirty="0" smtClean="0">
-                <a:solidFill>
-                  <a:schemeClr val="tx1"/>
-                </a:solidFill>
-              </a:rPr>
-              <a:t>Если агент посылает запрос, требующий обязательного ответа, и оба участника коммуникации расположены в разных процессах, то дальнейшая обработка событий может привести к многочисленным откатам.</a:t>
-            </a:r>
-          </a:p>
-          <a:p>
-            <a:pPr algn="l" eaLnBrk="1" hangingPunct="1">
-              <a:defRPr/>
-            </a:pPr>
-            <a:r>
-              <a:rPr lang="ru-RU" sz="2600" u="sng" dirty="0" smtClean="0">
-                <a:solidFill>
-                  <a:schemeClr val="tx1"/>
-                </a:solidFill>
-              </a:rPr>
-              <a:t>Возможные решения</a:t>
-            </a:r>
-            <a:r>
-              <a:rPr lang="ru-RU" sz="2600" dirty="0" smtClean="0">
-                <a:solidFill>
-                  <a:schemeClr val="tx1"/>
-                </a:solidFill>
-              </a:rPr>
-              <a:t>:</a:t>
-            </a:r>
-          </a:p>
-          <a:p>
-            <a:pPr marL="457200" indent="-457200" algn="l" eaLnBrk="1" hangingPunct="1">
-              <a:buFont typeface="Arial" pitchFamily="34" charset="0"/>
-              <a:buChar char="•"/>
-              <a:defRPr/>
-            </a:pPr>
-            <a:r>
-              <a:rPr lang="ru-RU" sz="2600" dirty="0" smtClean="0">
-                <a:solidFill>
-                  <a:schemeClr val="tx1"/>
-                </a:solidFill>
-              </a:rPr>
-              <a:t>Выполнить кластеризацию агентов и балансировку логических процессов</a:t>
-            </a:r>
-          </a:p>
-          <a:p>
-            <a:pPr marL="457200" indent="-457200" algn="l" eaLnBrk="1" hangingPunct="1">
-              <a:buFont typeface="Arial" pitchFamily="34" charset="0"/>
-              <a:buChar char="•"/>
-              <a:defRPr/>
-            </a:pPr>
-            <a:r>
-              <a:rPr lang="ru-RU" sz="2600" dirty="0" smtClean="0">
-                <a:solidFill>
-                  <a:schemeClr val="tx1"/>
-                </a:solidFill>
-              </a:rPr>
-              <a:t>Блокировать логический процесс до получения ответа</a:t>
-            </a:r>
-          </a:p>
-        </p:txBody>
-      </p:sp>
-      <p:sp>
-        <p:nvSpPr>
-          <p:cNvPr id="4" name="Номер слайда 3"/>
-          <p:cNvSpPr>
-            <a:spLocks noGrp="1"/>
-          </p:cNvSpPr>
-          <p:nvPr>
-            <p:ph type="sldNum" sz="quarter" idx="12"/>
-          </p:nvPr>
-        </p:nvSpPr>
-        <p:spPr>
-          <a:xfrm>
-            <a:off x="6553200" y="6356350"/>
-            <a:ext cx="2339975" cy="365125"/>
-          </a:xfrm>
-        </p:spPr>
-        <p:txBody>
-          <a:bodyPr/>
-          <a:lstStyle/>
-          <a:p>
-            <a:pPr>
-              <a:defRPr/>
-            </a:pPr>
-            <a:fld id="{DC99D97A-E2DF-4298-9292-A035EC26468F}" type="slidenum">
-              <a:rPr lang="ru-RU" sz="2800" smtClean="0"/>
-              <a:pPr>
-                <a:defRPr/>
-              </a:pPr>
-              <a:t>13</a:t>
-            </a:fld>
-            <a:r>
-              <a:rPr lang="en-US" sz="2800" dirty="0" smtClean="0"/>
-              <a:t>/26</a:t>
-            </a:r>
-            <a:endParaRPr lang="ru-RU" sz="2800" dirty="0"/>
-          </a:p>
-        </p:txBody>
-      </p:sp>
-      <p:grpSp>
-        <p:nvGrpSpPr>
-          <p:cNvPr id="8" name="Группа 7"/>
-          <p:cNvGrpSpPr/>
-          <p:nvPr/>
-        </p:nvGrpSpPr>
-        <p:grpSpPr>
-          <a:xfrm>
-            <a:off x="395536" y="1052736"/>
-            <a:ext cx="298450" cy="5472608"/>
-            <a:chOff x="395536" y="1052736"/>
-            <a:chExt cx="298450" cy="5472608"/>
-          </a:xfrm>
-        </p:grpSpPr>
-        <p:cxnSp>
-          <p:nvCxnSpPr>
-            <p:cNvPr id="9" name="Прямая соединительная линия 8"/>
-            <p:cNvCxnSpPr/>
-            <p:nvPr/>
-          </p:nvCxnSpPr>
-          <p:spPr>
-            <a:xfrm>
-              <a:off x="541586" y="1340768"/>
-              <a:ext cx="0" cy="5184576"/>
-            </a:xfrm>
-            <a:prstGeom prst="line">
-              <a:avLst/>
-            </a:prstGeom>
-            <a:ln>
-              <a:solidFill>
-                <a:schemeClr val="bg1">
-                  <a:lumMod val="65000"/>
-                </a:schemeClr>
-              </a:solidFill>
-            </a:ln>
-            <a:effectLst>
-              <a:glow rad="101600">
-                <a:schemeClr val="bg1">
-                  <a:lumMod val="65000"/>
-                  <a:alpha val="60000"/>
-                </a:schemeClr>
-              </a:glow>
-            </a:effectLst>
-          </p:spPr>
-          <p:style>
-            <a:lnRef idx="1">
-              <a:schemeClr val="accent1"/>
-            </a:lnRef>
-            <a:fillRef idx="0">
-              <a:schemeClr val="accent1"/>
-            </a:fillRef>
-            <a:effectRef idx="0">
-              <a:schemeClr val="accent1"/>
-            </a:effectRef>
-            <a:fontRef idx="minor">
-              <a:schemeClr val="tx1"/>
-            </a:fontRef>
-          </p:style>
-        </p:cxnSp>
-        <p:cxnSp>
-          <p:nvCxnSpPr>
-            <p:cNvPr id="10" name="Прямая соединительная линия 9"/>
-            <p:cNvCxnSpPr/>
-            <p:nvPr/>
-          </p:nvCxnSpPr>
-          <p:spPr>
-            <a:xfrm>
-              <a:off x="693986" y="1628800"/>
-              <a:ext cx="0" cy="4896544"/>
-            </a:xfrm>
-            <a:prstGeom prst="line">
-              <a:avLst/>
-            </a:prstGeom>
-            <a:ln>
-              <a:solidFill>
-                <a:schemeClr val="bg1">
-                  <a:lumMod val="65000"/>
-                </a:schemeClr>
-              </a:solidFill>
-            </a:ln>
-            <a:effectLst>
-              <a:glow rad="101600">
-                <a:schemeClr val="bg1">
-                  <a:lumMod val="65000"/>
-                  <a:alpha val="60000"/>
-                </a:schemeClr>
-              </a:glow>
-            </a:effectLst>
-          </p:spPr>
-          <p:style>
-            <a:lnRef idx="1">
-              <a:schemeClr val="accent1"/>
-            </a:lnRef>
-            <a:fillRef idx="0">
-              <a:schemeClr val="accent1"/>
-            </a:fillRef>
-            <a:effectRef idx="0">
-              <a:schemeClr val="accent1"/>
-            </a:effectRef>
-            <a:fontRef idx="minor">
-              <a:schemeClr val="tx1"/>
-            </a:fontRef>
-          </p:style>
-        </p:cxnSp>
-        <p:cxnSp>
-          <p:nvCxnSpPr>
-            <p:cNvPr id="12" name="Прямая соединительная линия 11"/>
-            <p:cNvCxnSpPr/>
-            <p:nvPr/>
-          </p:nvCxnSpPr>
-          <p:spPr>
-            <a:xfrm>
-              <a:off x="395536" y="1052736"/>
-              <a:ext cx="0" cy="5472608"/>
-            </a:xfrm>
-            <a:prstGeom prst="line">
-              <a:avLst/>
-            </a:prstGeom>
-            <a:ln>
-              <a:solidFill>
-                <a:schemeClr val="bg1">
-                  <a:lumMod val="65000"/>
-                </a:schemeClr>
-              </a:solidFill>
-            </a:ln>
-            <a:effectLst>
-              <a:glow rad="101600">
-                <a:schemeClr val="bg1">
-                  <a:lumMod val="65000"/>
-                  <a:alpha val="60000"/>
-                </a:schemeClr>
-              </a:glow>
-            </a:effectLst>
-          </p:spPr>
-          <p:style>
-            <a:lnRef idx="1">
-              <a:schemeClr val="accent1"/>
-            </a:lnRef>
-            <a:fillRef idx="0">
-              <a:schemeClr val="accent1"/>
-            </a:fillRef>
-            <a:effectRef idx="0">
-              <a:schemeClr val="accent1"/>
-            </a:effectRef>
-            <a:fontRef idx="minor">
-              <a:schemeClr val="tx1"/>
-            </a:fontRef>
-          </p:style>
-        </p:cxnSp>
-      </p:grpSp>
-    </p:spTree>
-  </p:cSld>
-  <p:clrMapOvr>
-    <a:masterClrMapping/>
-  </p:clrMapOvr>
-  <p:timing>
-    <p:tnLst>
-      <p:par>
-        <p:cTn id="1" dur="indefinite" restart="never" nodeType="tmRoot"/>
-      </p:par>
-    </p:tnLst>
-  </p:timing>
-</p:sld>
-</file>
-
-<file path=ppt/slides/slide14.xml><?xml version="1.0" encoding="utf-8"?>
-<p:sld xmlns:a="http://schemas.openxmlformats.org/drawingml/2006/main" xmlns:r="http://schemas.openxmlformats.org/officeDocument/2006/relationships" xmlns:p="http://schemas.openxmlformats.org/presentationml/2006/main">
-  <p:cSld>
-    <p:spTree>
-      <p:nvGrpSpPr>
-        <p:cNvPr id="1" name=""/>
-        <p:cNvGrpSpPr/>
-        <p:nvPr/>
-      </p:nvGrpSpPr>
-      <p:grpSpPr>
-        <a:xfrm>
-          <a:off x="0" y="0"/>
-          <a:ext cx="0" cy="0"/>
-          <a:chOff x="0" y="0"/>
-          <a:chExt cx="0" cy="0"/>
-        </a:xfrm>
-      </p:grpSpPr>
-      <p:sp>
-        <p:nvSpPr>
           <p:cNvPr id="15362" name="Заголовок 1"/>
           <p:cNvSpPr>
             <a:spLocks noGrp="1"/>
@@ -13621,11 +12853,11 @@
               <a:pPr>
                 <a:defRPr/>
               </a:pPr>
-              <a:t>14</a:t>
+              <a:t>13</a:t>
             </a:fld>
             <a:r>
               <a:rPr lang="en-US" sz="2800" dirty="0" smtClean="0"/>
-              <a:t>/26</a:t>
+              <a:t>/25</a:t>
             </a:r>
             <a:endParaRPr lang="ru-RU" sz="2800" dirty="0"/>
           </a:p>
@@ -14071,7 +13303,7 @@
 </p:sld>
 </file>
 
-<file path=ppt/slides/slide15.xml><?xml version="1.0" encoding="utf-8"?>
+<file path=ppt/slides/slide14.xml><?xml version="1.0" encoding="utf-8"?>
 <p:sld xmlns:a="http://schemas.openxmlformats.org/drawingml/2006/main" xmlns:r="http://schemas.openxmlformats.org/officeDocument/2006/relationships" xmlns:p="http://schemas.openxmlformats.org/presentationml/2006/main">
   <p:cSld>
     <p:spTree>
@@ -14146,80 +13378,16 @@
               <a:pPr>
                 <a:defRPr/>
               </a:pPr>
-              <a:t>15</a:t>
+              <a:t>14</a:t>
             </a:fld>
             <a:r>
               <a:rPr lang="en-US" sz="2800" dirty="0" smtClean="0"/>
-              <a:t>/26</a:t>
+              <a:t>/25</a:t>
             </a:r>
             <a:endParaRPr lang="ru-RU" sz="2800" dirty="0"/>
           </a:p>
         </p:txBody>
       </p:sp>
-      <p:pic>
-        <p:nvPicPr>
-          <p:cNvPr id="16391" name="Picture 8"/>
-          <p:cNvPicPr>
-            <a:picLocks noChangeAspect="1" noChangeArrowheads="1"/>
-          </p:cNvPicPr>
-          <p:nvPr/>
-        </p:nvPicPr>
-        <p:blipFill>
-          <a:blip r:embed="rId3">
-            <a:extLst>
-              <a:ext uri="{28A0092B-C50C-407E-A947-70E740481C1C}">
-                <a14:useLocalDpi xmlns:a14="http://schemas.microsoft.com/office/drawing/2010/main" val="0"/>
-              </a:ext>
-            </a:extLst>
-          </a:blip>
-          <a:srcRect/>
-          <a:stretch>
-            <a:fillRect/>
-          </a:stretch>
-        </p:blipFill>
-        <p:spPr bwMode="auto">
-          <a:xfrm>
-            <a:off x="239124" y="1268760"/>
-            <a:ext cx="8658225" cy="3887788"/>
-          </a:xfrm>
-          <a:prstGeom prst="rect">
-            <a:avLst/>
-          </a:prstGeom>
-          <a:noFill/>
-          <a:ln>
-            <a:noFill/>
-          </a:ln>
-          <a:effectLst/>
-          <a:extLst>
-            <a:ext uri="{909E8E84-426E-40DD-AFC4-6F175D3DCCD1}">
-              <a14:hiddenFill xmlns:a14="http://schemas.microsoft.com/office/drawing/2010/main">
-                <a:solidFill>
-                  <a:schemeClr val="accent1"/>
-                </a:solidFill>
-              </a14:hiddenFill>
-            </a:ext>
-            <a:ext uri="{91240B29-F687-4F45-9708-019B960494DF}">
-              <a14:hiddenLine xmlns:a14="http://schemas.microsoft.com/office/drawing/2010/main" w="9525">
-                <a:solidFill>
-                  <a:schemeClr val="tx1"/>
-                </a:solidFill>
-                <a:miter lim="800000"/>
-                <a:headEnd/>
-                <a:tailEnd/>
-              </a14:hiddenLine>
-            </a:ext>
-            <a:ext uri="{AF507438-7753-43E0-B8FC-AC1667EBCBE1}">
-              <a14:hiddenEffects xmlns:a14="http://schemas.microsoft.com/office/drawing/2010/main">
-                <a:effectLst>
-                  <a:outerShdw dist="35921" dir="2700000" algn="ctr" rotWithShape="0">
-                    <a:schemeClr val="bg2"/>
-                  </a:outerShdw>
-                </a:effectLst>
-              </a14:hiddenEffects>
-            </a:ext>
-          </a:extLst>
-        </p:spPr>
-      </p:pic>
       <p:sp>
         <p:nvSpPr>
           <p:cNvPr id="9" name="Подзаголовок 2"/>
@@ -14473,6 +13641,334 @@
           </a:p>
         </p:txBody>
       </p:sp>
+      <p:pic>
+        <p:nvPicPr>
+          <p:cNvPr id="1026" name="Picture 2" descr="D:\Buffer\Рис14\Trix-1.png"/>
+          <p:cNvPicPr>
+            <a:picLocks noChangeAspect="1" noChangeArrowheads="1"/>
+          </p:cNvPicPr>
+          <p:nvPr/>
+        </p:nvPicPr>
+        <p:blipFill>
+          <a:blip r:embed="rId3">
+            <a:extLst>
+              <a:ext uri="{28A0092B-C50C-407E-A947-70E740481C1C}">
+                <a14:useLocalDpi xmlns:a14="http://schemas.microsoft.com/office/drawing/2010/main" val="0"/>
+              </a:ext>
+            </a:extLst>
+          </a:blip>
+          <a:srcRect/>
+          <a:stretch>
+            <a:fillRect/>
+          </a:stretch>
+        </p:blipFill>
+        <p:spPr bwMode="auto">
+          <a:xfrm>
+            <a:off x="271717" y="1268760"/>
+            <a:ext cx="8656638" cy="3886200"/>
+          </a:xfrm>
+          <a:prstGeom prst="rect">
+            <a:avLst/>
+          </a:prstGeom>
+          <a:noFill/>
+          <a:extLst>
+            <a:ext uri="{909E8E84-426E-40DD-AFC4-6F175D3DCCD1}">
+              <a14:hiddenFill xmlns:a14="http://schemas.microsoft.com/office/drawing/2010/main">
+                <a:solidFill>
+                  <a:srgbClr val="FFFFFF"/>
+                </a:solidFill>
+              </a14:hiddenFill>
+            </a:ext>
+          </a:extLst>
+        </p:spPr>
+      </p:pic>
+      <p:pic>
+        <p:nvPicPr>
+          <p:cNvPr id="1027" name="Picture 3" descr="D:\Buffer\Рис14\Trix-2.png"/>
+          <p:cNvPicPr>
+            <a:picLocks noChangeAspect="1" noChangeArrowheads="1"/>
+          </p:cNvPicPr>
+          <p:nvPr/>
+        </p:nvPicPr>
+        <p:blipFill>
+          <a:blip r:embed="rId4">
+            <a:extLst>
+              <a:ext uri="{28A0092B-C50C-407E-A947-70E740481C1C}">
+                <a14:useLocalDpi xmlns:a14="http://schemas.microsoft.com/office/drawing/2010/main" val="0"/>
+              </a:ext>
+            </a:extLst>
+          </a:blip>
+          <a:srcRect/>
+          <a:stretch>
+            <a:fillRect/>
+          </a:stretch>
+        </p:blipFill>
+        <p:spPr bwMode="auto">
+          <a:xfrm>
+            <a:off x="271717" y="1268760"/>
+            <a:ext cx="8661401" cy="3887788"/>
+          </a:xfrm>
+          <a:prstGeom prst="rect">
+            <a:avLst/>
+          </a:prstGeom>
+          <a:noFill/>
+          <a:extLst>
+            <a:ext uri="{909E8E84-426E-40DD-AFC4-6F175D3DCCD1}">
+              <a14:hiddenFill xmlns:a14="http://schemas.microsoft.com/office/drawing/2010/main">
+                <a:solidFill>
+                  <a:srgbClr val="FFFFFF"/>
+                </a:solidFill>
+              </a14:hiddenFill>
+            </a:ext>
+          </a:extLst>
+        </p:spPr>
+      </p:pic>
+      <p:pic>
+        <p:nvPicPr>
+          <p:cNvPr id="1028" name="Picture 4" descr="D:\Buffer\Рис14\Trix-3.png"/>
+          <p:cNvPicPr>
+            <a:picLocks noChangeAspect="1" noChangeArrowheads="1"/>
+          </p:cNvPicPr>
+          <p:nvPr/>
+        </p:nvPicPr>
+        <p:blipFill>
+          <a:blip r:embed="rId5">
+            <a:extLst>
+              <a:ext uri="{28A0092B-C50C-407E-A947-70E740481C1C}">
+                <a14:useLocalDpi xmlns:a14="http://schemas.microsoft.com/office/drawing/2010/main" val="0"/>
+              </a:ext>
+            </a:extLst>
+          </a:blip>
+          <a:srcRect/>
+          <a:stretch>
+            <a:fillRect/>
+          </a:stretch>
+        </p:blipFill>
+        <p:spPr bwMode="auto">
+          <a:xfrm>
+            <a:off x="271717" y="1268760"/>
+            <a:ext cx="8656638" cy="3886200"/>
+          </a:xfrm>
+          <a:prstGeom prst="rect">
+            <a:avLst/>
+          </a:prstGeom>
+          <a:noFill/>
+          <a:extLst>
+            <a:ext uri="{909E8E84-426E-40DD-AFC4-6F175D3DCCD1}">
+              <a14:hiddenFill xmlns:a14="http://schemas.microsoft.com/office/drawing/2010/main">
+                <a:solidFill>
+                  <a:srgbClr val="FFFFFF"/>
+                </a:solidFill>
+              </a14:hiddenFill>
+            </a:ext>
+          </a:extLst>
+        </p:spPr>
+      </p:pic>
+      <p:pic>
+        <p:nvPicPr>
+          <p:cNvPr id="1029" name="Picture 5" descr="D:\Buffer\Рис14\Trix-4.png"/>
+          <p:cNvPicPr>
+            <a:picLocks noChangeAspect="1" noChangeArrowheads="1"/>
+          </p:cNvPicPr>
+          <p:nvPr/>
+        </p:nvPicPr>
+        <p:blipFill>
+          <a:blip r:embed="rId6">
+            <a:extLst>
+              <a:ext uri="{28A0092B-C50C-407E-A947-70E740481C1C}">
+                <a14:useLocalDpi xmlns:a14="http://schemas.microsoft.com/office/drawing/2010/main" val="0"/>
+              </a:ext>
+            </a:extLst>
+          </a:blip>
+          <a:srcRect/>
+          <a:stretch>
+            <a:fillRect/>
+          </a:stretch>
+        </p:blipFill>
+        <p:spPr bwMode="auto">
+          <a:xfrm>
+            <a:off x="271717" y="1268760"/>
+            <a:ext cx="8656638" cy="3886200"/>
+          </a:xfrm>
+          <a:prstGeom prst="rect">
+            <a:avLst/>
+          </a:prstGeom>
+          <a:noFill/>
+          <a:extLst>
+            <a:ext uri="{909E8E84-426E-40DD-AFC4-6F175D3DCCD1}">
+              <a14:hiddenFill xmlns:a14="http://schemas.microsoft.com/office/drawing/2010/main">
+                <a:solidFill>
+                  <a:srgbClr val="FFFFFF"/>
+                </a:solidFill>
+              </a14:hiddenFill>
+            </a:ext>
+          </a:extLst>
+        </p:spPr>
+      </p:pic>
+      <p:pic>
+        <p:nvPicPr>
+          <p:cNvPr id="1030" name="Picture 6" descr="D:\Buffer\Рис14\Trix-5.png"/>
+          <p:cNvPicPr>
+            <a:picLocks noChangeAspect="1" noChangeArrowheads="1"/>
+          </p:cNvPicPr>
+          <p:nvPr/>
+        </p:nvPicPr>
+        <p:blipFill>
+          <a:blip r:embed="rId7">
+            <a:extLst>
+              <a:ext uri="{28A0092B-C50C-407E-A947-70E740481C1C}">
+                <a14:useLocalDpi xmlns:a14="http://schemas.microsoft.com/office/drawing/2010/main" val="0"/>
+              </a:ext>
+            </a:extLst>
+          </a:blip>
+          <a:srcRect/>
+          <a:stretch>
+            <a:fillRect/>
+          </a:stretch>
+        </p:blipFill>
+        <p:spPr bwMode="auto">
+          <a:xfrm>
+            <a:off x="276480" y="1270348"/>
+            <a:ext cx="8656638" cy="3886200"/>
+          </a:xfrm>
+          <a:prstGeom prst="rect">
+            <a:avLst/>
+          </a:prstGeom>
+          <a:noFill/>
+          <a:extLst>
+            <a:ext uri="{909E8E84-426E-40DD-AFC4-6F175D3DCCD1}">
+              <a14:hiddenFill xmlns:a14="http://schemas.microsoft.com/office/drawing/2010/main">
+                <a:solidFill>
+                  <a:srgbClr val="FFFFFF"/>
+                </a:solidFill>
+              </a14:hiddenFill>
+            </a:ext>
+          </a:extLst>
+        </p:spPr>
+      </p:pic>
+      <p:pic>
+        <p:nvPicPr>
+          <p:cNvPr id="1031" name="Picture 7" descr="D:\Buffer\Рис14\Trix-6.png"/>
+          <p:cNvPicPr>
+            <a:picLocks noChangeAspect="1" noChangeArrowheads="1"/>
+          </p:cNvPicPr>
+          <p:nvPr/>
+        </p:nvPicPr>
+        <p:blipFill>
+          <a:blip r:embed="rId8">
+            <a:extLst>
+              <a:ext uri="{28A0092B-C50C-407E-A947-70E740481C1C}">
+                <a14:useLocalDpi xmlns:a14="http://schemas.microsoft.com/office/drawing/2010/main" val="0"/>
+              </a:ext>
+            </a:extLst>
+          </a:blip>
+          <a:srcRect/>
+          <a:stretch>
+            <a:fillRect/>
+          </a:stretch>
+        </p:blipFill>
+        <p:spPr bwMode="auto">
+          <a:xfrm>
+            <a:off x="276480" y="1268760"/>
+            <a:ext cx="8656638" cy="3886200"/>
+          </a:xfrm>
+          <a:prstGeom prst="rect">
+            <a:avLst/>
+          </a:prstGeom>
+          <a:noFill/>
+          <a:extLst>
+            <a:ext uri="{909E8E84-426E-40DD-AFC4-6F175D3DCCD1}">
+              <a14:hiddenFill xmlns:a14="http://schemas.microsoft.com/office/drawing/2010/main">
+                <a:solidFill>
+                  <a:srgbClr val="FFFFFF"/>
+                </a:solidFill>
+              </a14:hiddenFill>
+            </a:ext>
+          </a:extLst>
+        </p:spPr>
+      </p:pic>
+      <p:pic>
+        <p:nvPicPr>
+          <p:cNvPr id="1032" name="Picture 8" descr="D:\Buffer\Рис14\Trix-7.png"/>
+          <p:cNvPicPr>
+            <a:picLocks noChangeAspect="1" noChangeArrowheads="1"/>
+          </p:cNvPicPr>
+          <p:nvPr/>
+        </p:nvPicPr>
+        <p:blipFill>
+          <a:blip r:embed="rId9">
+            <a:extLst>
+              <a:ext uri="{28A0092B-C50C-407E-A947-70E740481C1C}">
+                <a14:useLocalDpi xmlns:a14="http://schemas.microsoft.com/office/drawing/2010/main" val="0"/>
+              </a:ext>
+            </a:extLst>
+          </a:blip>
+          <a:srcRect/>
+          <a:stretch>
+            <a:fillRect/>
+          </a:stretch>
+        </p:blipFill>
+        <p:spPr bwMode="auto">
+          <a:xfrm>
+            <a:off x="267104" y="1271563"/>
+            <a:ext cx="8656638" cy="3886200"/>
+          </a:xfrm>
+          <a:prstGeom prst="rect">
+            <a:avLst/>
+          </a:prstGeom>
+          <a:noFill/>
+          <a:extLst>
+            <a:ext uri="{909E8E84-426E-40DD-AFC4-6F175D3DCCD1}">
+              <a14:hiddenFill xmlns:a14="http://schemas.microsoft.com/office/drawing/2010/main">
+                <a:solidFill>
+                  <a:srgbClr val="FFFFFF"/>
+                </a:solidFill>
+              </a14:hiddenFill>
+            </a:ext>
+          </a:extLst>
+        </p:spPr>
+      </p:pic>
+      <p:pic>
+        <p:nvPicPr>
+          <p:cNvPr id="1033" name="Picture 9" descr="D:\Buffer\Рис14\Trix-8.png"/>
+          <p:cNvPicPr>
+            <a:picLocks noChangeAspect="1" noChangeArrowheads="1"/>
+          </p:cNvPicPr>
+          <p:nvPr/>
+        </p:nvPicPr>
+        <p:blipFill>
+          <a:blip r:embed="rId10">
+            <a:extLst>
+              <a:ext uri="{28A0092B-C50C-407E-A947-70E740481C1C}">
+                <a14:useLocalDpi xmlns:a14="http://schemas.microsoft.com/office/drawing/2010/main" val="0"/>
+              </a:ext>
+            </a:extLst>
+          </a:blip>
+          <a:srcRect/>
+          <a:stretch>
+            <a:fillRect/>
+          </a:stretch>
+        </p:blipFill>
+        <p:spPr bwMode="auto">
+          <a:xfrm>
+            <a:off x="271717" y="1271563"/>
+            <a:ext cx="8656638" cy="3886200"/>
+          </a:xfrm>
+          <a:prstGeom prst="rect">
+            <a:avLst/>
+          </a:prstGeom>
+          <a:noFill/>
+          <a:extLst>
+            <a:ext uri="{909E8E84-426E-40DD-AFC4-6F175D3DCCD1}">
+              <a14:hiddenFill xmlns:a14="http://schemas.microsoft.com/office/drawing/2010/main">
+                <a:solidFill>
+                  <a:srgbClr val="FFFFFF"/>
+                </a:solidFill>
+              </a14:hiddenFill>
+            </a:ext>
+          </a:extLst>
+        </p:spPr>
+      </p:pic>
     </p:spTree>
   </p:cSld>
   <p:clrMapOvr>
@@ -14481,14 +13977,453 @@
   <p:timing>
     <p:tnLst>
       <p:par>
-        <p:cTn id="1" dur="indefinite" restart="never" nodeType="tmRoot"/>
+        <p:cTn id="1" dur="indefinite" restart="never" nodeType="tmRoot">
+          <p:childTnLst>
+            <p:seq concurrent="1" nextAc="seek">
+              <p:cTn id="2" dur="indefinite" nodeType="mainSeq">
+                <p:childTnLst>
+                  <p:par>
+                    <p:cTn id="3" fill="hold">
+                      <p:stCondLst>
+                        <p:cond delay="indefinite"/>
+                      </p:stCondLst>
+                      <p:childTnLst>
+                        <p:par>
+                          <p:cTn id="4" fill="hold">
+                            <p:stCondLst>
+                              <p:cond delay="0"/>
+                            </p:stCondLst>
+                            <p:childTnLst>
+                              <p:par>
+                                <p:cTn id="5" presetID="1" presetClass="entr" presetSubtype="0" fill="hold" nodeType="clickEffect">
+                                  <p:stCondLst>
+                                    <p:cond delay="0"/>
+                                  </p:stCondLst>
+                                  <p:childTnLst>
+                                    <p:set>
+                                      <p:cBhvr>
+                                        <p:cTn id="6" dur="1" fill="hold">
+                                          <p:stCondLst>
+                                            <p:cond delay="0"/>
+                                          </p:stCondLst>
+                                        </p:cTn>
+                                        <p:tgtEl>
+                                          <p:spTgt spid="1026"/>
+                                        </p:tgtEl>
+                                        <p:attrNameLst>
+                                          <p:attrName>style.visibility</p:attrName>
+                                        </p:attrNameLst>
+                                      </p:cBhvr>
+                                      <p:to>
+                                        <p:strVal val="visible"/>
+                                      </p:to>
+                                    </p:set>
+                                  </p:childTnLst>
+                                </p:cTn>
+                              </p:par>
+                            </p:childTnLst>
+                          </p:cTn>
+                        </p:par>
+                      </p:childTnLst>
+                    </p:cTn>
+                  </p:par>
+                  <p:par>
+                    <p:cTn id="7" fill="hold">
+                      <p:stCondLst>
+                        <p:cond delay="indefinite"/>
+                      </p:stCondLst>
+                      <p:childTnLst>
+                        <p:par>
+                          <p:cTn id="8" fill="hold">
+                            <p:stCondLst>
+                              <p:cond delay="0"/>
+                            </p:stCondLst>
+                            <p:childTnLst>
+                              <p:par>
+                                <p:cTn id="9" presetID="1" presetClass="entr" presetSubtype="0" fill="hold" nodeType="clickEffect">
+                                  <p:stCondLst>
+                                    <p:cond delay="0"/>
+                                  </p:stCondLst>
+                                  <p:childTnLst>
+                                    <p:set>
+                                      <p:cBhvr>
+                                        <p:cTn id="10" dur="1" fill="hold">
+                                          <p:stCondLst>
+                                            <p:cond delay="0"/>
+                                          </p:stCondLst>
+                                        </p:cTn>
+                                        <p:tgtEl>
+                                          <p:spTgt spid="1027"/>
+                                        </p:tgtEl>
+                                        <p:attrNameLst>
+                                          <p:attrName>style.visibility</p:attrName>
+                                        </p:attrNameLst>
+                                      </p:cBhvr>
+                                      <p:to>
+                                        <p:strVal val="visible"/>
+                                      </p:to>
+                                    </p:set>
+                                  </p:childTnLst>
+                                </p:cTn>
+                              </p:par>
+                            </p:childTnLst>
+                          </p:cTn>
+                        </p:par>
+                      </p:childTnLst>
+                    </p:cTn>
+                  </p:par>
+                  <p:par>
+                    <p:cTn id="11" fill="hold">
+                      <p:stCondLst>
+                        <p:cond delay="indefinite"/>
+                      </p:stCondLst>
+                      <p:childTnLst>
+                        <p:par>
+                          <p:cTn id="12" fill="hold">
+                            <p:stCondLst>
+                              <p:cond delay="0"/>
+                            </p:stCondLst>
+                            <p:childTnLst>
+                              <p:par>
+                                <p:cTn id="13" presetID="1" presetClass="entr" presetSubtype="0" fill="hold" nodeType="clickEffect">
+                                  <p:stCondLst>
+                                    <p:cond delay="0"/>
+                                  </p:stCondLst>
+                                  <p:childTnLst>
+                                    <p:set>
+                                      <p:cBhvr>
+                                        <p:cTn id="14" dur="1" fill="hold">
+                                          <p:stCondLst>
+                                            <p:cond delay="0"/>
+                                          </p:stCondLst>
+                                        </p:cTn>
+                                        <p:tgtEl>
+                                          <p:spTgt spid="1028"/>
+                                        </p:tgtEl>
+                                        <p:attrNameLst>
+                                          <p:attrName>style.visibility</p:attrName>
+                                        </p:attrNameLst>
+                                      </p:cBhvr>
+                                      <p:to>
+                                        <p:strVal val="visible"/>
+                                      </p:to>
+                                    </p:set>
+                                  </p:childTnLst>
+                                </p:cTn>
+                              </p:par>
+                            </p:childTnLst>
+                          </p:cTn>
+                        </p:par>
+                      </p:childTnLst>
+                    </p:cTn>
+                  </p:par>
+                  <p:par>
+                    <p:cTn id="15" fill="hold">
+                      <p:stCondLst>
+                        <p:cond delay="indefinite"/>
+                      </p:stCondLst>
+                      <p:childTnLst>
+                        <p:par>
+                          <p:cTn id="16" fill="hold">
+                            <p:stCondLst>
+                              <p:cond delay="0"/>
+                            </p:stCondLst>
+                            <p:childTnLst>
+                              <p:par>
+                                <p:cTn id="17" presetID="1" presetClass="entr" presetSubtype="0" fill="hold" nodeType="clickEffect">
+                                  <p:stCondLst>
+                                    <p:cond delay="0"/>
+                                  </p:stCondLst>
+                                  <p:childTnLst>
+                                    <p:set>
+                                      <p:cBhvr>
+                                        <p:cTn id="18" dur="1" fill="hold">
+                                          <p:stCondLst>
+                                            <p:cond delay="0"/>
+                                          </p:stCondLst>
+                                        </p:cTn>
+                                        <p:tgtEl>
+                                          <p:spTgt spid="1029"/>
+                                        </p:tgtEl>
+                                        <p:attrNameLst>
+                                          <p:attrName>style.visibility</p:attrName>
+                                        </p:attrNameLst>
+                                      </p:cBhvr>
+                                      <p:to>
+                                        <p:strVal val="visible"/>
+                                      </p:to>
+                                    </p:set>
+                                  </p:childTnLst>
+                                </p:cTn>
+                              </p:par>
+                            </p:childTnLst>
+                          </p:cTn>
+                        </p:par>
+                      </p:childTnLst>
+                    </p:cTn>
+                  </p:par>
+                  <p:par>
+                    <p:cTn id="19" fill="hold">
+                      <p:stCondLst>
+                        <p:cond delay="indefinite"/>
+                      </p:stCondLst>
+                      <p:childTnLst>
+                        <p:par>
+                          <p:cTn id="20" fill="hold">
+                            <p:stCondLst>
+                              <p:cond delay="0"/>
+                            </p:stCondLst>
+                            <p:childTnLst>
+                              <p:par>
+                                <p:cTn id="21" presetID="1" presetClass="entr" presetSubtype="0" fill="hold" nodeType="clickEffect">
+                                  <p:stCondLst>
+                                    <p:cond delay="0"/>
+                                  </p:stCondLst>
+                                  <p:childTnLst>
+                                    <p:set>
+                                      <p:cBhvr>
+                                        <p:cTn id="22" dur="1" fill="hold">
+                                          <p:stCondLst>
+                                            <p:cond delay="0"/>
+                                          </p:stCondLst>
+                                        </p:cTn>
+                                        <p:tgtEl>
+                                          <p:spTgt spid="1030"/>
+                                        </p:tgtEl>
+                                        <p:attrNameLst>
+                                          <p:attrName>style.visibility</p:attrName>
+                                        </p:attrNameLst>
+                                      </p:cBhvr>
+                                      <p:to>
+                                        <p:strVal val="visible"/>
+                                      </p:to>
+                                    </p:set>
+                                  </p:childTnLst>
+                                </p:cTn>
+                              </p:par>
+                            </p:childTnLst>
+                          </p:cTn>
+                        </p:par>
+                      </p:childTnLst>
+                    </p:cTn>
+                  </p:par>
+                  <p:par>
+                    <p:cTn id="23" fill="hold">
+                      <p:stCondLst>
+                        <p:cond delay="indefinite"/>
+                      </p:stCondLst>
+                      <p:childTnLst>
+                        <p:par>
+                          <p:cTn id="24" fill="hold">
+                            <p:stCondLst>
+                              <p:cond delay="0"/>
+                            </p:stCondLst>
+                            <p:childTnLst>
+                              <p:par>
+                                <p:cTn id="25" presetID="1" presetClass="entr" presetSubtype="0" fill="hold" nodeType="clickEffect">
+                                  <p:stCondLst>
+                                    <p:cond delay="0"/>
+                                  </p:stCondLst>
+                                  <p:childTnLst>
+                                    <p:set>
+                                      <p:cBhvr>
+                                        <p:cTn id="26" dur="1" fill="hold">
+                                          <p:stCondLst>
+                                            <p:cond delay="0"/>
+                                          </p:stCondLst>
+                                        </p:cTn>
+                                        <p:tgtEl>
+                                          <p:spTgt spid="1031"/>
+                                        </p:tgtEl>
+                                        <p:attrNameLst>
+                                          <p:attrName>style.visibility</p:attrName>
+                                        </p:attrNameLst>
+                                      </p:cBhvr>
+                                      <p:to>
+                                        <p:strVal val="visible"/>
+                                      </p:to>
+                                    </p:set>
+                                  </p:childTnLst>
+                                </p:cTn>
+                              </p:par>
+                            </p:childTnLst>
+                          </p:cTn>
+                        </p:par>
+                      </p:childTnLst>
+                    </p:cTn>
+                  </p:par>
+                  <p:par>
+                    <p:cTn id="27" fill="hold">
+                      <p:stCondLst>
+                        <p:cond delay="indefinite"/>
+                      </p:stCondLst>
+                      <p:childTnLst>
+                        <p:par>
+                          <p:cTn id="28" fill="hold">
+                            <p:stCondLst>
+                              <p:cond delay="0"/>
+                            </p:stCondLst>
+                            <p:childTnLst>
+                              <p:par>
+                                <p:cTn id="29" presetID="1" presetClass="entr" presetSubtype="0" fill="hold" nodeType="clickEffect">
+                                  <p:stCondLst>
+                                    <p:cond delay="0"/>
+                                  </p:stCondLst>
+                                  <p:childTnLst>
+                                    <p:set>
+                                      <p:cBhvr>
+                                        <p:cTn id="30" dur="1" fill="hold">
+                                          <p:stCondLst>
+                                            <p:cond delay="0"/>
+                                          </p:stCondLst>
+                                        </p:cTn>
+                                        <p:tgtEl>
+                                          <p:spTgt spid="1032"/>
+                                        </p:tgtEl>
+                                        <p:attrNameLst>
+                                          <p:attrName>style.visibility</p:attrName>
+                                        </p:attrNameLst>
+                                      </p:cBhvr>
+                                      <p:to>
+                                        <p:strVal val="visible"/>
+                                      </p:to>
+                                    </p:set>
+                                  </p:childTnLst>
+                                </p:cTn>
+                              </p:par>
+                            </p:childTnLst>
+                          </p:cTn>
+                        </p:par>
+                      </p:childTnLst>
+                    </p:cTn>
+                  </p:par>
+                  <p:par>
+                    <p:cTn id="31" fill="hold">
+                      <p:stCondLst>
+                        <p:cond delay="indefinite"/>
+                      </p:stCondLst>
+                      <p:childTnLst>
+                        <p:par>
+                          <p:cTn id="32" fill="hold">
+                            <p:stCondLst>
+                              <p:cond delay="0"/>
+                            </p:stCondLst>
+                            <p:childTnLst>
+                              <p:par>
+                                <p:cTn id="33" presetID="1" presetClass="entr" presetSubtype="0" fill="hold" nodeType="clickEffect">
+                                  <p:stCondLst>
+                                    <p:cond delay="0"/>
+                                  </p:stCondLst>
+                                  <p:childTnLst>
+                                    <p:set>
+                                      <p:cBhvr>
+                                        <p:cTn id="34" dur="1" fill="hold">
+                                          <p:stCondLst>
+                                            <p:cond delay="0"/>
+                                          </p:stCondLst>
+                                        </p:cTn>
+                                        <p:tgtEl>
+                                          <p:spTgt spid="1033"/>
+                                        </p:tgtEl>
+                                        <p:attrNameLst>
+                                          <p:attrName>style.visibility</p:attrName>
+                                        </p:attrNameLst>
+                                      </p:cBhvr>
+                                      <p:to>
+                                        <p:strVal val="visible"/>
+                                      </p:to>
+                                    </p:set>
+                                  </p:childTnLst>
+                                </p:cTn>
+                              </p:par>
+                            </p:childTnLst>
+                          </p:cTn>
+                        </p:par>
+                      </p:childTnLst>
+                    </p:cTn>
+                  </p:par>
+                  <p:par>
+                    <p:cTn id="35" fill="hold">
+                      <p:stCondLst>
+                        <p:cond delay="indefinite"/>
+                      </p:stCondLst>
+                      <p:childTnLst>
+                        <p:par>
+                          <p:cTn id="36" fill="hold">
+                            <p:stCondLst>
+                              <p:cond delay="0"/>
+                            </p:stCondLst>
+                            <p:childTnLst>
+                              <p:par>
+                                <p:cTn id="37" presetID="10" presetClass="entr" presetSubtype="0" fill="hold" grpId="0" nodeType="clickEffect">
+                                  <p:stCondLst>
+                                    <p:cond delay="0"/>
+                                  </p:stCondLst>
+                                  <p:childTnLst>
+                                    <p:set>
+                                      <p:cBhvr>
+                                        <p:cTn id="38" dur="1" fill="hold">
+                                          <p:stCondLst>
+                                            <p:cond delay="0"/>
+                                          </p:stCondLst>
+                                        </p:cTn>
+                                        <p:tgtEl>
+                                          <p:spTgt spid="9"/>
+                                        </p:tgtEl>
+                                        <p:attrNameLst>
+                                          <p:attrName>style.visibility</p:attrName>
+                                        </p:attrNameLst>
+                                      </p:cBhvr>
+                                      <p:to>
+                                        <p:strVal val="visible"/>
+                                      </p:to>
+                                    </p:set>
+                                    <p:animEffect transition="in" filter="fade">
+                                      <p:cBhvr>
+                                        <p:cTn id="39" dur="500"/>
+                                        <p:tgtEl>
+                                          <p:spTgt spid="9"/>
+                                        </p:tgtEl>
+                                      </p:cBhvr>
+                                    </p:animEffect>
+                                  </p:childTnLst>
+                                </p:cTn>
+                              </p:par>
+                            </p:childTnLst>
+                          </p:cTn>
+                        </p:par>
+                      </p:childTnLst>
+                    </p:cTn>
+                  </p:par>
+                </p:childTnLst>
+              </p:cTn>
+              <p:prevCondLst>
+                <p:cond evt="onPrev" delay="0">
+                  <p:tgtEl>
+                    <p:sldTgt/>
+                  </p:tgtEl>
+                </p:cond>
+              </p:prevCondLst>
+              <p:nextCondLst>
+                <p:cond evt="onNext" delay="0">
+                  <p:tgtEl>
+                    <p:sldTgt/>
+                  </p:tgtEl>
+                </p:cond>
+              </p:nextCondLst>
+            </p:seq>
+          </p:childTnLst>
+        </p:cTn>
       </p:par>
     </p:tnLst>
+    <p:bldLst>
+      <p:bldP spid="9" grpId="0" animBg="1"/>
+    </p:bldLst>
   </p:timing>
 </p:sld>
 </file>
 
-<file path=ppt/slides/slide16.xml><?xml version="1.0" encoding="utf-8"?>
+<file path=ppt/slides/slide15.xml><?xml version="1.0" encoding="utf-8"?>
 <p:sld xmlns:a="http://schemas.openxmlformats.org/drawingml/2006/main" xmlns:r="http://schemas.openxmlformats.org/officeDocument/2006/relationships" xmlns:p="http://schemas.openxmlformats.org/presentationml/2006/main">
   <p:cSld>
     <p:spTree>
@@ -14572,11 +14507,11 @@
               <a:pPr>
                 <a:defRPr/>
               </a:pPr>
-              <a:t>16</a:t>
+              <a:t>15</a:t>
             </a:fld>
             <a:r>
               <a:rPr lang="en-US" sz="2800" dirty="0" smtClean="0"/>
-              <a:t>/26</a:t>
+              <a:t>/25</a:t>
             </a:r>
             <a:endParaRPr lang="ru-RU" sz="2800" dirty="0"/>
           </a:p>
@@ -14918,22 +14853,36 @@
                 </a:lvl9pPr>
               </a:lstStyle>
               <a:p>
-                <a:pPr algn="l"/>
                 <a:r>
                   <a:rPr lang="ru-RU" sz="2600" u="sng" dirty="0" smtClean="0">
                     <a:solidFill>
                       <a:schemeClr val="tx1"/>
                     </a:solidFill>
                   </a:rPr>
-                  <a:t>Утверждение</a:t>
+                  <a:t>Теорема</a:t>
                 </a:r>
+                <a:r>
+                  <a:rPr lang="en-US" sz="2600" dirty="0">
+                    <a:solidFill>
+                      <a:schemeClr val="tx1"/>
+                    </a:solidFill>
+                  </a:rPr>
+                  <a:t/>
+                </a:r>
+                <a:br>
+                  <a:rPr lang="en-US" sz="2600" dirty="0">
+                    <a:solidFill>
+                      <a:schemeClr val="tx1"/>
+                    </a:solidFill>
+                  </a:rPr>
+                </a:br>
                 <a:r>
                   <a:rPr lang="ru-RU" sz="2600" dirty="0" smtClean="0">
                     <a:solidFill>
                       <a:schemeClr val="tx1"/>
                     </a:solidFill>
                   </a:rPr>
-                  <a:t> (</a:t>
+                  <a:t>(</a:t>
                 </a:r>
                 <a:r>
                   <a:rPr lang="ru-RU" sz="2600" i="1" dirty="0" smtClean="0">
@@ -14949,7 +14898,23 @@
                       <a:schemeClr val="tx1"/>
                     </a:solidFill>
                   </a:rPr>
-                  <a:t>). Для того, чтобы события </a:t>
+                  <a:t>).</a:t>
+                </a:r>
+                <a:endParaRPr lang="en-US" sz="2600" dirty="0" smtClean="0">
+                  <a:solidFill>
+                    <a:schemeClr val="tx1"/>
+                  </a:solidFill>
+                </a:endParaRPr>
+              </a:p>
+              <a:p>
+                <a:pPr algn="l"/>
+                <a:r>
+                  <a:rPr lang="ru-RU" sz="2600" dirty="0" smtClean="0">
+                    <a:solidFill>
+                      <a:schemeClr val="tx1"/>
+                    </a:solidFill>
+                  </a:rPr>
+                  <a:t>Для того, чтобы события </a:t>
                 </a:r>
                 <a14:m>
                   <m:oMath xmlns:m="http://schemas.openxmlformats.org/officeDocument/2006/math">
@@ -15270,7 +15235,7 @@
                   <a:t> были каузально зависимы, необходимо, чтобы </a:t>
                 </a:r>
                 <a:r>
-                  <a:rPr lang="en-US" sz="2800" i="1" dirty="0" err="1">
+                  <a:rPr lang="en-US" sz="2800" i="1" dirty="0" err="1" smtClean="0">
                     <a:solidFill>
                       <a:schemeClr val="tx1"/>
                     </a:solidFill>
@@ -15278,12 +15243,20 @@
                   <a:t>patiens</a:t>
                 </a:r>
                 <a:r>
-                  <a:rPr lang="ru-RU" sz="2800" i="1" baseline="-25000" dirty="0">
+                  <a:rPr lang="en-US" sz="2800" i="1" baseline="-25000" dirty="0" err="1" smtClean="0">
                     <a:solidFill>
                       <a:schemeClr val="tx1"/>
                     </a:solidFill>
                   </a:rPr>
-                  <a:t>1</a:t>
+                  <a:t>A</a:t>
+                </a:r>
+                <a:r>
+                  <a:rPr lang="ru-RU" sz="2800" dirty="0" smtClean="0">
+                    <a:solidFill>
+                      <a:schemeClr val="tx1"/>
+                    </a:solidFill>
+                  </a:rPr>
+                  <a:t> </a:t>
                 </a:r>
                 <a:r>
                   <a:rPr lang="ru-RU" sz="2800" dirty="0">
@@ -15291,10 +15264,10 @@
                       <a:schemeClr val="tx1"/>
                     </a:solidFill>
                   </a:rPr>
-                  <a:t> = </a:t>
+                  <a:t>= </a:t>
                 </a:r>
                 <a:r>
-                  <a:rPr lang="en-US" sz="2800" i="1" dirty="0" err="1">
+                  <a:rPr lang="en-US" sz="2800" i="1" dirty="0" err="1" smtClean="0">
                     <a:solidFill>
                       <a:schemeClr val="tx1"/>
                     </a:solidFill>
@@ -15302,12 +15275,12 @@
                   <a:t>patiens</a:t>
                 </a:r>
                 <a:r>
-                  <a:rPr lang="ru-RU" sz="2800" i="1" baseline="-25000" dirty="0">
+                  <a:rPr lang="en-US" sz="2800" i="1" baseline="-25000" dirty="0" err="1" smtClean="0">
                     <a:solidFill>
                       <a:schemeClr val="tx1"/>
                     </a:solidFill>
                   </a:rPr>
-                  <a:t>2</a:t>
+                  <a:t>B</a:t>
                 </a:r>
                 <a:r>
                   <a:rPr lang="ru-RU" sz="2600" dirty="0" smtClean="0">
@@ -15346,7 +15319,7 @@
               <a:blipFill rotWithShape="1">
                 <a:blip r:embed="rId3"/>
                 <a:stretch>
-                  <a:fillRect l="-951" t="-752" r="-1683" b="-1003"/>
+                  <a:fillRect l="-951" t="-752" r="-1390"/>
                 </a:stretch>
               </a:blipFill>
               <a:ln w="63500" cmpd="thinThick">
@@ -15554,7 +15527,7 @@
 </p:sld>
 </file>
 
-<file path=ppt/slides/slide17.xml><?xml version="1.0" encoding="utf-8"?>
+<file path=ppt/slides/slide16.xml><?xml version="1.0" encoding="utf-8"?>
 <p:sld xmlns:a="http://schemas.openxmlformats.org/drawingml/2006/main" xmlns:r="http://schemas.openxmlformats.org/officeDocument/2006/relationships" xmlns:p="http://schemas.openxmlformats.org/presentationml/2006/main">
   <p:cSld>
     <p:spTree>
@@ -15638,11 +15611,11 @@
               <a:pPr>
                 <a:defRPr/>
               </a:pPr>
-              <a:t>17</a:t>
+              <a:t>16</a:t>
             </a:fld>
             <a:r>
               <a:rPr lang="en-US" sz="2800" dirty="0" smtClean="0"/>
-              <a:t>/26</a:t>
+              <a:t>/25</a:t>
             </a:r>
             <a:endParaRPr lang="ru-RU" sz="2800" dirty="0"/>
           </a:p>
@@ -16555,7 +16528,7 @@
 </p:sld>
 </file>
 
-<file path=ppt/slides/slide18.xml><?xml version="1.0" encoding="utf-8"?>
+<file path=ppt/slides/slide17.xml><?xml version="1.0" encoding="utf-8"?>
 <p:sld xmlns:a="http://schemas.openxmlformats.org/drawingml/2006/main" xmlns:r="http://schemas.openxmlformats.org/officeDocument/2006/relationships" xmlns:p="http://schemas.openxmlformats.org/presentationml/2006/main">
   <p:cSld>
     <p:spTree>
@@ -16757,11 +16730,11 @@
               <a:pPr>
                 <a:defRPr/>
               </a:pPr>
-              <a:t>18</a:t>
+              <a:t>17</a:t>
             </a:fld>
             <a:r>
               <a:rPr lang="en-US" sz="2800" dirty="0" smtClean="0"/>
-              <a:t>/26</a:t>
+              <a:t>/25</a:t>
             </a:r>
             <a:endParaRPr lang="ru-RU" sz="2800" dirty="0"/>
           </a:p>
@@ -16932,7 +16905,7 @@
 </p:sld>
 </file>
 
-<file path=ppt/slides/slide19.xml><?xml version="1.0" encoding="utf-8"?>
+<file path=ppt/slides/slide18.xml><?xml version="1.0" encoding="utf-8"?>
 <p:sld xmlns:a="http://schemas.openxmlformats.org/drawingml/2006/main" xmlns:r="http://schemas.openxmlformats.org/officeDocument/2006/relationships" xmlns:p="http://schemas.openxmlformats.org/presentationml/2006/main">
   <p:cSld>
     <p:spTree>
@@ -18184,11 +18157,11 @@
               <a:pPr>
                 <a:defRPr/>
               </a:pPr>
-              <a:t>19</a:t>
+              <a:t>18</a:t>
             </a:fld>
             <a:r>
               <a:rPr lang="en-US" sz="2800" dirty="0" smtClean="0"/>
-              <a:t>/26</a:t>
+              <a:t>/25</a:t>
             </a:r>
             <a:endParaRPr lang="ru-RU" sz="2800" dirty="0"/>
           </a:p>
@@ -18364,354 +18337,7 @@
 </p:sld>
 </file>
 
-<file path=ppt/slides/slide2.xml><?xml version="1.0" encoding="utf-8"?>
-<p:sld xmlns:a="http://schemas.openxmlformats.org/drawingml/2006/main" xmlns:r="http://schemas.openxmlformats.org/officeDocument/2006/relationships" xmlns:p="http://schemas.openxmlformats.org/presentationml/2006/main">
-  <p:cSld>
-    <p:spTree>
-      <p:nvGrpSpPr>
-        <p:cNvPr id="1" name=""/>
-        <p:cNvGrpSpPr/>
-        <p:nvPr/>
-      </p:nvGrpSpPr>
-      <p:grpSpPr>
-        <a:xfrm>
-          <a:off x="0" y="0"/>
-          <a:ext cx="0" cy="0"/>
-          <a:chOff x="0" y="0"/>
-          <a:chExt cx="0" cy="0"/>
-        </a:xfrm>
-      </p:grpSpPr>
-      <p:sp>
-        <p:nvSpPr>
-          <p:cNvPr id="3074" name="Заголовок 1"/>
-          <p:cNvSpPr>
-            <a:spLocks noGrp="1"/>
-          </p:cNvSpPr>
-          <p:nvPr>
-            <p:ph type="ctrTitle"/>
-          </p:nvPr>
-        </p:nvSpPr>
-        <p:spPr>
-          <a:xfrm>
-            <a:off x="684213" y="333375"/>
-            <a:ext cx="7772400" cy="935038"/>
-          </a:xfrm>
-        </p:spPr>
-        <p:txBody>
-          <a:bodyPr/>
-          <a:lstStyle/>
-          <a:p>
-            <a:pPr eaLnBrk="1" hangingPunct="1"/>
-            <a:r>
-              <a:rPr lang="ru-RU" sz="4000" b="1" i="1" dirty="0" smtClean="0">
-                <a:latin typeface="Georgia" pitchFamily="18" charset="0"/>
-              </a:rPr>
-              <a:t>Постановка задачи</a:t>
-            </a:r>
-          </a:p>
-        </p:txBody>
-      </p:sp>
-      <p:sp>
-        <p:nvSpPr>
-          <p:cNvPr id="3075" name="Подзаголовок 2"/>
-          <p:cNvSpPr>
-            <a:spLocks noGrp="1"/>
-          </p:cNvSpPr>
-          <p:nvPr>
-            <p:ph type="subTitle" idx="1"/>
-          </p:nvPr>
-        </p:nvSpPr>
-        <p:spPr>
-          <a:xfrm>
-            <a:off x="900113" y="1341438"/>
-            <a:ext cx="7848351" cy="5183187"/>
-          </a:xfrm>
-        </p:spPr>
-        <p:txBody>
-          <a:bodyPr/>
-          <a:lstStyle/>
-          <a:p>
-            <a:pPr marL="633413" indent="-544513" algn="l" eaLnBrk="1" hangingPunct="1"/>
-            <a:r>
-              <a:rPr lang="ru-RU" sz="2800" u="sng" dirty="0" smtClean="0">
-                <a:solidFill>
-                  <a:schemeClr val="tx1"/>
-                </a:solidFill>
-              </a:rPr>
-              <a:t>Исследуемая область</a:t>
-            </a:r>
-            <a:r>
-              <a:rPr lang="ru-RU" sz="2800" dirty="0" smtClean="0">
-                <a:solidFill>
-                  <a:schemeClr val="tx1"/>
-                </a:solidFill>
-              </a:rPr>
-              <a:t>: распределённые системы агентного имитационного моделирования</a:t>
-            </a:r>
-          </a:p>
-          <a:p>
-            <a:pPr marL="633413" indent="-544513" algn="l" eaLnBrk="1" hangingPunct="1"/>
-            <a:r>
-              <a:rPr lang="ru-RU" sz="2800" u="sng" dirty="0" smtClean="0">
-                <a:solidFill>
-                  <a:schemeClr val="tx1"/>
-                </a:solidFill>
-              </a:rPr>
-              <a:t>Предмет исследования</a:t>
-            </a:r>
-            <a:r>
-              <a:rPr lang="ru-RU" sz="2800" dirty="0" smtClean="0">
-                <a:solidFill>
-                  <a:schemeClr val="tx1"/>
-                </a:solidFill>
-              </a:rPr>
-              <a:t>: оптимистические алгоритмы синхронизации агентов</a:t>
-            </a:r>
-          </a:p>
-          <a:p>
-            <a:pPr marL="633413" indent="-544513" algn="l" eaLnBrk="1" hangingPunct="1"/>
-            <a:r>
-              <a:rPr lang="ru-RU" sz="2800" u="sng" dirty="0" smtClean="0">
-                <a:solidFill>
-                  <a:schemeClr val="tx1"/>
-                </a:solidFill>
-              </a:rPr>
-              <a:t>Проблема</a:t>
-            </a:r>
-            <a:r>
-              <a:rPr lang="ru-RU" sz="2800" dirty="0" smtClean="0">
-                <a:solidFill>
-                  <a:schemeClr val="tx1"/>
-                </a:solidFill>
-              </a:rPr>
-              <a:t>: классические оптимистические алгоритмы обладают рядом недостатков, снижающих эффективность моделирования</a:t>
-            </a:r>
-          </a:p>
-          <a:p>
-            <a:pPr marL="633413" indent="-544513" algn="l" eaLnBrk="1" hangingPunct="1"/>
-            <a:r>
-              <a:rPr lang="ru-RU" sz="2800" u="sng" dirty="0" smtClean="0">
-                <a:solidFill>
-                  <a:schemeClr val="tx1"/>
-                </a:solidFill>
-              </a:rPr>
-              <a:t>Цель</a:t>
-            </a:r>
-            <a:r>
-              <a:rPr lang="ru-RU" sz="2800" dirty="0" smtClean="0">
-                <a:solidFill>
-                  <a:schemeClr val="tx1"/>
-                </a:solidFill>
-              </a:rPr>
-              <a:t>: разработать алгоритм синхронизации, основанный на знаниях о модели, который бы оказался эффективнее своих аналогов</a:t>
-            </a:r>
-          </a:p>
-        </p:txBody>
-      </p:sp>
-      <p:sp>
-        <p:nvSpPr>
-          <p:cNvPr id="4" name="Номер слайда 3"/>
-          <p:cNvSpPr>
-            <a:spLocks noGrp="1"/>
-          </p:cNvSpPr>
-          <p:nvPr>
-            <p:ph type="sldNum" sz="quarter" idx="12"/>
-          </p:nvPr>
-        </p:nvSpPr>
-        <p:spPr>
-          <a:xfrm>
-            <a:off x="6553200" y="6356350"/>
-            <a:ext cx="2339975" cy="365125"/>
-          </a:xfrm>
-        </p:spPr>
-        <p:txBody>
-          <a:bodyPr/>
-          <a:lstStyle/>
-          <a:p>
-            <a:pPr>
-              <a:defRPr/>
-            </a:pPr>
-            <a:fld id="{E99575A2-6CF0-4743-B982-63163FE59FFF}" type="slidenum">
-              <a:rPr lang="ru-RU" sz="2800" smtClean="0"/>
-              <a:pPr>
-                <a:defRPr/>
-              </a:pPr>
-              <a:t>2</a:t>
-            </a:fld>
-            <a:r>
-              <a:rPr lang="en-US" sz="2800" dirty="0" smtClean="0"/>
-              <a:t>/26</a:t>
-            </a:r>
-            <a:endParaRPr lang="ru-RU" sz="2800" dirty="0"/>
-          </a:p>
-        </p:txBody>
-      </p:sp>
-      <p:grpSp>
-        <p:nvGrpSpPr>
-          <p:cNvPr id="2" name="Группа 1"/>
-          <p:cNvGrpSpPr/>
-          <p:nvPr/>
-        </p:nvGrpSpPr>
-        <p:grpSpPr>
-          <a:xfrm>
-            <a:off x="395536" y="1052736"/>
-            <a:ext cx="298450" cy="5472608"/>
-            <a:chOff x="395536" y="1052736"/>
-            <a:chExt cx="298450" cy="5472608"/>
-          </a:xfrm>
-        </p:grpSpPr>
-        <p:cxnSp>
-          <p:nvCxnSpPr>
-            <p:cNvPr id="7" name="Прямая соединительная линия 6"/>
-            <p:cNvCxnSpPr/>
-            <p:nvPr/>
-          </p:nvCxnSpPr>
-          <p:spPr>
-            <a:xfrm>
-              <a:off x="541586" y="1340768"/>
-              <a:ext cx="0" cy="5184576"/>
-            </a:xfrm>
-            <a:prstGeom prst="line">
-              <a:avLst/>
-            </a:prstGeom>
-            <a:ln>
-              <a:solidFill>
-                <a:schemeClr val="bg1">
-                  <a:lumMod val="65000"/>
-                </a:schemeClr>
-              </a:solidFill>
-            </a:ln>
-            <a:effectLst>
-              <a:glow rad="101600">
-                <a:schemeClr val="bg1">
-                  <a:lumMod val="65000"/>
-                  <a:alpha val="60000"/>
-                </a:schemeClr>
-              </a:glow>
-            </a:effectLst>
-          </p:spPr>
-          <p:style>
-            <a:lnRef idx="1">
-              <a:schemeClr val="accent1"/>
-            </a:lnRef>
-            <a:fillRef idx="0">
-              <a:schemeClr val="accent1"/>
-            </a:fillRef>
-            <a:effectRef idx="0">
-              <a:schemeClr val="accent1"/>
-            </a:effectRef>
-            <a:fontRef idx="minor">
-              <a:schemeClr val="tx1"/>
-            </a:fontRef>
-          </p:style>
-        </p:cxnSp>
-        <p:cxnSp>
-          <p:nvCxnSpPr>
-            <p:cNvPr id="11" name="Прямая соединительная линия 10"/>
-            <p:cNvCxnSpPr/>
-            <p:nvPr/>
-          </p:nvCxnSpPr>
-          <p:spPr>
-            <a:xfrm>
-              <a:off x="693986" y="1628800"/>
-              <a:ext cx="0" cy="4896544"/>
-            </a:xfrm>
-            <a:prstGeom prst="line">
-              <a:avLst/>
-            </a:prstGeom>
-            <a:ln>
-              <a:solidFill>
-                <a:schemeClr val="bg1">
-                  <a:lumMod val="65000"/>
-                </a:schemeClr>
-              </a:solidFill>
-            </a:ln>
-            <a:effectLst>
-              <a:glow rad="101600">
-                <a:schemeClr val="bg1">
-                  <a:lumMod val="65000"/>
-                  <a:alpha val="60000"/>
-                </a:schemeClr>
-              </a:glow>
-            </a:effectLst>
-          </p:spPr>
-          <p:style>
-            <a:lnRef idx="1">
-              <a:schemeClr val="accent1"/>
-            </a:lnRef>
-            <a:fillRef idx="0">
-              <a:schemeClr val="accent1"/>
-            </a:fillRef>
-            <a:effectRef idx="0">
-              <a:schemeClr val="accent1"/>
-            </a:effectRef>
-            <a:fontRef idx="minor">
-              <a:schemeClr val="tx1"/>
-            </a:fontRef>
-          </p:style>
-        </p:cxnSp>
-        <p:cxnSp>
-          <p:nvCxnSpPr>
-            <p:cNvPr id="15" name="Прямая соединительная линия 14"/>
-            <p:cNvCxnSpPr/>
-            <p:nvPr/>
-          </p:nvCxnSpPr>
-          <p:spPr>
-            <a:xfrm>
-              <a:off x="395536" y="1052736"/>
-              <a:ext cx="0" cy="5472608"/>
-            </a:xfrm>
-            <a:prstGeom prst="line">
-              <a:avLst/>
-            </a:prstGeom>
-            <a:ln>
-              <a:solidFill>
-                <a:schemeClr val="bg1">
-                  <a:lumMod val="65000"/>
-                </a:schemeClr>
-              </a:solidFill>
-            </a:ln>
-            <a:effectLst>
-              <a:glow rad="101600">
-                <a:schemeClr val="bg1">
-                  <a:lumMod val="65000"/>
-                  <a:alpha val="60000"/>
-                </a:schemeClr>
-              </a:glow>
-            </a:effectLst>
-          </p:spPr>
-          <p:style>
-            <a:lnRef idx="1">
-              <a:schemeClr val="accent1"/>
-            </a:lnRef>
-            <a:fillRef idx="0">
-              <a:schemeClr val="accent1"/>
-            </a:fillRef>
-            <a:effectRef idx="0">
-              <a:schemeClr val="accent1"/>
-            </a:effectRef>
-            <a:fontRef idx="minor">
-              <a:schemeClr val="tx1"/>
-            </a:fontRef>
-          </p:style>
-        </p:cxnSp>
-      </p:grpSp>
-    </p:spTree>
-  </p:cSld>
-  <p:clrMapOvr>
-    <a:masterClrMapping/>
-  </p:clrMapOvr>
-  <p:timing>
-    <p:tnLst>
-      <p:par>
-        <p:cTn id="1" dur="indefinite" restart="never" nodeType="tmRoot"/>
-      </p:par>
-    </p:tnLst>
-  </p:timing>
-</p:sld>
-</file>
-
-<file path=ppt/slides/slide20.xml><?xml version="1.0" encoding="utf-8"?>
+<file path=ppt/slides/slide19.xml><?xml version="1.0" encoding="utf-8"?>
 <p:sld xmlns:a="http://schemas.openxmlformats.org/drawingml/2006/main" xmlns:r="http://schemas.openxmlformats.org/officeDocument/2006/relationships" xmlns:p="http://schemas.openxmlformats.org/presentationml/2006/main">
   <p:cSld>
     <p:spTree>
@@ -18818,11 +18444,11 @@
               <a:pPr>
                 <a:defRPr/>
               </a:pPr>
-              <a:t>20</a:t>
+              <a:t>19</a:t>
             </a:fld>
             <a:r>
               <a:rPr lang="en-US" sz="2800" dirty="0" smtClean="0"/>
-              <a:t>/26</a:t>
+              <a:t>/25</a:t>
             </a:r>
             <a:endParaRPr lang="ru-RU" sz="2800" dirty="0"/>
           </a:p>
@@ -19690,8 +19316,37 @@
                     <a:schemeClr val="tx1"/>
                   </a:solidFill>
                 </a:rPr>
-                <a:t> (кассир1):</a:t>
+                <a:t> (</a:t>
               </a:r>
+              <a:r>
+                <a:rPr lang="ru-RU" sz="2000" dirty="0" smtClean="0">
+                  <a:solidFill>
+                    <a:schemeClr val="tx1"/>
+                  </a:solidFill>
+                </a:rPr>
+                <a:t>кассир</a:t>
+              </a:r>
+              <a:r>
+                <a:rPr lang="en-US" sz="2000" dirty="0" smtClean="0">
+                  <a:solidFill>
+                    <a:schemeClr val="tx1"/>
+                  </a:solidFill>
+                </a:rPr>
+                <a:t>2</a:t>
+              </a:r>
+              <a:r>
+                <a:rPr lang="ru-RU" sz="2000" dirty="0" smtClean="0">
+                  <a:solidFill>
+                    <a:schemeClr val="tx1"/>
+                  </a:solidFill>
+                </a:rPr>
+                <a:t>):</a:t>
+              </a:r>
+              <a:endParaRPr lang="ru-RU" sz="2000" dirty="0">
+                <a:solidFill>
+                  <a:schemeClr val="tx1"/>
+                </a:solidFill>
+              </a:endParaRPr>
             </a:p>
             <a:p>
               <a:pPr marL="342900" indent="-342900" algn="l" eaLnBrk="1" hangingPunct="1">
@@ -20013,7 +19668,669 @@
 </p:sld>
 </file>
 
-<file path=ppt/slides/slide21.xml><?xml version="1.0" encoding="utf-8"?>
+<file path=ppt/slides/slide2.xml><?xml version="1.0" encoding="utf-8"?>
+<p:sld xmlns:a="http://schemas.openxmlformats.org/drawingml/2006/main" xmlns:r="http://schemas.openxmlformats.org/officeDocument/2006/relationships" xmlns:p="http://schemas.openxmlformats.org/presentationml/2006/main">
+  <p:cSld>
+    <p:spTree>
+      <p:nvGrpSpPr>
+        <p:cNvPr id="1" name=""/>
+        <p:cNvGrpSpPr/>
+        <p:nvPr/>
+      </p:nvGrpSpPr>
+      <p:grpSpPr>
+        <a:xfrm>
+          <a:off x="0" y="0"/>
+          <a:ext cx="0" cy="0"/>
+          <a:chOff x="0" y="0"/>
+          <a:chExt cx="0" cy="0"/>
+        </a:xfrm>
+      </p:grpSpPr>
+      <p:sp>
+        <p:nvSpPr>
+          <p:cNvPr id="3074" name="Заголовок 1"/>
+          <p:cNvSpPr>
+            <a:spLocks noGrp="1"/>
+          </p:cNvSpPr>
+          <p:nvPr>
+            <p:ph type="ctrTitle"/>
+          </p:nvPr>
+        </p:nvSpPr>
+        <p:spPr>
+          <a:xfrm>
+            <a:off x="684213" y="333375"/>
+            <a:ext cx="7772400" cy="935038"/>
+          </a:xfrm>
+        </p:spPr>
+        <p:txBody>
+          <a:bodyPr/>
+          <a:lstStyle/>
+          <a:p>
+            <a:pPr eaLnBrk="1" hangingPunct="1"/>
+            <a:r>
+              <a:rPr lang="ru-RU" sz="4000" b="1" i="1" dirty="0" smtClean="0">
+                <a:latin typeface="Georgia" pitchFamily="18" charset="0"/>
+              </a:rPr>
+              <a:t>Постановка задачи</a:t>
+            </a:r>
+          </a:p>
+        </p:txBody>
+      </p:sp>
+      <p:sp>
+        <p:nvSpPr>
+          <p:cNvPr id="3075" name="Подзаголовок 2"/>
+          <p:cNvSpPr>
+            <a:spLocks noGrp="1"/>
+          </p:cNvSpPr>
+          <p:nvPr>
+            <p:ph type="subTitle" idx="1"/>
+          </p:nvPr>
+        </p:nvSpPr>
+        <p:spPr>
+          <a:xfrm>
+            <a:off x="899592" y="1196752"/>
+            <a:ext cx="7848351" cy="3852093"/>
+          </a:xfrm>
+        </p:spPr>
+        <p:txBody>
+          <a:bodyPr/>
+          <a:lstStyle/>
+          <a:p>
+            <a:pPr marL="633413" indent="-544513" algn="l" eaLnBrk="1" hangingPunct="1"/>
+            <a:r>
+              <a:rPr lang="ru-RU" sz="2600" u="sng" dirty="0" smtClean="0">
+                <a:solidFill>
+                  <a:schemeClr val="tx1"/>
+                </a:solidFill>
+              </a:rPr>
+              <a:t>Объект исследования</a:t>
+            </a:r>
+            <a:r>
+              <a:rPr lang="ru-RU" sz="2600" dirty="0">
+                <a:solidFill>
+                  <a:schemeClr val="tx1"/>
+                </a:solidFill>
+              </a:rPr>
+              <a:t>: алгоритмы синхронизации логических процессов в системах </a:t>
+            </a:r>
+            <a:r>
+              <a:rPr lang="ru-RU" sz="2600" dirty="0" smtClean="0">
+                <a:solidFill>
+                  <a:schemeClr val="tx1"/>
+                </a:solidFill>
+              </a:rPr>
+              <a:t>распределённого агентного </a:t>
+            </a:r>
+            <a:r>
+              <a:rPr lang="ru-RU" sz="2600" dirty="0">
+                <a:solidFill>
+                  <a:schemeClr val="tx1"/>
+                </a:solidFill>
+              </a:rPr>
+              <a:t>моделирования</a:t>
+            </a:r>
+            <a:endParaRPr lang="ru-RU" sz="2600" dirty="0" smtClean="0">
+              <a:solidFill>
+                <a:schemeClr val="tx1"/>
+              </a:solidFill>
+            </a:endParaRPr>
+          </a:p>
+          <a:p>
+            <a:pPr marL="633413" indent="-544513" algn="l" eaLnBrk="1" hangingPunct="1"/>
+            <a:r>
+              <a:rPr lang="ru-RU" sz="2600" u="sng" dirty="0" smtClean="0">
+                <a:solidFill>
+                  <a:schemeClr val="tx1"/>
+                </a:solidFill>
+              </a:rPr>
+              <a:t>Проблема</a:t>
+            </a:r>
+            <a:r>
+              <a:rPr lang="ru-RU" sz="2600" dirty="0" smtClean="0">
+                <a:solidFill>
+                  <a:schemeClr val="tx1"/>
+                </a:solidFill>
+              </a:rPr>
+              <a:t>: классические оптимистические алгоритмы обладают рядом недостатков, снижающих эффективность моделирования</a:t>
+            </a:r>
+          </a:p>
+          <a:p>
+            <a:pPr marL="633413" indent="-544513" algn="l" eaLnBrk="1" hangingPunct="1"/>
+            <a:r>
+              <a:rPr lang="ru-RU" sz="2600" u="sng" dirty="0" smtClean="0">
+                <a:solidFill>
+                  <a:schemeClr val="tx1"/>
+                </a:solidFill>
+              </a:rPr>
+              <a:t>Цель</a:t>
+            </a:r>
+            <a:r>
+              <a:rPr lang="ru-RU" sz="2600" dirty="0" smtClean="0">
+                <a:solidFill>
+                  <a:schemeClr val="tx1"/>
+                </a:solidFill>
+              </a:rPr>
+              <a:t>: разработать алгоритм синхронизации, основанный на знаниях о модели, который бы оказался эффективнее* своих аналогов</a:t>
+            </a:r>
+          </a:p>
+        </p:txBody>
+      </p:sp>
+      <p:sp>
+        <p:nvSpPr>
+          <p:cNvPr id="4" name="Номер слайда 3"/>
+          <p:cNvSpPr>
+            <a:spLocks noGrp="1"/>
+          </p:cNvSpPr>
+          <p:nvPr>
+            <p:ph type="sldNum" sz="quarter" idx="12"/>
+          </p:nvPr>
+        </p:nvSpPr>
+        <p:spPr>
+          <a:xfrm>
+            <a:off x="6553200" y="6356350"/>
+            <a:ext cx="2339975" cy="365125"/>
+          </a:xfrm>
+        </p:spPr>
+        <p:txBody>
+          <a:bodyPr/>
+          <a:lstStyle/>
+          <a:p>
+            <a:pPr>
+              <a:defRPr/>
+            </a:pPr>
+            <a:fld id="{E99575A2-6CF0-4743-B982-63163FE59FFF}" type="slidenum">
+              <a:rPr lang="ru-RU" sz="2800" smtClean="0"/>
+              <a:pPr>
+                <a:defRPr/>
+              </a:pPr>
+              <a:t>2</a:t>
+            </a:fld>
+            <a:r>
+              <a:rPr lang="en-US" sz="2800" dirty="0" smtClean="0"/>
+              <a:t>/25</a:t>
+            </a:r>
+            <a:endParaRPr lang="ru-RU" sz="2800" dirty="0"/>
+          </a:p>
+        </p:txBody>
+      </p:sp>
+      <p:grpSp>
+        <p:nvGrpSpPr>
+          <p:cNvPr id="2" name="Группа 1"/>
+          <p:cNvGrpSpPr/>
+          <p:nvPr/>
+        </p:nvGrpSpPr>
+        <p:grpSpPr>
+          <a:xfrm>
+            <a:off x="395536" y="1052736"/>
+            <a:ext cx="298450" cy="5472608"/>
+            <a:chOff x="395536" y="1052736"/>
+            <a:chExt cx="298450" cy="5472608"/>
+          </a:xfrm>
+        </p:grpSpPr>
+        <p:cxnSp>
+          <p:nvCxnSpPr>
+            <p:cNvPr id="7" name="Прямая соединительная линия 6"/>
+            <p:cNvCxnSpPr/>
+            <p:nvPr/>
+          </p:nvCxnSpPr>
+          <p:spPr>
+            <a:xfrm>
+              <a:off x="541586" y="1340768"/>
+              <a:ext cx="0" cy="5184576"/>
+            </a:xfrm>
+            <a:prstGeom prst="line">
+              <a:avLst/>
+            </a:prstGeom>
+            <a:ln>
+              <a:solidFill>
+                <a:schemeClr val="bg1">
+                  <a:lumMod val="65000"/>
+                </a:schemeClr>
+              </a:solidFill>
+            </a:ln>
+            <a:effectLst>
+              <a:glow rad="101600">
+                <a:schemeClr val="bg1">
+                  <a:lumMod val="65000"/>
+                  <a:alpha val="60000"/>
+                </a:schemeClr>
+              </a:glow>
+            </a:effectLst>
+          </p:spPr>
+          <p:style>
+            <a:lnRef idx="1">
+              <a:schemeClr val="accent1"/>
+            </a:lnRef>
+            <a:fillRef idx="0">
+              <a:schemeClr val="accent1"/>
+            </a:fillRef>
+            <a:effectRef idx="0">
+              <a:schemeClr val="accent1"/>
+            </a:effectRef>
+            <a:fontRef idx="minor">
+              <a:schemeClr val="tx1"/>
+            </a:fontRef>
+          </p:style>
+        </p:cxnSp>
+        <p:cxnSp>
+          <p:nvCxnSpPr>
+            <p:cNvPr id="11" name="Прямая соединительная линия 10"/>
+            <p:cNvCxnSpPr/>
+            <p:nvPr/>
+          </p:nvCxnSpPr>
+          <p:spPr>
+            <a:xfrm>
+              <a:off x="693986" y="1628800"/>
+              <a:ext cx="0" cy="4896544"/>
+            </a:xfrm>
+            <a:prstGeom prst="line">
+              <a:avLst/>
+            </a:prstGeom>
+            <a:ln>
+              <a:solidFill>
+                <a:schemeClr val="bg1">
+                  <a:lumMod val="65000"/>
+                </a:schemeClr>
+              </a:solidFill>
+            </a:ln>
+            <a:effectLst>
+              <a:glow rad="101600">
+                <a:schemeClr val="bg1">
+                  <a:lumMod val="65000"/>
+                  <a:alpha val="60000"/>
+                </a:schemeClr>
+              </a:glow>
+            </a:effectLst>
+          </p:spPr>
+          <p:style>
+            <a:lnRef idx="1">
+              <a:schemeClr val="accent1"/>
+            </a:lnRef>
+            <a:fillRef idx="0">
+              <a:schemeClr val="accent1"/>
+            </a:fillRef>
+            <a:effectRef idx="0">
+              <a:schemeClr val="accent1"/>
+            </a:effectRef>
+            <a:fontRef idx="minor">
+              <a:schemeClr val="tx1"/>
+            </a:fontRef>
+          </p:style>
+        </p:cxnSp>
+        <p:cxnSp>
+          <p:nvCxnSpPr>
+            <p:cNvPr id="15" name="Прямая соединительная линия 14"/>
+            <p:cNvCxnSpPr/>
+            <p:nvPr/>
+          </p:nvCxnSpPr>
+          <p:spPr>
+            <a:xfrm>
+              <a:off x="395536" y="1052736"/>
+              <a:ext cx="0" cy="5472608"/>
+            </a:xfrm>
+            <a:prstGeom prst="line">
+              <a:avLst/>
+            </a:prstGeom>
+            <a:ln>
+              <a:solidFill>
+                <a:schemeClr val="bg1">
+                  <a:lumMod val="65000"/>
+                </a:schemeClr>
+              </a:solidFill>
+            </a:ln>
+            <a:effectLst>
+              <a:glow rad="101600">
+                <a:schemeClr val="bg1">
+                  <a:lumMod val="65000"/>
+                  <a:alpha val="60000"/>
+                </a:schemeClr>
+              </a:glow>
+            </a:effectLst>
+          </p:spPr>
+          <p:style>
+            <a:lnRef idx="1">
+              <a:schemeClr val="accent1"/>
+            </a:lnRef>
+            <a:fillRef idx="0">
+              <a:schemeClr val="accent1"/>
+            </a:fillRef>
+            <a:effectRef idx="0">
+              <a:schemeClr val="accent1"/>
+            </a:effectRef>
+            <a:fontRef idx="minor">
+              <a:schemeClr val="tx1"/>
+            </a:fontRef>
+          </p:style>
+        </p:cxnSp>
+      </p:grpSp>
+      <p:sp>
+        <p:nvSpPr>
+          <p:cNvPr id="9" name="Подзаголовок 2"/>
+          <p:cNvSpPr txBox="1">
+            <a:spLocks/>
+          </p:cNvSpPr>
+          <p:nvPr/>
+        </p:nvSpPr>
+        <p:spPr bwMode="auto">
+          <a:xfrm>
+            <a:off x="827584" y="5517232"/>
+            <a:ext cx="7929140" cy="1080120"/>
+          </a:xfrm>
+          <a:prstGeom prst="rect">
+            <a:avLst/>
+          </a:prstGeom>
+          <a:noFill/>
+          <a:ln>
+            <a:noFill/>
+          </a:ln>
+          <a:extLst>
+            <a:ext uri="{909E8E84-426E-40DD-AFC4-6F175D3DCCD1}">
+              <a14:hiddenFill xmlns:a14="http://schemas.microsoft.com/office/drawing/2010/main">
+                <a:solidFill>
+                  <a:srgbClr val="FFFFFF"/>
+                </a:solidFill>
+              </a14:hiddenFill>
+            </a:ext>
+            <a:ext uri="{91240B29-F687-4F45-9708-019B960494DF}">
+              <a14:hiddenLine xmlns:a14="http://schemas.microsoft.com/office/drawing/2010/main" w="9525">
+                <a:solidFill>
+                  <a:srgbClr val="000000"/>
+                </a:solidFill>
+                <a:miter lim="800000"/>
+                <a:headEnd/>
+                <a:tailEnd/>
+              </a14:hiddenLine>
+            </a:ext>
+          </a:extLst>
+        </p:spPr>
+        <p:txBody>
+          <a:bodyPr vert="horz" wrap="square" lIns="91440" tIns="45720" rIns="91440" bIns="45720" numCol="1" anchor="t" anchorCtr="0" compatLnSpc="1">
+            <a:prstTxWarp prst="textNoShape">
+              <a:avLst/>
+            </a:prstTxWarp>
+          </a:bodyPr>
+          <a:lstStyle>
+            <a:lvl1pPr marL="0" indent="0" algn="ctr" rtl="0" eaLnBrk="0" fontAlgn="base" hangingPunct="0">
+              <a:spcBef>
+                <a:spcPct val="20000"/>
+              </a:spcBef>
+              <a:spcAft>
+                <a:spcPct val="0"/>
+              </a:spcAft>
+              <a:buFont typeface="Arial" charset="0"/>
+              <a:buNone/>
+              <a:defRPr sz="3200" kern="1200">
+                <a:solidFill>
+                  <a:schemeClr val="tx1">
+                    <a:tint val="75000"/>
+                  </a:schemeClr>
+                </a:solidFill>
+                <a:latin typeface="+mn-lt"/>
+                <a:ea typeface="+mn-ea"/>
+                <a:cs typeface="+mn-cs"/>
+              </a:defRPr>
+            </a:lvl1pPr>
+            <a:lvl2pPr marL="457200" indent="0" algn="ctr" rtl="0" eaLnBrk="0" fontAlgn="base" hangingPunct="0">
+              <a:spcBef>
+                <a:spcPct val="20000"/>
+              </a:spcBef>
+              <a:spcAft>
+                <a:spcPct val="0"/>
+              </a:spcAft>
+              <a:buFont typeface="Arial" charset="0"/>
+              <a:buNone/>
+              <a:defRPr sz="2800" kern="1200">
+                <a:solidFill>
+                  <a:schemeClr val="tx1">
+                    <a:tint val="75000"/>
+                  </a:schemeClr>
+                </a:solidFill>
+                <a:latin typeface="+mn-lt"/>
+                <a:ea typeface="+mn-ea"/>
+                <a:cs typeface="+mn-cs"/>
+              </a:defRPr>
+            </a:lvl2pPr>
+            <a:lvl3pPr marL="914400" indent="0" algn="ctr" rtl="0" eaLnBrk="0" fontAlgn="base" hangingPunct="0">
+              <a:spcBef>
+                <a:spcPct val="20000"/>
+              </a:spcBef>
+              <a:spcAft>
+                <a:spcPct val="0"/>
+              </a:spcAft>
+              <a:buFont typeface="Arial" charset="0"/>
+              <a:buNone/>
+              <a:defRPr sz="2400" kern="1200">
+                <a:solidFill>
+                  <a:schemeClr val="tx1">
+                    <a:tint val="75000"/>
+                  </a:schemeClr>
+                </a:solidFill>
+                <a:latin typeface="+mn-lt"/>
+                <a:ea typeface="+mn-ea"/>
+                <a:cs typeface="+mn-cs"/>
+              </a:defRPr>
+            </a:lvl3pPr>
+            <a:lvl4pPr marL="1371600" indent="0" algn="ctr" rtl="0" eaLnBrk="0" fontAlgn="base" hangingPunct="0">
+              <a:spcBef>
+                <a:spcPct val="20000"/>
+              </a:spcBef>
+              <a:spcAft>
+                <a:spcPct val="0"/>
+              </a:spcAft>
+              <a:buFont typeface="Arial" charset="0"/>
+              <a:buNone/>
+              <a:defRPr sz="2000" kern="1200">
+                <a:solidFill>
+                  <a:schemeClr val="tx1">
+                    <a:tint val="75000"/>
+                  </a:schemeClr>
+                </a:solidFill>
+                <a:latin typeface="+mn-lt"/>
+                <a:ea typeface="+mn-ea"/>
+                <a:cs typeface="+mn-cs"/>
+              </a:defRPr>
+            </a:lvl4pPr>
+            <a:lvl5pPr marL="1828800" indent="0" algn="ctr" rtl="0" eaLnBrk="0" fontAlgn="base" hangingPunct="0">
+              <a:spcBef>
+                <a:spcPct val="20000"/>
+              </a:spcBef>
+              <a:spcAft>
+                <a:spcPct val="0"/>
+              </a:spcAft>
+              <a:buFont typeface="Arial" charset="0"/>
+              <a:buNone/>
+              <a:defRPr sz="2000" kern="1200">
+                <a:solidFill>
+                  <a:schemeClr val="tx1">
+                    <a:tint val="75000"/>
+                  </a:schemeClr>
+                </a:solidFill>
+                <a:latin typeface="+mn-lt"/>
+                <a:ea typeface="+mn-ea"/>
+                <a:cs typeface="+mn-cs"/>
+              </a:defRPr>
+            </a:lvl5pPr>
+            <a:lvl6pPr marL="2286000" indent="0" algn="ctr" defTabSz="914400" rtl="0" eaLnBrk="1" latinLnBrk="0" hangingPunct="1">
+              <a:spcBef>
+                <a:spcPct val="20000"/>
+              </a:spcBef>
+              <a:buFont typeface="Arial" pitchFamily="34" charset="0"/>
+              <a:buNone/>
+              <a:defRPr sz="2000" kern="1200">
+                <a:solidFill>
+                  <a:schemeClr val="tx1">
+                    <a:tint val="75000"/>
+                  </a:schemeClr>
+                </a:solidFill>
+                <a:latin typeface="+mn-lt"/>
+                <a:ea typeface="+mn-ea"/>
+                <a:cs typeface="+mn-cs"/>
+              </a:defRPr>
+            </a:lvl6pPr>
+            <a:lvl7pPr marL="2743200" indent="0" algn="ctr" defTabSz="914400" rtl="0" eaLnBrk="1" latinLnBrk="0" hangingPunct="1">
+              <a:spcBef>
+                <a:spcPct val="20000"/>
+              </a:spcBef>
+              <a:buFont typeface="Arial" pitchFamily="34" charset="0"/>
+              <a:buNone/>
+              <a:defRPr sz="2000" kern="1200">
+                <a:solidFill>
+                  <a:schemeClr val="tx1">
+                    <a:tint val="75000"/>
+                  </a:schemeClr>
+                </a:solidFill>
+                <a:latin typeface="+mn-lt"/>
+                <a:ea typeface="+mn-ea"/>
+                <a:cs typeface="+mn-cs"/>
+              </a:defRPr>
+            </a:lvl7pPr>
+            <a:lvl8pPr marL="3200400" indent="0" algn="ctr" defTabSz="914400" rtl="0" eaLnBrk="1" latinLnBrk="0" hangingPunct="1">
+              <a:spcBef>
+                <a:spcPct val="20000"/>
+              </a:spcBef>
+              <a:buFont typeface="Arial" pitchFamily="34" charset="0"/>
+              <a:buNone/>
+              <a:defRPr sz="2000" kern="1200">
+                <a:solidFill>
+                  <a:schemeClr val="tx1">
+                    <a:tint val="75000"/>
+                  </a:schemeClr>
+                </a:solidFill>
+                <a:latin typeface="+mn-lt"/>
+                <a:ea typeface="+mn-ea"/>
+                <a:cs typeface="+mn-cs"/>
+              </a:defRPr>
+            </a:lvl8pPr>
+            <a:lvl9pPr marL="3657600" indent="0" algn="ctr" defTabSz="914400" rtl="0" eaLnBrk="1" latinLnBrk="0" hangingPunct="1">
+              <a:spcBef>
+                <a:spcPct val="20000"/>
+              </a:spcBef>
+              <a:buFont typeface="Arial" pitchFamily="34" charset="0"/>
+              <a:buNone/>
+              <a:defRPr sz="2000" kern="1200">
+                <a:solidFill>
+                  <a:schemeClr val="tx1">
+                    <a:tint val="75000"/>
+                  </a:schemeClr>
+                </a:solidFill>
+                <a:latin typeface="+mn-lt"/>
+                <a:ea typeface="+mn-ea"/>
+                <a:cs typeface="+mn-cs"/>
+              </a:defRPr>
+            </a:lvl9pPr>
+          </a:lstStyle>
+          <a:p>
+            <a:pPr marL="14288" indent="-14288" algn="l" eaLnBrk="1" hangingPunct="1"/>
+            <a:r>
+              <a:rPr lang="ru-RU" sz="1800" dirty="0" smtClean="0">
+                <a:solidFill>
+                  <a:schemeClr val="tx1"/>
+                </a:solidFill>
+              </a:rPr>
+              <a:t>* Под </a:t>
+            </a:r>
+            <a:r>
+              <a:rPr lang="ru-RU" sz="1800" b="1" i="1" dirty="0" smtClean="0">
+                <a:solidFill>
+                  <a:schemeClr val="tx1"/>
+                </a:solidFill>
+              </a:rPr>
+              <a:t>эффективностью</a:t>
+            </a:r>
+            <a:r>
+              <a:rPr lang="ru-RU" sz="1800" dirty="0" smtClean="0">
+                <a:solidFill>
+                  <a:schemeClr val="tx1"/>
+                </a:solidFill>
+              </a:rPr>
+              <a:t> оптимистического алгоритма будем понимать:</a:t>
+            </a:r>
+          </a:p>
+          <a:p>
+            <a:pPr marL="633413" indent="-544513" algn="l" eaLnBrk="1" hangingPunct="1">
+              <a:buFont typeface="Arial" pitchFamily="34" charset="0"/>
+              <a:buChar char="•"/>
+            </a:pPr>
+            <a:r>
+              <a:rPr lang="ru-RU" sz="1800" dirty="0" smtClean="0">
+                <a:solidFill>
+                  <a:schemeClr val="tx1"/>
+                </a:solidFill>
+              </a:rPr>
+              <a:t> количество откатов</a:t>
+            </a:r>
+          </a:p>
+          <a:p>
+            <a:pPr marL="633413" indent="-544513" algn="l" eaLnBrk="1" hangingPunct="1">
+              <a:buFont typeface="Arial" pitchFamily="34" charset="0"/>
+              <a:buChar char="•"/>
+            </a:pPr>
+            <a:r>
+              <a:rPr lang="ru-RU" sz="1800" dirty="0" smtClean="0">
+                <a:solidFill>
+                  <a:schemeClr val="tx1"/>
+                </a:solidFill>
+              </a:rPr>
+              <a:t> общее время моделирования</a:t>
+            </a:r>
+            <a:endParaRPr lang="ru-RU" sz="1800" dirty="0">
+              <a:solidFill>
+                <a:schemeClr val="tx1"/>
+              </a:solidFill>
+            </a:endParaRPr>
+          </a:p>
+        </p:txBody>
+      </p:sp>
+      <p:cxnSp>
+        <p:nvCxnSpPr>
+          <p:cNvPr id="5" name="Прямая соединительная линия 4"/>
+          <p:cNvCxnSpPr/>
+          <p:nvPr/>
+        </p:nvCxnSpPr>
+        <p:spPr>
+          <a:xfrm>
+            <a:off x="2411760" y="5517232"/>
+            <a:ext cx="4392488" cy="0"/>
+          </a:xfrm>
+          <a:prstGeom prst="line">
+            <a:avLst/>
+          </a:prstGeom>
+          <a:ln>
+            <a:solidFill>
+              <a:schemeClr val="tx1"/>
+            </a:solidFill>
+          </a:ln>
+        </p:spPr>
+        <p:style>
+          <a:lnRef idx="1">
+            <a:schemeClr val="accent1"/>
+          </a:lnRef>
+          <a:fillRef idx="0">
+            <a:schemeClr val="accent1"/>
+          </a:fillRef>
+          <a:effectRef idx="0">
+            <a:schemeClr val="accent1"/>
+          </a:effectRef>
+          <a:fontRef idx="minor">
+            <a:schemeClr val="tx1"/>
+          </a:fontRef>
+        </p:style>
+      </p:cxnSp>
+    </p:spTree>
+  </p:cSld>
+  <p:clrMapOvr>
+    <a:masterClrMapping/>
+  </p:clrMapOvr>
+  <p:timing>
+    <p:tnLst>
+      <p:par>
+        <p:cTn id="1" dur="indefinite" restart="never" nodeType="tmRoot"/>
+      </p:par>
+    </p:tnLst>
+  </p:timing>
+</p:sld>
+</file>
+
+<file path=ppt/slides/slide20.xml><?xml version="1.0" encoding="utf-8"?>
 <p:sld xmlns:a="http://schemas.openxmlformats.org/drawingml/2006/main" xmlns:r="http://schemas.openxmlformats.org/officeDocument/2006/relationships" xmlns:p="http://schemas.openxmlformats.org/presentationml/2006/main">
   <p:cSld>
     <p:spTree>
@@ -20097,11 +20414,11 @@
               <a:pPr>
                 <a:defRPr/>
               </a:pPr>
-              <a:t>21</a:t>
+              <a:t>20</a:t>
             </a:fld>
             <a:r>
               <a:rPr lang="en-US" sz="2800" dirty="0" smtClean="0"/>
-              <a:t>/26</a:t>
+              <a:t>/25</a:t>
             </a:r>
             <a:endParaRPr lang="ru-RU" sz="2800" dirty="0"/>
           </a:p>
@@ -30650,7 +30967,7 @@
 </p:sld>
 </file>
 
-<file path=ppt/slides/slide22.xml><?xml version="1.0" encoding="utf-8"?>
+<file path=ppt/slides/slide21.xml><?xml version="1.0" encoding="utf-8"?>
 <p:sld xmlns:a="http://schemas.openxmlformats.org/drawingml/2006/main" xmlns:r="http://schemas.openxmlformats.org/officeDocument/2006/relationships" xmlns:p="http://schemas.openxmlformats.org/presentationml/2006/main">
   <p:cSld>
     <p:spTree>
@@ -30725,11 +31042,11 @@
               <a:pPr>
                 <a:defRPr/>
               </a:pPr>
-              <a:t>22</a:t>
+              <a:t>21</a:t>
             </a:fld>
             <a:r>
               <a:rPr lang="en-US" sz="2800" dirty="0" smtClean="0"/>
-              <a:t>/26</a:t>
+              <a:t>/25</a:t>
             </a:r>
             <a:endParaRPr lang="ru-RU" sz="2800" dirty="0"/>
           </a:p>
@@ -41334,7 +41651,7 @@
 </p:sld>
 </file>
 
-<file path=ppt/slides/slide23.xml><?xml version="1.0" encoding="utf-8"?>
+<file path=ppt/slides/slide22.xml><?xml version="1.0" encoding="utf-8"?>
 <p:sld xmlns:a="http://schemas.openxmlformats.org/drawingml/2006/main" xmlns:r="http://schemas.openxmlformats.org/officeDocument/2006/relationships" xmlns:p="http://schemas.openxmlformats.org/presentationml/2006/main">
   <p:cSld>
     <p:spTree>
@@ -41409,11 +41726,11 @@
               <a:pPr>
                 <a:defRPr/>
               </a:pPr>
-              <a:t>23</a:t>
+              <a:t>22</a:t>
             </a:fld>
             <a:r>
               <a:rPr lang="en-US" sz="2800" dirty="0" smtClean="0"/>
-              <a:t>/26</a:t>
+              <a:t>/25</a:t>
             </a:r>
             <a:endParaRPr lang="ru-RU" sz="2800" dirty="0"/>
           </a:p>
@@ -42878,7 +43195,7 @@
 </p:sld>
 </file>
 
-<file path=ppt/slides/slide24.xml><?xml version="1.0" encoding="utf-8"?>
+<file path=ppt/slides/slide23.xml><?xml version="1.0" encoding="utf-8"?>
 <p:sld xmlns:a="http://schemas.openxmlformats.org/drawingml/2006/main" xmlns:r="http://schemas.openxmlformats.org/officeDocument/2006/relationships" xmlns:p="http://schemas.openxmlformats.org/presentationml/2006/main">
   <p:cSld>
     <p:spTree>
@@ -43027,11 +43344,11 @@
               <a:pPr>
                 <a:defRPr/>
               </a:pPr>
-              <a:t>24</a:t>
+              <a:t>23</a:t>
             </a:fld>
             <a:r>
               <a:rPr lang="en-US" sz="2800" dirty="0" smtClean="0"/>
-              <a:t>/26</a:t>
+              <a:t>/25</a:t>
             </a:r>
             <a:endParaRPr lang="ru-RU" sz="2800" dirty="0"/>
           </a:p>
@@ -43551,7 +43868,7 @@
 </p:sld>
 </file>
 
-<file path=ppt/slides/slide25.xml><?xml version="1.0" encoding="utf-8"?>
+<file path=ppt/slides/slide24.xml><?xml version="1.0" encoding="utf-8"?>
 <p:sld xmlns:a="http://schemas.openxmlformats.org/drawingml/2006/main" xmlns:r="http://schemas.openxmlformats.org/officeDocument/2006/relationships" xmlns:p="http://schemas.openxmlformats.org/presentationml/2006/main">
   <p:cSld>
     <p:spTree>
@@ -43797,11 +44114,11 @@
               <a:pPr>
                 <a:defRPr/>
               </a:pPr>
-              <a:t>25</a:t>
+              <a:t>24</a:t>
             </a:fld>
             <a:r>
               <a:rPr lang="en-US" sz="2800" dirty="0" smtClean="0"/>
-              <a:t>/26</a:t>
+              <a:t>/25</a:t>
             </a:r>
             <a:endParaRPr lang="ru-RU" sz="2800" dirty="0"/>
           </a:p>
@@ -44479,7 +44796,7 @@
 </p:sld>
 </file>
 
-<file path=ppt/slides/slide26.xml><?xml version="1.0" encoding="utf-8"?>
+<file path=ppt/slides/slide25.xml><?xml version="1.0" encoding="utf-8"?>
 <p:sld xmlns:a="http://schemas.openxmlformats.org/drawingml/2006/main" xmlns:r="http://schemas.openxmlformats.org/officeDocument/2006/relationships" xmlns:p="http://schemas.openxmlformats.org/presentationml/2006/main">
   <p:cSld>
     <p:spTree>
@@ -45183,337 +45500,6 @@
       </p:grpSpPr>
       <p:sp>
         <p:nvSpPr>
-          <p:cNvPr id="3074" name="Заголовок 1"/>
-          <p:cNvSpPr>
-            <a:spLocks noGrp="1"/>
-          </p:cNvSpPr>
-          <p:nvPr>
-            <p:ph type="ctrTitle"/>
-          </p:nvPr>
-        </p:nvSpPr>
-        <p:spPr>
-          <a:xfrm>
-            <a:off x="684213" y="333375"/>
-            <a:ext cx="7772400" cy="935038"/>
-          </a:xfrm>
-        </p:spPr>
-        <p:txBody>
-          <a:bodyPr/>
-          <a:lstStyle/>
-          <a:p>
-            <a:pPr eaLnBrk="1" hangingPunct="1"/>
-            <a:r>
-              <a:rPr lang="ru-RU" sz="4000" b="1" i="1" smtClean="0">
-                <a:latin typeface="Georgia" pitchFamily="18" charset="0"/>
-              </a:rPr>
-              <a:t>Постановка задачи</a:t>
-            </a:r>
-          </a:p>
-        </p:txBody>
-      </p:sp>
-      <p:sp>
-        <p:nvSpPr>
-          <p:cNvPr id="3075" name="Подзаголовок 2"/>
-          <p:cNvSpPr>
-            <a:spLocks noGrp="1"/>
-          </p:cNvSpPr>
-          <p:nvPr>
-            <p:ph type="subTitle" idx="1"/>
-          </p:nvPr>
-        </p:nvSpPr>
-        <p:spPr>
-          <a:xfrm>
-            <a:off x="900113" y="1341439"/>
-            <a:ext cx="7848351" cy="4679850"/>
-          </a:xfrm>
-        </p:spPr>
-        <p:txBody>
-          <a:bodyPr/>
-          <a:lstStyle/>
-          <a:p>
-            <a:pPr marL="14288" indent="-14288" algn="l" eaLnBrk="1" hangingPunct="1"/>
-            <a:r>
-              <a:rPr lang="ru-RU" sz="2800" dirty="0">
-                <a:solidFill>
-                  <a:schemeClr val="tx1"/>
-                </a:solidFill>
-              </a:rPr>
-              <a:t>Под </a:t>
-            </a:r>
-            <a:r>
-              <a:rPr lang="ru-RU" sz="2800" i="1" dirty="0">
-                <a:solidFill>
-                  <a:schemeClr val="tx1"/>
-                </a:solidFill>
-              </a:rPr>
-              <a:t>эффективностью</a:t>
-            </a:r>
-            <a:r>
-              <a:rPr lang="ru-RU" sz="2800" dirty="0">
-                <a:solidFill>
-                  <a:schemeClr val="tx1"/>
-                </a:solidFill>
-              </a:rPr>
-              <a:t> оптимистического алгоритма синхронизации будем понимать</a:t>
-            </a:r>
-          </a:p>
-          <a:p>
-            <a:pPr marL="633413" indent="-544513" algn="l" eaLnBrk="1" hangingPunct="1">
-              <a:buFont typeface="Arial" pitchFamily="34" charset="0"/>
-              <a:buChar char="•"/>
-            </a:pPr>
-            <a:r>
-              <a:rPr lang="ru-RU" sz="2800" dirty="0">
-                <a:solidFill>
-                  <a:schemeClr val="tx1"/>
-                </a:solidFill>
-              </a:rPr>
-              <a:t>количество откатов</a:t>
-            </a:r>
-          </a:p>
-          <a:p>
-            <a:pPr marL="633413" indent="-544513" algn="l" eaLnBrk="1" hangingPunct="1">
-              <a:buFont typeface="Arial" pitchFamily="34" charset="0"/>
-              <a:buChar char="•"/>
-            </a:pPr>
-            <a:r>
-              <a:rPr lang="ru-RU" sz="2800" dirty="0">
-                <a:solidFill>
-                  <a:schemeClr val="tx1"/>
-                </a:solidFill>
-              </a:rPr>
-              <a:t>реальное время моделирования</a:t>
-            </a:r>
-          </a:p>
-        </p:txBody>
-      </p:sp>
-      <p:sp>
-        <p:nvSpPr>
-          <p:cNvPr id="4" name="Номер слайда 3"/>
-          <p:cNvSpPr>
-            <a:spLocks noGrp="1"/>
-          </p:cNvSpPr>
-          <p:nvPr>
-            <p:ph type="sldNum" sz="quarter" idx="12"/>
-          </p:nvPr>
-        </p:nvSpPr>
-        <p:spPr>
-          <a:xfrm>
-            <a:off x="6553200" y="6356350"/>
-            <a:ext cx="2339975" cy="365125"/>
-          </a:xfrm>
-        </p:spPr>
-        <p:txBody>
-          <a:bodyPr/>
-          <a:lstStyle/>
-          <a:p>
-            <a:pPr>
-              <a:defRPr/>
-            </a:pPr>
-            <a:fld id="{E99575A2-6CF0-4743-B982-63163FE59FFF}" type="slidenum">
-              <a:rPr lang="ru-RU" sz="2800" smtClean="0"/>
-              <a:pPr>
-                <a:defRPr/>
-              </a:pPr>
-              <a:t>3</a:t>
-            </a:fld>
-            <a:r>
-              <a:rPr lang="en-US" sz="2800" dirty="0" smtClean="0"/>
-              <a:t>/26</a:t>
-            </a:r>
-            <a:endParaRPr lang="ru-RU" sz="2800" dirty="0"/>
-          </a:p>
-        </p:txBody>
-      </p:sp>
-      <p:grpSp>
-        <p:nvGrpSpPr>
-          <p:cNvPr id="2" name="Группа 1"/>
-          <p:cNvGrpSpPr/>
-          <p:nvPr/>
-        </p:nvGrpSpPr>
-        <p:grpSpPr>
-          <a:xfrm>
-            <a:off x="395536" y="1052736"/>
-            <a:ext cx="298450" cy="5472608"/>
-            <a:chOff x="395536" y="1052736"/>
-            <a:chExt cx="298450" cy="5472608"/>
-          </a:xfrm>
-        </p:grpSpPr>
-        <p:cxnSp>
-          <p:nvCxnSpPr>
-            <p:cNvPr id="7" name="Прямая соединительная линия 6"/>
-            <p:cNvCxnSpPr/>
-            <p:nvPr/>
-          </p:nvCxnSpPr>
-          <p:spPr>
-            <a:xfrm>
-              <a:off x="541586" y="1340768"/>
-              <a:ext cx="0" cy="5184576"/>
-            </a:xfrm>
-            <a:prstGeom prst="line">
-              <a:avLst/>
-            </a:prstGeom>
-            <a:ln>
-              <a:solidFill>
-                <a:schemeClr val="bg1">
-                  <a:lumMod val="65000"/>
-                </a:schemeClr>
-              </a:solidFill>
-            </a:ln>
-            <a:effectLst>
-              <a:glow rad="101600">
-                <a:schemeClr val="bg1">
-                  <a:lumMod val="65000"/>
-                  <a:alpha val="60000"/>
-                </a:schemeClr>
-              </a:glow>
-            </a:effectLst>
-          </p:spPr>
-          <p:style>
-            <a:lnRef idx="1">
-              <a:schemeClr val="accent1"/>
-            </a:lnRef>
-            <a:fillRef idx="0">
-              <a:schemeClr val="accent1"/>
-            </a:fillRef>
-            <a:effectRef idx="0">
-              <a:schemeClr val="accent1"/>
-            </a:effectRef>
-            <a:fontRef idx="minor">
-              <a:schemeClr val="tx1"/>
-            </a:fontRef>
-          </p:style>
-        </p:cxnSp>
-        <p:cxnSp>
-          <p:nvCxnSpPr>
-            <p:cNvPr id="11" name="Прямая соединительная линия 10"/>
-            <p:cNvCxnSpPr/>
-            <p:nvPr/>
-          </p:nvCxnSpPr>
-          <p:spPr>
-            <a:xfrm>
-              <a:off x="693986" y="1628800"/>
-              <a:ext cx="0" cy="4896544"/>
-            </a:xfrm>
-            <a:prstGeom prst="line">
-              <a:avLst/>
-            </a:prstGeom>
-            <a:ln>
-              <a:solidFill>
-                <a:schemeClr val="bg1">
-                  <a:lumMod val="65000"/>
-                </a:schemeClr>
-              </a:solidFill>
-            </a:ln>
-            <a:effectLst>
-              <a:glow rad="101600">
-                <a:schemeClr val="bg1">
-                  <a:lumMod val="65000"/>
-                  <a:alpha val="60000"/>
-                </a:schemeClr>
-              </a:glow>
-            </a:effectLst>
-          </p:spPr>
-          <p:style>
-            <a:lnRef idx="1">
-              <a:schemeClr val="accent1"/>
-            </a:lnRef>
-            <a:fillRef idx="0">
-              <a:schemeClr val="accent1"/>
-            </a:fillRef>
-            <a:effectRef idx="0">
-              <a:schemeClr val="accent1"/>
-            </a:effectRef>
-            <a:fontRef idx="minor">
-              <a:schemeClr val="tx1"/>
-            </a:fontRef>
-          </p:style>
-        </p:cxnSp>
-        <p:cxnSp>
-          <p:nvCxnSpPr>
-            <p:cNvPr id="15" name="Прямая соединительная линия 14"/>
-            <p:cNvCxnSpPr/>
-            <p:nvPr/>
-          </p:nvCxnSpPr>
-          <p:spPr>
-            <a:xfrm>
-              <a:off x="395536" y="1052736"/>
-              <a:ext cx="0" cy="5472608"/>
-            </a:xfrm>
-            <a:prstGeom prst="line">
-              <a:avLst/>
-            </a:prstGeom>
-            <a:ln>
-              <a:solidFill>
-                <a:schemeClr val="bg1">
-                  <a:lumMod val="65000"/>
-                </a:schemeClr>
-              </a:solidFill>
-            </a:ln>
-            <a:effectLst>
-              <a:glow rad="101600">
-                <a:schemeClr val="bg1">
-                  <a:lumMod val="65000"/>
-                  <a:alpha val="60000"/>
-                </a:schemeClr>
-              </a:glow>
-            </a:effectLst>
-          </p:spPr>
-          <p:style>
-            <a:lnRef idx="1">
-              <a:schemeClr val="accent1"/>
-            </a:lnRef>
-            <a:fillRef idx="0">
-              <a:schemeClr val="accent1"/>
-            </a:fillRef>
-            <a:effectRef idx="0">
-              <a:schemeClr val="accent1"/>
-            </a:effectRef>
-            <a:fontRef idx="minor">
-              <a:schemeClr val="tx1"/>
-            </a:fontRef>
-          </p:style>
-        </p:cxnSp>
-      </p:grpSp>
-    </p:spTree>
-    <p:extLst>
-      <p:ext uri="{BB962C8B-B14F-4D97-AF65-F5344CB8AC3E}">
-        <p14:creationId xmlns:p14="http://schemas.microsoft.com/office/powerpoint/2010/main" val="2223510483"/>
-      </p:ext>
-    </p:extLst>
-  </p:cSld>
-  <p:clrMapOvr>
-    <a:masterClrMapping/>
-  </p:clrMapOvr>
-  <p:timing>
-    <p:tnLst>
-      <p:par>
-        <p:cTn id="1" dur="indefinite" restart="never" nodeType="tmRoot"/>
-      </p:par>
-    </p:tnLst>
-  </p:timing>
-</p:sld>
-</file>
-
-<file path=ppt/slides/slide4.xml><?xml version="1.0" encoding="utf-8"?>
-<p:sld xmlns:a="http://schemas.openxmlformats.org/drawingml/2006/main" xmlns:r="http://schemas.openxmlformats.org/officeDocument/2006/relationships" xmlns:p="http://schemas.openxmlformats.org/presentationml/2006/main">
-  <p:cSld>
-    <p:spTree>
-      <p:nvGrpSpPr>
-        <p:cNvPr id="1" name=""/>
-        <p:cNvGrpSpPr/>
-        <p:nvPr/>
-      </p:nvGrpSpPr>
-      <p:grpSpPr>
-        <a:xfrm>
-          <a:off x="0" y="0"/>
-          <a:ext cx="0" cy="0"/>
-          <a:chOff x="0" y="0"/>
-          <a:chExt cx="0" cy="0"/>
-        </a:xfrm>
-      </p:grpSpPr>
-      <p:sp>
-        <p:nvSpPr>
           <p:cNvPr id="4098" name="Заголовок 1"/>
           <p:cNvSpPr>
             <a:spLocks noGrp="1"/>
@@ -45658,11 +45644,11 @@
               <a:pPr>
                 <a:defRPr/>
               </a:pPr>
-              <a:t>4</a:t>
+              <a:t>3</a:t>
             </a:fld>
             <a:r>
               <a:rPr lang="en-US" sz="2800" dirty="0" smtClean="0"/>
-              <a:t>/26</a:t>
+              <a:t>/25</a:t>
             </a:r>
             <a:endParaRPr lang="ru-RU" sz="2800" dirty="0"/>
           </a:p>
@@ -45833,7 +45819,7 @@
 </p:sld>
 </file>
 
-<file path=ppt/slides/slide5.xml><?xml version="1.0" encoding="utf-8"?>
+<file path=ppt/slides/slide4.xml><?xml version="1.0" encoding="utf-8"?>
 <p:sld xmlns:a="http://schemas.openxmlformats.org/drawingml/2006/main" xmlns:r="http://schemas.openxmlformats.org/officeDocument/2006/relationships" xmlns:p="http://schemas.openxmlformats.org/presentationml/2006/main">
   <p:cSld>
     <p:spTree>
@@ -45958,11 +45944,11 @@
               <a:pPr>
                 <a:defRPr/>
               </a:pPr>
-              <a:t>5</a:t>
+              <a:t>4</a:t>
             </a:fld>
             <a:r>
               <a:rPr lang="en-US" sz="2800" dirty="0" smtClean="0"/>
-              <a:t>/26</a:t>
+              <a:t>/25</a:t>
             </a:r>
             <a:endParaRPr lang="ru-RU" sz="2800" dirty="0"/>
           </a:p>
@@ -46423,7 +46409,7 @@
 </p:sld>
 </file>
 
-<file path=ppt/slides/slide6.xml><?xml version="1.0" encoding="utf-8"?>
+<file path=ppt/slides/slide5.xml><?xml version="1.0" encoding="utf-8"?>
 <p:sld xmlns:a="http://schemas.openxmlformats.org/drawingml/2006/main" xmlns:r="http://schemas.openxmlformats.org/officeDocument/2006/relationships" xmlns:p="http://schemas.openxmlformats.org/presentationml/2006/main">
   <p:cSld>
     <p:spTree>
@@ -46554,11 +46540,11 @@
               <a:pPr>
                 <a:defRPr/>
               </a:pPr>
-              <a:t>6</a:t>
+              <a:t>5</a:t>
             </a:fld>
             <a:r>
               <a:rPr lang="en-US" sz="2800" dirty="0" smtClean="0"/>
-              <a:t>/26</a:t>
+              <a:t>/25</a:t>
             </a:r>
             <a:endParaRPr lang="ru-RU" sz="2800" dirty="0"/>
           </a:p>
@@ -47097,7 +47083,7 @@
 </p:sld>
 </file>
 
-<file path=ppt/slides/slide7.xml><?xml version="1.0" encoding="utf-8"?>
+<file path=ppt/slides/slide6.xml><?xml version="1.0" encoding="utf-8"?>
 <p:sld xmlns:a="http://schemas.openxmlformats.org/drawingml/2006/main" xmlns:r="http://schemas.openxmlformats.org/officeDocument/2006/relationships" xmlns:p="http://schemas.openxmlformats.org/presentationml/2006/main">
   <p:cSld>
     <p:spTree>
@@ -47114,6 +47100,43 @@
           <a:chExt cx="0" cy="0"/>
         </a:xfrm>
       </p:grpSpPr>
+      <p:pic>
+        <p:nvPicPr>
+          <p:cNvPr id="11" name="Рисунок 10"/>
+          <p:cNvPicPr/>
+          <p:nvPr/>
+        </p:nvPicPr>
+        <p:blipFill>
+          <a:blip r:embed="rId3">
+            <a:extLst>
+              <a:ext uri="{28A0092B-C50C-407E-A947-70E740481C1C}">
+                <a14:useLocalDpi xmlns:a14="http://schemas.microsoft.com/office/drawing/2010/main" val="0"/>
+              </a:ext>
+            </a:extLst>
+          </a:blip>
+          <a:srcRect/>
+          <a:stretch>
+            <a:fillRect/>
+          </a:stretch>
+        </p:blipFill>
+        <p:spPr bwMode="auto">
+          <a:xfrm>
+            <a:off x="4283968" y="3140968"/>
+            <a:ext cx="4610100" cy="2879725"/>
+          </a:xfrm>
+          <a:prstGeom prst="rect">
+            <a:avLst/>
+          </a:prstGeom>
+          <a:noFill/>
+          <a:ln w="50800" cmpd="thickThin">
+            <a:solidFill>
+              <a:schemeClr val="bg1">
+                <a:lumMod val="65000"/>
+              </a:schemeClr>
+            </a:solidFill>
+          </a:ln>
+        </p:spPr>
+      </p:pic>
       <p:sp>
         <p:nvSpPr>
           <p:cNvPr id="2" name="Заголовок 1"/>
@@ -47126,8 +47149,8 @@
         </p:nvSpPr>
         <p:spPr>
           <a:xfrm>
-            <a:off x="547688" y="333375"/>
-            <a:ext cx="8201025" cy="1295400"/>
+            <a:off x="541586" y="238436"/>
+            <a:ext cx="8201025" cy="1079388"/>
           </a:xfrm>
         </p:spPr>
         <p:txBody>
@@ -47166,56 +47189,19 @@
         </p:nvSpPr>
         <p:spPr>
           <a:xfrm>
-            <a:off x="755650" y="1628775"/>
-            <a:ext cx="7920038" cy="4752553"/>
+            <a:off x="395536" y="2996952"/>
+            <a:ext cx="3672408" cy="3312367"/>
           </a:xfrm>
         </p:spPr>
         <p:txBody>
           <a:bodyPr/>
           <a:lstStyle/>
           <a:p>
-            <a:pPr algn="l" eaLnBrk="1" hangingPunct="1">
+            <a:pPr marL="354013" eaLnBrk="1" hangingPunct="1">
               <a:defRPr/>
             </a:pPr>
             <a:r>
-              <a:rPr lang="ru-RU" sz="2600" b="1" u="sng" dirty="0" smtClean="0">
-                <a:solidFill>
-                  <a:schemeClr val="tx1"/>
-                </a:solidFill>
-              </a:rPr>
-              <a:t>Консервативные алгоритмы </a:t>
-            </a:r>
-            <a:r>
-              <a:rPr lang="ru-RU" sz="2600" dirty="0" smtClean="0">
-                <a:solidFill>
-                  <a:schemeClr val="tx1"/>
-                </a:solidFill>
-              </a:rPr>
-              <a:t>(</a:t>
-            </a:r>
-            <a:r>
-              <a:rPr lang="ru-RU" sz="2600" i="1" dirty="0" smtClean="0">
-                <a:solidFill>
-                  <a:schemeClr val="tx1"/>
-                </a:solidFill>
-              </a:rPr>
-              <a:t>исключают теоретическую возможность парадоксов времени</a:t>
-            </a:r>
-            <a:r>
-              <a:rPr lang="ru-RU" sz="2600" dirty="0" smtClean="0">
-                <a:solidFill>
-                  <a:schemeClr val="tx1"/>
-                </a:solidFill>
-              </a:rPr>
-              <a:t>)</a:t>
-            </a:r>
-          </a:p>
-          <a:p>
-            <a:pPr marL="354013" algn="l" eaLnBrk="1" hangingPunct="1">
-              <a:defRPr/>
-            </a:pPr>
-            <a:r>
-              <a:rPr lang="ru-RU" sz="2600" i="1" dirty="0" smtClean="0">
+              <a:rPr lang="ru-RU" sz="2600" i="1" u="sng" dirty="0" smtClean="0">
                 <a:solidFill>
                   <a:schemeClr val="tx1"/>
                 </a:solidFill>
@@ -47229,64 +47215,6 @@
                 </a:solidFill>
               </a:rPr>
               <a:t>: логический процесс не будет обрабатывать очередное событие, пока не убедится, что оно не вызовет парадокс времени</a:t>
-            </a:r>
-          </a:p>
-          <a:p>
-            <a:pPr algn="l" eaLnBrk="1" hangingPunct="1">
-              <a:defRPr/>
-            </a:pPr>
-            <a:r>
-              <a:rPr lang="ru-RU" sz="2600" b="1" u="sng" dirty="0" smtClean="0">
-                <a:solidFill>
-                  <a:schemeClr val="tx1"/>
-                </a:solidFill>
-              </a:rPr>
-              <a:t>Оптимистические алгоритмы </a:t>
-            </a:r>
-            <a:r>
-              <a:rPr lang="ru-RU" sz="2600" dirty="0" smtClean="0">
-                <a:solidFill>
-                  <a:schemeClr val="tx1"/>
-                </a:solidFill>
-              </a:rPr>
-              <a:t>(</a:t>
-            </a:r>
-            <a:r>
-              <a:rPr lang="ru-RU" sz="2600" i="1" dirty="0" smtClean="0">
-                <a:solidFill>
-                  <a:schemeClr val="tx1"/>
-                </a:solidFill>
-              </a:rPr>
-              <a:t>допускают возможность парадоксов времени</a:t>
-            </a:r>
-            <a:r>
-              <a:rPr lang="ru-RU" sz="2600" dirty="0" smtClean="0">
-                <a:solidFill>
-                  <a:schemeClr val="tx1"/>
-                </a:solidFill>
-              </a:rPr>
-              <a:t>)</a:t>
-            </a:r>
-          </a:p>
-          <a:p>
-            <a:pPr marL="354013" algn="l" eaLnBrk="1" hangingPunct="1">
-              <a:defRPr/>
-            </a:pPr>
-            <a:r>
-              <a:rPr lang="ru-RU" sz="2600" i="1" dirty="0" smtClean="0">
-                <a:solidFill>
-                  <a:schemeClr val="tx1"/>
-                </a:solidFill>
-              </a:rPr>
-              <a:t>Принцип</a:t>
-            </a:r>
-            <a:r>
-              <a:rPr lang="ru-RU" sz="2600" dirty="0" smtClean="0">
-                <a:solidFill>
-                  <a:schemeClr val="tx1"/>
-                </a:solidFill>
-              </a:rPr>
-              <a:t>: модель прогоняется вперёд, однако при обнаружении парадокса времени специальные механизмы выполняют откат модели до предыдущего согласованного состояния</a:t>
             </a:r>
           </a:p>
         </p:txBody>
@@ -47319,11 +47247,11 @@
               <a:pPr>
                 <a:defRPr/>
               </a:pPr>
-              <a:t>7</a:t>
+              <a:t>6</a:t>
             </a:fld>
             <a:r>
               <a:rPr lang="en-US" sz="2800" dirty="0" smtClean="0"/>
-              <a:t>/26</a:t>
+              <a:t>/25</a:t>
             </a:r>
             <a:endParaRPr lang="ru-RU" sz="2800" dirty="0"/>
           </a:p>
@@ -47479,6 +47407,268 @@
           </p:style>
         </p:cxnSp>
       </p:grpSp>
+      <p:sp>
+        <p:nvSpPr>
+          <p:cNvPr id="13" name="Подзаголовок 2"/>
+          <p:cNvSpPr txBox="1">
+            <a:spLocks/>
+          </p:cNvSpPr>
+          <p:nvPr/>
+        </p:nvSpPr>
+        <p:spPr bwMode="auto">
+          <a:xfrm>
+            <a:off x="899592" y="1344713"/>
+            <a:ext cx="7776864" cy="1364208"/>
+          </a:xfrm>
+          <a:prstGeom prst="rect">
+            <a:avLst/>
+          </a:prstGeom>
+          <a:noFill/>
+          <a:ln>
+            <a:noFill/>
+          </a:ln>
+          <a:extLst>
+            <a:ext uri="{909E8E84-426E-40DD-AFC4-6F175D3DCCD1}">
+              <a14:hiddenFill xmlns:a14="http://schemas.microsoft.com/office/drawing/2010/main">
+                <a:solidFill>
+                  <a:srgbClr val="FFFFFF"/>
+                </a:solidFill>
+              </a14:hiddenFill>
+            </a:ext>
+            <a:ext uri="{91240B29-F687-4F45-9708-019B960494DF}">
+              <a14:hiddenLine xmlns:a14="http://schemas.microsoft.com/office/drawing/2010/main" w="9525">
+                <a:solidFill>
+                  <a:srgbClr val="000000"/>
+                </a:solidFill>
+                <a:miter lim="800000"/>
+                <a:headEnd/>
+                <a:tailEnd/>
+              </a14:hiddenLine>
+            </a:ext>
+          </a:extLst>
+        </p:spPr>
+        <p:txBody>
+          <a:bodyPr vert="horz" wrap="square" lIns="91440" tIns="45720" rIns="91440" bIns="45720" numCol="1" anchor="t" anchorCtr="0" compatLnSpc="1">
+            <a:prstTxWarp prst="textNoShape">
+              <a:avLst/>
+            </a:prstTxWarp>
+          </a:bodyPr>
+          <a:lstStyle>
+            <a:lvl1pPr marL="0" indent="0" algn="ctr" rtl="0" eaLnBrk="0" fontAlgn="base" hangingPunct="0">
+              <a:spcBef>
+                <a:spcPct val="20000"/>
+              </a:spcBef>
+              <a:spcAft>
+                <a:spcPct val="0"/>
+              </a:spcAft>
+              <a:buFont typeface="Arial" charset="0"/>
+              <a:buNone/>
+              <a:defRPr sz="3200" kern="1200">
+                <a:solidFill>
+                  <a:schemeClr val="tx1">
+                    <a:tint val="75000"/>
+                  </a:schemeClr>
+                </a:solidFill>
+                <a:latin typeface="+mn-lt"/>
+                <a:ea typeface="+mn-ea"/>
+                <a:cs typeface="+mn-cs"/>
+              </a:defRPr>
+            </a:lvl1pPr>
+            <a:lvl2pPr marL="457200" indent="0" algn="ctr" rtl="0" eaLnBrk="0" fontAlgn="base" hangingPunct="0">
+              <a:spcBef>
+                <a:spcPct val="20000"/>
+              </a:spcBef>
+              <a:spcAft>
+                <a:spcPct val="0"/>
+              </a:spcAft>
+              <a:buFont typeface="Arial" charset="0"/>
+              <a:buNone/>
+              <a:defRPr sz="2800" kern="1200">
+                <a:solidFill>
+                  <a:schemeClr val="tx1">
+                    <a:tint val="75000"/>
+                  </a:schemeClr>
+                </a:solidFill>
+                <a:latin typeface="+mn-lt"/>
+                <a:ea typeface="+mn-ea"/>
+                <a:cs typeface="+mn-cs"/>
+              </a:defRPr>
+            </a:lvl2pPr>
+            <a:lvl3pPr marL="914400" indent="0" algn="ctr" rtl="0" eaLnBrk="0" fontAlgn="base" hangingPunct="0">
+              <a:spcBef>
+                <a:spcPct val="20000"/>
+              </a:spcBef>
+              <a:spcAft>
+                <a:spcPct val="0"/>
+              </a:spcAft>
+              <a:buFont typeface="Arial" charset="0"/>
+              <a:buNone/>
+              <a:defRPr sz="2400" kern="1200">
+                <a:solidFill>
+                  <a:schemeClr val="tx1">
+                    <a:tint val="75000"/>
+                  </a:schemeClr>
+                </a:solidFill>
+                <a:latin typeface="+mn-lt"/>
+                <a:ea typeface="+mn-ea"/>
+                <a:cs typeface="+mn-cs"/>
+              </a:defRPr>
+            </a:lvl3pPr>
+            <a:lvl4pPr marL="1371600" indent="0" algn="ctr" rtl="0" eaLnBrk="0" fontAlgn="base" hangingPunct="0">
+              <a:spcBef>
+                <a:spcPct val="20000"/>
+              </a:spcBef>
+              <a:spcAft>
+                <a:spcPct val="0"/>
+              </a:spcAft>
+              <a:buFont typeface="Arial" charset="0"/>
+              <a:buNone/>
+              <a:defRPr sz="2000" kern="1200">
+                <a:solidFill>
+                  <a:schemeClr val="tx1">
+                    <a:tint val="75000"/>
+                  </a:schemeClr>
+                </a:solidFill>
+                <a:latin typeface="+mn-lt"/>
+                <a:ea typeface="+mn-ea"/>
+                <a:cs typeface="+mn-cs"/>
+              </a:defRPr>
+            </a:lvl4pPr>
+            <a:lvl5pPr marL="1828800" indent="0" algn="ctr" rtl="0" eaLnBrk="0" fontAlgn="base" hangingPunct="0">
+              <a:spcBef>
+                <a:spcPct val="20000"/>
+              </a:spcBef>
+              <a:spcAft>
+                <a:spcPct val="0"/>
+              </a:spcAft>
+              <a:buFont typeface="Arial" charset="0"/>
+              <a:buNone/>
+              <a:defRPr sz="2000" kern="1200">
+                <a:solidFill>
+                  <a:schemeClr val="tx1">
+                    <a:tint val="75000"/>
+                  </a:schemeClr>
+                </a:solidFill>
+                <a:latin typeface="+mn-lt"/>
+                <a:ea typeface="+mn-ea"/>
+                <a:cs typeface="+mn-cs"/>
+              </a:defRPr>
+            </a:lvl5pPr>
+            <a:lvl6pPr marL="2286000" indent="0" algn="ctr" defTabSz="914400" rtl="0" eaLnBrk="1" latinLnBrk="0" hangingPunct="1">
+              <a:spcBef>
+                <a:spcPct val="20000"/>
+              </a:spcBef>
+              <a:buFont typeface="Arial" pitchFamily="34" charset="0"/>
+              <a:buNone/>
+              <a:defRPr sz="2000" kern="1200">
+                <a:solidFill>
+                  <a:schemeClr val="tx1">
+                    <a:tint val="75000"/>
+                  </a:schemeClr>
+                </a:solidFill>
+                <a:latin typeface="+mn-lt"/>
+                <a:ea typeface="+mn-ea"/>
+                <a:cs typeface="+mn-cs"/>
+              </a:defRPr>
+            </a:lvl6pPr>
+            <a:lvl7pPr marL="2743200" indent="0" algn="ctr" defTabSz="914400" rtl="0" eaLnBrk="1" latinLnBrk="0" hangingPunct="1">
+              <a:spcBef>
+                <a:spcPct val="20000"/>
+              </a:spcBef>
+              <a:buFont typeface="Arial" pitchFamily="34" charset="0"/>
+              <a:buNone/>
+              <a:defRPr sz="2000" kern="1200">
+                <a:solidFill>
+                  <a:schemeClr val="tx1">
+                    <a:tint val="75000"/>
+                  </a:schemeClr>
+                </a:solidFill>
+                <a:latin typeface="+mn-lt"/>
+                <a:ea typeface="+mn-ea"/>
+                <a:cs typeface="+mn-cs"/>
+              </a:defRPr>
+            </a:lvl7pPr>
+            <a:lvl8pPr marL="3200400" indent="0" algn="ctr" defTabSz="914400" rtl="0" eaLnBrk="1" latinLnBrk="0" hangingPunct="1">
+              <a:spcBef>
+                <a:spcPct val="20000"/>
+              </a:spcBef>
+              <a:buFont typeface="Arial" pitchFamily="34" charset="0"/>
+              <a:buNone/>
+              <a:defRPr sz="2000" kern="1200">
+                <a:solidFill>
+                  <a:schemeClr val="tx1">
+                    <a:tint val="75000"/>
+                  </a:schemeClr>
+                </a:solidFill>
+                <a:latin typeface="+mn-lt"/>
+                <a:ea typeface="+mn-ea"/>
+                <a:cs typeface="+mn-cs"/>
+              </a:defRPr>
+            </a:lvl8pPr>
+            <a:lvl9pPr marL="3657600" indent="0" algn="ctr" defTabSz="914400" rtl="0" eaLnBrk="1" latinLnBrk="0" hangingPunct="1">
+              <a:spcBef>
+                <a:spcPct val="20000"/>
+              </a:spcBef>
+              <a:buFont typeface="Arial" pitchFamily="34" charset="0"/>
+              <a:buNone/>
+              <a:defRPr sz="2000" kern="1200">
+                <a:solidFill>
+                  <a:schemeClr val="tx1">
+                    <a:tint val="75000"/>
+                  </a:schemeClr>
+                </a:solidFill>
+                <a:latin typeface="+mn-lt"/>
+                <a:ea typeface="+mn-ea"/>
+                <a:cs typeface="+mn-cs"/>
+              </a:defRPr>
+            </a:lvl9pPr>
+          </a:lstStyle>
+          <a:p>
+            <a:pPr eaLnBrk="1" hangingPunct="1">
+              <a:defRPr/>
+            </a:pPr>
+            <a:r>
+              <a:rPr lang="ru-RU" sz="2600" b="1" u="sng" dirty="0" smtClean="0">
+                <a:solidFill>
+                  <a:schemeClr val="tx1"/>
+                </a:solidFill>
+              </a:rPr>
+              <a:t>Консервативные алгоритмы </a:t>
+            </a:r>
+            <a:br>
+              <a:rPr lang="ru-RU" sz="2600" b="1" u="sng" dirty="0" smtClean="0">
+                <a:solidFill>
+                  <a:schemeClr val="tx1"/>
+                </a:solidFill>
+              </a:rPr>
+            </a:br>
+            <a:r>
+              <a:rPr lang="ru-RU" sz="2600" dirty="0" smtClean="0">
+                <a:solidFill>
+                  <a:schemeClr val="tx1"/>
+                </a:solidFill>
+              </a:rPr>
+              <a:t>(</a:t>
+            </a:r>
+            <a:r>
+              <a:rPr lang="ru-RU" sz="2600" i="1" dirty="0" smtClean="0">
+                <a:solidFill>
+                  <a:schemeClr val="tx1"/>
+                </a:solidFill>
+              </a:rPr>
+              <a:t>исключают теоретическую возможность парадоксов времени</a:t>
+            </a:r>
+            <a:r>
+              <a:rPr lang="ru-RU" sz="2600" dirty="0" smtClean="0">
+                <a:solidFill>
+                  <a:schemeClr val="tx1"/>
+                </a:solidFill>
+              </a:rPr>
+              <a:t>)</a:t>
+            </a:r>
+          </a:p>
+        </p:txBody>
+      </p:sp>
     </p:spTree>
   </p:cSld>
   <p:clrMapOvr>
@@ -47488,6 +47678,910 @@
     <p:tnLst>
       <p:par>
         <p:cTn id="1" dur="indefinite" restart="never" nodeType="tmRoot"/>
+      </p:par>
+    </p:tnLst>
+  </p:timing>
+</p:sld>
+</file>
+
+<file path=ppt/slides/slide7.xml><?xml version="1.0" encoding="utf-8"?>
+<p:sld xmlns:a="http://schemas.openxmlformats.org/drawingml/2006/main" xmlns:r="http://schemas.openxmlformats.org/officeDocument/2006/relationships" xmlns:p="http://schemas.openxmlformats.org/presentationml/2006/main">
+  <p:cSld>
+    <p:spTree>
+      <p:nvGrpSpPr>
+        <p:cNvPr id="1" name=""/>
+        <p:cNvGrpSpPr/>
+        <p:nvPr/>
+      </p:nvGrpSpPr>
+      <p:grpSpPr>
+        <a:xfrm>
+          <a:off x="0" y="0"/>
+          <a:ext cx="0" cy="0"/>
+          <a:chOff x="0" y="0"/>
+          <a:chExt cx="0" cy="0"/>
+        </a:xfrm>
+      </p:grpSpPr>
+      <p:sp>
+        <p:nvSpPr>
+          <p:cNvPr id="2" name="Заголовок 1"/>
+          <p:cNvSpPr>
+            <a:spLocks noGrp="1"/>
+          </p:cNvSpPr>
+          <p:nvPr>
+            <p:ph type="ctrTitle"/>
+          </p:nvPr>
+        </p:nvSpPr>
+        <p:spPr>
+          <a:xfrm>
+            <a:off x="541586" y="238436"/>
+            <a:ext cx="8201025" cy="1079388"/>
+          </a:xfrm>
+        </p:spPr>
+        <p:txBody>
+          <a:bodyPr rtlCol="0">
+            <a:normAutofit fontScale="90000"/>
+          </a:bodyPr>
+          <a:lstStyle/>
+          <a:p>
+            <a:pPr eaLnBrk="1" fontAlgn="auto" hangingPunct="1">
+              <a:spcAft>
+                <a:spcPts val="0"/>
+              </a:spcAft>
+              <a:defRPr/>
+            </a:pPr>
+            <a:r>
+              <a:rPr lang="ru-RU" sz="4000" b="1" i="1" dirty="0" smtClean="0">
+                <a:latin typeface="Georgia" pitchFamily="18" charset="0"/>
+              </a:rPr>
+              <a:t>Классы алгоритмов синхронизации</a:t>
+            </a:r>
+            <a:endParaRPr lang="ru-RU" sz="4000" b="1" i="1" dirty="0">
+              <a:latin typeface="Georgia" pitchFamily="18" charset="0"/>
+            </a:endParaRPr>
+          </a:p>
+        </p:txBody>
+      </p:sp>
+      <p:sp>
+        <p:nvSpPr>
+          <p:cNvPr id="8195" name="Подзаголовок 2"/>
+          <p:cNvSpPr>
+            <a:spLocks noGrp="1"/>
+          </p:cNvSpPr>
+          <p:nvPr>
+            <p:ph type="subTitle" idx="1"/>
+          </p:nvPr>
+        </p:nvSpPr>
+        <p:spPr>
+          <a:xfrm>
+            <a:off x="251520" y="2852936"/>
+            <a:ext cx="4123208" cy="3672408"/>
+          </a:xfrm>
+        </p:spPr>
+        <p:txBody>
+          <a:bodyPr/>
+          <a:lstStyle/>
+          <a:p>
+            <a:pPr marL="354013" eaLnBrk="1" hangingPunct="1">
+              <a:defRPr/>
+            </a:pPr>
+            <a:r>
+              <a:rPr lang="ru-RU" sz="2400" i="1" u="sng" dirty="0">
+                <a:solidFill>
+                  <a:schemeClr val="tx1"/>
+                </a:solidFill>
+              </a:rPr>
+              <a:t>Принцип</a:t>
+            </a:r>
+            <a:r>
+              <a:rPr lang="ru-RU" sz="2400" dirty="0">
+                <a:solidFill>
+                  <a:schemeClr val="tx1"/>
+                </a:solidFill>
+              </a:rPr>
+              <a:t>: модель прогоняется вперёд, однако при обнаружении парадокса времени специальные механизмы выполняют откат модели до предыдущего согласованного состояния</a:t>
+            </a:r>
+          </a:p>
+        </p:txBody>
+      </p:sp>
+      <p:sp>
+        <p:nvSpPr>
+          <p:cNvPr id="4" name="Номер слайда 3"/>
+          <p:cNvSpPr>
+            <a:spLocks noGrp="1"/>
+          </p:cNvSpPr>
+          <p:nvPr>
+            <p:ph type="sldNum" sz="quarter" idx="12"/>
+          </p:nvPr>
+        </p:nvSpPr>
+        <p:spPr>
+          <a:xfrm>
+            <a:off x="6553200" y="6356350"/>
+            <a:ext cx="2339975" cy="365125"/>
+          </a:xfrm>
+        </p:spPr>
+        <p:txBody>
+          <a:bodyPr/>
+          <a:lstStyle/>
+          <a:p>
+            <a:pPr>
+              <a:defRPr/>
+            </a:pPr>
+            <a:fld id="{FB784089-A38B-4EDD-87D6-DA161736B36F}" type="slidenum">
+              <a:rPr lang="ru-RU" sz="2800" smtClean="0"/>
+              <a:pPr>
+                <a:defRPr/>
+              </a:pPr>
+              <a:t>7</a:t>
+            </a:fld>
+            <a:r>
+              <a:rPr lang="en-US" sz="2800" dirty="0" smtClean="0"/>
+              <a:t>/25</a:t>
+            </a:r>
+            <a:endParaRPr lang="ru-RU" sz="2800" dirty="0"/>
+          </a:p>
+        </p:txBody>
+      </p:sp>
+      <p:grpSp>
+        <p:nvGrpSpPr>
+          <p:cNvPr id="8" name="Группа 7"/>
+          <p:cNvGrpSpPr/>
+          <p:nvPr/>
+        </p:nvGrpSpPr>
+        <p:grpSpPr>
+          <a:xfrm>
+            <a:off x="395536" y="1052736"/>
+            <a:ext cx="298450" cy="5472608"/>
+            <a:chOff x="395536" y="1052736"/>
+            <a:chExt cx="298450" cy="5472608"/>
+          </a:xfrm>
+        </p:grpSpPr>
+        <p:cxnSp>
+          <p:nvCxnSpPr>
+            <p:cNvPr id="9" name="Прямая соединительная линия 8"/>
+            <p:cNvCxnSpPr/>
+            <p:nvPr/>
+          </p:nvCxnSpPr>
+          <p:spPr>
+            <a:xfrm>
+              <a:off x="541586" y="1340768"/>
+              <a:ext cx="0" cy="5184576"/>
+            </a:xfrm>
+            <a:prstGeom prst="line">
+              <a:avLst/>
+            </a:prstGeom>
+            <a:ln>
+              <a:solidFill>
+                <a:schemeClr val="bg1">
+                  <a:lumMod val="65000"/>
+                </a:schemeClr>
+              </a:solidFill>
+            </a:ln>
+            <a:effectLst>
+              <a:glow rad="101600">
+                <a:schemeClr val="bg1">
+                  <a:lumMod val="65000"/>
+                  <a:alpha val="60000"/>
+                </a:schemeClr>
+              </a:glow>
+            </a:effectLst>
+          </p:spPr>
+          <p:style>
+            <a:lnRef idx="1">
+              <a:schemeClr val="accent1"/>
+            </a:lnRef>
+            <a:fillRef idx="0">
+              <a:schemeClr val="accent1"/>
+            </a:fillRef>
+            <a:effectRef idx="0">
+              <a:schemeClr val="accent1"/>
+            </a:effectRef>
+            <a:fontRef idx="minor">
+              <a:schemeClr val="tx1"/>
+            </a:fontRef>
+          </p:style>
+        </p:cxnSp>
+        <p:cxnSp>
+          <p:nvCxnSpPr>
+            <p:cNvPr id="10" name="Прямая соединительная линия 9"/>
+            <p:cNvCxnSpPr/>
+            <p:nvPr/>
+          </p:nvCxnSpPr>
+          <p:spPr>
+            <a:xfrm>
+              <a:off x="693986" y="1628800"/>
+              <a:ext cx="0" cy="4896544"/>
+            </a:xfrm>
+            <a:prstGeom prst="line">
+              <a:avLst/>
+            </a:prstGeom>
+            <a:ln>
+              <a:solidFill>
+                <a:schemeClr val="bg1">
+                  <a:lumMod val="65000"/>
+                </a:schemeClr>
+              </a:solidFill>
+            </a:ln>
+            <a:effectLst>
+              <a:glow rad="101600">
+                <a:schemeClr val="bg1">
+                  <a:lumMod val="65000"/>
+                  <a:alpha val="60000"/>
+                </a:schemeClr>
+              </a:glow>
+            </a:effectLst>
+          </p:spPr>
+          <p:style>
+            <a:lnRef idx="1">
+              <a:schemeClr val="accent1"/>
+            </a:lnRef>
+            <a:fillRef idx="0">
+              <a:schemeClr val="accent1"/>
+            </a:fillRef>
+            <a:effectRef idx="0">
+              <a:schemeClr val="accent1"/>
+            </a:effectRef>
+            <a:fontRef idx="minor">
+              <a:schemeClr val="tx1"/>
+            </a:fontRef>
+          </p:style>
+        </p:cxnSp>
+        <p:cxnSp>
+          <p:nvCxnSpPr>
+            <p:cNvPr id="12" name="Прямая соединительная линия 11"/>
+            <p:cNvCxnSpPr/>
+            <p:nvPr/>
+          </p:nvCxnSpPr>
+          <p:spPr>
+            <a:xfrm>
+              <a:off x="395536" y="1052736"/>
+              <a:ext cx="0" cy="5472608"/>
+            </a:xfrm>
+            <a:prstGeom prst="line">
+              <a:avLst/>
+            </a:prstGeom>
+            <a:ln>
+              <a:solidFill>
+                <a:schemeClr val="bg1">
+                  <a:lumMod val="65000"/>
+                </a:schemeClr>
+              </a:solidFill>
+            </a:ln>
+            <a:effectLst>
+              <a:glow rad="101600">
+                <a:schemeClr val="bg1">
+                  <a:lumMod val="65000"/>
+                  <a:alpha val="60000"/>
+                </a:schemeClr>
+              </a:glow>
+            </a:effectLst>
+          </p:spPr>
+          <p:style>
+            <a:lnRef idx="1">
+              <a:schemeClr val="accent1"/>
+            </a:lnRef>
+            <a:fillRef idx="0">
+              <a:schemeClr val="accent1"/>
+            </a:fillRef>
+            <a:effectRef idx="0">
+              <a:schemeClr val="accent1"/>
+            </a:effectRef>
+            <a:fontRef idx="minor">
+              <a:schemeClr val="tx1"/>
+            </a:fontRef>
+          </p:style>
+        </p:cxnSp>
+      </p:grpSp>
+      <p:sp>
+        <p:nvSpPr>
+          <p:cNvPr id="13" name="Подзаголовок 2"/>
+          <p:cNvSpPr txBox="1">
+            <a:spLocks/>
+          </p:cNvSpPr>
+          <p:nvPr/>
+        </p:nvSpPr>
+        <p:spPr bwMode="auto">
+          <a:xfrm>
+            <a:off x="899592" y="1344713"/>
+            <a:ext cx="7994476" cy="1076175"/>
+          </a:xfrm>
+          <a:prstGeom prst="rect">
+            <a:avLst/>
+          </a:prstGeom>
+          <a:noFill/>
+          <a:ln>
+            <a:noFill/>
+          </a:ln>
+          <a:extLst>
+            <a:ext uri="{909E8E84-426E-40DD-AFC4-6F175D3DCCD1}">
+              <a14:hiddenFill xmlns:a14="http://schemas.microsoft.com/office/drawing/2010/main">
+                <a:solidFill>
+                  <a:srgbClr val="FFFFFF"/>
+                </a:solidFill>
+              </a14:hiddenFill>
+            </a:ext>
+            <a:ext uri="{91240B29-F687-4F45-9708-019B960494DF}">
+              <a14:hiddenLine xmlns:a14="http://schemas.microsoft.com/office/drawing/2010/main" w="9525">
+                <a:solidFill>
+                  <a:srgbClr val="000000"/>
+                </a:solidFill>
+                <a:miter lim="800000"/>
+                <a:headEnd/>
+                <a:tailEnd/>
+              </a14:hiddenLine>
+            </a:ext>
+          </a:extLst>
+        </p:spPr>
+        <p:txBody>
+          <a:bodyPr vert="horz" wrap="square" lIns="91440" tIns="45720" rIns="91440" bIns="45720" numCol="1" anchor="t" anchorCtr="0" compatLnSpc="1">
+            <a:prstTxWarp prst="textNoShape">
+              <a:avLst/>
+            </a:prstTxWarp>
+          </a:bodyPr>
+          <a:lstStyle>
+            <a:lvl1pPr marL="0" indent="0" algn="ctr" rtl="0" eaLnBrk="0" fontAlgn="base" hangingPunct="0">
+              <a:spcBef>
+                <a:spcPct val="20000"/>
+              </a:spcBef>
+              <a:spcAft>
+                <a:spcPct val="0"/>
+              </a:spcAft>
+              <a:buFont typeface="Arial" charset="0"/>
+              <a:buNone/>
+              <a:defRPr sz="3200" kern="1200">
+                <a:solidFill>
+                  <a:schemeClr val="tx1">
+                    <a:tint val="75000"/>
+                  </a:schemeClr>
+                </a:solidFill>
+                <a:latin typeface="+mn-lt"/>
+                <a:ea typeface="+mn-ea"/>
+                <a:cs typeface="+mn-cs"/>
+              </a:defRPr>
+            </a:lvl1pPr>
+            <a:lvl2pPr marL="457200" indent="0" algn="ctr" rtl="0" eaLnBrk="0" fontAlgn="base" hangingPunct="0">
+              <a:spcBef>
+                <a:spcPct val="20000"/>
+              </a:spcBef>
+              <a:spcAft>
+                <a:spcPct val="0"/>
+              </a:spcAft>
+              <a:buFont typeface="Arial" charset="0"/>
+              <a:buNone/>
+              <a:defRPr sz="2800" kern="1200">
+                <a:solidFill>
+                  <a:schemeClr val="tx1">
+                    <a:tint val="75000"/>
+                  </a:schemeClr>
+                </a:solidFill>
+                <a:latin typeface="+mn-lt"/>
+                <a:ea typeface="+mn-ea"/>
+                <a:cs typeface="+mn-cs"/>
+              </a:defRPr>
+            </a:lvl2pPr>
+            <a:lvl3pPr marL="914400" indent="0" algn="ctr" rtl="0" eaLnBrk="0" fontAlgn="base" hangingPunct="0">
+              <a:spcBef>
+                <a:spcPct val="20000"/>
+              </a:spcBef>
+              <a:spcAft>
+                <a:spcPct val="0"/>
+              </a:spcAft>
+              <a:buFont typeface="Arial" charset="0"/>
+              <a:buNone/>
+              <a:defRPr sz="2400" kern="1200">
+                <a:solidFill>
+                  <a:schemeClr val="tx1">
+                    <a:tint val="75000"/>
+                  </a:schemeClr>
+                </a:solidFill>
+                <a:latin typeface="+mn-lt"/>
+                <a:ea typeface="+mn-ea"/>
+                <a:cs typeface="+mn-cs"/>
+              </a:defRPr>
+            </a:lvl3pPr>
+            <a:lvl4pPr marL="1371600" indent="0" algn="ctr" rtl="0" eaLnBrk="0" fontAlgn="base" hangingPunct="0">
+              <a:spcBef>
+                <a:spcPct val="20000"/>
+              </a:spcBef>
+              <a:spcAft>
+                <a:spcPct val="0"/>
+              </a:spcAft>
+              <a:buFont typeface="Arial" charset="0"/>
+              <a:buNone/>
+              <a:defRPr sz="2000" kern="1200">
+                <a:solidFill>
+                  <a:schemeClr val="tx1">
+                    <a:tint val="75000"/>
+                  </a:schemeClr>
+                </a:solidFill>
+                <a:latin typeface="+mn-lt"/>
+                <a:ea typeface="+mn-ea"/>
+                <a:cs typeface="+mn-cs"/>
+              </a:defRPr>
+            </a:lvl4pPr>
+            <a:lvl5pPr marL="1828800" indent="0" algn="ctr" rtl="0" eaLnBrk="0" fontAlgn="base" hangingPunct="0">
+              <a:spcBef>
+                <a:spcPct val="20000"/>
+              </a:spcBef>
+              <a:spcAft>
+                <a:spcPct val="0"/>
+              </a:spcAft>
+              <a:buFont typeface="Arial" charset="0"/>
+              <a:buNone/>
+              <a:defRPr sz="2000" kern="1200">
+                <a:solidFill>
+                  <a:schemeClr val="tx1">
+                    <a:tint val="75000"/>
+                  </a:schemeClr>
+                </a:solidFill>
+                <a:latin typeface="+mn-lt"/>
+                <a:ea typeface="+mn-ea"/>
+                <a:cs typeface="+mn-cs"/>
+              </a:defRPr>
+            </a:lvl5pPr>
+            <a:lvl6pPr marL="2286000" indent="0" algn="ctr" defTabSz="914400" rtl="0" eaLnBrk="1" latinLnBrk="0" hangingPunct="1">
+              <a:spcBef>
+                <a:spcPct val="20000"/>
+              </a:spcBef>
+              <a:buFont typeface="Arial" pitchFamily="34" charset="0"/>
+              <a:buNone/>
+              <a:defRPr sz="2000" kern="1200">
+                <a:solidFill>
+                  <a:schemeClr val="tx1">
+                    <a:tint val="75000"/>
+                  </a:schemeClr>
+                </a:solidFill>
+                <a:latin typeface="+mn-lt"/>
+                <a:ea typeface="+mn-ea"/>
+                <a:cs typeface="+mn-cs"/>
+              </a:defRPr>
+            </a:lvl6pPr>
+            <a:lvl7pPr marL="2743200" indent="0" algn="ctr" defTabSz="914400" rtl="0" eaLnBrk="1" latinLnBrk="0" hangingPunct="1">
+              <a:spcBef>
+                <a:spcPct val="20000"/>
+              </a:spcBef>
+              <a:buFont typeface="Arial" pitchFamily="34" charset="0"/>
+              <a:buNone/>
+              <a:defRPr sz="2000" kern="1200">
+                <a:solidFill>
+                  <a:schemeClr val="tx1">
+                    <a:tint val="75000"/>
+                  </a:schemeClr>
+                </a:solidFill>
+                <a:latin typeface="+mn-lt"/>
+                <a:ea typeface="+mn-ea"/>
+                <a:cs typeface="+mn-cs"/>
+              </a:defRPr>
+            </a:lvl7pPr>
+            <a:lvl8pPr marL="3200400" indent="0" algn="ctr" defTabSz="914400" rtl="0" eaLnBrk="1" latinLnBrk="0" hangingPunct="1">
+              <a:spcBef>
+                <a:spcPct val="20000"/>
+              </a:spcBef>
+              <a:buFont typeface="Arial" pitchFamily="34" charset="0"/>
+              <a:buNone/>
+              <a:defRPr sz="2000" kern="1200">
+                <a:solidFill>
+                  <a:schemeClr val="tx1">
+                    <a:tint val="75000"/>
+                  </a:schemeClr>
+                </a:solidFill>
+                <a:latin typeface="+mn-lt"/>
+                <a:ea typeface="+mn-ea"/>
+                <a:cs typeface="+mn-cs"/>
+              </a:defRPr>
+            </a:lvl8pPr>
+            <a:lvl9pPr marL="3657600" indent="0" algn="ctr" defTabSz="914400" rtl="0" eaLnBrk="1" latinLnBrk="0" hangingPunct="1">
+              <a:spcBef>
+                <a:spcPct val="20000"/>
+              </a:spcBef>
+              <a:buFont typeface="Arial" pitchFamily="34" charset="0"/>
+              <a:buNone/>
+              <a:defRPr sz="2000" kern="1200">
+                <a:solidFill>
+                  <a:schemeClr val="tx1">
+                    <a:tint val="75000"/>
+                  </a:schemeClr>
+                </a:solidFill>
+                <a:latin typeface="+mn-lt"/>
+                <a:ea typeface="+mn-ea"/>
+                <a:cs typeface="+mn-cs"/>
+              </a:defRPr>
+            </a:lvl9pPr>
+          </a:lstStyle>
+          <a:p>
+            <a:pPr eaLnBrk="1" hangingPunct="1">
+              <a:defRPr/>
+            </a:pPr>
+            <a:r>
+              <a:rPr lang="ru-RU" sz="2600" b="1" u="sng" dirty="0">
+                <a:solidFill>
+                  <a:schemeClr val="tx1"/>
+                </a:solidFill>
+              </a:rPr>
+              <a:t>Оптимистические алгоритмы </a:t>
+            </a:r>
+            <a:r>
+              <a:rPr lang="ru-RU" sz="2600" b="1" u="sng" dirty="0" smtClean="0">
+                <a:solidFill>
+                  <a:schemeClr val="tx1"/>
+                </a:solidFill>
+              </a:rPr>
+              <a:t/>
+            </a:r>
+            <a:br>
+              <a:rPr lang="ru-RU" sz="2600" b="1" u="sng" dirty="0" smtClean="0">
+                <a:solidFill>
+                  <a:schemeClr val="tx1"/>
+                </a:solidFill>
+              </a:rPr>
+            </a:br>
+            <a:r>
+              <a:rPr lang="ru-RU" sz="2600" dirty="0" smtClean="0">
+                <a:solidFill>
+                  <a:schemeClr val="tx1"/>
+                </a:solidFill>
+              </a:rPr>
+              <a:t>(</a:t>
+            </a:r>
+            <a:r>
+              <a:rPr lang="ru-RU" sz="2600" i="1" dirty="0">
+                <a:solidFill>
+                  <a:schemeClr val="tx1"/>
+                </a:solidFill>
+              </a:rPr>
+              <a:t>допускают возможность парадоксов времени</a:t>
+            </a:r>
+            <a:r>
+              <a:rPr lang="ru-RU" sz="2600" dirty="0">
+                <a:solidFill>
+                  <a:schemeClr val="tx1"/>
+                </a:solidFill>
+              </a:rPr>
+              <a:t>)</a:t>
+            </a:r>
+          </a:p>
+        </p:txBody>
+      </p:sp>
+      <p:pic>
+        <p:nvPicPr>
+          <p:cNvPr id="1026" name="Picture 2"/>
+          <p:cNvPicPr>
+            <a:picLocks noChangeAspect="1" noChangeArrowheads="1"/>
+          </p:cNvPicPr>
+          <p:nvPr/>
+        </p:nvPicPr>
+        <p:blipFill>
+          <a:blip r:embed="rId3">
+            <a:extLst>
+              <a:ext uri="{28A0092B-C50C-407E-A947-70E740481C1C}">
+                <a14:useLocalDpi xmlns:a14="http://schemas.microsoft.com/office/drawing/2010/main" val="0"/>
+              </a:ext>
+            </a:extLst>
+          </a:blip>
+          <a:srcRect/>
+          <a:stretch>
+            <a:fillRect/>
+          </a:stretch>
+        </p:blipFill>
+        <p:spPr bwMode="auto">
+          <a:xfrm>
+            <a:off x="4499992" y="2708920"/>
+            <a:ext cx="4419476" cy="3240367"/>
+          </a:xfrm>
+          <a:prstGeom prst="rect">
+            <a:avLst/>
+          </a:prstGeom>
+          <a:noFill/>
+          <a:ln w="50800" cmpd="thickThin">
+            <a:solidFill>
+              <a:schemeClr val="bg1">
+                <a:lumMod val="65000"/>
+              </a:schemeClr>
+            </a:solidFill>
+            <a:miter lim="800000"/>
+            <a:headEnd/>
+            <a:tailEnd/>
+          </a:ln>
+          <a:effectLst/>
+          <a:extLst>
+            <a:ext uri="{909E8E84-426E-40DD-AFC4-6F175D3DCCD1}">
+              <a14:hiddenFill xmlns:a14="http://schemas.microsoft.com/office/drawing/2010/main">
+                <a:solidFill>
+                  <a:schemeClr val="accent1"/>
+                </a:solidFill>
+              </a14:hiddenFill>
+            </a:ext>
+            <a:ext uri="{AF507438-7753-43E0-B8FC-AC1667EBCBE1}">
+              <a14:hiddenEffects xmlns:a14="http://schemas.microsoft.com/office/drawing/2010/main">
+                <a:effectLst>
+                  <a:outerShdw dist="35921" dir="2700000" algn="ctr" rotWithShape="0">
+                    <a:schemeClr val="bg2"/>
+                  </a:outerShdw>
+                </a:effectLst>
+              </a14:hiddenEffects>
+            </a:ext>
+          </a:extLst>
+        </p:spPr>
+      </p:pic>
+      <p:pic>
+        <p:nvPicPr>
+          <p:cNvPr id="1027" name="Picture 3"/>
+          <p:cNvPicPr>
+            <a:picLocks noChangeAspect="1" noChangeArrowheads="1"/>
+          </p:cNvPicPr>
+          <p:nvPr/>
+        </p:nvPicPr>
+        <p:blipFill>
+          <a:blip r:embed="rId4">
+            <a:extLst>
+              <a:ext uri="{28A0092B-C50C-407E-A947-70E740481C1C}">
+                <a14:useLocalDpi xmlns:a14="http://schemas.microsoft.com/office/drawing/2010/main" val="0"/>
+              </a:ext>
+            </a:extLst>
+          </a:blip>
+          <a:srcRect/>
+          <a:stretch>
+            <a:fillRect/>
+          </a:stretch>
+        </p:blipFill>
+        <p:spPr bwMode="auto">
+          <a:xfrm>
+            <a:off x="4470586" y="2708919"/>
+            <a:ext cx="4478287" cy="3240367"/>
+          </a:xfrm>
+          <a:prstGeom prst="rect">
+            <a:avLst/>
+          </a:prstGeom>
+          <a:noFill/>
+          <a:ln w="50800" cmpd="thickThin">
+            <a:solidFill>
+              <a:schemeClr val="bg1">
+                <a:lumMod val="65000"/>
+              </a:schemeClr>
+            </a:solidFill>
+            <a:miter lim="800000"/>
+            <a:headEnd/>
+            <a:tailEnd/>
+          </a:ln>
+          <a:effectLst/>
+          <a:extLst>
+            <a:ext uri="{909E8E84-426E-40DD-AFC4-6F175D3DCCD1}">
+              <a14:hiddenFill xmlns:a14="http://schemas.microsoft.com/office/drawing/2010/main">
+                <a:solidFill>
+                  <a:schemeClr val="accent1"/>
+                </a:solidFill>
+              </a14:hiddenFill>
+            </a:ext>
+            <a:ext uri="{AF507438-7753-43E0-B8FC-AC1667EBCBE1}">
+              <a14:hiddenEffects xmlns:a14="http://schemas.microsoft.com/office/drawing/2010/main">
+                <a:effectLst>
+                  <a:outerShdw dist="35921" dir="2700000" algn="ctr" rotWithShape="0">
+                    <a:schemeClr val="bg2"/>
+                  </a:outerShdw>
+                </a:effectLst>
+              </a14:hiddenEffects>
+            </a:ext>
+          </a:extLst>
+        </p:spPr>
+      </p:pic>
+    </p:spTree>
+    <p:extLst>
+      <p:ext uri="{BB962C8B-B14F-4D97-AF65-F5344CB8AC3E}">
+        <p14:creationId xmlns:p14="http://schemas.microsoft.com/office/powerpoint/2010/main" val="1803447251"/>
+      </p:ext>
+    </p:extLst>
+  </p:cSld>
+  <p:clrMapOvr>
+    <a:masterClrMapping/>
+  </p:clrMapOvr>
+  <p:timing>
+    <p:tnLst>
+      <p:par>
+        <p:cTn id="1" dur="indefinite" restart="never" nodeType="tmRoot">
+          <p:childTnLst>
+            <p:seq concurrent="1" nextAc="seek">
+              <p:cTn id="2" dur="indefinite" nodeType="mainSeq">
+                <p:childTnLst>
+                  <p:par>
+                    <p:cTn id="3" fill="hold">
+                      <p:stCondLst>
+                        <p:cond delay="indefinite"/>
+                      </p:stCondLst>
+                      <p:childTnLst>
+                        <p:par>
+                          <p:cTn id="4" fill="hold">
+                            <p:stCondLst>
+                              <p:cond delay="0"/>
+                            </p:stCondLst>
+                            <p:childTnLst>
+                              <p:par>
+                                <p:cTn id="5" presetID="2" presetClass="entr" presetSubtype="2" fill="hold" nodeType="clickEffect">
+                                  <p:stCondLst>
+                                    <p:cond delay="0"/>
+                                  </p:stCondLst>
+                                  <p:childTnLst>
+                                    <p:set>
+                                      <p:cBhvr>
+                                        <p:cTn id="6" dur="1" fill="hold">
+                                          <p:stCondLst>
+                                            <p:cond delay="0"/>
+                                          </p:stCondLst>
+                                        </p:cTn>
+                                        <p:tgtEl>
+                                          <p:spTgt spid="1026"/>
+                                        </p:tgtEl>
+                                        <p:attrNameLst>
+                                          <p:attrName>style.visibility</p:attrName>
+                                        </p:attrNameLst>
+                                      </p:cBhvr>
+                                      <p:to>
+                                        <p:strVal val="visible"/>
+                                      </p:to>
+                                    </p:set>
+                                    <p:anim calcmode="lin" valueType="num">
+                                      <p:cBhvr additive="base">
+                                        <p:cTn id="7" dur="250" fill="hold"/>
+                                        <p:tgtEl>
+                                          <p:spTgt spid="1026"/>
+                                        </p:tgtEl>
+                                        <p:attrNameLst>
+                                          <p:attrName>ppt_x</p:attrName>
+                                        </p:attrNameLst>
+                                      </p:cBhvr>
+                                      <p:tavLst>
+                                        <p:tav tm="0">
+                                          <p:val>
+                                            <p:strVal val="1+#ppt_w/2"/>
+                                          </p:val>
+                                        </p:tav>
+                                        <p:tav tm="100000">
+                                          <p:val>
+                                            <p:strVal val="#ppt_x"/>
+                                          </p:val>
+                                        </p:tav>
+                                      </p:tavLst>
+                                    </p:anim>
+                                    <p:anim calcmode="lin" valueType="num">
+                                      <p:cBhvr additive="base">
+                                        <p:cTn id="8" dur="250" fill="hold"/>
+                                        <p:tgtEl>
+                                          <p:spTgt spid="1026"/>
+                                        </p:tgtEl>
+                                        <p:attrNameLst>
+                                          <p:attrName>ppt_y</p:attrName>
+                                        </p:attrNameLst>
+                                      </p:cBhvr>
+                                      <p:tavLst>
+                                        <p:tav tm="0">
+                                          <p:val>
+                                            <p:strVal val="#ppt_y"/>
+                                          </p:val>
+                                        </p:tav>
+                                        <p:tav tm="100000">
+                                          <p:val>
+                                            <p:strVal val="#ppt_y"/>
+                                          </p:val>
+                                        </p:tav>
+                                      </p:tavLst>
+                                    </p:anim>
+                                  </p:childTnLst>
+                                </p:cTn>
+                              </p:par>
+                            </p:childTnLst>
+                          </p:cTn>
+                        </p:par>
+                      </p:childTnLst>
+                    </p:cTn>
+                  </p:par>
+                  <p:par>
+                    <p:cTn id="9" fill="hold">
+                      <p:stCondLst>
+                        <p:cond delay="indefinite"/>
+                      </p:stCondLst>
+                      <p:childTnLst>
+                        <p:par>
+                          <p:cTn id="10" fill="hold">
+                            <p:stCondLst>
+                              <p:cond delay="0"/>
+                            </p:stCondLst>
+                            <p:childTnLst>
+                              <p:par>
+                                <p:cTn id="11" presetID="2" presetClass="entr" presetSubtype="2" fill="hold" nodeType="clickEffect">
+                                  <p:stCondLst>
+                                    <p:cond delay="0"/>
+                                  </p:stCondLst>
+                                  <p:childTnLst>
+                                    <p:set>
+                                      <p:cBhvr>
+                                        <p:cTn id="12" dur="1" fill="hold">
+                                          <p:stCondLst>
+                                            <p:cond delay="0"/>
+                                          </p:stCondLst>
+                                        </p:cTn>
+                                        <p:tgtEl>
+                                          <p:spTgt spid="1027"/>
+                                        </p:tgtEl>
+                                        <p:attrNameLst>
+                                          <p:attrName>style.visibility</p:attrName>
+                                        </p:attrNameLst>
+                                      </p:cBhvr>
+                                      <p:to>
+                                        <p:strVal val="visible"/>
+                                      </p:to>
+                                    </p:set>
+                                    <p:anim calcmode="lin" valueType="num">
+                                      <p:cBhvr additive="base">
+                                        <p:cTn id="13" dur="250" fill="hold"/>
+                                        <p:tgtEl>
+                                          <p:spTgt spid="1027"/>
+                                        </p:tgtEl>
+                                        <p:attrNameLst>
+                                          <p:attrName>ppt_x</p:attrName>
+                                        </p:attrNameLst>
+                                      </p:cBhvr>
+                                      <p:tavLst>
+                                        <p:tav tm="0">
+                                          <p:val>
+                                            <p:strVal val="1+#ppt_w/2"/>
+                                          </p:val>
+                                        </p:tav>
+                                        <p:tav tm="100000">
+                                          <p:val>
+                                            <p:strVal val="#ppt_x"/>
+                                          </p:val>
+                                        </p:tav>
+                                      </p:tavLst>
+                                    </p:anim>
+                                    <p:anim calcmode="lin" valueType="num">
+                                      <p:cBhvr additive="base">
+                                        <p:cTn id="14" dur="250" fill="hold"/>
+                                        <p:tgtEl>
+                                          <p:spTgt spid="1027"/>
+                                        </p:tgtEl>
+                                        <p:attrNameLst>
+                                          <p:attrName>ppt_y</p:attrName>
+                                        </p:attrNameLst>
+                                      </p:cBhvr>
+                                      <p:tavLst>
+                                        <p:tav tm="0">
+                                          <p:val>
+                                            <p:strVal val="#ppt_y"/>
+                                          </p:val>
+                                        </p:tav>
+                                        <p:tav tm="100000">
+                                          <p:val>
+                                            <p:strVal val="#ppt_y"/>
+                                          </p:val>
+                                        </p:tav>
+                                      </p:tavLst>
+                                    </p:anim>
+                                  </p:childTnLst>
+                                </p:cTn>
+                              </p:par>
+                            </p:childTnLst>
+                          </p:cTn>
+                        </p:par>
+                      </p:childTnLst>
+                    </p:cTn>
+                  </p:par>
+                </p:childTnLst>
+              </p:cTn>
+              <p:prevCondLst>
+                <p:cond evt="onPrev" delay="0">
+                  <p:tgtEl>
+                    <p:sldTgt/>
+                  </p:tgtEl>
+                </p:cond>
+              </p:prevCondLst>
+              <p:nextCondLst>
+                <p:cond evt="onNext" delay="0">
+                  <p:tgtEl>
+                    <p:sldTgt/>
+                  </p:tgtEl>
+                </p:cond>
+              </p:nextCondLst>
+            </p:seq>
+          </p:childTnLst>
+        </p:cTn>
       </p:par>
     </p:tnLst>
   </p:timing>
@@ -47602,7 +48696,7 @@
             </a:fld>
             <a:r>
               <a:rPr lang="en-US" sz="2800" dirty="0" smtClean="0"/>
-              <a:t>/26</a:t>
+              <a:t>/25</a:t>
             </a:r>
             <a:endParaRPr lang="ru-RU" sz="2800" dirty="0"/>
           </a:p>
@@ -49181,7 +50275,7 @@
             </a:fld>
             <a:r>
               <a:rPr lang="en-US" sz="2800" dirty="0" smtClean="0"/>
-              <a:t>/26</a:t>
+              <a:t>/25</a:t>
             </a:r>
             <a:endParaRPr lang="ru-RU" sz="2800" dirty="0"/>
           </a:p>
